--- a/slides/NFM_2017/NFM_2017.pptx
+++ b/slides/NFM_2017/NFM_2017.pptx
@@ -12,7 +12,7 @@
     <p:sldId id="279" r:id="rId3"/>
     <p:sldId id="280" r:id="rId4"/>
     <p:sldId id="257" r:id="rId5"/>
-    <p:sldId id="260" r:id="rId6"/>
+    <p:sldId id="291" r:id="rId6"/>
     <p:sldId id="277" r:id="rId7"/>
     <p:sldId id="262" r:id="rId8"/>
     <p:sldId id="263" r:id="rId9"/>
@@ -1171,7 +1171,7 @@
           <a:p>
             <a:fld id="{3862069E-068B-4607-B7F1-F057000853A5}" type="datetimeFigureOut">
               <a:rPr lang="en-US" smtClean="0"/>
-              <a:t>4/28/2017</a:t>
+              <a:t>5/10/2017</a:t>
             </a:fld>
             <a:endParaRPr lang="en-US"/>
           </a:p>
@@ -1514,6 +1514,93 @@
     <p:extLst>
       <p:ext uri="{BB962C8B-B14F-4D97-AF65-F5344CB8AC3E}">
         <p14:creationId xmlns:p14="http://schemas.microsoft.com/office/powerpoint/2010/main" val="314022013"/>
+      </p:ext>
+    </p:extLst>
+  </p:cSld>
+  <p:clrMapOvr>
+    <a:masterClrMapping/>
+  </p:clrMapOvr>
+</p:notes>
+</file>
+
+<file path=ppt/notesSlides/notesSlide2.xml><?xml version="1.0" encoding="utf-8"?>
+<p:notes xmlns:a="http://schemas.openxmlformats.org/drawingml/2006/main" xmlns:r="http://schemas.openxmlformats.org/officeDocument/2006/relationships" xmlns:p="http://schemas.openxmlformats.org/presentationml/2006/main">
+  <p:cSld>
+    <p:spTree>
+      <p:nvGrpSpPr>
+        <p:cNvPr id="1" name=""/>
+        <p:cNvGrpSpPr/>
+        <p:nvPr/>
+      </p:nvGrpSpPr>
+      <p:grpSpPr>
+        <a:xfrm>
+          <a:off x="0" y="0"/>
+          <a:ext cx="0" cy="0"/>
+          <a:chOff x="0" y="0"/>
+          <a:chExt cx="0" cy="0"/>
+        </a:xfrm>
+      </p:grpSpPr>
+      <p:sp>
+        <p:nvSpPr>
+          <p:cNvPr id="2" name="Espace réservé de l'image des diapositives 1"/>
+          <p:cNvSpPr>
+            <a:spLocks noGrp="1" noRot="1" noChangeAspect="1"/>
+          </p:cNvSpPr>
+          <p:nvPr>
+            <p:ph type="sldImg"/>
+          </p:nvPr>
+        </p:nvSpPr>
+        <p:spPr/>
+      </p:sp>
+      <p:sp>
+        <p:nvSpPr>
+          <p:cNvPr id="3" name="Espace réservé des notes 2"/>
+          <p:cNvSpPr>
+            <a:spLocks noGrp="1"/>
+          </p:cNvSpPr>
+          <p:nvPr>
+            <p:ph type="body" idx="1"/>
+          </p:nvPr>
+        </p:nvSpPr>
+        <p:spPr/>
+        <p:txBody>
+          <a:bodyPr/>
+          <a:lstStyle/>
+          <a:p>
+            <a:r>
+              <a:rPr lang="en-US" dirty="0"/>
+              <a:t>Contract should summarize properties on which users can rely</a:t>
+            </a:r>
+          </a:p>
+        </p:txBody>
+      </p:sp>
+      <p:sp>
+        <p:nvSpPr>
+          <p:cNvPr id="4" name="Espace réservé du numéro de diapositive 3"/>
+          <p:cNvSpPr>
+            <a:spLocks noGrp="1"/>
+          </p:cNvSpPr>
+          <p:nvPr>
+            <p:ph type="sldNum" sz="quarter" idx="10"/>
+          </p:nvPr>
+        </p:nvSpPr>
+        <p:spPr/>
+        <p:txBody>
+          <a:bodyPr/>
+          <a:lstStyle/>
+          <a:p>
+            <a:fld id="{2411EECB-9C50-45AE-9605-ACCAD81E6074}" type="slidenum">
+              <a:rPr lang="en-US" smtClean="0"/>
+              <a:t>2</a:t>
+            </a:fld>
+            <a:endParaRPr lang="en-US"/>
+          </a:p>
+        </p:txBody>
+      </p:sp>
+    </p:spTree>
+    <p:extLst>
+      <p:ext uri="{BB962C8B-B14F-4D97-AF65-F5344CB8AC3E}">
+        <p14:creationId xmlns:p14="http://schemas.microsoft.com/office/powerpoint/2010/main" val="1809617866"/>
       </p:ext>
     </p:extLst>
   </p:cSld>
@@ -5289,7 +5376,11 @@
             <a:graphicFrameLocks noGrp="1"/>
           </p:cNvGraphicFramePr>
           <p:nvPr>
-            <p:extLst/>
+            <p:extLst>
+              <p:ext uri="{D42A27DB-BD31-4B8C-83A1-F6EECF244321}">
+                <p14:modId xmlns:p14="http://schemas.microsoft.com/office/powerpoint/2010/main" val="2708127080"/>
+              </p:ext>
+            </p:extLst>
           </p:nvPr>
         </p:nvGraphicFramePr>
         <p:xfrm>
@@ -5300,7 +5391,7 @@
           <a:graphicData uri="http://schemas.openxmlformats.org/drawingml/2006/table">
             <a:tbl>
               <a:tblPr firstRow="1" bandRow="1">
-                <a:tableStyleId>{8799B23B-EC83-4686-B30A-512413B5E67A}</a:tableStyleId>
+                <a:tableStyleId>{616DA210-FB5B-4158-B5E0-FEB733F419BA}</a:tableStyleId>
               </a:tblPr>
               <a:tblGrid>
                 <a:gridCol w="867097">
@@ -7148,7 +7239,7 @@
           <p:nvPr>
             <p:extLst>
               <p:ext uri="{D42A27DB-BD31-4B8C-83A1-F6EECF244321}">
-                <p14:modId xmlns:p14="http://schemas.microsoft.com/office/powerpoint/2010/main" val="3672047948"/>
+                <p14:modId xmlns:p14="http://schemas.microsoft.com/office/powerpoint/2010/main" val="3219972626"/>
               </p:ext>
             </p:extLst>
           </p:nvPr>
@@ -7161,7 +7252,7 @@
           <a:graphicData uri="http://schemas.openxmlformats.org/drawingml/2006/table">
             <a:tbl>
               <a:tblPr firstRow="1" bandRow="1">
-                <a:tableStyleId>{8799B23B-EC83-4686-B30A-512413B5E67A}</a:tableStyleId>
+                <a:tableStyleId>{616DA210-FB5B-4158-B5E0-FEB733F419BA}</a:tableStyleId>
               </a:tblPr>
               <a:tblGrid>
                 <a:gridCol w="867097">
@@ -8069,21 +8160,14 @@
             <a:pPr lvl="1"/>
             <a:r>
               <a:rPr lang="en-US" sz="2800" dirty="0"/>
-              <a:t>Paths are sequences of directions</a:t>
+              <a:t>Models are used to express properties in higher layers</a:t>
             </a:r>
           </a:p>
           <a:p>
             <a:pPr lvl="1"/>
             <a:r>
               <a:rPr lang="en-US" sz="2800" dirty="0"/>
-              <a:t>Models will be different depending on the root</a:t>
-            </a:r>
-          </a:p>
-          <a:p>
-            <a:pPr lvl="1"/>
-            <a:r>
-              <a:rPr lang="en-US" sz="2800" dirty="0"/>
-              <a:t>Models are used to express properties in higher layers</a:t>
+              <a:t>Effects of tree operations on models are specified in their contracts</a:t>
             </a:r>
           </a:p>
         </p:txBody>
@@ -8919,7 +9003,7 @@
           <p:nvPr>
             <p:extLst>
               <p:ext uri="{D42A27DB-BD31-4B8C-83A1-F6EECF244321}">
-                <p14:modId xmlns:p14="http://schemas.microsoft.com/office/powerpoint/2010/main" val="1271588444"/>
+                <p14:modId xmlns:p14="http://schemas.microsoft.com/office/powerpoint/2010/main" val="2724225591"/>
               </p:ext>
             </p:extLst>
           </p:nvPr>
@@ -8932,7 +9016,7 @@
           <a:graphicData uri="http://schemas.openxmlformats.org/drawingml/2006/table">
             <a:tbl>
               <a:tblPr firstRow="1" bandRow="1">
-                <a:tableStyleId>{8799B23B-EC83-4686-B30A-512413B5E67A}</a:tableStyleId>
+                <a:tableStyleId>{616DA210-FB5B-4158-B5E0-FEB733F419BA}</a:tableStyleId>
               </a:tblPr>
               <a:tblGrid>
                 <a:gridCol w="867097">
@@ -9483,7 +9567,7 @@
           <p:nvPr>
             <p:extLst>
               <p:ext uri="{D42A27DB-BD31-4B8C-83A1-F6EECF244321}">
-                <p14:modId xmlns:p14="http://schemas.microsoft.com/office/powerpoint/2010/main" val="3616141745"/>
+                <p14:modId xmlns:p14="http://schemas.microsoft.com/office/powerpoint/2010/main" val="2549942558"/>
               </p:ext>
             </p:extLst>
           </p:nvPr>
@@ -9496,7 +9580,7 @@
           <a:graphicData uri="http://schemas.openxmlformats.org/drawingml/2006/table">
             <a:tbl>
               <a:tblPr firstRow="1" bandRow="1">
-                <a:tableStyleId>{8799B23B-EC83-4686-B30A-512413B5E67A}</a:tableStyleId>
+                <a:tableStyleId>{616DA210-FB5B-4158-B5E0-FEB733F419BA}</a:tableStyleId>
               </a:tblPr>
               <a:tblGrid>
                 <a:gridCol w="867097">
@@ -11215,360 +11299,375 @@
           </a:fontRef>
         </p:style>
       </p:cxnSp>
-      <p:sp>
-        <p:nvSpPr>
-          <p:cNvPr id="14" name="Ellipse 13"/>
-          <p:cNvSpPr/>
+      <p:grpSp>
+        <p:nvGrpSpPr>
+          <p:cNvPr id="25" name="Groupe 24"/>
+          <p:cNvGrpSpPr/>
           <p:nvPr/>
-        </p:nvSpPr>
-        <p:spPr>
+        </p:nvGrpSpPr>
+        <p:grpSpPr>
           <a:xfrm>
-            <a:off x="5127065" y="2320834"/>
-            <a:ext cx="631812" cy="627563"/>
+            <a:off x="4493576" y="2320834"/>
+            <a:ext cx="2532279" cy="2520329"/>
+            <a:chOff x="4493576" y="2320834"/>
+            <a:chExt cx="2532279" cy="2520329"/>
           </a:xfrm>
-          <a:prstGeom prst="ellipse">
-            <a:avLst/>
-          </a:prstGeom>
-          <a:ln w="19050"/>
-        </p:spPr>
-        <p:style>
-          <a:lnRef idx="2">
-            <a:schemeClr val="dk1"/>
-          </a:lnRef>
-          <a:fillRef idx="1">
-            <a:schemeClr val="lt1"/>
-          </a:fillRef>
-          <a:effectRef idx="0">
-            <a:schemeClr val="dk1"/>
-          </a:effectRef>
-          <a:fontRef idx="minor">
-            <a:schemeClr val="dk1"/>
-          </a:fontRef>
-        </p:style>
-        <p:txBody>
-          <a:bodyPr rtlCol="0" anchor="ctr"/>
-          <a:lstStyle/>
-          <a:p>
-            <a:pPr algn="ctr"/>
-            <a:r>
-              <a:rPr lang="fr-FR" sz="3200" dirty="0"/>
-              <a:t>2</a:t>
-            </a:r>
-          </a:p>
-        </p:txBody>
-      </p:sp>
-      <p:sp>
-        <p:nvSpPr>
-          <p:cNvPr id="15" name="Ellipse 14"/>
-          <p:cNvSpPr/>
-          <p:nvPr/>
-        </p:nvSpPr>
-        <p:spPr>
-          <a:xfrm>
-            <a:off x="4493576" y="3267217"/>
-            <a:ext cx="631812" cy="627563"/>
-          </a:xfrm>
-          <a:prstGeom prst="ellipse">
-            <a:avLst/>
-          </a:prstGeom>
-          <a:ln w="19050"/>
-        </p:spPr>
-        <p:style>
-          <a:lnRef idx="2">
-            <a:schemeClr val="dk1"/>
-          </a:lnRef>
-          <a:fillRef idx="1">
-            <a:schemeClr val="lt1"/>
-          </a:fillRef>
-          <a:effectRef idx="0">
-            <a:schemeClr val="dk1"/>
-          </a:effectRef>
-          <a:fontRef idx="minor">
-            <a:schemeClr val="dk1"/>
-          </a:fontRef>
-        </p:style>
-        <p:txBody>
-          <a:bodyPr rtlCol="0" anchor="ctr"/>
-          <a:lstStyle/>
-          <a:p>
-            <a:pPr algn="ctr"/>
-            <a:r>
-              <a:rPr lang="fr-FR" sz="3200" dirty="0"/>
-              <a:t>1</a:t>
-            </a:r>
-          </a:p>
-        </p:txBody>
-      </p:sp>
-      <p:sp>
-        <p:nvSpPr>
-          <p:cNvPr id="16" name="Ellipse 15"/>
-          <p:cNvSpPr/>
-          <p:nvPr/>
-        </p:nvSpPr>
-        <p:spPr>
-          <a:xfrm>
-            <a:off x="5760554" y="3267217"/>
-            <a:ext cx="631812" cy="627563"/>
-          </a:xfrm>
-          <a:prstGeom prst="ellipse">
-            <a:avLst/>
-          </a:prstGeom>
-          <a:ln w="19050"/>
-        </p:spPr>
-        <p:style>
-          <a:lnRef idx="2">
-            <a:schemeClr val="dk1"/>
-          </a:lnRef>
-          <a:fillRef idx="1">
-            <a:schemeClr val="lt1"/>
-          </a:fillRef>
-          <a:effectRef idx="0">
-            <a:schemeClr val="dk1"/>
-          </a:effectRef>
-          <a:fontRef idx="minor">
-            <a:schemeClr val="dk1"/>
-          </a:fontRef>
-        </p:style>
-        <p:txBody>
-          <a:bodyPr rtlCol="0" anchor="ctr"/>
-          <a:lstStyle/>
-          <a:p>
-            <a:pPr algn="ctr"/>
-            <a:r>
-              <a:rPr lang="fr-FR" sz="3200" dirty="0"/>
-              <a:t>4</a:t>
-            </a:r>
-          </a:p>
-        </p:txBody>
-      </p:sp>
-      <p:sp>
-        <p:nvSpPr>
-          <p:cNvPr id="17" name="Ellipse 16"/>
-          <p:cNvSpPr/>
-          <p:nvPr/>
-        </p:nvSpPr>
-        <p:spPr>
-          <a:xfrm>
-            <a:off x="6394043" y="4213600"/>
-            <a:ext cx="631812" cy="627563"/>
-          </a:xfrm>
-          <a:prstGeom prst="ellipse">
-            <a:avLst/>
-          </a:prstGeom>
-          <a:ln w="19050"/>
-        </p:spPr>
-        <p:style>
-          <a:lnRef idx="2">
-            <a:schemeClr val="dk1"/>
-          </a:lnRef>
-          <a:fillRef idx="1">
-            <a:schemeClr val="lt1"/>
-          </a:fillRef>
-          <a:effectRef idx="0">
-            <a:schemeClr val="dk1"/>
-          </a:effectRef>
-          <a:fontRef idx="minor">
-            <a:schemeClr val="dk1"/>
-          </a:fontRef>
-        </p:style>
-        <p:txBody>
-          <a:bodyPr rtlCol="0" anchor="ctr"/>
-          <a:lstStyle/>
-          <a:p>
-            <a:pPr algn="ctr"/>
-            <a:r>
-              <a:rPr lang="fr-FR" sz="3200" dirty="0"/>
-              <a:t>5</a:t>
-            </a:r>
-          </a:p>
-        </p:txBody>
-      </p:sp>
-      <p:cxnSp>
-        <p:nvCxnSpPr>
-          <p:cNvPr id="18" name="Connecteur droit avec flèche 17"/>
-          <p:cNvCxnSpPr/>
-          <p:nvPr/>
-        </p:nvCxnSpPr>
-        <p:spPr>
-          <a:xfrm>
-            <a:off x="5647598" y="2888268"/>
-            <a:ext cx="262181" cy="427605"/>
-          </a:xfrm>
-          <a:prstGeom prst="straightConnector1">
-            <a:avLst/>
-          </a:prstGeom>
-          <a:ln w="38100">
-            <a:solidFill>
-              <a:schemeClr val="accent1"/>
-            </a:solidFill>
-            <a:tailEnd type="triangle"/>
-          </a:ln>
-        </p:spPr>
-        <p:style>
-          <a:lnRef idx="1">
-            <a:schemeClr val="dk1"/>
-          </a:lnRef>
-          <a:fillRef idx="0">
-            <a:schemeClr val="dk1"/>
-          </a:fillRef>
-          <a:effectRef idx="0">
-            <a:schemeClr val="dk1"/>
-          </a:effectRef>
-          <a:fontRef idx="minor">
-            <a:schemeClr val="tx1"/>
-          </a:fontRef>
-        </p:style>
-      </p:cxnSp>
-      <p:cxnSp>
-        <p:nvCxnSpPr>
-          <p:cNvPr id="19" name="Connecteur droit avec flèche 18"/>
-          <p:cNvCxnSpPr/>
-          <p:nvPr/>
-        </p:nvCxnSpPr>
-        <p:spPr>
-          <a:xfrm>
-            <a:off x="6261275" y="3859972"/>
-            <a:ext cx="262181" cy="427605"/>
-          </a:xfrm>
-          <a:prstGeom prst="straightConnector1">
-            <a:avLst/>
-          </a:prstGeom>
-          <a:ln w="38100">
-            <a:solidFill>
-              <a:schemeClr val="accent1"/>
-            </a:solidFill>
-            <a:tailEnd type="triangle"/>
-          </a:ln>
-        </p:spPr>
-        <p:style>
-          <a:lnRef idx="1">
-            <a:schemeClr val="dk1"/>
-          </a:lnRef>
-          <a:fillRef idx="0">
-            <a:schemeClr val="dk1"/>
-          </a:fillRef>
-          <a:effectRef idx="0">
-            <a:schemeClr val="dk1"/>
-          </a:effectRef>
-          <a:fontRef idx="minor">
-            <a:schemeClr val="tx1"/>
-          </a:fontRef>
-        </p:style>
-      </p:cxnSp>
-      <p:cxnSp>
-        <p:nvCxnSpPr>
-          <p:cNvPr id="20" name="Connecteur droit avec flèche 19"/>
-          <p:cNvCxnSpPr/>
-          <p:nvPr/>
-        </p:nvCxnSpPr>
-        <p:spPr>
-          <a:xfrm flipH="1">
-            <a:off x="4993221" y="2888267"/>
-            <a:ext cx="262181" cy="427605"/>
-          </a:xfrm>
-          <a:prstGeom prst="straightConnector1">
-            <a:avLst/>
-          </a:prstGeom>
-          <a:ln w="38100">
-            <a:solidFill>
-              <a:srgbClr val="FF0000"/>
-            </a:solidFill>
-            <a:tailEnd type="triangle"/>
-          </a:ln>
-        </p:spPr>
-        <p:style>
-          <a:lnRef idx="1">
-            <a:schemeClr val="dk1"/>
-          </a:lnRef>
-          <a:fillRef idx="0">
-            <a:schemeClr val="dk1"/>
-          </a:fillRef>
-          <a:effectRef idx="0">
-            <a:schemeClr val="dk1"/>
-          </a:effectRef>
-          <a:fontRef idx="minor">
-            <a:schemeClr val="tx1"/>
-          </a:fontRef>
-        </p:style>
-      </p:cxnSp>
-      <p:sp>
-        <p:nvSpPr>
-          <p:cNvPr id="21" name="Ellipse 20"/>
-          <p:cNvSpPr/>
-          <p:nvPr/>
-        </p:nvSpPr>
-        <p:spPr>
-          <a:xfrm>
-            <a:off x="5161058" y="4213600"/>
-            <a:ext cx="631812" cy="627563"/>
-          </a:xfrm>
-          <a:prstGeom prst="ellipse">
-            <a:avLst/>
-          </a:prstGeom>
-          <a:ln w="19050"/>
-        </p:spPr>
-        <p:style>
-          <a:lnRef idx="2">
-            <a:schemeClr val="dk1"/>
-          </a:lnRef>
-          <a:fillRef idx="1">
-            <a:schemeClr val="lt1"/>
-          </a:fillRef>
-          <a:effectRef idx="0">
-            <a:schemeClr val="dk1"/>
-          </a:effectRef>
-          <a:fontRef idx="minor">
-            <a:schemeClr val="dk1"/>
-          </a:fontRef>
-        </p:style>
-        <p:txBody>
-          <a:bodyPr rtlCol="0" anchor="ctr"/>
-          <a:lstStyle/>
-          <a:p>
-            <a:pPr algn="ctr"/>
-            <a:r>
-              <a:rPr lang="fr-FR" sz="3200" dirty="0"/>
-              <a:t>3</a:t>
-            </a:r>
-          </a:p>
-        </p:txBody>
-      </p:sp>
-      <p:cxnSp>
-        <p:nvCxnSpPr>
-          <p:cNvPr id="22" name="Connecteur droit avec flèche 21"/>
-          <p:cNvCxnSpPr/>
-          <p:nvPr/>
-        </p:nvCxnSpPr>
-        <p:spPr>
-          <a:xfrm flipH="1">
-            <a:off x="5660703" y="3834650"/>
-            <a:ext cx="262181" cy="427605"/>
-          </a:xfrm>
-          <a:prstGeom prst="straightConnector1">
-            <a:avLst/>
-          </a:prstGeom>
-          <a:ln w="38100">
-            <a:solidFill>
-              <a:srgbClr val="FF0000"/>
-            </a:solidFill>
-            <a:tailEnd type="triangle"/>
-          </a:ln>
-        </p:spPr>
-        <p:style>
-          <a:lnRef idx="1">
-            <a:schemeClr val="dk1"/>
-          </a:lnRef>
-          <a:fillRef idx="0">
-            <a:schemeClr val="dk1"/>
-          </a:fillRef>
-          <a:effectRef idx="0">
-            <a:schemeClr val="dk1"/>
-          </a:effectRef>
-          <a:fontRef idx="minor">
-            <a:schemeClr val="tx1"/>
-          </a:fontRef>
-        </p:style>
-      </p:cxnSp>
+        </p:grpSpPr>
+        <p:sp>
+          <p:nvSpPr>
+            <p:cNvPr id="14" name="Ellipse 13"/>
+            <p:cNvSpPr/>
+            <p:nvPr/>
+          </p:nvSpPr>
+          <p:spPr>
+            <a:xfrm>
+              <a:off x="5127065" y="2320834"/>
+              <a:ext cx="631812" cy="627563"/>
+            </a:xfrm>
+            <a:prstGeom prst="ellipse">
+              <a:avLst/>
+            </a:prstGeom>
+            <a:ln w="19050"/>
+          </p:spPr>
+          <p:style>
+            <a:lnRef idx="2">
+              <a:schemeClr val="dk1"/>
+            </a:lnRef>
+            <a:fillRef idx="1">
+              <a:schemeClr val="lt1"/>
+            </a:fillRef>
+            <a:effectRef idx="0">
+              <a:schemeClr val="dk1"/>
+            </a:effectRef>
+            <a:fontRef idx="minor">
+              <a:schemeClr val="dk1"/>
+            </a:fontRef>
+          </p:style>
+          <p:txBody>
+            <a:bodyPr rtlCol="0" anchor="ctr"/>
+            <a:lstStyle/>
+            <a:p>
+              <a:pPr algn="ctr"/>
+              <a:r>
+                <a:rPr lang="fr-FR" sz="3200" dirty="0"/>
+                <a:t>2</a:t>
+              </a:r>
+            </a:p>
+          </p:txBody>
+        </p:sp>
+        <p:sp>
+          <p:nvSpPr>
+            <p:cNvPr id="15" name="Ellipse 14"/>
+            <p:cNvSpPr/>
+            <p:nvPr/>
+          </p:nvSpPr>
+          <p:spPr>
+            <a:xfrm>
+              <a:off x="4493576" y="3267217"/>
+              <a:ext cx="631812" cy="627563"/>
+            </a:xfrm>
+            <a:prstGeom prst="ellipse">
+              <a:avLst/>
+            </a:prstGeom>
+            <a:ln w="19050"/>
+          </p:spPr>
+          <p:style>
+            <a:lnRef idx="2">
+              <a:schemeClr val="dk1"/>
+            </a:lnRef>
+            <a:fillRef idx="1">
+              <a:schemeClr val="lt1"/>
+            </a:fillRef>
+            <a:effectRef idx="0">
+              <a:schemeClr val="dk1"/>
+            </a:effectRef>
+            <a:fontRef idx="minor">
+              <a:schemeClr val="dk1"/>
+            </a:fontRef>
+          </p:style>
+          <p:txBody>
+            <a:bodyPr rtlCol="0" anchor="ctr"/>
+            <a:lstStyle/>
+            <a:p>
+              <a:pPr algn="ctr"/>
+              <a:r>
+                <a:rPr lang="fr-FR" sz="3200" dirty="0"/>
+                <a:t>1</a:t>
+              </a:r>
+            </a:p>
+          </p:txBody>
+        </p:sp>
+        <p:sp>
+          <p:nvSpPr>
+            <p:cNvPr id="16" name="Ellipse 15"/>
+            <p:cNvSpPr/>
+            <p:nvPr/>
+          </p:nvSpPr>
+          <p:spPr>
+            <a:xfrm>
+              <a:off x="5760554" y="3267217"/>
+              <a:ext cx="631812" cy="627563"/>
+            </a:xfrm>
+            <a:prstGeom prst="ellipse">
+              <a:avLst/>
+            </a:prstGeom>
+            <a:ln w="19050"/>
+          </p:spPr>
+          <p:style>
+            <a:lnRef idx="2">
+              <a:schemeClr val="dk1"/>
+            </a:lnRef>
+            <a:fillRef idx="1">
+              <a:schemeClr val="lt1"/>
+            </a:fillRef>
+            <a:effectRef idx="0">
+              <a:schemeClr val="dk1"/>
+            </a:effectRef>
+            <a:fontRef idx="minor">
+              <a:schemeClr val="dk1"/>
+            </a:fontRef>
+          </p:style>
+          <p:txBody>
+            <a:bodyPr rtlCol="0" anchor="ctr"/>
+            <a:lstStyle/>
+            <a:p>
+              <a:pPr algn="ctr"/>
+              <a:r>
+                <a:rPr lang="fr-FR" sz="3200" dirty="0"/>
+                <a:t>4</a:t>
+              </a:r>
+            </a:p>
+          </p:txBody>
+        </p:sp>
+        <p:sp>
+          <p:nvSpPr>
+            <p:cNvPr id="17" name="Ellipse 16"/>
+            <p:cNvSpPr/>
+            <p:nvPr/>
+          </p:nvSpPr>
+          <p:spPr>
+            <a:xfrm>
+              <a:off x="6394043" y="4213600"/>
+              <a:ext cx="631812" cy="627563"/>
+            </a:xfrm>
+            <a:prstGeom prst="ellipse">
+              <a:avLst/>
+            </a:prstGeom>
+            <a:ln w="19050"/>
+          </p:spPr>
+          <p:style>
+            <a:lnRef idx="2">
+              <a:schemeClr val="dk1"/>
+            </a:lnRef>
+            <a:fillRef idx="1">
+              <a:schemeClr val="lt1"/>
+            </a:fillRef>
+            <a:effectRef idx="0">
+              <a:schemeClr val="dk1"/>
+            </a:effectRef>
+            <a:fontRef idx="minor">
+              <a:schemeClr val="dk1"/>
+            </a:fontRef>
+          </p:style>
+          <p:txBody>
+            <a:bodyPr rtlCol="0" anchor="ctr"/>
+            <a:lstStyle/>
+            <a:p>
+              <a:pPr algn="ctr"/>
+              <a:r>
+                <a:rPr lang="fr-FR" sz="3200" dirty="0"/>
+                <a:t>5</a:t>
+              </a:r>
+            </a:p>
+          </p:txBody>
+        </p:sp>
+        <p:cxnSp>
+          <p:nvCxnSpPr>
+            <p:cNvPr id="18" name="Connecteur droit avec flèche 17"/>
+            <p:cNvCxnSpPr/>
+            <p:nvPr/>
+          </p:nvCxnSpPr>
+          <p:spPr>
+            <a:xfrm>
+              <a:off x="5647598" y="2888268"/>
+              <a:ext cx="262181" cy="427605"/>
+            </a:xfrm>
+            <a:prstGeom prst="straightConnector1">
+              <a:avLst/>
+            </a:prstGeom>
+            <a:ln w="38100">
+              <a:solidFill>
+                <a:schemeClr val="accent1"/>
+              </a:solidFill>
+              <a:tailEnd type="triangle"/>
+            </a:ln>
+          </p:spPr>
+          <p:style>
+            <a:lnRef idx="1">
+              <a:schemeClr val="dk1"/>
+            </a:lnRef>
+            <a:fillRef idx="0">
+              <a:schemeClr val="dk1"/>
+            </a:fillRef>
+            <a:effectRef idx="0">
+              <a:schemeClr val="dk1"/>
+            </a:effectRef>
+            <a:fontRef idx="minor">
+              <a:schemeClr val="tx1"/>
+            </a:fontRef>
+          </p:style>
+        </p:cxnSp>
+        <p:cxnSp>
+          <p:nvCxnSpPr>
+            <p:cNvPr id="19" name="Connecteur droit avec flèche 18"/>
+            <p:cNvCxnSpPr/>
+            <p:nvPr/>
+          </p:nvCxnSpPr>
+          <p:spPr>
+            <a:xfrm>
+              <a:off x="6261275" y="3859972"/>
+              <a:ext cx="262181" cy="427605"/>
+            </a:xfrm>
+            <a:prstGeom prst="straightConnector1">
+              <a:avLst/>
+            </a:prstGeom>
+            <a:ln w="38100">
+              <a:solidFill>
+                <a:schemeClr val="accent1"/>
+              </a:solidFill>
+              <a:tailEnd type="triangle"/>
+            </a:ln>
+          </p:spPr>
+          <p:style>
+            <a:lnRef idx="1">
+              <a:schemeClr val="dk1"/>
+            </a:lnRef>
+            <a:fillRef idx="0">
+              <a:schemeClr val="dk1"/>
+            </a:fillRef>
+            <a:effectRef idx="0">
+              <a:schemeClr val="dk1"/>
+            </a:effectRef>
+            <a:fontRef idx="minor">
+              <a:schemeClr val="tx1"/>
+            </a:fontRef>
+          </p:style>
+        </p:cxnSp>
+        <p:cxnSp>
+          <p:nvCxnSpPr>
+            <p:cNvPr id="20" name="Connecteur droit avec flèche 19"/>
+            <p:cNvCxnSpPr/>
+            <p:nvPr/>
+          </p:nvCxnSpPr>
+          <p:spPr>
+            <a:xfrm flipH="1">
+              <a:off x="4993221" y="2888267"/>
+              <a:ext cx="262181" cy="427605"/>
+            </a:xfrm>
+            <a:prstGeom prst="straightConnector1">
+              <a:avLst/>
+            </a:prstGeom>
+            <a:ln w="38100">
+              <a:solidFill>
+                <a:srgbClr val="FF0000"/>
+              </a:solidFill>
+              <a:tailEnd type="triangle"/>
+            </a:ln>
+          </p:spPr>
+          <p:style>
+            <a:lnRef idx="1">
+              <a:schemeClr val="dk1"/>
+            </a:lnRef>
+            <a:fillRef idx="0">
+              <a:schemeClr val="dk1"/>
+            </a:fillRef>
+            <a:effectRef idx="0">
+              <a:schemeClr val="dk1"/>
+            </a:effectRef>
+            <a:fontRef idx="minor">
+              <a:schemeClr val="tx1"/>
+            </a:fontRef>
+          </p:style>
+        </p:cxnSp>
+        <p:sp>
+          <p:nvSpPr>
+            <p:cNvPr id="21" name="Ellipse 20"/>
+            <p:cNvSpPr/>
+            <p:nvPr/>
+          </p:nvSpPr>
+          <p:spPr>
+            <a:xfrm>
+              <a:off x="5161058" y="4213600"/>
+              <a:ext cx="631812" cy="627563"/>
+            </a:xfrm>
+            <a:prstGeom prst="ellipse">
+              <a:avLst/>
+            </a:prstGeom>
+            <a:ln w="19050"/>
+          </p:spPr>
+          <p:style>
+            <a:lnRef idx="2">
+              <a:schemeClr val="dk1"/>
+            </a:lnRef>
+            <a:fillRef idx="1">
+              <a:schemeClr val="lt1"/>
+            </a:fillRef>
+            <a:effectRef idx="0">
+              <a:schemeClr val="dk1"/>
+            </a:effectRef>
+            <a:fontRef idx="minor">
+              <a:schemeClr val="dk1"/>
+            </a:fontRef>
+          </p:style>
+          <p:txBody>
+            <a:bodyPr rtlCol="0" anchor="ctr"/>
+            <a:lstStyle/>
+            <a:p>
+              <a:pPr algn="ctr"/>
+              <a:r>
+                <a:rPr lang="fr-FR" sz="3200" dirty="0"/>
+                <a:t>3</a:t>
+              </a:r>
+            </a:p>
+          </p:txBody>
+        </p:sp>
+        <p:cxnSp>
+          <p:nvCxnSpPr>
+            <p:cNvPr id="22" name="Connecteur droit avec flèche 21"/>
+            <p:cNvCxnSpPr/>
+            <p:nvPr/>
+          </p:nvCxnSpPr>
+          <p:spPr>
+            <a:xfrm flipH="1">
+              <a:off x="5660703" y="3834650"/>
+              <a:ext cx="262181" cy="427605"/>
+            </a:xfrm>
+            <a:prstGeom prst="straightConnector1">
+              <a:avLst/>
+            </a:prstGeom>
+            <a:ln w="38100">
+              <a:solidFill>
+                <a:srgbClr val="FF0000"/>
+              </a:solidFill>
+              <a:tailEnd type="triangle"/>
+            </a:ln>
+          </p:spPr>
+          <p:style>
+            <a:lnRef idx="1">
+              <a:schemeClr val="dk1"/>
+            </a:lnRef>
+            <a:fillRef idx="0">
+              <a:schemeClr val="dk1"/>
+            </a:fillRef>
+            <a:effectRef idx="0">
+              <a:schemeClr val="dk1"/>
+            </a:effectRef>
+            <a:fontRef idx="minor">
+              <a:schemeClr val="tx1"/>
+            </a:fontRef>
+          </p:style>
+        </p:cxnSp>
+      </p:grpSp>
       <p:sp>
         <p:nvSpPr>
           <p:cNvPr id="23" name="Flèche droite 49"/>
@@ -11766,8 +11865,8 @@
         </p:nvSpPr>
         <p:spPr>
           <a:xfrm>
-            <a:off x="7285076" y="1825625"/>
-            <a:ext cx="4198712" cy="4351338"/>
+            <a:off x="7051658" y="1825625"/>
+            <a:ext cx="4432130" cy="4351338"/>
           </a:xfrm>
           <a:prstGeom prst="rect">
             <a:avLst/>
@@ -11946,193 +12045,214 @@
               <a:rPr lang="en-US" sz="3200" dirty="0"/>
               <a:t>The set of values contained in the tree</a:t>
             </a:r>
-            <a:endParaRPr lang="en-US" dirty="0"/>
+          </a:p>
+          <a:p>
+            <a:pPr lvl="1"/>
+            <a:r>
+              <a:rPr lang="en-US" sz="2800" dirty="0"/>
+              <a:t>Used for the functional specification of red-black trees</a:t>
+            </a:r>
           </a:p>
         </p:txBody>
       </p:sp>
-      <p:sp>
-        <p:nvSpPr>
-          <p:cNvPr id="8" name="Ellipse 7"/>
-          <p:cNvSpPr/>
+      <p:grpSp>
+        <p:nvGrpSpPr>
+          <p:cNvPr id="5" name="Groupe 4"/>
+          <p:cNvGrpSpPr/>
           <p:nvPr/>
-        </p:nvSpPr>
-        <p:spPr>
+        </p:nvGrpSpPr>
+        <p:grpSpPr>
           <a:xfrm>
-            <a:off x="2004473" y="2405368"/>
-            <a:ext cx="3909848" cy="3072023"/>
+            <a:off x="3926986" y="2554109"/>
+            <a:ext cx="2677878" cy="2540376"/>
+            <a:chOff x="4370908" y="2937015"/>
+            <a:chExt cx="2677878" cy="2540376"/>
           </a:xfrm>
-          <a:prstGeom prst="ellipse">
-            <a:avLst/>
-          </a:prstGeom>
-        </p:spPr>
-        <p:style>
-          <a:lnRef idx="1">
-            <a:schemeClr val="accent1"/>
-          </a:lnRef>
-          <a:fillRef idx="2">
-            <a:schemeClr val="accent1"/>
-          </a:fillRef>
-          <a:effectRef idx="1">
-            <a:schemeClr val="accent1"/>
-          </a:effectRef>
-          <a:fontRef idx="minor">
-            <a:schemeClr val="dk1"/>
-          </a:fontRef>
-        </p:style>
-        <p:txBody>
-          <a:bodyPr rtlCol="0" anchor="ctr"/>
-          <a:lstStyle/>
-          <a:p>
-            <a:pPr algn="ctr"/>
-            <a:endParaRPr lang="en-US" dirty="0"/>
-          </a:p>
-        </p:txBody>
-      </p:sp>
-      <p:sp>
-        <p:nvSpPr>
-          <p:cNvPr id="9" name="ZoneTexte 8"/>
-          <p:cNvSpPr txBox="1"/>
-          <p:nvPr/>
-        </p:nvSpPr>
-        <p:spPr>
-          <a:xfrm>
-            <a:off x="2698156" y="3090042"/>
-            <a:ext cx="418704" cy="646331"/>
-          </a:xfrm>
-          <a:prstGeom prst="rect">
-            <a:avLst/>
-          </a:prstGeom>
-          <a:noFill/>
-        </p:spPr>
-        <p:txBody>
-          <a:bodyPr wrap="none" rtlCol="0">
-            <a:spAutoFit/>
-          </a:bodyPr>
-          <a:lstStyle/>
-          <a:p>
-            <a:r>
-              <a:rPr lang="en-US" sz="3600" dirty="0"/>
-              <a:t>1</a:t>
-            </a:r>
-          </a:p>
-        </p:txBody>
-      </p:sp>
-      <p:sp>
-        <p:nvSpPr>
-          <p:cNvPr id="27" name="ZoneTexte 26"/>
-          <p:cNvSpPr txBox="1"/>
-          <p:nvPr/>
-        </p:nvSpPr>
-        <p:spPr>
-          <a:xfrm>
-            <a:off x="4904578" y="3678128"/>
-            <a:ext cx="418704" cy="646331"/>
-          </a:xfrm>
-          <a:prstGeom prst="rect">
-            <a:avLst/>
-          </a:prstGeom>
-          <a:noFill/>
-        </p:spPr>
-        <p:txBody>
-          <a:bodyPr wrap="none" rtlCol="0">
-            <a:spAutoFit/>
-          </a:bodyPr>
-          <a:lstStyle/>
-          <a:p>
-            <a:r>
-              <a:rPr lang="en-US" sz="3600" dirty="0"/>
-              <a:t>2</a:t>
-            </a:r>
-          </a:p>
-        </p:txBody>
-      </p:sp>
-      <p:sp>
-        <p:nvSpPr>
-          <p:cNvPr id="28" name="ZoneTexte 27"/>
-          <p:cNvSpPr txBox="1"/>
-          <p:nvPr/>
-        </p:nvSpPr>
-        <p:spPr>
-          <a:xfrm>
-            <a:off x="3801367" y="2837043"/>
-            <a:ext cx="418704" cy="646331"/>
-          </a:xfrm>
-          <a:prstGeom prst="rect">
-            <a:avLst/>
-          </a:prstGeom>
-          <a:noFill/>
-        </p:spPr>
-        <p:txBody>
-          <a:bodyPr wrap="none" rtlCol="0">
-            <a:spAutoFit/>
-          </a:bodyPr>
-          <a:lstStyle/>
-          <a:p>
-            <a:r>
-              <a:rPr lang="en-US" sz="3600" dirty="0"/>
-              <a:t>3</a:t>
-            </a:r>
-          </a:p>
-        </p:txBody>
-      </p:sp>
-      <p:sp>
-        <p:nvSpPr>
-          <p:cNvPr id="29" name="ZoneTexte 28"/>
-          <p:cNvSpPr txBox="1"/>
-          <p:nvPr/>
-        </p:nvSpPr>
-        <p:spPr>
-          <a:xfrm>
-            <a:off x="3382663" y="4566746"/>
-            <a:ext cx="418704" cy="646331"/>
-          </a:xfrm>
-          <a:prstGeom prst="rect">
-            <a:avLst/>
-          </a:prstGeom>
-          <a:noFill/>
-        </p:spPr>
-        <p:txBody>
-          <a:bodyPr wrap="none" rtlCol="0">
-            <a:spAutoFit/>
-          </a:bodyPr>
-          <a:lstStyle/>
-          <a:p>
-            <a:r>
-              <a:rPr lang="en-US" sz="3600" dirty="0"/>
-              <a:t>4</a:t>
-            </a:r>
-          </a:p>
-        </p:txBody>
-      </p:sp>
-      <p:sp>
-        <p:nvSpPr>
-          <p:cNvPr id="31" name="ZoneTexte 30"/>
-          <p:cNvSpPr txBox="1"/>
-          <p:nvPr/>
-        </p:nvSpPr>
-        <p:spPr>
-          <a:xfrm>
-            <a:off x="3959397" y="3678128"/>
-            <a:ext cx="418704" cy="646331"/>
-          </a:xfrm>
-          <a:prstGeom prst="rect">
-            <a:avLst/>
-          </a:prstGeom>
-          <a:noFill/>
-        </p:spPr>
-        <p:txBody>
-          <a:bodyPr wrap="none" rtlCol="0">
-            <a:spAutoFit/>
-          </a:bodyPr>
-          <a:lstStyle/>
-          <a:p>
-            <a:r>
-              <a:rPr lang="en-US" sz="3600" dirty="0"/>
-              <a:t>5</a:t>
-            </a:r>
-          </a:p>
-        </p:txBody>
-      </p:sp>
+        </p:grpSpPr>
+        <p:sp>
+          <p:nvSpPr>
+            <p:cNvPr id="8" name="Ellipse 7"/>
+            <p:cNvSpPr/>
+            <p:nvPr/>
+          </p:nvSpPr>
+          <p:spPr>
+            <a:xfrm>
+              <a:off x="4370908" y="2937015"/>
+              <a:ext cx="2677878" cy="2540376"/>
+            </a:xfrm>
+            <a:prstGeom prst="ellipse">
+              <a:avLst/>
+            </a:prstGeom>
+          </p:spPr>
+          <p:style>
+            <a:lnRef idx="1">
+              <a:schemeClr val="accent1"/>
+            </a:lnRef>
+            <a:fillRef idx="2">
+              <a:schemeClr val="accent1"/>
+            </a:fillRef>
+            <a:effectRef idx="1">
+              <a:schemeClr val="accent1"/>
+            </a:effectRef>
+            <a:fontRef idx="minor">
+              <a:schemeClr val="dk1"/>
+            </a:fontRef>
+          </p:style>
+          <p:txBody>
+            <a:bodyPr rtlCol="0" anchor="ctr"/>
+            <a:lstStyle/>
+            <a:p>
+              <a:pPr algn="ctr"/>
+              <a:endParaRPr lang="en-US" dirty="0"/>
+            </a:p>
+          </p:txBody>
+        </p:sp>
+        <p:sp>
+          <p:nvSpPr>
+            <p:cNvPr id="9" name="ZoneTexte 8"/>
+            <p:cNvSpPr txBox="1"/>
+            <p:nvPr/>
+          </p:nvSpPr>
+          <p:spPr>
+            <a:xfrm>
+              <a:off x="4628093" y="3552260"/>
+              <a:ext cx="286773" cy="646331"/>
+            </a:xfrm>
+            <a:prstGeom prst="rect">
+              <a:avLst/>
+            </a:prstGeom>
+            <a:noFill/>
+          </p:spPr>
+          <p:txBody>
+            <a:bodyPr wrap="square" rtlCol="0">
+              <a:spAutoFit/>
+            </a:bodyPr>
+            <a:lstStyle/>
+            <a:p>
+              <a:r>
+                <a:rPr lang="en-US" sz="3600" dirty="0"/>
+                <a:t>1</a:t>
+              </a:r>
+            </a:p>
+          </p:txBody>
+        </p:sp>
+        <p:sp>
+          <p:nvSpPr>
+            <p:cNvPr id="27" name="ZoneTexte 26"/>
+            <p:cNvSpPr txBox="1"/>
+            <p:nvPr/>
+          </p:nvSpPr>
+          <p:spPr>
+            <a:xfrm>
+              <a:off x="6497276" y="3875426"/>
+              <a:ext cx="286773" cy="646331"/>
+            </a:xfrm>
+            <a:prstGeom prst="rect">
+              <a:avLst/>
+            </a:prstGeom>
+            <a:noFill/>
+          </p:spPr>
+          <p:txBody>
+            <a:bodyPr wrap="square" rtlCol="0">
+              <a:spAutoFit/>
+            </a:bodyPr>
+            <a:lstStyle/>
+            <a:p>
+              <a:r>
+                <a:rPr lang="en-US" sz="3600" dirty="0"/>
+                <a:t>2</a:t>
+              </a:r>
+            </a:p>
+          </p:txBody>
+        </p:sp>
+        <p:sp>
+          <p:nvSpPr>
+            <p:cNvPr id="28" name="ZoneTexte 27"/>
+            <p:cNvSpPr txBox="1"/>
+            <p:nvPr/>
+          </p:nvSpPr>
+          <p:spPr>
+            <a:xfrm>
+              <a:off x="5587567" y="3034341"/>
+              <a:ext cx="286773" cy="646331"/>
+            </a:xfrm>
+            <a:prstGeom prst="rect">
+              <a:avLst/>
+            </a:prstGeom>
+            <a:noFill/>
+          </p:spPr>
+          <p:txBody>
+            <a:bodyPr wrap="square" rtlCol="0">
+              <a:spAutoFit/>
+            </a:bodyPr>
+            <a:lstStyle/>
+            <a:p>
+              <a:r>
+                <a:rPr lang="en-US" sz="3600" dirty="0"/>
+                <a:t>3</a:t>
+              </a:r>
+            </a:p>
+          </p:txBody>
+        </p:sp>
+        <p:sp>
+          <p:nvSpPr>
+            <p:cNvPr id="29" name="ZoneTexte 28"/>
+            <p:cNvSpPr txBox="1"/>
+            <p:nvPr/>
+          </p:nvSpPr>
+          <p:spPr>
+            <a:xfrm>
+              <a:off x="5168863" y="4631247"/>
+              <a:ext cx="286773" cy="646331"/>
+            </a:xfrm>
+            <a:prstGeom prst="rect">
+              <a:avLst/>
+            </a:prstGeom>
+            <a:noFill/>
+          </p:spPr>
+          <p:txBody>
+            <a:bodyPr wrap="square" rtlCol="0">
+              <a:spAutoFit/>
+            </a:bodyPr>
+            <a:lstStyle/>
+            <a:p>
+              <a:r>
+                <a:rPr lang="en-US" sz="3600" dirty="0"/>
+                <a:t>4</a:t>
+              </a:r>
+            </a:p>
+          </p:txBody>
+        </p:sp>
+        <p:sp>
+          <p:nvSpPr>
+            <p:cNvPr id="31" name="ZoneTexte 30"/>
+            <p:cNvSpPr txBox="1"/>
+            <p:nvPr/>
+          </p:nvSpPr>
+          <p:spPr>
+            <a:xfrm>
+              <a:off x="5745597" y="3875426"/>
+              <a:ext cx="286773" cy="646331"/>
+            </a:xfrm>
+            <a:prstGeom prst="rect">
+              <a:avLst/>
+            </a:prstGeom>
+            <a:noFill/>
+          </p:spPr>
+          <p:txBody>
+            <a:bodyPr wrap="square" rtlCol="0">
+              <a:spAutoFit/>
+            </a:bodyPr>
+            <a:lstStyle/>
+            <a:p>
+              <a:r>
+                <a:rPr lang="en-US" sz="3600" dirty="0"/>
+                <a:t>5</a:t>
+              </a:r>
+            </a:p>
+          </p:txBody>
+        </p:sp>
+      </p:grpSp>
       <p:sp>
         <p:nvSpPr>
           <p:cNvPr id="3" name="Espace réservé de la date 2"/>
@@ -12178,6 +12298,375 @@
           </a:p>
         </p:txBody>
       </p:sp>
+      <p:grpSp>
+        <p:nvGrpSpPr>
+          <p:cNvPr id="12" name="Groupe 11"/>
+          <p:cNvGrpSpPr/>
+          <p:nvPr/>
+        </p:nvGrpSpPr>
+        <p:grpSpPr>
+          <a:xfrm>
+            <a:off x="782857" y="2564133"/>
+            <a:ext cx="2532279" cy="2520329"/>
+            <a:chOff x="4493576" y="2320834"/>
+            <a:chExt cx="2532279" cy="2520329"/>
+          </a:xfrm>
+        </p:grpSpPr>
+        <p:sp>
+          <p:nvSpPr>
+            <p:cNvPr id="13" name="Ellipse 12"/>
+            <p:cNvSpPr/>
+            <p:nvPr/>
+          </p:nvSpPr>
+          <p:spPr>
+            <a:xfrm>
+              <a:off x="5127065" y="2320834"/>
+              <a:ext cx="631812" cy="627563"/>
+            </a:xfrm>
+            <a:prstGeom prst="ellipse">
+              <a:avLst/>
+            </a:prstGeom>
+            <a:ln w="19050"/>
+          </p:spPr>
+          <p:style>
+            <a:lnRef idx="2">
+              <a:schemeClr val="dk1"/>
+            </a:lnRef>
+            <a:fillRef idx="1">
+              <a:schemeClr val="lt1"/>
+            </a:fillRef>
+            <a:effectRef idx="0">
+              <a:schemeClr val="dk1"/>
+            </a:effectRef>
+            <a:fontRef idx="minor">
+              <a:schemeClr val="dk1"/>
+            </a:fontRef>
+          </p:style>
+          <p:txBody>
+            <a:bodyPr rtlCol="0" anchor="ctr"/>
+            <a:lstStyle/>
+            <a:p>
+              <a:pPr algn="ctr"/>
+              <a:r>
+                <a:rPr lang="fr-FR" sz="3200" dirty="0"/>
+                <a:t>2</a:t>
+              </a:r>
+            </a:p>
+          </p:txBody>
+        </p:sp>
+        <p:sp>
+          <p:nvSpPr>
+            <p:cNvPr id="14" name="Ellipse 13"/>
+            <p:cNvSpPr/>
+            <p:nvPr/>
+          </p:nvSpPr>
+          <p:spPr>
+            <a:xfrm>
+              <a:off x="4493576" y="3267217"/>
+              <a:ext cx="631812" cy="627563"/>
+            </a:xfrm>
+            <a:prstGeom prst="ellipse">
+              <a:avLst/>
+            </a:prstGeom>
+            <a:ln w="19050"/>
+          </p:spPr>
+          <p:style>
+            <a:lnRef idx="2">
+              <a:schemeClr val="dk1"/>
+            </a:lnRef>
+            <a:fillRef idx="1">
+              <a:schemeClr val="lt1"/>
+            </a:fillRef>
+            <a:effectRef idx="0">
+              <a:schemeClr val="dk1"/>
+            </a:effectRef>
+            <a:fontRef idx="minor">
+              <a:schemeClr val="dk1"/>
+            </a:fontRef>
+          </p:style>
+          <p:txBody>
+            <a:bodyPr rtlCol="0" anchor="ctr"/>
+            <a:lstStyle/>
+            <a:p>
+              <a:pPr algn="ctr"/>
+              <a:r>
+                <a:rPr lang="fr-FR" sz="3200" dirty="0"/>
+                <a:t>1</a:t>
+              </a:r>
+            </a:p>
+          </p:txBody>
+        </p:sp>
+        <p:sp>
+          <p:nvSpPr>
+            <p:cNvPr id="15" name="Ellipse 14"/>
+            <p:cNvSpPr/>
+            <p:nvPr/>
+          </p:nvSpPr>
+          <p:spPr>
+            <a:xfrm>
+              <a:off x="5760554" y="3267217"/>
+              <a:ext cx="631812" cy="627563"/>
+            </a:xfrm>
+            <a:prstGeom prst="ellipse">
+              <a:avLst/>
+            </a:prstGeom>
+            <a:ln w="19050"/>
+          </p:spPr>
+          <p:style>
+            <a:lnRef idx="2">
+              <a:schemeClr val="dk1"/>
+            </a:lnRef>
+            <a:fillRef idx="1">
+              <a:schemeClr val="lt1"/>
+            </a:fillRef>
+            <a:effectRef idx="0">
+              <a:schemeClr val="dk1"/>
+            </a:effectRef>
+            <a:fontRef idx="minor">
+              <a:schemeClr val="dk1"/>
+            </a:fontRef>
+          </p:style>
+          <p:txBody>
+            <a:bodyPr rtlCol="0" anchor="ctr"/>
+            <a:lstStyle/>
+            <a:p>
+              <a:pPr algn="ctr"/>
+              <a:r>
+                <a:rPr lang="fr-FR" sz="3200" dirty="0"/>
+                <a:t>4</a:t>
+              </a:r>
+            </a:p>
+          </p:txBody>
+        </p:sp>
+        <p:sp>
+          <p:nvSpPr>
+            <p:cNvPr id="16" name="Ellipse 15"/>
+            <p:cNvSpPr/>
+            <p:nvPr/>
+          </p:nvSpPr>
+          <p:spPr>
+            <a:xfrm>
+              <a:off x="6394043" y="4213600"/>
+              <a:ext cx="631812" cy="627563"/>
+            </a:xfrm>
+            <a:prstGeom prst="ellipse">
+              <a:avLst/>
+            </a:prstGeom>
+            <a:ln w="19050"/>
+          </p:spPr>
+          <p:style>
+            <a:lnRef idx="2">
+              <a:schemeClr val="dk1"/>
+            </a:lnRef>
+            <a:fillRef idx="1">
+              <a:schemeClr val="lt1"/>
+            </a:fillRef>
+            <a:effectRef idx="0">
+              <a:schemeClr val="dk1"/>
+            </a:effectRef>
+            <a:fontRef idx="minor">
+              <a:schemeClr val="dk1"/>
+            </a:fontRef>
+          </p:style>
+          <p:txBody>
+            <a:bodyPr rtlCol="0" anchor="ctr"/>
+            <a:lstStyle/>
+            <a:p>
+              <a:pPr algn="ctr"/>
+              <a:r>
+                <a:rPr lang="fr-FR" sz="3200" dirty="0"/>
+                <a:t>5</a:t>
+              </a:r>
+            </a:p>
+          </p:txBody>
+        </p:sp>
+        <p:cxnSp>
+          <p:nvCxnSpPr>
+            <p:cNvPr id="17" name="Connecteur droit avec flèche 16"/>
+            <p:cNvCxnSpPr/>
+            <p:nvPr/>
+          </p:nvCxnSpPr>
+          <p:spPr>
+            <a:xfrm>
+              <a:off x="5647598" y="2888268"/>
+              <a:ext cx="262181" cy="427605"/>
+            </a:xfrm>
+            <a:prstGeom prst="straightConnector1">
+              <a:avLst/>
+            </a:prstGeom>
+            <a:ln w="38100">
+              <a:solidFill>
+                <a:schemeClr val="accent1"/>
+              </a:solidFill>
+              <a:tailEnd type="triangle"/>
+            </a:ln>
+          </p:spPr>
+          <p:style>
+            <a:lnRef idx="1">
+              <a:schemeClr val="dk1"/>
+            </a:lnRef>
+            <a:fillRef idx="0">
+              <a:schemeClr val="dk1"/>
+            </a:fillRef>
+            <a:effectRef idx="0">
+              <a:schemeClr val="dk1"/>
+            </a:effectRef>
+            <a:fontRef idx="minor">
+              <a:schemeClr val="tx1"/>
+            </a:fontRef>
+          </p:style>
+        </p:cxnSp>
+        <p:cxnSp>
+          <p:nvCxnSpPr>
+            <p:cNvPr id="18" name="Connecteur droit avec flèche 17"/>
+            <p:cNvCxnSpPr/>
+            <p:nvPr/>
+          </p:nvCxnSpPr>
+          <p:spPr>
+            <a:xfrm>
+              <a:off x="6261275" y="3859972"/>
+              <a:ext cx="262181" cy="427605"/>
+            </a:xfrm>
+            <a:prstGeom prst="straightConnector1">
+              <a:avLst/>
+            </a:prstGeom>
+            <a:ln w="38100">
+              <a:solidFill>
+                <a:schemeClr val="accent1"/>
+              </a:solidFill>
+              <a:tailEnd type="triangle"/>
+            </a:ln>
+          </p:spPr>
+          <p:style>
+            <a:lnRef idx="1">
+              <a:schemeClr val="dk1"/>
+            </a:lnRef>
+            <a:fillRef idx="0">
+              <a:schemeClr val="dk1"/>
+            </a:fillRef>
+            <a:effectRef idx="0">
+              <a:schemeClr val="dk1"/>
+            </a:effectRef>
+            <a:fontRef idx="minor">
+              <a:schemeClr val="tx1"/>
+            </a:fontRef>
+          </p:style>
+        </p:cxnSp>
+        <p:cxnSp>
+          <p:nvCxnSpPr>
+            <p:cNvPr id="19" name="Connecteur droit avec flèche 18"/>
+            <p:cNvCxnSpPr/>
+            <p:nvPr/>
+          </p:nvCxnSpPr>
+          <p:spPr>
+            <a:xfrm flipH="1">
+              <a:off x="4993221" y="2888267"/>
+              <a:ext cx="262181" cy="427605"/>
+            </a:xfrm>
+            <a:prstGeom prst="straightConnector1">
+              <a:avLst/>
+            </a:prstGeom>
+            <a:ln w="38100">
+              <a:solidFill>
+                <a:srgbClr val="FF0000"/>
+              </a:solidFill>
+              <a:tailEnd type="triangle"/>
+            </a:ln>
+          </p:spPr>
+          <p:style>
+            <a:lnRef idx="1">
+              <a:schemeClr val="dk1"/>
+            </a:lnRef>
+            <a:fillRef idx="0">
+              <a:schemeClr val="dk1"/>
+            </a:fillRef>
+            <a:effectRef idx="0">
+              <a:schemeClr val="dk1"/>
+            </a:effectRef>
+            <a:fontRef idx="minor">
+              <a:schemeClr val="tx1"/>
+            </a:fontRef>
+          </p:style>
+        </p:cxnSp>
+        <p:sp>
+          <p:nvSpPr>
+            <p:cNvPr id="20" name="Ellipse 19"/>
+            <p:cNvSpPr/>
+            <p:nvPr/>
+          </p:nvSpPr>
+          <p:spPr>
+            <a:xfrm>
+              <a:off x="5161058" y="4213600"/>
+              <a:ext cx="631812" cy="627563"/>
+            </a:xfrm>
+            <a:prstGeom prst="ellipse">
+              <a:avLst/>
+            </a:prstGeom>
+            <a:ln w="19050"/>
+          </p:spPr>
+          <p:style>
+            <a:lnRef idx="2">
+              <a:schemeClr val="dk1"/>
+            </a:lnRef>
+            <a:fillRef idx="1">
+              <a:schemeClr val="lt1"/>
+            </a:fillRef>
+            <a:effectRef idx="0">
+              <a:schemeClr val="dk1"/>
+            </a:effectRef>
+            <a:fontRef idx="minor">
+              <a:schemeClr val="dk1"/>
+            </a:fontRef>
+          </p:style>
+          <p:txBody>
+            <a:bodyPr rtlCol="0" anchor="ctr"/>
+            <a:lstStyle/>
+            <a:p>
+              <a:pPr algn="ctr"/>
+              <a:r>
+                <a:rPr lang="fr-FR" sz="3200" dirty="0"/>
+                <a:t>3</a:t>
+              </a:r>
+            </a:p>
+          </p:txBody>
+        </p:sp>
+        <p:cxnSp>
+          <p:nvCxnSpPr>
+            <p:cNvPr id="21" name="Connecteur droit avec flèche 20"/>
+            <p:cNvCxnSpPr/>
+            <p:nvPr/>
+          </p:nvCxnSpPr>
+          <p:spPr>
+            <a:xfrm flipH="1">
+              <a:off x="5660703" y="3834650"/>
+              <a:ext cx="262181" cy="427605"/>
+            </a:xfrm>
+            <a:prstGeom prst="straightConnector1">
+              <a:avLst/>
+            </a:prstGeom>
+            <a:ln w="38100">
+              <a:solidFill>
+                <a:srgbClr val="FF0000"/>
+              </a:solidFill>
+              <a:tailEnd type="triangle"/>
+            </a:ln>
+          </p:spPr>
+          <p:style>
+            <a:lnRef idx="1">
+              <a:schemeClr val="dk1"/>
+            </a:lnRef>
+            <a:fillRef idx="0">
+              <a:schemeClr val="dk1"/>
+            </a:fillRef>
+            <a:effectRef idx="0">
+              <a:schemeClr val="dk1"/>
+            </a:effectRef>
+            <a:fontRef idx="minor">
+              <a:schemeClr val="tx1"/>
+            </a:fontRef>
+          </p:style>
+        </p:cxnSp>
+      </p:grpSp>
     </p:spTree>
     <p:extLst>
       <p:ext uri="{BB962C8B-B14F-4D97-AF65-F5344CB8AC3E}">
@@ -12439,7 +12928,7 @@
           <p:nvPr>
             <p:extLst>
               <p:ext uri="{D42A27DB-BD31-4B8C-83A1-F6EECF244321}">
-                <p14:modId xmlns:p14="http://schemas.microsoft.com/office/powerpoint/2010/main" val="995022431"/>
+                <p14:modId xmlns:p14="http://schemas.microsoft.com/office/powerpoint/2010/main" val="995323913"/>
               </p:ext>
             </p:extLst>
           </p:nvPr>
@@ -12452,7 +12941,7 @@
           <a:graphicData uri="http://schemas.openxmlformats.org/drawingml/2006/table">
             <a:tbl>
               <a:tblPr firstRow="1" bandRow="1">
-                <a:tableStyleId>{8799B23B-EC83-4686-B30A-512413B5E67A}</a:tableStyleId>
+                <a:tableStyleId>{616DA210-FB5B-4158-B5E0-FEB733F419BA}</a:tableStyleId>
               </a:tblPr>
               <a:tblGrid>
                 <a:gridCol w="719352">
@@ -13078,7 +13567,7 @@
           <p:nvPr>
             <p:extLst>
               <p:ext uri="{D42A27DB-BD31-4B8C-83A1-F6EECF244321}">
-                <p14:modId xmlns:p14="http://schemas.microsoft.com/office/powerpoint/2010/main" val="3269366906"/>
+                <p14:modId xmlns:p14="http://schemas.microsoft.com/office/powerpoint/2010/main" val="1830797041"/>
               </p:ext>
             </p:extLst>
           </p:nvPr>
@@ -13091,7 +13580,7 @@
           <a:graphicData uri="http://schemas.openxmlformats.org/drawingml/2006/table">
             <a:tbl>
               <a:tblPr firstRow="1" bandRow="1">
-                <a:tableStyleId>{8799B23B-EC83-4686-B30A-512413B5E67A}</a:tableStyleId>
+                <a:tableStyleId>{616DA210-FB5B-4158-B5E0-FEB733F419BA}</a:tableStyleId>
               </a:tblPr>
               <a:tblGrid>
                 <a:gridCol w="719352">
@@ -13330,7 +13819,7 @@
           <p:nvPr>
             <p:extLst>
               <p:ext uri="{D42A27DB-BD31-4B8C-83A1-F6EECF244321}">
-                <p14:modId xmlns:p14="http://schemas.microsoft.com/office/powerpoint/2010/main" val="3860363037"/>
+                <p14:modId xmlns:p14="http://schemas.microsoft.com/office/powerpoint/2010/main" val="757709171"/>
               </p:ext>
             </p:extLst>
           </p:nvPr>
@@ -13343,7 +13832,7 @@
           <a:graphicData uri="http://schemas.openxmlformats.org/drawingml/2006/table">
             <a:tbl>
               <a:tblPr firstRow="1" bandRow="1">
-                <a:tableStyleId>{8799B23B-EC83-4686-B30A-512413B5E67A}</a:tableStyleId>
+                <a:tableStyleId>{616DA210-FB5B-4158-B5E0-FEB733F419BA}</a:tableStyleId>
               </a:tblPr>
               <a:tblGrid>
                 <a:gridCol w="719352">
@@ -13440,7 +13929,7 @@
                   </a:txBody>
                   <a:tcPr>
                     <a:solidFill>
-                      <a:schemeClr val="tx1"/>
+                      <a:srgbClr val="FF0000"/>
                     </a:solidFill>
                   </a:tcPr>
                 </a:tc>
@@ -13493,7 +13982,7 @@
                   </a:txBody>
                   <a:tcPr>
                     <a:solidFill>
-                      <a:srgbClr val="FF0000"/>
+                      <a:schemeClr val="tx1"/>
                     </a:solidFill>
                   </a:tcPr>
                 </a:tc>
@@ -13512,7 +14001,7 @@
                   </a:txBody>
                   <a:tcPr>
                     <a:solidFill>
-                      <a:schemeClr val="tx1"/>
+                      <a:srgbClr val="FF0000"/>
                     </a:solidFill>
                   </a:tcPr>
                 </a:tc>
@@ -13934,57 +14423,6 @@
       </p:sp>
       <p:sp>
         <p:nvSpPr>
-          <p:cNvPr id="23" name="Ellipse 22"/>
-          <p:cNvSpPr/>
-          <p:nvPr/>
-        </p:nvSpPr>
-        <p:spPr>
-          <a:xfrm>
-            <a:off x="3859706" y="3669734"/>
-            <a:ext cx="906273" cy="940337"/>
-          </a:xfrm>
-          <a:prstGeom prst="ellipse">
-            <a:avLst/>
-          </a:prstGeom>
-          <a:solidFill>
-            <a:srgbClr val="FF0000"/>
-          </a:solidFill>
-          <a:ln>
-            <a:solidFill>
-              <a:srgbClr val="FF0000"/>
-            </a:solidFill>
-          </a:ln>
-        </p:spPr>
-        <p:style>
-          <a:lnRef idx="2">
-            <a:schemeClr val="accent1">
-              <a:shade val="50000"/>
-            </a:schemeClr>
-          </a:lnRef>
-          <a:fillRef idx="1">
-            <a:schemeClr val="accent1"/>
-          </a:fillRef>
-          <a:effectRef idx="0">
-            <a:schemeClr val="accent1"/>
-          </a:effectRef>
-          <a:fontRef idx="minor">
-            <a:schemeClr val="lt1"/>
-          </a:fontRef>
-        </p:style>
-        <p:txBody>
-          <a:bodyPr rtlCol="0" anchor="ctr"/>
-          <a:lstStyle/>
-          <a:p>
-            <a:pPr algn="ctr"/>
-            <a:r>
-              <a:rPr lang="fr-FR" sz="5400" dirty="0"/>
-              <a:t>4</a:t>
-            </a:r>
-          </a:p>
-        </p:txBody>
-      </p:sp>
-      <p:sp>
-        <p:nvSpPr>
           <p:cNvPr id="24" name="Ellipse 23"/>
           <p:cNvSpPr/>
           <p:nvPr/>
@@ -13998,11 +14436,11 @@
             <a:avLst/>
           </a:prstGeom>
           <a:solidFill>
-            <a:schemeClr val="tx1"/>
+            <a:srgbClr val="FF0000"/>
           </a:solidFill>
           <a:ln>
             <a:solidFill>
-              <a:schemeClr val="tx1"/>
+              <a:srgbClr val="FF0000"/>
             </a:solidFill>
           </a:ln>
         </p:spPr>
@@ -14157,11 +14595,11 @@
             <a:avLst/>
           </a:prstGeom>
           <a:solidFill>
-            <a:schemeClr val="tx1"/>
+            <a:srgbClr val="FF0000"/>
           </a:solidFill>
           <a:ln>
             <a:solidFill>
-              <a:schemeClr val="tx1"/>
+              <a:srgbClr val="FF0000"/>
             </a:solidFill>
           </a:ln>
         </p:spPr>
@@ -14346,6 +14784,57 @@
           </a:fontRef>
         </p:style>
       </p:cxnSp>
+      <p:sp>
+        <p:nvSpPr>
+          <p:cNvPr id="23" name="Ellipse 22"/>
+          <p:cNvSpPr/>
+          <p:nvPr/>
+        </p:nvSpPr>
+        <p:spPr>
+          <a:xfrm>
+            <a:off x="3859706" y="3669734"/>
+            <a:ext cx="906273" cy="940337"/>
+          </a:xfrm>
+          <a:prstGeom prst="ellipse">
+            <a:avLst/>
+          </a:prstGeom>
+          <a:solidFill>
+            <a:schemeClr val="tx1"/>
+          </a:solidFill>
+          <a:ln>
+            <a:solidFill>
+              <a:schemeClr val="tx1"/>
+            </a:solidFill>
+          </a:ln>
+        </p:spPr>
+        <p:style>
+          <a:lnRef idx="2">
+            <a:schemeClr val="accent1">
+              <a:shade val="50000"/>
+            </a:schemeClr>
+          </a:lnRef>
+          <a:fillRef idx="1">
+            <a:schemeClr val="accent1"/>
+          </a:fillRef>
+          <a:effectRef idx="0">
+            <a:schemeClr val="accent1"/>
+          </a:effectRef>
+          <a:fontRef idx="minor">
+            <a:schemeClr val="lt1"/>
+          </a:fontRef>
+        </p:style>
+        <p:txBody>
+          <a:bodyPr rtlCol="0" anchor="ctr"/>
+          <a:lstStyle/>
+          <a:p>
+            <a:pPr algn="ctr"/>
+            <a:r>
+              <a:rPr lang="fr-FR" sz="5400" dirty="0"/>
+              <a:t>4</a:t>
+            </a:r>
+          </a:p>
+        </p:txBody>
+      </p:sp>
     </p:spTree>
     <p:extLst>
       <p:ext uri="{BB962C8B-B14F-4D97-AF65-F5344CB8AC3E}">
@@ -14659,28 +15148,183 @@
       </p:sp>
       <p:grpSp>
         <p:nvGrpSpPr>
-          <p:cNvPr id="8" name="Groupe 7"/>
+          <p:cNvPr id="5" name="Groupe 4"/>
           <p:cNvGrpSpPr/>
           <p:nvPr/>
         </p:nvGrpSpPr>
         <p:grpSpPr>
           <a:xfrm>
-            <a:off x="5112703" y="3344112"/>
-            <a:ext cx="1698462" cy="588235"/>
-            <a:chOff x="2042350" y="2245999"/>
-            <a:chExt cx="2543336" cy="944961"/>
+            <a:off x="696939" y="1889404"/>
+            <a:ext cx="2532279" cy="2520329"/>
+            <a:chOff x="696939" y="2029789"/>
+            <a:chExt cx="2532279" cy="2520329"/>
           </a:xfrm>
         </p:grpSpPr>
         <p:sp>
           <p:nvSpPr>
-            <p:cNvPr id="20" name="Ellipse 19"/>
+            <p:cNvPr id="139" name="Ellipse 138"/>
             <p:cNvSpPr/>
             <p:nvPr/>
           </p:nvSpPr>
           <p:spPr>
             <a:xfrm>
-              <a:off x="2416302" y="2251679"/>
-              <a:ext cx="372962" cy="374510"/>
+              <a:off x="1330428" y="2029789"/>
+              <a:ext cx="631812" cy="627563"/>
+            </a:xfrm>
+            <a:prstGeom prst="ellipse">
+              <a:avLst/>
+            </a:prstGeom>
+            <a:solidFill>
+              <a:schemeClr val="tx1"/>
+            </a:solidFill>
+            <a:ln>
+              <a:solidFill>
+                <a:schemeClr val="tx1"/>
+              </a:solidFill>
+            </a:ln>
+          </p:spPr>
+          <p:style>
+            <a:lnRef idx="2">
+              <a:schemeClr val="accent1">
+                <a:shade val="50000"/>
+              </a:schemeClr>
+            </a:lnRef>
+            <a:fillRef idx="1">
+              <a:schemeClr val="accent1"/>
+            </a:fillRef>
+            <a:effectRef idx="0">
+              <a:schemeClr val="accent1"/>
+            </a:effectRef>
+            <a:fontRef idx="minor">
+              <a:schemeClr val="lt1"/>
+            </a:fontRef>
+          </p:style>
+          <p:txBody>
+            <a:bodyPr rtlCol="0" anchor="ctr"/>
+            <a:lstStyle/>
+            <a:p>
+              <a:pPr algn="ctr"/>
+              <a:r>
+                <a:rPr lang="fr-FR" sz="3200" dirty="0"/>
+                <a:t>2</a:t>
+              </a:r>
+            </a:p>
+          </p:txBody>
+        </p:sp>
+        <p:sp>
+          <p:nvSpPr>
+            <p:cNvPr id="140" name="Ellipse 139"/>
+            <p:cNvSpPr/>
+            <p:nvPr/>
+          </p:nvSpPr>
+          <p:spPr>
+            <a:xfrm>
+              <a:off x="696939" y="2976172"/>
+              <a:ext cx="631812" cy="627563"/>
+            </a:xfrm>
+            <a:prstGeom prst="ellipse">
+              <a:avLst/>
+            </a:prstGeom>
+            <a:solidFill>
+              <a:schemeClr val="tx1"/>
+            </a:solidFill>
+            <a:ln>
+              <a:solidFill>
+                <a:schemeClr val="tx1"/>
+              </a:solidFill>
+            </a:ln>
+          </p:spPr>
+          <p:style>
+            <a:lnRef idx="2">
+              <a:schemeClr val="accent1">
+                <a:shade val="50000"/>
+              </a:schemeClr>
+            </a:lnRef>
+            <a:fillRef idx="1">
+              <a:schemeClr val="accent1"/>
+            </a:fillRef>
+            <a:effectRef idx="0">
+              <a:schemeClr val="accent1"/>
+            </a:effectRef>
+            <a:fontRef idx="minor">
+              <a:schemeClr val="lt1"/>
+            </a:fontRef>
+          </p:style>
+          <p:txBody>
+            <a:bodyPr rtlCol="0" anchor="ctr"/>
+            <a:lstStyle/>
+            <a:p>
+              <a:pPr algn="ctr"/>
+              <a:r>
+                <a:rPr lang="fr-FR" sz="3200" dirty="0"/>
+                <a:t>1</a:t>
+              </a:r>
+            </a:p>
+          </p:txBody>
+        </p:sp>
+        <p:sp>
+          <p:nvSpPr>
+            <p:cNvPr id="141" name="Ellipse 140"/>
+            <p:cNvSpPr/>
+            <p:nvPr/>
+          </p:nvSpPr>
+          <p:spPr>
+            <a:xfrm>
+              <a:off x="1963917" y="2976172"/>
+              <a:ext cx="631812" cy="627563"/>
+            </a:xfrm>
+            <a:prstGeom prst="ellipse">
+              <a:avLst/>
+            </a:prstGeom>
+            <a:solidFill>
+              <a:schemeClr val="bg2">
+                <a:lumMod val="10000"/>
+              </a:schemeClr>
+            </a:solidFill>
+            <a:ln>
+              <a:solidFill>
+                <a:schemeClr val="tx1"/>
+              </a:solidFill>
+            </a:ln>
+          </p:spPr>
+          <p:style>
+            <a:lnRef idx="2">
+              <a:schemeClr val="accent1">
+                <a:shade val="50000"/>
+              </a:schemeClr>
+            </a:lnRef>
+            <a:fillRef idx="1">
+              <a:schemeClr val="accent1"/>
+            </a:fillRef>
+            <a:effectRef idx="0">
+              <a:schemeClr val="accent1"/>
+            </a:effectRef>
+            <a:fontRef idx="minor">
+              <a:schemeClr val="lt1"/>
+            </a:fontRef>
+          </p:style>
+          <p:txBody>
+            <a:bodyPr rtlCol="0" anchor="ctr"/>
+            <a:lstStyle/>
+            <a:p>
+              <a:pPr algn="ctr"/>
+              <a:r>
+                <a:rPr lang="fr-FR" sz="3200" dirty="0"/>
+                <a:t>3</a:t>
+              </a:r>
+            </a:p>
+          </p:txBody>
+        </p:sp>
+        <p:sp>
+          <p:nvSpPr>
+            <p:cNvPr id="142" name="Ellipse 141"/>
+            <p:cNvSpPr/>
+            <p:nvPr/>
+          </p:nvSpPr>
+          <p:spPr>
+            <a:xfrm>
+              <a:off x="2597406" y="3922555"/>
+              <a:ext cx="631812" cy="627563"/>
             </a:xfrm>
             <a:prstGeom prst="ellipse">
               <a:avLst/>
@@ -14715,20 +15359,146 @@
             <a:lstStyle/>
             <a:p>
               <a:pPr algn="ctr"/>
-              <a:endParaRPr lang="fr-FR" sz="4000" dirty="0"/>
+              <a:r>
+                <a:rPr lang="fr-FR" sz="3200" dirty="0"/>
+                <a:t>4</a:t>
+              </a:r>
             </a:p>
           </p:txBody>
         </p:sp>
+        <p:cxnSp>
+          <p:nvCxnSpPr>
+            <p:cNvPr id="163" name="Connecteur droit avec flèche 162"/>
+            <p:cNvCxnSpPr/>
+            <p:nvPr/>
+          </p:nvCxnSpPr>
+          <p:spPr>
+            <a:xfrm>
+              <a:off x="1850961" y="2597223"/>
+              <a:ext cx="262181" cy="427605"/>
+            </a:xfrm>
+            <a:prstGeom prst="straightConnector1">
+              <a:avLst/>
+            </a:prstGeom>
+            <a:ln w="38100">
+              <a:solidFill>
+                <a:schemeClr val="accent1"/>
+              </a:solidFill>
+              <a:tailEnd type="triangle"/>
+            </a:ln>
+          </p:spPr>
+          <p:style>
+            <a:lnRef idx="1">
+              <a:schemeClr val="dk1"/>
+            </a:lnRef>
+            <a:fillRef idx="0">
+              <a:schemeClr val="dk1"/>
+            </a:fillRef>
+            <a:effectRef idx="0">
+              <a:schemeClr val="dk1"/>
+            </a:effectRef>
+            <a:fontRef idx="minor">
+              <a:schemeClr val="tx1"/>
+            </a:fontRef>
+          </p:style>
+        </p:cxnSp>
+        <p:cxnSp>
+          <p:nvCxnSpPr>
+            <p:cNvPr id="164" name="Connecteur droit avec flèche 163"/>
+            <p:cNvCxnSpPr/>
+            <p:nvPr/>
+          </p:nvCxnSpPr>
+          <p:spPr>
+            <a:xfrm>
+              <a:off x="2464638" y="3568927"/>
+              <a:ext cx="262181" cy="427605"/>
+            </a:xfrm>
+            <a:prstGeom prst="straightConnector1">
+              <a:avLst/>
+            </a:prstGeom>
+            <a:ln w="38100">
+              <a:solidFill>
+                <a:schemeClr val="accent1"/>
+              </a:solidFill>
+              <a:tailEnd type="triangle"/>
+            </a:ln>
+          </p:spPr>
+          <p:style>
+            <a:lnRef idx="1">
+              <a:schemeClr val="dk1"/>
+            </a:lnRef>
+            <a:fillRef idx="0">
+              <a:schemeClr val="dk1"/>
+            </a:fillRef>
+            <a:effectRef idx="0">
+              <a:schemeClr val="dk1"/>
+            </a:effectRef>
+            <a:fontRef idx="minor">
+              <a:schemeClr val="tx1"/>
+            </a:fontRef>
+          </p:style>
+        </p:cxnSp>
+        <p:cxnSp>
+          <p:nvCxnSpPr>
+            <p:cNvPr id="165" name="Connecteur droit avec flèche 164"/>
+            <p:cNvCxnSpPr/>
+            <p:nvPr/>
+          </p:nvCxnSpPr>
+          <p:spPr>
+            <a:xfrm flipH="1">
+              <a:off x="1196584" y="2597222"/>
+              <a:ext cx="262181" cy="427605"/>
+            </a:xfrm>
+            <a:prstGeom prst="straightConnector1">
+              <a:avLst/>
+            </a:prstGeom>
+            <a:ln w="38100">
+              <a:solidFill>
+                <a:srgbClr val="FF0000"/>
+              </a:solidFill>
+              <a:tailEnd type="triangle"/>
+            </a:ln>
+          </p:spPr>
+          <p:style>
+            <a:lnRef idx="1">
+              <a:schemeClr val="dk1"/>
+            </a:lnRef>
+            <a:fillRef idx="0">
+              <a:schemeClr val="dk1"/>
+            </a:fillRef>
+            <a:effectRef idx="0">
+              <a:schemeClr val="dk1"/>
+            </a:effectRef>
+            <a:fontRef idx="minor">
+              <a:schemeClr val="tx1"/>
+            </a:fontRef>
+          </p:style>
+        </p:cxnSp>
+      </p:grpSp>
+      <p:grpSp>
+        <p:nvGrpSpPr>
+          <p:cNvPr id="172" name="Groupe 171"/>
+          <p:cNvGrpSpPr/>
+          <p:nvPr/>
+        </p:nvGrpSpPr>
+        <p:grpSpPr>
+          <a:xfrm>
+            <a:off x="4376319" y="1885047"/>
+            <a:ext cx="2532279" cy="2520329"/>
+            <a:chOff x="9096292" y="2059578"/>
+            <a:chExt cx="2532279" cy="2520329"/>
+          </a:xfrm>
+        </p:grpSpPr>
         <p:sp>
           <p:nvSpPr>
-            <p:cNvPr id="22" name="Ellipse 21"/>
+            <p:cNvPr id="175" name="Ellipse 174"/>
             <p:cNvSpPr/>
             <p:nvPr/>
           </p:nvSpPr>
           <p:spPr>
             <a:xfrm>
-              <a:off x="2042350" y="2816450"/>
-              <a:ext cx="372962" cy="374510"/>
+              <a:off x="9729781" y="2059578"/>
+              <a:ext cx="631812" cy="627563"/>
             </a:xfrm>
             <a:prstGeom prst="ellipse">
               <a:avLst/>
@@ -14763,20 +15533,23 @@
             <a:lstStyle/>
             <a:p>
               <a:pPr algn="ctr"/>
-              <a:endParaRPr lang="fr-FR" sz="4000" dirty="0"/>
+              <a:r>
+                <a:rPr lang="fr-FR" sz="3200" dirty="0"/>
+                <a:t>2</a:t>
+              </a:r>
             </a:p>
           </p:txBody>
         </p:sp>
         <p:sp>
           <p:nvSpPr>
-            <p:cNvPr id="23" name="Ellipse 22"/>
+            <p:cNvPr id="176" name="Ellipse 175"/>
             <p:cNvSpPr/>
             <p:nvPr/>
           </p:nvSpPr>
           <p:spPr>
             <a:xfrm>
-              <a:off x="2790254" y="2816450"/>
-              <a:ext cx="372962" cy="374510"/>
+              <a:off x="9096292" y="3005961"/>
+              <a:ext cx="631812" cy="627563"/>
             </a:xfrm>
             <a:prstGeom prst="ellipse">
               <a:avLst/>
@@ -14811,20 +15584,74 @@
             <a:lstStyle/>
             <a:p>
               <a:pPr algn="ctr"/>
-              <a:endParaRPr lang="fr-FR" sz="4000" dirty="0"/>
+              <a:r>
+                <a:rPr lang="fr-FR" sz="3200" dirty="0"/>
+                <a:t>1</a:t>
+              </a:r>
+            </a:p>
+          </p:txBody>
+        </p:sp>
+        <p:sp>
+          <p:nvSpPr>
+            <p:cNvPr id="178" name="Ellipse 177"/>
+            <p:cNvSpPr/>
+            <p:nvPr/>
+          </p:nvSpPr>
+          <p:spPr>
+            <a:xfrm>
+              <a:off x="10996759" y="3952344"/>
+              <a:ext cx="631812" cy="627563"/>
+            </a:xfrm>
+            <a:prstGeom prst="ellipse">
+              <a:avLst/>
+            </a:prstGeom>
+            <a:solidFill>
+              <a:srgbClr val="FF0000"/>
+            </a:solidFill>
+            <a:ln>
+              <a:solidFill>
+                <a:srgbClr val="FF0000"/>
+              </a:solidFill>
+            </a:ln>
+          </p:spPr>
+          <p:style>
+            <a:lnRef idx="2">
+              <a:schemeClr val="accent1">
+                <a:shade val="50000"/>
+              </a:schemeClr>
+            </a:lnRef>
+            <a:fillRef idx="1">
+              <a:schemeClr val="accent1"/>
+            </a:fillRef>
+            <a:effectRef idx="0">
+              <a:schemeClr val="accent1"/>
+            </a:effectRef>
+            <a:fontRef idx="minor">
+              <a:schemeClr val="lt1"/>
+            </a:fontRef>
+          </p:style>
+          <p:txBody>
+            <a:bodyPr rtlCol="0" anchor="ctr"/>
+            <a:lstStyle/>
+            <a:p>
+              <a:pPr algn="ctr"/>
+              <a:r>
+                <a:rPr lang="fr-FR" sz="3200" dirty="0"/>
+                <a:t>5</a:t>
+              </a:r>
             </a:p>
           </p:txBody>
         </p:sp>
         <p:cxnSp>
           <p:nvCxnSpPr>
-            <p:cNvPr id="25" name="Connecteur droit avec flèche 24"/>
+            <p:cNvPr id="179" name="Connecteur droit avec flèche 178"/>
             <p:cNvCxnSpPr/>
             <p:nvPr/>
           </p:nvCxnSpPr>
           <p:spPr>
             <a:xfrm>
-              <a:off x="2723575" y="2590306"/>
-              <a:ext cx="154767" cy="255181"/>
+              <a:off x="10250314" y="2627012"/>
+              <a:ext cx="262181" cy="427605"/>
             </a:xfrm>
             <a:prstGeom prst="straightConnector1">
               <a:avLst/>
@@ -14853,14 +15680,50 @@
         </p:cxnSp>
         <p:cxnSp>
           <p:nvCxnSpPr>
-            <p:cNvPr id="27" name="Connecteur droit avec flèche 26"/>
+            <p:cNvPr id="180" name="Connecteur droit avec flèche 179"/>
+            <p:cNvCxnSpPr/>
+            <p:nvPr/>
+          </p:nvCxnSpPr>
+          <p:spPr>
+            <a:xfrm>
+              <a:off x="10863991" y="3598716"/>
+              <a:ext cx="262181" cy="427605"/>
+            </a:xfrm>
+            <a:prstGeom prst="straightConnector1">
+              <a:avLst/>
+            </a:prstGeom>
+            <a:ln w="38100">
+              <a:solidFill>
+                <a:schemeClr val="accent1"/>
+              </a:solidFill>
+              <a:tailEnd type="triangle"/>
+            </a:ln>
+          </p:spPr>
+          <p:style>
+            <a:lnRef idx="1">
+              <a:schemeClr val="dk1"/>
+            </a:lnRef>
+            <a:fillRef idx="0">
+              <a:schemeClr val="dk1"/>
+            </a:fillRef>
+            <a:effectRef idx="0">
+              <a:schemeClr val="dk1"/>
+            </a:effectRef>
+            <a:fontRef idx="minor">
+              <a:schemeClr val="tx1"/>
+            </a:fontRef>
+          </p:style>
+        </p:cxnSp>
+        <p:cxnSp>
+          <p:nvCxnSpPr>
+            <p:cNvPr id="181" name="Connecteur droit avec flèche 180"/>
             <p:cNvCxnSpPr/>
             <p:nvPr/>
           </p:nvCxnSpPr>
           <p:spPr>
             <a:xfrm flipH="1">
-              <a:off x="2337293" y="2590305"/>
-              <a:ext cx="154767" cy="255181"/>
+              <a:off x="9595937" y="2627011"/>
+              <a:ext cx="262181" cy="427605"/>
             </a:xfrm>
             <a:prstGeom prst="straightConnector1">
               <a:avLst/>
@@ -14889,14 +15752,101 @@
         </p:cxnSp>
         <p:sp>
           <p:nvSpPr>
-            <p:cNvPr id="16" name="Ellipse 15"/>
+            <p:cNvPr id="182" name="Ellipse 181"/>
             <p:cNvSpPr/>
             <p:nvPr/>
           </p:nvSpPr>
           <p:spPr>
             <a:xfrm>
-              <a:off x="3838772" y="2245999"/>
-              <a:ext cx="372962" cy="374510"/>
+              <a:off x="9763774" y="3952344"/>
+              <a:ext cx="631812" cy="627563"/>
+            </a:xfrm>
+            <a:prstGeom prst="ellipse">
+              <a:avLst/>
+            </a:prstGeom>
+            <a:solidFill>
+              <a:srgbClr val="FF0000"/>
+            </a:solidFill>
+            <a:ln>
+              <a:solidFill>
+                <a:srgbClr val="FF0000"/>
+              </a:solidFill>
+            </a:ln>
+          </p:spPr>
+          <p:style>
+            <a:lnRef idx="2">
+              <a:schemeClr val="accent1">
+                <a:shade val="50000"/>
+              </a:schemeClr>
+            </a:lnRef>
+            <a:fillRef idx="1">
+              <a:schemeClr val="accent1"/>
+            </a:fillRef>
+            <a:effectRef idx="0">
+              <a:schemeClr val="accent1"/>
+            </a:effectRef>
+            <a:fontRef idx="minor">
+              <a:schemeClr val="lt1"/>
+            </a:fontRef>
+          </p:style>
+          <p:txBody>
+            <a:bodyPr rtlCol="0" anchor="ctr"/>
+            <a:lstStyle/>
+            <a:p>
+              <a:pPr algn="ctr"/>
+              <a:r>
+                <a:rPr lang="fr-FR" sz="3200" dirty="0"/>
+                <a:t>3</a:t>
+              </a:r>
+            </a:p>
+          </p:txBody>
+        </p:sp>
+        <p:cxnSp>
+          <p:nvCxnSpPr>
+            <p:cNvPr id="183" name="Connecteur droit avec flèche 182"/>
+            <p:cNvCxnSpPr/>
+            <p:nvPr/>
+          </p:nvCxnSpPr>
+          <p:spPr>
+            <a:xfrm flipH="1">
+              <a:off x="10263419" y="3573394"/>
+              <a:ext cx="262181" cy="427605"/>
+            </a:xfrm>
+            <a:prstGeom prst="straightConnector1">
+              <a:avLst/>
+            </a:prstGeom>
+            <a:ln w="38100">
+              <a:solidFill>
+                <a:srgbClr val="FF0000"/>
+              </a:solidFill>
+              <a:tailEnd type="triangle"/>
+            </a:ln>
+          </p:spPr>
+          <p:style>
+            <a:lnRef idx="1">
+              <a:schemeClr val="dk1"/>
+            </a:lnRef>
+            <a:fillRef idx="0">
+              <a:schemeClr val="dk1"/>
+            </a:fillRef>
+            <a:effectRef idx="0">
+              <a:schemeClr val="dk1"/>
+            </a:effectRef>
+            <a:fontRef idx="minor">
+              <a:schemeClr val="tx1"/>
+            </a:fontRef>
+          </p:style>
+        </p:cxnSp>
+        <p:sp>
+          <p:nvSpPr>
+            <p:cNvPr id="177" name="Ellipse 176"/>
+            <p:cNvSpPr/>
+            <p:nvPr/>
+          </p:nvSpPr>
+          <p:spPr>
+            <a:xfrm>
+              <a:off x="10363270" y="3005961"/>
+              <a:ext cx="631812" cy="627563"/>
             </a:xfrm>
             <a:prstGeom prst="ellipse">
               <a:avLst/>
@@ -14931,47 +15881,95 @@
             <a:lstStyle/>
             <a:p>
               <a:pPr algn="ctr"/>
-              <a:endParaRPr lang="fr-FR" sz="4000" dirty="0"/>
+              <a:r>
+                <a:rPr lang="fr-FR" sz="3200" dirty="0"/>
+                <a:t>4</a:t>
+              </a:r>
             </a:p>
           </p:txBody>
         </p:sp>
+      </p:grpSp>
+      <p:sp>
+        <p:nvSpPr>
+          <p:cNvPr id="173" name="Flèche droite 49"/>
+          <p:cNvSpPr/>
+          <p:nvPr/>
+        </p:nvSpPr>
+        <p:spPr>
+          <a:xfrm>
+            <a:off x="3327992" y="3065058"/>
+            <a:ext cx="730275" cy="393935"/>
+          </a:xfrm>
+          <a:prstGeom prst="rightArrow">
+            <a:avLst/>
+          </a:prstGeom>
+        </p:spPr>
+        <p:style>
+          <a:lnRef idx="2">
+            <a:schemeClr val="accent1">
+              <a:shade val="50000"/>
+            </a:schemeClr>
+          </a:lnRef>
+          <a:fillRef idx="1">
+            <a:schemeClr val="accent1"/>
+          </a:fillRef>
+          <a:effectRef idx="0">
+            <a:schemeClr val="accent1"/>
+          </a:effectRef>
+          <a:fontRef idx="minor">
+            <a:schemeClr val="lt1"/>
+          </a:fontRef>
+        </p:style>
+        <p:txBody>
+          <a:bodyPr rtlCol="0" anchor="ctr"/>
+          <a:lstStyle/>
+          <a:p>
+            <a:pPr algn="ctr"/>
+            <a:endParaRPr lang="fr-FR"/>
+          </a:p>
+        </p:txBody>
+      </p:sp>
+      <p:grpSp>
+        <p:nvGrpSpPr>
+          <p:cNvPr id="6" name="Groupe 5"/>
+          <p:cNvGrpSpPr/>
+          <p:nvPr/>
+        </p:nvGrpSpPr>
+        <p:grpSpPr>
+          <a:xfrm>
+            <a:off x="342149" y="4864119"/>
+            <a:ext cx="3071802" cy="1411221"/>
+            <a:chOff x="342149" y="4949486"/>
+            <a:chExt cx="3071802" cy="1411221"/>
+          </a:xfrm>
+        </p:grpSpPr>
         <p:sp>
           <p:nvSpPr>
-            <p:cNvPr id="17" name="Ellipse 16"/>
+            <p:cNvPr id="185" name="Ellipse 184"/>
             <p:cNvSpPr/>
             <p:nvPr/>
           </p:nvSpPr>
           <p:spPr>
             <a:xfrm>
-              <a:off x="4212724" y="2810770"/>
-              <a:ext cx="372962" cy="374510"/>
+              <a:off x="342149" y="4949486"/>
+              <a:ext cx="3071802" cy="1411221"/>
             </a:xfrm>
             <a:prstGeom prst="ellipse">
               <a:avLst/>
             </a:prstGeom>
-            <a:solidFill>
-              <a:schemeClr val="tx1"/>
-            </a:solidFill>
-            <a:ln>
-              <a:solidFill>
-                <a:schemeClr val="tx1"/>
-              </a:solidFill>
-            </a:ln>
           </p:spPr>
           <p:style>
-            <a:lnRef idx="2">
-              <a:schemeClr val="accent1">
-                <a:shade val="50000"/>
-              </a:schemeClr>
+            <a:lnRef idx="1">
+              <a:schemeClr val="accent1"/>
             </a:lnRef>
-            <a:fillRef idx="1">
+            <a:fillRef idx="2">
               <a:schemeClr val="accent1"/>
             </a:fillRef>
-            <a:effectRef idx="0">
+            <a:effectRef idx="1">
               <a:schemeClr val="accent1"/>
             </a:effectRef>
             <a:fontRef idx="minor">
-              <a:schemeClr val="lt1"/>
+              <a:schemeClr val="dk1"/>
             </a:fontRef>
           </p:style>
           <p:txBody>
@@ -14979,83 +15977,168 @@
             <a:lstStyle/>
             <a:p>
               <a:pPr algn="ctr"/>
-              <a:endParaRPr lang="fr-FR" sz="4400" dirty="0"/>
+              <a:endParaRPr lang="en-US" dirty="0"/>
             </a:p>
           </p:txBody>
         </p:sp>
-        <p:cxnSp>
-          <p:nvCxnSpPr>
-            <p:cNvPr id="18" name="Connecteur droit avec flèche 17"/>
-            <p:cNvCxnSpPr/>
+        <p:sp>
+          <p:nvSpPr>
+            <p:cNvPr id="186" name="ZoneTexte 185"/>
+            <p:cNvSpPr txBox="1"/>
             <p:nvPr/>
-          </p:nvCxnSpPr>
+          </p:nvSpPr>
           <p:spPr>
             <a:xfrm>
-              <a:off x="4134350" y="2599736"/>
-              <a:ext cx="154767" cy="255181"/>
+              <a:off x="1151748" y="4963920"/>
+              <a:ext cx="328958" cy="646331"/>
             </a:xfrm>
-            <a:prstGeom prst="straightConnector1">
+            <a:prstGeom prst="rect">
               <a:avLst/>
             </a:prstGeom>
-            <a:ln w="38100">
-              <a:solidFill>
-                <a:schemeClr val="accent1"/>
-              </a:solidFill>
-              <a:tailEnd type="triangle"/>
-            </a:ln>
+            <a:noFill/>
           </p:spPr>
-          <p:style>
-            <a:lnRef idx="1">
-              <a:schemeClr val="dk1"/>
-            </a:lnRef>
-            <a:fillRef idx="0">
-              <a:schemeClr val="dk1"/>
-            </a:fillRef>
-            <a:effectRef idx="0">
-              <a:schemeClr val="dk1"/>
-            </a:effectRef>
-            <a:fontRef idx="minor">
-              <a:schemeClr val="tx1"/>
-            </a:fontRef>
-          </p:style>
-        </p:cxnSp>
+          <p:txBody>
+            <a:bodyPr wrap="square" rtlCol="0">
+              <a:spAutoFit/>
+            </a:bodyPr>
+            <a:lstStyle/>
+            <a:p>
+              <a:r>
+                <a:rPr lang="en-US" sz="3600" dirty="0"/>
+                <a:t>1</a:t>
+              </a:r>
+            </a:p>
+          </p:txBody>
+        </p:sp>
         <p:sp>
           <p:nvSpPr>
-            <p:cNvPr id="21" name="Ellipse 20"/>
+            <p:cNvPr id="187" name="ZoneTexte 186"/>
+            <p:cNvSpPr txBox="1"/>
+            <p:nvPr/>
+          </p:nvSpPr>
+          <p:spPr>
+            <a:xfrm>
+              <a:off x="2696014" y="5382367"/>
+              <a:ext cx="328958" cy="646331"/>
+            </a:xfrm>
+            <a:prstGeom prst="rect">
+              <a:avLst/>
+            </a:prstGeom>
+            <a:noFill/>
+          </p:spPr>
+          <p:txBody>
+            <a:bodyPr wrap="square" rtlCol="0">
+              <a:spAutoFit/>
+            </a:bodyPr>
+            <a:lstStyle/>
+            <a:p>
+              <a:r>
+                <a:rPr lang="en-US" sz="3600" dirty="0"/>
+                <a:t>2</a:t>
+              </a:r>
+            </a:p>
+          </p:txBody>
+        </p:sp>
+        <p:sp>
+          <p:nvSpPr>
+            <p:cNvPr id="188" name="ZoneTexte 187"/>
+            <p:cNvSpPr txBox="1"/>
+            <p:nvPr/>
+          </p:nvSpPr>
+          <p:spPr>
+            <a:xfrm>
+              <a:off x="1623560" y="5541281"/>
+              <a:ext cx="328958" cy="646331"/>
+            </a:xfrm>
+            <a:prstGeom prst="rect">
+              <a:avLst/>
+            </a:prstGeom>
+            <a:noFill/>
+          </p:spPr>
+          <p:txBody>
+            <a:bodyPr wrap="square" rtlCol="0">
+              <a:spAutoFit/>
+            </a:bodyPr>
+            <a:lstStyle/>
+            <a:p>
+              <a:r>
+                <a:rPr lang="en-US" sz="3600" dirty="0"/>
+                <a:t>3</a:t>
+              </a:r>
+            </a:p>
+          </p:txBody>
+        </p:sp>
+        <p:sp>
+          <p:nvSpPr>
+            <p:cNvPr id="189" name="ZoneTexte 188"/>
+            <p:cNvSpPr txBox="1"/>
+            <p:nvPr/>
+          </p:nvSpPr>
+          <p:spPr>
+            <a:xfrm>
+              <a:off x="532460" y="5329709"/>
+              <a:ext cx="328958" cy="646331"/>
+            </a:xfrm>
+            <a:prstGeom prst="rect">
+              <a:avLst/>
+            </a:prstGeom>
+            <a:noFill/>
+          </p:spPr>
+          <p:txBody>
+            <a:bodyPr wrap="square" rtlCol="0">
+              <a:spAutoFit/>
+            </a:bodyPr>
+            <a:lstStyle/>
+            <a:p>
+              <a:r>
+                <a:rPr lang="en-US" sz="3600" dirty="0"/>
+                <a:t>4</a:t>
+              </a:r>
+            </a:p>
+          </p:txBody>
+        </p:sp>
+      </p:grpSp>
+      <p:grpSp>
+        <p:nvGrpSpPr>
+          <p:cNvPr id="9" name="Groupe 8"/>
+          <p:cNvGrpSpPr/>
+          <p:nvPr/>
+        </p:nvGrpSpPr>
+        <p:grpSpPr>
+          <a:xfrm>
+            <a:off x="4201048" y="4864119"/>
+            <a:ext cx="3071802" cy="1411221"/>
+            <a:chOff x="4182078" y="4953280"/>
+            <a:chExt cx="3071802" cy="1411221"/>
+          </a:xfrm>
+        </p:grpSpPr>
+        <p:sp>
+          <p:nvSpPr>
+            <p:cNvPr id="191" name="Ellipse 190"/>
             <p:cNvSpPr/>
             <p:nvPr/>
           </p:nvSpPr>
           <p:spPr>
             <a:xfrm>
-              <a:off x="3484886" y="2810770"/>
-              <a:ext cx="372962" cy="374510"/>
+              <a:off x="4182078" y="4953280"/>
+              <a:ext cx="3071802" cy="1411221"/>
             </a:xfrm>
             <a:prstGeom prst="ellipse">
               <a:avLst/>
             </a:prstGeom>
-            <a:solidFill>
-              <a:schemeClr val="tx1"/>
-            </a:solidFill>
-            <a:ln>
-              <a:solidFill>
-                <a:schemeClr val="tx1"/>
-              </a:solidFill>
-            </a:ln>
           </p:spPr>
           <p:style>
-            <a:lnRef idx="2">
-              <a:schemeClr val="accent1">
-                <a:shade val="50000"/>
-              </a:schemeClr>
+            <a:lnRef idx="1">
+              <a:schemeClr val="accent1"/>
             </a:lnRef>
-            <a:fillRef idx="1">
+            <a:fillRef idx="2">
               <a:schemeClr val="accent1"/>
             </a:fillRef>
-            <a:effectRef idx="0">
+            <a:effectRef idx="1">
               <a:schemeClr val="accent1"/>
             </a:effectRef>
             <a:fontRef idx="minor">
-              <a:schemeClr val="lt1"/>
+              <a:schemeClr val="dk1"/>
             </a:fontRef>
           </p:style>
           <p:txBody>
@@ -15063,4288 +16146,156 @@
             <a:lstStyle/>
             <a:p>
               <a:pPr algn="ctr"/>
-              <a:endParaRPr lang="fr-FR" sz="4000" dirty="0"/>
-            </a:p>
-          </p:txBody>
-        </p:sp>
-        <p:cxnSp>
-          <p:nvCxnSpPr>
-            <p:cNvPr id="30" name="Connecteur droit avec flèche 29"/>
-            <p:cNvCxnSpPr/>
-            <p:nvPr/>
-          </p:nvCxnSpPr>
-          <p:spPr>
-            <a:xfrm flipH="1">
-              <a:off x="3779829" y="2584625"/>
-              <a:ext cx="154767" cy="255181"/>
-            </a:xfrm>
-            <a:prstGeom prst="straightConnector1">
-              <a:avLst/>
-            </a:prstGeom>
-            <a:ln w="38100">
-              <a:solidFill>
-                <a:srgbClr val="FF0000"/>
-              </a:solidFill>
-              <a:tailEnd type="triangle"/>
-            </a:ln>
-          </p:spPr>
-          <p:style>
-            <a:lnRef idx="1">
-              <a:schemeClr val="dk1"/>
-            </a:lnRef>
-            <a:fillRef idx="0">
-              <a:schemeClr val="dk1"/>
-            </a:fillRef>
-            <a:effectRef idx="0">
-              <a:schemeClr val="dk1"/>
-            </a:effectRef>
-            <a:fontRef idx="minor">
-              <a:schemeClr val="tx1"/>
-            </a:fontRef>
-          </p:style>
-        </p:cxnSp>
-        <p:grpSp>
-          <p:nvGrpSpPr>
-            <p:cNvPr id="31" name="Groupe 30"/>
-            <p:cNvGrpSpPr/>
-            <p:nvPr/>
-          </p:nvGrpSpPr>
-          <p:grpSpPr>
-            <a:xfrm>
-              <a:off x="2497002" y="2331010"/>
-              <a:ext cx="211562" cy="215849"/>
-              <a:chOff x="4164368" y="630536"/>
-              <a:chExt cx="641995" cy="641995"/>
-            </a:xfrm>
-          </p:grpSpPr>
-          <p:sp>
-            <p:nvSpPr>
-              <p:cNvPr id="32" name="Rectangle 31"/>
-              <p:cNvSpPr/>
-              <p:nvPr/>
-            </p:nvSpPr>
-            <p:spPr>
-              <a:xfrm>
-                <a:off x="4164368" y="630536"/>
-                <a:ext cx="641995" cy="203182"/>
-              </a:xfrm>
-              <a:prstGeom prst="rect">
-                <a:avLst/>
-              </a:prstGeom>
-              <a:solidFill>
-                <a:schemeClr val="bg1"/>
-              </a:solidFill>
-              <a:ln>
-                <a:noFill/>
-              </a:ln>
-            </p:spPr>
-            <p:style>
-              <a:lnRef idx="3">
-                <a:schemeClr val="lt1"/>
-              </a:lnRef>
-              <a:fillRef idx="1">
-                <a:schemeClr val="dk1"/>
-              </a:fillRef>
-              <a:effectRef idx="1">
-                <a:schemeClr val="dk1"/>
-              </a:effectRef>
-              <a:fontRef idx="minor">
-                <a:schemeClr val="lt1"/>
-              </a:fontRef>
-            </p:style>
-            <p:txBody>
-              <a:bodyPr rtlCol="0" anchor="ctr"/>
-              <a:lstStyle/>
-              <a:p>
-                <a:pPr algn="ctr"/>
-                <a:endParaRPr lang="en-US"/>
-              </a:p>
-            </p:txBody>
-          </p:sp>
-          <p:sp>
-            <p:nvSpPr>
-              <p:cNvPr id="33" name="Rectangle 32"/>
-              <p:cNvSpPr/>
-              <p:nvPr/>
-            </p:nvSpPr>
-            <p:spPr>
-              <a:xfrm rot="5400000">
-                <a:off x="4164368" y="849943"/>
-                <a:ext cx="641995" cy="203182"/>
-              </a:xfrm>
-              <a:prstGeom prst="rect">
-                <a:avLst/>
-              </a:prstGeom>
-              <a:solidFill>
-                <a:schemeClr val="bg1"/>
-              </a:solidFill>
-              <a:ln>
-                <a:noFill/>
-              </a:ln>
-            </p:spPr>
-            <p:style>
-              <a:lnRef idx="3">
-                <a:schemeClr val="lt1"/>
-              </a:lnRef>
-              <a:fillRef idx="1">
-                <a:schemeClr val="dk1"/>
-              </a:fillRef>
-              <a:effectRef idx="1">
-                <a:schemeClr val="dk1"/>
-              </a:effectRef>
-              <a:fontRef idx="minor">
-                <a:schemeClr val="lt1"/>
-              </a:fontRef>
-            </p:style>
-            <p:txBody>
-              <a:bodyPr rtlCol="0" anchor="ctr"/>
-              <a:lstStyle/>
-              <a:p>
-                <a:pPr algn="ctr"/>
-                <a:endParaRPr lang="en-US"/>
-              </a:p>
-            </p:txBody>
-          </p:sp>
-        </p:grpSp>
-        <p:grpSp>
-          <p:nvGrpSpPr>
-            <p:cNvPr id="34" name="Groupe 33"/>
-            <p:cNvGrpSpPr/>
-            <p:nvPr/>
-          </p:nvGrpSpPr>
-          <p:grpSpPr>
-            <a:xfrm>
-              <a:off x="3919472" y="2325330"/>
-              <a:ext cx="211562" cy="215849"/>
-              <a:chOff x="4164368" y="630536"/>
-              <a:chExt cx="641995" cy="641995"/>
-            </a:xfrm>
-          </p:grpSpPr>
-          <p:sp>
-            <p:nvSpPr>
-              <p:cNvPr id="35" name="Rectangle 34"/>
-              <p:cNvSpPr/>
-              <p:nvPr/>
-            </p:nvSpPr>
-            <p:spPr>
-              <a:xfrm>
-                <a:off x="4164368" y="630536"/>
-                <a:ext cx="641995" cy="203182"/>
-              </a:xfrm>
-              <a:prstGeom prst="rect">
-                <a:avLst/>
-              </a:prstGeom>
-              <a:solidFill>
-                <a:schemeClr val="bg1"/>
-              </a:solidFill>
-              <a:ln>
-                <a:noFill/>
-              </a:ln>
-            </p:spPr>
-            <p:style>
-              <a:lnRef idx="3">
-                <a:schemeClr val="lt1"/>
-              </a:lnRef>
-              <a:fillRef idx="1">
-                <a:schemeClr val="dk1"/>
-              </a:fillRef>
-              <a:effectRef idx="1">
-                <a:schemeClr val="dk1"/>
-              </a:effectRef>
-              <a:fontRef idx="minor">
-                <a:schemeClr val="lt1"/>
-              </a:fontRef>
-            </p:style>
-            <p:txBody>
-              <a:bodyPr rtlCol="0" anchor="ctr"/>
-              <a:lstStyle/>
-              <a:p>
-                <a:pPr algn="ctr"/>
-                <a:endParaRPr lang="en-US"/>
-              </a:p>
-            </p:txBody>
-          </p:sp>
-          <p:sp>
-            <p:nvSpPr>
-              <p:cNvPr id="36" name="Rectangle 35"/>
-              <p:cNvSpPr/>
-              <p:nvPr/>
-            </p:nvSpPr>
-            <p:spPr>
-              <a:xfrm rot="5400000">
-                <a:off x="4164368" y="849943"/>
-                <a:ext cx="641995" cy="203182"/>
-              </a:xfrm>
-              <a:prstGeom prst="rect">
-                <a:avLst/>
-              </a:prstGeom>
-              <a:solidFill>
-                <a:schemeClr val="bg1"/>
-              </a:solidFill>
-              <a:ln>
-                <a:noFill/>
-              </a:ln>
-            </p:spPr>
-            <p:style>
-              <a:lnRef idx="3">
-                <a:schemeClr val="lt1"/>
-              </a:lnRef>
-              <a:fillRef idx="1">
-                <a:schemeClr val="dk1"/>
-              </a:fillRef>
-              <a:effectRef idx="1">
-                <a:schemeClr val="dk1"/>
-              </a:effectRef>
-              <a:fontRef idx="minor">
-                <a:schemeClr val="lt1"/>
-              </a:fontRef>
-            </p:style>
-            <p:txBody>
-              <a:bodyPr rtlCol="0" anchor="ctr"/>
-              <a:lstStyle/>
-              <a:p>
-                <a:pPr algn="ctr"/>
-                <a:endParaRPr lang="en-US"/>
-              </a:p>
-            </p:txBody>
-          </p:sp>
-        </p:grpSp>
-        <p:sp>
-          <p:nvSpPr>
-            <p:cNvPr id="79" name="Flèche droite 49"/>
-            <p:cNvSpPr/>
-            <p:nvPr/>
-          </p:nvSpPr>
-          <p:spPr>
-            <a:xfrm>
-              <a:off x="3033778" y="2353949"/>
-              <a:ext cx="560479" cy="223263"/>
-            </a:xfrm>
-            <a:prstGeom prst="rightArrow">
-              <a:avLst>
-                <a:gd name="adj1" fmla="val 50000"/>
-                <a:gd name="adj2" fmla="val 73974"/>
-              </a:avLst>
-            </a:prstGeom>
-          </p:spPr>
-          <p:style>
-            <a:lnRef idx="2">
-              <a:schemeClr val="accent1">
-                <a:shade val="50000"/>
-              </a:schemeClr>
-            </a:lnRef>
-            <a:fillRef idx="1">
-              <a:schemeClr val="accent1"/>
-            </a:fillRef>
-            <a:effectRef idx="0">
-              <a:schemeClr val="accent1"/>
-            </a:effectRef>
-            <a:fontRef idx="minor">
-              <a:schemeClr val="lt1"/>
-            </a:fontRef>
-          </p:style>
-          <p:txBody>
-            <a:bodyPr rtlCol="0" anchor="ctr"/>
-            <a:lstStyle/>
-            <a:p>
-              <a:pPr algn="ctr"/>
-              <a:endParaRPr lang="fr-FR"/>
-            </a:p>
-          </p:txBody>
-        </p:sp>
-      </p:grpSp>
-      <p:grpSp>
-        <p:nvGrpSpPr>
-          <p:cNvPr id="7" name="Groupe 6"/>
-          <p:cNvGrpSpPr/>
-          <p:nvPr/>
-        </p:nvGrpSpPr>
-        <p:grpSpPr>
-          <a:xfrm>
-            <a:off x="748739" y="1643386"/>
-            <a:ext cx="4001099" cy="1367443"/>
-            <a:chOff x="426696" y="3809612"/>
-            <a:chExt cx="5940954" cy="2105235"/>
-          </a:xfrm>
-        </p:grpSpPr>
-        <p:sp>
-          <p:nvSpPr>
-            <p:cNvPr id="38" name="Ellipse 37"/>
-            <p:cNvSpPr/>
-            <p:nvPr/>
-          </p:nvSpPr>
-          <p:spPr>
-            <a:xfrm>
-              <a:off x="1832579" y="3809612"/>
-              <a:ext cx="372962" cy="374510"/>
-            </a:xfrm>
-            <a:prstGeom prst="ellipse">
-              <a:avLst/>
-            </a:prstGeom>
-            <a:solidFill>
-              <a:schemeClr val="tx1"/>
-            </a:solidFill>
-            <a:ln>
-              <a:solidFill>
-                <a:schemeClr val="tx1"/>
-              </a:solidFill>
-            </a:ln>
-          </p:spPr>
-          <p:style>
-            <a:lnRef idx="2">
-              <a:schemeClr val="accent1">
-                <a:shade val="50000"/>
-              </a:schemeClr>
-            </a:lnRef>
-            <a:fillRef idx="1">
-              <a:schemeClr val="accent1"/>
-            </a:fillRef>
-            <a:effectRef idx="0">
-              <a:schemeClr val="accent1"/>
-            </a:effectRef>
-            <a:fontRef idx="minor">
-              <a:schemeClr val="lt1"/>
-            </a:fontRef>
-          </p:style>
-          <p:txBody>
-            <a:bodyPr rtlCol="0" anchor="ctr"/>
-            <a:lstStyle/>
-            <a:p>
-              <a:pPr algn="ctr"/>
-              <a:endParaRPr lang="fr-FR" sz="4000" dirty="0"/>
-            </a:p>
-          </p:txBody>
-        </p:sp>
-        <p:cxnSp>
-          <p:nvCxnSpPr>
-            <p:cNvPr id="40" name="Connecteur droit avec flèche 39"/>
-            <p:cNvCxnSpPr>
-              <a:stCxn id="38" idx="5"/>
-            </p:cNvCxnSpPr>
-            <p:nvPr/>
-          </p:nvCxnSpPr>
-          <p:spPr>
-            <a:xfrm>
-              <a:off x="2150922" y="4129276"/>
-              <a:ext cx="475149" cy="289254"/>
-            </a:xfrm>
-            <a:prstGeom prst="straightConnector1">
-              <a:avLst/>
-            </a:prstGeom>
-            <a:ln w="38100">
-              <a:solidFill>
-                <a:schemeClr val="accent1"/>
-              </a:solidFill>
-              <a:tailEnd type="triangle"/>
-            </a:ln>
-          </p:spPr>
-          <p:style>
-            <a:lnRef idx="1">
-              <a:schemeClr val="dk1"/>
-            </a:lnRef>
-            <a:fillRef idx="0">
-              <a:schemeClr val="dk1"/>
-            </a:fillRef>
-            <a:effectRef idx="0">
-              <a:schemeClr val="dk1"/>
-            </a:effectRef>
-            <a:fontRef idx="minor">
-              <a:schemeClr val="tx1"/>
-            </a:fontRef>
-          </p:style>
-        </p:cxnSp>
-        <p:cxnSp>
-          <p:nvCxnSpPr>
-            <p:cNvPr id="42" name="Connecteur droit avec flèche 41"/>
-            <p:cNvCxnSpPr>
-              <a:stCxn id="38" idx="3"/>
-            </p:cNvCxnSpPr>
-            <p:nvPr/>
-          </p:nvCxnSpPr>
-          <p:spPr>
-            <a:xfrm flipH="1">
-              <a:off x="1412049" y="4129276"/>
-              <a:ext cx="475149" cy="274143"/>
-            </a:xfrm>
-            <a:prstGeom prst="straightConnector1">
-              <a:avLst/>
-            </a:prstGeom>
-            <a:ln w="38100">
-              <a:solidFill>
-                <a:srgbClr val="FF0000"/>
-              </a:solidFill>
-              <a:tailEnd type="triangle"/>
-            </a:ln>
-          </p:spPr>
-          <p:style>
-            <a:lnRef idx="1">
-              <a:schemeClr val="dk1"/>
-            </a:lnRef>
-            <a:fillRef idx="0">
-              <a:schemeClr val="dk1"/>
-            </a:fillRef>
-            <a:effectRef idx="0">
-              <a:schemeClr val="dk1"/>
-            </a:effectRef>
-            <a:fontRef idx="minor">
-              <a:schemeClr val="tx1"/>
-            </a:fontRef>
-          </p:style>
-        </p:cxnSp>
-        <p:sp>
-          <p:nvSpPr>
-            <p:cNvPr id="46" name="Ellipse 45"/>
-            <p:cNvSpPr/>
-            <p:nvPr/>
-          </p:nvSpPr>
-          <p:spPr>
-            <a:xfrm>
-              <a:off x="1136226" y="4374383"/>
-              <a:ext cx="372962" cy="374510"/>
-            </a:xfrm>
-            <a:prstGeom prst="ellipse">
-              <a:avLst/>
-            </a:prstGeom>
-            <a:solidFill>
-              <a:srgbClr val="FF0000"/>
-            </a:solidFill>
-            <a:ln>
-              <a:solidFill>
-                <a:srgbClr val="FF0000"/>
-              </a:solidFill>
-            </a:ln>
-          </p:spPr>
-          <p:style>
-            <a:lnRef idx="2">
-              <a:schemeClr val="accent1">
-                <a:shade val="50000"/>
-              </a:schemeClr>
-            </a:lnRef>
-            <a:fillRef idx="1">
-              <a:schemeClr val="accent1"/>
-            </a:fillRef>
-            <a:effectRef idx="0">
-              <a:schemeClr val="accent1"/>
-            </a:effectRef>
-            <a:fontRef idx="minor">
-              <a:schemeClr val="lt1"/>
-            </a:fontRef>
-          </p:style>
-          <p:txBody>
-            <a:bodyPr rtlCol="0" anchor="ctr"/>
-            <a:lstStyle/>
-            <a:p>
-              <a:pPr algn="ctr"/>
-              <a:endParaRPr lang="fr-FR" sz="4000" dirty="0"/>
+              <a:endParaRPr lang="en-US" dirty="0"/>
             </a:p>
           </p:txBody>
         </p:sp>
         <p:sp>
           <p:nvSpPr>
-            <p:cNvPr id="48" name="Ellipse 47"/>
-            <p:cNvSpPr/>
+            <p:cNvPr id="192" name="ZoneTexte 191"/>
+            <p:cNvSpPr txBox="1"/>
             <p:nvPr/>
           </p:nvSpPr>
           <p:spPr>
             <a:xfrm>
-              <a:off x="1510178" y="4939154"/>
-              <a:ext cx="372962" cy="374510"/>
+              <a:off x="4991677" y="4967714"/>
+              <a:ext cx="328958" cy="646331"/>
             </a:xfrm>
-            <a:prstGeom prst="ellipse">
+            <a:prstGeom prst="rect">
               <a:avLst/>
             </a:prstGeom>
-            <a:solidFill>
-              <a:schemeClr val="tx1"/>
-            </a:solidFill>
-            <a:ln>
-              <a:solidFill>
-                <a:schemeClr val="tx1"/>
-              </a:solidFill>
-            </a:ln>
+            <a:noFill/>
           </p:spPr>
-          <p:style>
-            <a:lnRef idx="2">
-              <a:schemeClr val="accent1">
-                <a:shade val="50000"/>
-              </a:schemeClr>
-            </a:lnRef>
-            <a:fillRef idx="1">
-              <a:schemeClr val="accent1"/>
-            </a:fillRef>
-            <a:effectRef idx="0">
-              <a:schemeClr val="accent1"/>
-            </a:effectRef>
-            <a:fontRef idx="minor">
-              <a:schemeClr val="lt1"/>
-            </a:fontRef>
-          </p:style>
           <p:txBody>
-            <a:bodyPr rtlCol="0" anchor="ctr"/>
+            <a:bodyPr wrap="square" rtlCol="0">
+              <a:spAutoFit/>
+            </a:bodyPr>
             <a:lstStyle/>
             <a:p>
-              <a:pPr algn="ctr"/>
-              <a:endParaRPr lang="fr-FR" sz="4000" dirty="0"/>
-            </a:p>
-          </p:txBody>
-        </p:sp>
-        <p:cxnSp>
-          <p:nvCxnSpPr>
-            <p:cNvPr id="49" name="Connecteur droit avec flèche 48"/>
-            <p:cNvCxnSpPr/>
-            <p:nvPr/>
-          </p:nvCxnSpPr>
-          <p:spPr>
-            <a:xfrm>
-              <a:off x="1443499" y="4713010"/>
-              <a:ext cx="154767" cy="255181"/>
-            </a:xfrm>
-            <a:prstGeom prst="straightConnector1">
-              <a:avLst/>
-            </a:prstGeom>
-            <a:ln w="38100">
-              <a:solidFill>
-                <a:schemeClr val="accent1"/>
-              </a:solidFill>
-              <a:tailEnd type="triangle"/>
-            </a:ln>
-          </p:spPr>
-          <p:style>
-            <a:lnRef idx="1">
-              <a:schemeClr val="dk1"/>
-            </a:lnRef>
-            <a:fillRef idx="0">
-              <a:schemeClr val="dk1"/>
-            </a:fillRef>
-            <a:effectRef idx="0">
-              <a:schemeClr val="dk1"/>
-            </a:effectRef>
-            <a:fontRef idx="minor">
-              <a:schemeClr val="tx1"/>
-            </a:fontRef>
-          </p:style>
-        </p:cxnSp>
-        <p:cxnSp>
-          <p:nvCxnSpPr>
-            <p:cNvPr id="50" name="Connecteur droit avec flèche 49"/>
-            <p:cNvCxnSpPr/>
-            <p:nvPr/>
-          </p:nvCxnSpPr>
-          <p:spPr>
-            <a:xfrm flipH="1">
-              <a:off x="1057217" y="4713009"/>
-              <a:ext cx="154767" cy="255181"/>
-            </a:xfrm>
-            <a:prstGeom prst="straightConnector1">
-              <a:avLst/>
-            </a:prstGeom>
-            <a:ln w="38100">
-              <a:solidFill>
-                <a:srgbClr val="FF0000"/>
-              </a:solidFill>
-              <a:tailEnd type="triangle"/>
-            </a:ln>
-          </p:spPr>
-          <p:style>
-            <a:lnRef idx="1">
-              <a:schemeClr val="dk1"/>
-            </a:lnRef>
-            <a:fillRef idx="0">
-              <a:schemeClr val="dk1"/>
-            </a:fillRef>
-            <a:effectRef idx="0">
-              <a:schemeClr val="dk1"/>
-            </a:effectRef>
-            <a:fontRef idx="minor">
-              <a:schemeClr val="tx1"/>
-            </a:fontRef>
-          </p:style>
-        </p:cxnSp>
-        <p:sp>
-          <p:nvSpPr>
-            <p:cNvPr id="51" name="Ellipse 50"/>
-            <p:cNvSpPr/>
-            <p:nvPr/>
-          </p:nvSpPr>
-          <p:spPr>
-            <a:xfrm>
-              <a:off x="800648" y="4959199"/>
-              <a:ext cx="372962" cy="374510"/>
-            </a:xfrm>
-            <a:prstGeom prst="ellipse">
-              <a:avLst/>
-            </a:prstGeom>
-            <a:solidFill>
-              <a:srgbClr val="FF0000"/>
-            </a:solidFill>
-            <a:ln>
-              <a:solidFill>
-                <a:srgbClr val="FF0000"/>
-              </a:solidFill>
-            </a:ln>
-          </p:spPr>
-          <p:style>
-            <a:lnRef idx="2">
-              <a:schemeClr val="accent1">
-                <a:shade val="50000"/>
-              </a:schemeClr>
-            </a:lnRef>
-            <a:fillRef idx="1">
-              <a:schemeClr val="accent1"/>
-            </a:fillRef>
-            <a:effectRef idx="0">
-              <a:schemeClr val="accent1"/>
-            </a:effectRef>
-            <a:fontRef idx="minor">
-              <a:schemeClr val="lt1"/>
-            </a:fontRef>
-          </p:style>
-          <p:txBody>
-            <a:bodyPr rtlCol="0" anchor="ctr"/>
-            <a:lstStyle/>
-            <a:p>
-              <a:pPr algn="ctr"/>
-              <a:endParaRPr lang="fr-FR" sz="4000" dirty="0"/>
+              <a:r>
+                <a:rPr lang="en-US" sz="3600" dirty="0"/>
+                <a:t>1</a:t>
+              </a:r>
             </a:p>
           </p:txBody>
         </p:sp>
         <p:sp>
           <p:nvSpPr>
-            <p:cNvPr id="52" name="Ellipse 51"/>
-            <p:cNvSpPr/>
+            <p:cNvPr id="193" name="ZoneTexte 192"/>
+            <p:cNvSpPr txBox="1"/>
             <p:nvPr/>
           </p:nvSpPr>
           <p:spPr>
             <a:xfrm>
-              <a:off x="426696" y="5523970"/>
-              <a:ext cx="372962" cy="374510"/>
+              <a:off x="6535943" y="5386161"/>
+              <a:ext cx="328958" cy="646331"/>
             </a:xfrm>
-            <a:prstGeom prst="ellipse">
+            <a:prstGeom prst="rect">
               <a:avLst/>
             </a:prstGeom>
-            <a:solidFill>
-              <a:schemeClr val="tx1"/>
-            </a:solidFill>
-            <a:ln>
-              <a:solidFill>
-                <a:schemeClr val="tx1"/>
-              </a:solidFill>
-            </a:ln>
+            <a:noFill/>
           </p:spPr>
-          <p:style>
-            <a:lnRef idx="2">
-              <a:schemeClr val="accent1">
-                <a:shade val="50000"/>
-              </a:schemeClr>
-            </a:lnRef>
-            <a:fillRef idx="1">
-              <a:schemeClr val="accent1"/>
-            </a:fillRef>
-            <a:effectRef idx="0">
-              <a:schemeClr val="accent1"/>
-            </a:effectRef>
-            <a:fontRef idx="minor">
-              <a:schemeClr val="lt1"/>
-            </a:fontRef>
-          </p:style>
           <p:txBody>
-            <a:bodyPr rtlCol="0" anchor="ctr"/>
+            <a:bodyPr wrap="square" rtlCol="0">
+              <a:spAutoFit/>
+            </a:bodyPr>
             <a:lstStyle/>
             <a:p>
-              <a:pPr algn="ctr"/>
-              <a:endParaRPr lang="fr-FR" sz="4000" dirty="0"/>
+              <a:r>
+                <a:rPr lang="en-US" sz="3600" dirty="0"/>
+                <a:t>2</a:t>
+              </a:r>
             </a:p>
           </p:txBody>
         </p:sp>
         <p:sp>
           <p:nvSpPr>
-            <p:cNvPr id="53" name="Ellipse 52"/>
-            <p:cNvSpPr/>
+            <p:cNvPr id="194" name="ZoneTexte 193"/>
+            <p:cNvSpPr txBox="1"/>
             <p:nvPr/>
           </p:nvSpPr>
           <p:spPr>
             <a:xfrm>
-              <a:off x="1174600" y="5523970"/>
-              <a:ext cx="372962" cy="374510"/>
+              <a:off x="5463489" y="5545075"/>
+              <a:ext cx="328958" cy="646331"/>
             </a:xfrm>
-            <a:prstGeom prst="ellipse">
+            <a:prstGeom prst="rect">
               <a:avLst/>
             </a:prstGeom>
-            <a:solidFill>
-              <a:schemeClr val="tx1"/>
-            </a:solidFill>
-            <a:ln>
-              <a:solidFill>
-                <a:schemeClr val="tx1"/>
-              </a:solidFill>
-            </a:ln>
+            <a:noFill/>
           </p:spPr>
-          <p:style>
-            <a:lnRef idx="2">
-              <a:schemeClr val="accent1">
-                <a:shade val="50000"/>
-              </a:schemeClr>
-            </a:lnRef>
-            <a:fillRef idx="1">
-              <a:schemeClr val="accent1"/>
-            </a:fillRef>
-            <a:effectRef idx="0">
-              <a:schemeClr val="accent1"/>
-            </a:effectRef>
-            <a:fontRef idx="minor">
-              <a:schemeClr val="lt1"/>
-            </a:fontRef>
-          </p:style>
           <p:txBody>
-            <a:bodyPr rtlCol="0" anchor="ctr"/>
+            <a:bodyPr wrap="square" rtlCol="0">
+              <a:spAutoFit/>
+            </a:bodyPr>
             <a:lstStyle/>
             <a:p>
-              <a:pPr algn="ctr"/>
-              <a:endParaRPr lang="fr-FR" sz="4000" dirty="0"/>
-            </a:p>
-          </p:txBody>
-        </p:sp>
-        <p:cxnSp>
-          <p:nvCxnSpPr>
-            <p:cNvPr id="54" name="Connecteur droit avec flèche 53"/>
-            <p:cNvCxnSpPr/>
-            <p:nvPr/>
-          </p:nvCxnSpPr>
-          <p:spPr>
-            <a:xfrm>
-              <a:off x="1107921" y="5297826"/>
-              <a:ext cx="154767" cy="255181"/>
-            </a:xfrm>
-            <a:prstGeom prst="straightConnector1">
-              <a:avLst/>
-            </a:prstGeom>
-            <a:ln w="38100">
-              <a:solidFill>
-                <a:schemeClr val="accent1"/>
-              </a:solidFill>
-              <a:tailEnd type="triangle"/>
-            </a:ln>
-          </p:spPr>
-          <p:style>
-            <a:lnRef idx="1">
-              <a:schemeClr val="dk1"/>
-            </a:lnRef>
-            <a:fillRef idx="0">
-              <a:schemeClr val="dk1"/>
-            </a:fillRef>
-            <a:effectRef idx="0">
-              <a:schemeClr val="dk1"/>
-            </a:effectRef>
-            <a:fontRef idx="minor">
-              <a:schemeClr val="tx1"/>
-            </a:fontRef>
-          </p:style>
-        </p:cxnSp>
-        <p:cxnSp>
-          <p:nvCxnSpPr>
-            <p:cNvPr id="55" name="Connecteur droit avec flèche 54"/>
-            <p:cNvCxnSpPr/>
-            <p:nvPr/>
-          </p:nvCxnSpPr>
-          <p:spPr>
-            <a:xfrm flipH="1">
-              <a:off x="721639" y="5297825"/>
-              <a:ext cx="154767" cy="255181"/>
-            </a:xfrm>
-            <a:prstGeom prst="straightConnector1">
-              <a:avLst/>
-            </a:prstGeom>
-            <a:ln w="38100">
-              <a:solidFill>
-                <a:srgbClr val="FF0000"/>
-              </a:solidFill>
-              <a:tailEnd type="triangle"/>
-            </a:ln>
-          </p:spPr>
-          <p:style>
-            <a:lnRef idx="1">
-              <a:schemeClr val="dk1"/>
-            </a:lnRef>
-            <a:fillRef idx="0">
-              <a:schemeClr val="dk1"/>
-            </a:fillRef>
-            <a:effectRef idx="0">
-              <a:schemeClr val="dk1"/>
-            </a:effectRef>
-            <a:fontRef idx="minor">
-              <a:schemeClr val="tx1"/>
-            </a:fontRef>
-          </p:style>
-        </p:cxnSp>
-        <p:sp>
-          <p:nvSpPr>
-            <p:cNvPr id="56" name="Ellipse 55"/>
-            <p:cNvSpPr/>
-            <p:nvPr/>
-          </p:nvSpPr>
-          <p:spPr>
-            <a:xfrm>
-              <a:off x="2522083" y="4392793"/>
-              <a:ext cx="372962" cy="374510"/>
-            </a:xfrm>
-            <a:prstGeom prst="ellipse">
-              <a:avLst/>
-            </a:prstGeom>
-            <a:solidFill>
-              <a:srgbClr val="FF0000"/>
-            </a:solidFill>
-            <a:ln>
-              <a:solidFill>
-                <a:srgbClr val="FF0000"/>
-              </a:solidFill>
-            </a:ln>
-          </p:spPr>
-          <p:style>
-            <a:lnRef idx="2">
-              <a:schemeClr val="accent1">
-                <a:shade val="50000"/>
-              </a:schemeClr>
-            </a:lnRef>
-            <a:fillRef idx="1">
-              <a:schemeClr val="accent1"/>
-            </a:fillRef>
-            <a:effectRef idx="0">
-              <a:schemeClr val="accent1"/>
-            </a:effectRef>
-            <a:fontRef idx="minor">
-              <a:schemeClr val="lt1"/>
-            </a:fontRef>
-          </p:style>
-          <p:txBody>
-            <a:bodyPr rtlCol="0" anchor="ctr"/>
-            <a:lstStyle/>
-            <a:p>
-              <a:pPr algn="ctr"/>
-              <a:endParaRPr lang="fr-FR" sz="4000" dirty="0"/>
+              <a:r>
+                <a:rPr lang="en-US" sz="3600" dirty="0"/>
+                <a:t>3</a:t>
+              </a:r>
             </a:p>
           </p:txBody>
         </p:sp>
         <p:sp>
           <p:nvSpPr>
-            <p:cNvPr id="57" name="Ellipse 56"/>
-            <p:cNvSpPr/>
+            <p:cNvPr id="195" name="ZoneTexte 194"/>
+            <p:cNvSpPr txBox="1"/>
             <p:nvPr/>
           </p:nvSpPr>
           <p:spPr>
             <a:xfrm>
-              <a:off x="2148131" y="4957564"/>
-              <a:ext cx="372962" cy="374510"/>
+              <a:off x="4372389" y="5333503"/>
+              <a:ext cx="328958" cy="646331"/>
             </a:xfrm>
-            <a:prstGeom prst="ellipse">
+            <a:prstGeom prst="rect">
               <a:avLst/>
             </a:prstGeom>
-            <a:solidFill>
-              <a:schemeClr val="tx1"/>
-            </a:solidFill>
-            <a:ln>
-              <a:solidFill>
-                <a:schemeClr val="tx1"/>
-              </a:solidFill>
-            </a:ln>
+            <a:noFill/>
           </p:spPr>
-          <p:style>
-            <a:lnRef idx="2">
-              <a:schemeClr val="accent1">
-                <a:shade val="50000"/>
-              </a:schemeClr>
-            </a:lnRef>
-            <a:fillRef idx="1">
-              <a:schemeClr val="accent1"/>
-            </a:fillRef>
-            <a:effectRef idx="0">
-              <a:schemeClr val="accent1"/>
-            </a:effectRef>
-            <a:fontRef idx="minor">
-              <a:schemeClr val="lt1"/>
-            </a:fontRef>
-          </p:style>
           <p:txBody>
-            <a:bodyPr rtlCol="0" anchor="ctr"/>
+            <a:bodyPr wrap="square" rtlCol="0">
+              <a:spAutoFit/>
+            </a:bodyPr>
             <a:lstStyle/>
             <a:p>
-              <a:pPr algn="ctr"/>
-              <a:endParaRPr lang="fr-FR" sz="4000" dirty="0"/>
+              <a:r>
+                <a:rPr lang="en-US" sz="3600" dirty="0"/>
+                <a:t>4</a:t>
+              </a:r>
             </a:p>
           </p:txBody>
         </p:sp>
         <p:sp>
           <p:nvSpPr>
-            <p:cNvPr id="58" name="Ellipse 57"/>
-            <p:cNvSpPr/>
+            <p:cNvPr id="196" name="ZoneTexte 195"/>
+            <p:cNvSpPr txBox="1"/>
             <p:nvPr/>
           </p:nvSpPr>
           <p:spPr>
             <a:xfrm>
-              <a:off x="2896035" y="4957564"/>
-              <a:ext cx="372962" cy="374510"/>
+              <a:off x="6047809" y="5027942"/>
+              <a:ext cx="328958" cy="646331"/>
             </a:xfrm>
-            <a:prstGeom prst="ellipse">
+            <a:prstGeom prst="rect">
               <a:avLst/>
             </a:prstGeom>
-            <a:solidFill>
-              <a:schemeClr val="tx1"/>
-            </a:solidFill>
-            <a:ln>
-              <a:solidFill>
-                <a:schemeClr val="tx1"/>
-              </a:solidFill>
-            </a:ln>
+            <a:noFill/>
           </p:spPr>
-          <p:style>
-            <a:lnRef idx="2">
-              <a:schemeClr val="accent1">
-                <a:shade val="50000"/>
-              </a:schemeClr>
-            </a:lnRef>
-            <a:fillRef idx="1">
-              <a:schemeClr val="accent1"/>
-            </a:fillRef>
-            <a:effectRef idx="0">
-              <a:schemeClr val="accent1"/>
-            </a:effectRef>
-            <a:fontRef idx="minor">
-              <a:schemeClr val="lt1"/>
-            </a:fontRef>
-          </p:style>
           <p:txBody>
-            <a:bodyPr rtlCol="0" anchor="ctr"/>
+            <a:bodyPr wrap="square" rtlCol="0">
+              <a:spAutoFit/>
+            </a:bodyPr>
             <a:lstStyle/>
             <a:p>
-              <a:pPr algn="ctr"/>
-              <a:endParaRPr lang="fr-FR" sz="4000" dirty="0"/>
-            </a:p>
-          </p:txBody>
-        </p:sp>
-        <p:cxnSp>
-          <p:nvCxnSpPr>
-            <p:cNvPr id="59" name="Connecteur droit avec flèche 58"/>
-            <p:cNvCxnSpPr/>
-            <p:nvPr/>
-          </p:nvCxnSpPr>
-          <p:spPr>
-            <a:xfrm>
-              <a:off x="2829356" y="4731420"/>
-              <a:ext cx="154767" cy="255181"/>
-            </a:xfrm>
-            <a:prstGeom prst="straightConnector1">
-              <a:avLst/>
-            </a:prstGeom>
-            <a:ln w="38100">
-              <a:solidFill>
-                <a:schemeClr val="accent1"/>
-              </a:solidFill>
-              <a:tailEnd type="triangle"/>
-            </a:ln>
-          </p:spPr>
-          <p:style>
-            <a:lnRef idx="1">
-              <a:schemeClr val="dk1"/>
-            </a:lnRef>
-            <a:fillRef idx="0">
-              <a:schemeClr val="dk1"/>
-            </a:fillRef>
-            <a:effectRef idx="0">
-              <a:schemeClr val="dk1"/>
-            </a:effectRef>
-            <a:fontRef idx="minor">
-              <a:schemeClr val="tx1"/>
-            </a:fontRef>
-          </p:style>
-        </p:cxnSp>
-        <p:cxnSp>
-          <p:nvCxnSpPr>
-            <p:cNvPr id="60" name="Connecteur droit avec flèche 59"/>
-            <p:cNvCxnSpPr/>
-            <p:nvPr/>
-          </p:nvCxnSpPr>
-          <p:spPr>
-            <a:xfrm flipH="1">
-              <a:off x="2443074" y="4731419"/>
-              <a:ext cx="154767" cy="255181"/>
-            </a:xfrm>
-            <a:prstGeom prst="straightConnector1">
-              <a:avLst/>
-            </a:prstGeom>
-            <a:ln w="38100">
-              <a:solidFill>
-                <a:srgbClr val="FF0000"/>
-              </a:solidFill>
-              <a:tailEnd type="triangle"/>
-            </a:ln>
-          </p:spPr>
-          <p:style>
-            <a:lnRef idx="1">
-              <a:schemeClr val="dk1"/>
-            </a:lnRef>
-            <a:fillRef idx="0">
-              <a:schemeClr val="dk1"/>
-            </a:fillRef>
-            <a:effectRef idx="0">
-              <a:schemeClr val="dk1"/>
-            </a:effectRef>
-            <a:fontRef idx="minor">
-              <a:schemeClr val="tx1"/>
-            </a:fontRef>
-          </p:style>
-        </p:cxnSp>
-        <p:sp>
-          <p:nvSpPr>
-            <p:cNvPr id="62" name="Ellipse 61"/>
-            <p:cNvSpPr/>
-            <p:nvPr/>
-          </p:nvSpPr>
-          <p:spPr>
-            <a:xfrm>
-              <a:off x="4931232" y="3825979"/>
-              <a:ext cx="372962" cy="374510"/>
-            </a:xfrm>
-            <a:prstGeom prst="ellipse">
-              <a:avLst/>
-            </a:prstGeom>
-            <a:solidFill>
-              <a:srgbClr val="FF0000"/>
-            </a:solidFill>
-            <a:ln>
-              <a:solidFill>
-                <a:schemeClr val="tx1"/>
-              </a:solidFill>
-            </a:ln>
-          </p:spPr>
-          <p:style>
-            <a:lnRef idx="2">
-              <a:schemeClr val="accent1">
-                <a:shade val="50000"/>
-              </a:schemeClr>
-            </a:lnRef>
-            <a:fillRef idx="1">
-              <a:schemeClr val="accent1"/>
-            </a:fillRef>
-            <a:effectRef idx="0">
-              <a:schemeClr val="accent1"/>
-            </a:effectRef>
-            <a:fontRef idx="minor">
-              <a:schemeClr val="lt1"/>
-            </a:fontRef>
-          </p:style>
-          <p:txBody>
-            <a:bodyPr rtlCol="0" anchor="ctr"/>
-            <a:lstStyle/>
-            <a:p>
-              <a:pPr algn="ctr"/>
-              <a:endParaRPr lang="fr-FR" sz="4000" dirty="0"/>
-            </a:p>
-          </p:txBody>
-        </p:sp>
-        <p:cxnSp>
-          <p:nvCxnSpPr>
-            <p:cNvPr id="63" name="Connecteur droit avec flèche 62"/>
-            <p:cNvCxnSpPr>
-              <a:stCxn id="62" idx="5"/>
-            </p:cNvCxnSpPr>
-            <p:nvPr/>
-          </p:nvCxnSpPr>
-          <p:spPr>
-            <a:xfrm>
-              <a:off x="5249575" y="4145643"/>
-              <a:ext cx="475149" cy="289254"/>
-            </a:xfrm>
-            <a:prstGeom prst="straightConnector1">
-              <a:avLst/>
-            </a:prstGeom>
-            <a:ln w="38100">
-              <a:solidFill>
-                <a:schemeClr val="accent1"/>
-              </a:solidFill>
-              <a:tailEnd type="triangle"/>
-            </a:ln>
-          </p:spPr>
-          <p:style>
-            <a:lnRef idx="1">
-              <a:schemeClr val="dk1"/>
-            </a:lnRef>
-            <a:fillRef idx="0">
-              <a:schemeClr val="dk1"/>
-            </a:fillRef>
-            <a:effectRef idx="0">
-              <a:schemeClr val="dk1"/>
-            </a:effectRef>
-            <a:fontRef idx="minor">
-              <a:schemeClr val="tx1"/>
-            </a:fontRef>
-          </p:style>
-        </p:cxnSp>
-        <p:cxnSp>
-          <p:nvCxnSpPr>
-            <p:cNvPr id="64" name="Connecteur droit avec flèche 63"/>
-            <p:cNvCxnSpPr>
-              <a:stCxn id="62" idx="3"/>
-            </p:cNvCxnSpPr>
-            <p:nvPr/>
-          </p:nvCxnSpPr>
-          <p:spPr>
-            <a:xfrm flipH="1">
-              <a:off x="4510702" y="4145643"/>
-              <a:ext cx="475149" cy="274143"/>
-            </a:xfrm>
-            <a:prstGeom prst="straightConnector1">
-              <a:avLst/>
-            </a:prstGeom>
-            <a:ln w="38100">
-              <a:solidFill>
-                <a:srgbClr val="FF0000"/>
-              </a:solidFill>
-              <a:tailEnd type="triangle"/>
-            </a:ln>
-          </p:spPr>
-          <p:style>
-            <a:lnRef idx="1">
-              <a:schemeClr val="dk1"/>
-            </a:lnRef>
-            <a:fillRef idx="0">
-              <a:schemeClr val="dk1"/>
-            </a:fillRef>
-            <a:effectRef idx="0">
-              <a:schemeClr val="dk1"/>
-            </a:effectRef>
-            <a:fontRef idx="minor">
-              <a:schemeClr val="tx1"/>
-            </a:fontRef>
-          </p:style>
-        </p:cxnSp>
-        <p:sp>
-          <p:nvSpPr>
-            <p:cNvPr id="65" name="Ellipse 64"/>
-            <p:cNvSpPr/>
-            <p:nvPr/>
-          </p:nvSpPr>
-          <p:spPr>
-            <a:xfrm>
-              <a:off x="4234879" y="4390750"/>
-              <a:ext cx="372962" cy="374510"/>
-            </a:xfrm>
-            <a:prstGeom prst="ellipse">
-              <a:avLst/>
-            </a:prstGeom>
-            <a:solidFill>
-              <a:schemeClr val="tx1"/>
-            </a:solidFill>
-            <a:ln>
-              <a:solidFill>
-                <a:srgbClr val="FF0000"/>
-              </a:solidFill>
-            </a:ln>
-          </p:spPr>
-          <p:style>
-            <a:lnRef idx="2">
-              <a:schemeClr val="accent1">
-                <a:shade val="50000"/>
-              </a:schemeClr>
-            </a:lnRef>
-            <a:fillRef idx="1">
-              <a:schemeClr val="accent1"/>
-            </a:fillRef>
-            <a:effectRef idx="0">
-              <a:schemeClr val="accent1"/>
-            </a:effectRef>
-            <a:fontRef idx="minor">
-              <a:schemeClr val="lt1"/>
-            </a:fontRef>
-          </p:style>
-          <p:txBody>
-            <a:bodyPr rtlCol="0" anchor="ctr"/>
-            <a:lstStyle/>
-            <a:p>
-              <a:pPr algn="ctr"/>
-              <a:endParaRPr lang="fr-FR" sz="4000" dirty="0"/>
-            </a:p>
-          </p:txBody>
-        </p:sp>
-        <p:sp>
-          <p:nvSpPr>
-            <p:cNvPr id="66" name="Ellipse 65"/>
-            <p:cNvSpPr/>
-            <p:nvPr/>
-          </p:nvSpPr>
-          <p:spPr>
-            <a:xfrm>
-              <a:off x="4608831" y="4955521"/>
-              <a:ext cx="372962" cy="374510"/>
-            </a:xfrm>
-            <a:prstGeom prst="ellipse">
-              <a:avLst/>
-            </a:prstGeom>
-            <a:solidFill>
-              <a:schemeClr val="tx1"/>
-            </a:solidFill>
-            <a:ln>
-              <a:solidFill>
-                <a:schemeClr val="tx1"/>
-              </a:solidFill>
-            </a:ln>
-          </p:spPr>
-          <p:style>
-            <a:lnRef idx="2">
-              <a:schemeClr val="accent1">
-                <a:shade val="50000"/>
-              </a:schemeClr>
-            </a:lnRef>
-            <a:fillRef idx="1">
-              <a:schemeClr val="accent1"/>
-            </a:fillRef>
-            <a:effectRef idx="0">
-              <a:schemeClr val="accent1"/>
-            </a:effectRef>
-            <a:fontRef idx="minor">
-              <a:schemeClr val="lt1"/>
-            </a:fontRef>
-          </p:style>
-          <p:txBody>
-            <a:bodyPr rtlCol="0" anchor="ctr"/>
-            <a:lstStyle/>
-            <a:p>
-              <a:pPr algn="ctr"/>
-              <a:endParaRPr lang="fr-FR" sz="4000" dirty="0"/>
-            </a:p>
-          </p:txBody>
-        </p:sp>
-        <p:cxnSp>
-          <p:nvCxnSpPr>
-            <p:cNvPr id="67" name="Connecteur droit avec flèche 66"/>
-            <p:cNvCxnSpPr/>
-            <p:nvPr/>
-          </p:nvCxnSpPr>
-          <p:spPr>
-            <a:xfrm>
-              <a:off x="4542152" y="4729377"/>
-              <a:ext cx="154767" cy="255181"/>
-            </a:xfrm>
-            <a:prstGeom prst="straightConnector1">
-              <a:avLst/>
-            </a:prstGeom>
-            <a:ln w="38100">
-              <a:solidFill>
-                <a:schemeClr val="accent1"/>
-              </a:solidFill>
-              <a:tailEnd type="triangle"/>
-            </a:ln>
-          </p:spPr>
-          <p:style>
-            <a:lnRef idx="1">
-              <a:schemeClr val="dk1"/>
-            </a:lnRef>
-            <a:fillRef idx="0">
-              <a:schemeClr val="dk1"/>
-            </a:fillRef>
-            <a:effectRef idx="0">
-              <a:schemeClr val="dk1"/>
-            </a:effectRef>
-            <a:fontRef idx="minor">
-              <a:schemeClr val="tx1"/>
-            </a:fontRef>
-          </p:style>
-        </p:cxnSp>
-        <p:cxnSp>
-          <p:nvCxnSpPr>
-            <p:cNvPr id="68" name="Connecteur droit avec flèche 67"/>
-            <p:cNvCxnSpPr/>
-            <p:nvPr/>
-          </p:nvCxnSpPr>
-          <p:spPr>
-            <a:xfrm flipH="1">
-              <a:off x="4155870" y="4729376"/>
-              <a:ext cx="154767" cy="255181"/>
-            </a:xfrm>
-            <a:prstGeom prst="straightConnector1">
-              <a:avLst/>
-            </a:prstGeom>
-            <a:ln w="38100">
-              <a:solidFill>
-                <a:srgbClr val="FF0000"/>
-              </a:solidFill>
-              <a:tailEnd type="triangle"/>
-            </a:ln>
-          </p:spPr>
-          <p:style>
-            <a:lnRef idx="1">
-              <a:schemeClr val="dk1"/>
-            </a:lnRef>
-            <a:fillRef idx="0">
-              <a:schemeClr val="dk1"/>
-            </a:fillRef>
-            <a:effectRef idx="0">
-              <a:schemeClr val="dk1"/>
-            </a:effectRef>
-            <a:fontRef idx="minor">
-              <a:schemeClr val="tx1"/>
-            </a:fontRef>
-          </p:style>
-        </p:cxnSp>
-        <p:sp>
-          <p:nvSpPr>
-            <p:cNvPr id="69" name="Ellipse 68"/>
-            <p:cNvSpPr/>
-            <p:nvPr/>
-          </p:nvSpPr>
-          <p:spPr>
-            <a:xfrm>
-              <a:off x="3899301" y="4975566"/>
-              <a:ext cx="372962" cy="374510"/>
-            </a:xfrm>
-            <a:prstGeom prst="ellipse">
-              <a:avLst/>
-            </a:prstGeom>
-            <a:solidFill>
-              <a:srgbClr val="FF0000"/>
-            </a:solidFill>
-            <a:ln>
-              <a:solidFill>
-                <a:srgbClr val="FF0000"/>
-              </a:solidFill>
-            </a:ln>
-          </p:spPr>
-          <p:style>
-            <a:lnRef idx="2">
-              <a:schemeClr val="accent1">
-                <a:shade val="50000"/>
-              </a:schemeClr>
-            </a:lnRef>
-            <a:fillRef idx="1">
-              <a:schemeClr val="accent1"/>
-            </a:fillRef>
-            <a:effectRef idx="0">
-              <a:schemeClr val="accent1"/>
-            </a:effectRef>
-            <a:fontRef idx="minor">
-              <a:schemeClr val="lt1"/>
-            </a:fontRef>
-          </p:style>
-          <p:txBody>
-            <a:bodyPr rtlCol="0" anchor="ctr"/>
-            <a:lstStyle/>
-            <a:p>
-              <a:pPr algn="ctr"/>
-              <a:endParaRPr lang="fr-FR" sz="4000" dirty="0"/>
-            </a:p>
-          </p:txBody>
-        </p:sp>
-        <p:sp>
-          <p:nvSpPr>
-            <p:cNvPr id="70" name="Ellipse 69"/>
-            <p:cNvSpPr/>
-            <p:nvPr/>
-          </p:nvSpPr>
-          <p:spPr>
-            <a:xfrm>
-              <a:off x="3525349" y="5540337"/>
-              <a:ext cx="372962" cy="374510"/>
-            </a:xfrm>
-            <a:prstGeom prst="ellipse">
-              <a:avLst/>
-            </a:prstGeom>
-            <a:solidFill>
-              <a:schemeClr val="tx1"/>
-            </a:solidFill>
-            <a:ln>
-              <a:solidFill>
-                <a:schemeClr val="tx1"/>
-              </a:solidFill>
-            </a:ln>
-          </p:spPr>
-          <p:style>
-            <a:lnRef idx="2">
-              <a:schemeClr val="accent1">
-                <a:shade val="50000"/>
-              </a:schemeClr>
-            </a:lnRef>
-            <a:fillRef idx="1">
-              <a:schemeClr val="accent1"/>
-            </a:fillRef>
-            <a:effectRef idx="0">
-              <a:schemeClr val="accent1"/>
-            </a:effectRef>
-            <a:fontRef idx="minor">
-              <a:schemeClr val="lt1"/>
-            </a:fontRef>
-          </p:style>
-          <p:txBody>
-            <a:bodyPr rtlCol="0" anchor="ctr"/>
-            <a:lstStyle/>
-            <a:p>
-              <a:pPr algn="ctr"/>
-              <a:endParaRPr lang="fr-FR" sz="4000" dirty="0"/>
-            </a:p>
-          </p:txBody>
-        </p:sp>
-        <p:sp>
-          <p:nvSpPr>
-            <p:cNvPr id="71" name="Ellipse 70"/>
-            <p:cNvSpPr/>
-            <p:nvPr/>
-          </p:nvSpPr>
-          <p:spPr>
-            <a:xfrm>
-              <a:off x="4273253" y="5540337"/>
-              <a:ext cx="372962" cy="374510"/>
-            </a:xfrm>
-            <a:prstGeom prst="ellipse">
-              <a:avLst/>
-            </a:prstGeom>
-            <a:solidFill>
-              <a:schemeClr val="tx1"/>
-            </a:solidFill>
-            <a:ln>
-              <a:solidFill>
-                <a:schemeClr val="tx1"/>
-              </a:solidFill>
-            </a:ln>
-          </p:spPr>
-          <p:style>
-            <a:lnRef idx="2">
-              <a:schemeClr val="accent1">
-                <a:shade val="50000"/>
-              </a:schemeClr>
-            </a:lnRef>
-            <a:fillRef idx="1">
-              <a:schemeClr val="accent1"/>
-            </a:fillRef>
-            <a:effectRef idx="0">
-              <a:schemeClr val="accent1"/>
-            </a:effectRef>
-            <a:fontRef idx="minor">
-              <a:schemeClr val="lt1"/>
-            </a:fontRef>
-          </p:style>
-          <p:txBody>
-            <a:bodyPr rtlCol="0" anchor="ctr"/>
-            <a:lstStyle/>
-            <a:p>
-              <a:pPr algn="ctr"/>
-              <a:endParaRPr lang="fr-FR" sz="4000" dirty="0"/>
-            </a:p>
-          </p:txBody>
-        </p:sp>
-        <p:cxnSp>
-          <p:nvCxnSpPr>
-            <p:cNvPr id="72" name="Connecteur droit avec flèche 71"/>
-            <p:cNvCxnSpPr/>
-            <p:nvPr/>
-          </p:nvCxnSpPr>
-          <p:spPr>
-            <a:xfrm>
-              <a:off x="4206574" y="5314193"/>
-              <a:ext cx="154767" cy="255181"/>
-            </a:xfrm>
-            <a:prstGeom prst="straightConnector1">
-              <a:avLst/>
-            </a:prstGeom>
-            <a:ln w="38100">
-              <a:solidFill>
-                <a:schemeClr val="accent1"/>
-              </a:solidFill>
-              <a:tailEnd type="triangle"/>
-            </a:ln>
-          </p:spPr>
-          <p:style>
-            <a:lnRef idx="1">
-              <a:schemeClr val="dk1"/>
-            </a:lnRef>
-            <a:fillRef idx="0">
-              <a:schemeClr val="dk1"/>
-            </a:fillRef>
-            <a:effectRef idx="0">
-              <a:schemeClr val="dk1"/>
-            </a:effectRef>
-            <a:fontRef idx="minor">
-              <a:schemeClr val="tx1"/>
-            </a:fontRef>
-          </p:style>
-        </p:cxnSp>
-        <p:cxnSp>
-          <p:nvCxnSpPr>
-            <p:cNvPr id="73" name="Connecteur droit avec flèche 72"/>
-            <p:cNvCxnSpPr/>
-            <p:nvPr/>
-          </p:nvCxnSpPr>
-          <p:spPr>
-            <a:xfrm flipH="1">
-              <a:off x="3820292" y="5314192"/>
-              <a:ext cx="154767" cy="255181"/>
-            </a:xfrm>
-            <a:prstGeom prst="straightConnector1">
-              <a:avLst/>
-            </a:prstGeom>
-            <a:ln w="38100">
-              <a:solidFill>
-                <a:srgbClr val="FF0000"/>
-              </a:solidFill>
-              <a:tailEnd type="triangle"/>
-            </a:ln>
-          </p:spPr>
-          <p:style>
-            <a:lnRef idx="1">
-              <a:schemeClr val="dk1"/>
-            </a:lnRef>
-            <a:fillRef idx="0">
-              <a:schemeClr val="dk1"/>
-            </a:fillRef>
-            <a:effectRef idx="0">
-              <a:schemeClr val="dk1"/>
-            </a:effectRef>
-            <a:fontRef idx="minor">
-              <a:schemeClr val="tx1"/>
-            </a:fontRef>
-          </p:style>
-        </p:cxnSp>
-        <p:sp>
-          <p:nvSpPr>
-            <p:cNvPr id="74" name="Ellipse 73"/>
-            <p:cNvSpPr/>
-            <p:nvPr/>
-          </p:nvSpPr>
-          <p:spPr>
-            <a:xfrm>
-              <a:off x="5620736" y="4409160"/>
-              <a:ext cx="372962" cy="374510"/>
-            </a:xfrm>
-            <a:prstGeom prst="ellipse">
-              <a:avLst/>
-            </a:prstGeom>
-            <a:solidFill>
-              <a:schemeClr val="tx1"/>
-            </a:solidFill>
-            <a:ln>
-              <a:solidFill>
-                <a:srgbClr val="FF0000"/>
-              </a:solidFill>
-            </a:ln>
-          </p:spPr>
-          <p:style>
-            <a:lnRef idx="2">
-              <a:schemeClr val="accent1">
-                <a:shade val="50000"/>
-              </a:schemeClr>
-            </a:lnRef>
-            <a:fillRef idx="1">
-              <a:schemeClr val="accent1"/>
-            </a:fillRef>
-            <a:effectRef idx="0">
-              <a:schemeClr val="accent1"/>
-            </a:effectRef>
-            <a:fontRef idx="minor">
-              <a:schemeClr val="lt1"/>
-            </a:fontRef>
-          </p:style>
-          <p:txBody>
-            <a:bodyPr rtlCol="0" anchor="ctr"/>
-            <a:lstStyle/>
-            <a:p>
-              <a:pPr algn="ctr"/>
-              <a:endParaRPr lang="fr-FR" sz="4000" dirty="0"/>
-            </a:p>
-          </p:txBody>
-        </p:sp>
-        <p:sp>
-          <p:nvSpPr>
-            <p:cNvPr id="75" name="Ellipse 74"/>
-            <p:cNvSpPr/>
-            <p:nvPr/>
-          </p:nvSpPr>
-          <p:spPr>
-            <a:xfrm>
-              <a:off x="5246784" y="4973931"/>
-              <a:ext cx="372962" cy="374510"/>
-            </a:xfrm>
-            <a:prstGeom prst="ellipse">
-              <a:avLst/>
-            </a:prstGeom>
-            <a:solidFill>
-              <a:schemeClr val="tx1"/>
-            </a:solidFill>
-            <a:ln>
-              <a:solidFill>
-                <a:schemeClr val="tx1"/>
-              </a:solidFill>
-            </a:ln>
-          </p:spPr>
-          <p:style>
-            <a:lnRef idx="2">
-              <a:schemeClr val="accent1">
-                <a:shade val="50000"/>
-              </a:schemeClr>
-            </a:lnRef>
-            <a:fillRef idx="1">
-              <a:schemeClr val="accent1"/>
-            </a:fillRef>
-            <a:effectRef idx="0">
-              <a:schemeClr val="accent1"/>
-            </a:effectRef>
-            <a:fontRef idx="minor">
-              <a:schemeClr val="lt1"/>
-            </a:fontRef>
-          </p:style>
-          <p:txBody>
-            <a:bodyPr rtlCol="0" anchor="ctr"/>
-            <a:lstStyle/>
-            <a:p>
-              <a:pPr algn="ctr"/>
-              <a:endParaRPr lang="fr-FR" sz="4000" dirty="0"/>
-            </a:p>
-          </p:txBody>
-        </p:sp>
-        <p:sp>
-          <p:nvSpPr>
-            <p:cNvPr id="76" name="Ellipse 75"/>
-            <p:cNvSpPr/>
-            <p:nvPr/>
-          </p:nvSpPr>
-          <p:spPr>
-            <a:xfrm>
-              <a:off x="5994688" y="4973931"/>
-              <a:ext cx="372962" cy="374510"/>
-            </a:xfrm>
-            <a:prstGeom prst="ellipse">
-              <a:avLst/>
-            </a:prstGeom>
-            <a:solidFill>
-              <a:schemeClr val="tx1"/>
-            </a:solidFill>
-            <a:ln>
-              <a:solidFill>
-                <a:schemeClr val="tx1"/>
-              </a:solidFill>
-            </a:ln>
-          </p:spPr>
-          <p:style>
-            <a:lnRef idx="2">
-              <a:schemeClr val="accent1">
-                <a:shade val="50000"/>
-              </a:schemeClr>
-            </a:lnRef>
-            <a:fillRef idx="1">
-              <a:schemeClr val="accent1"/>
-            </a:fillRef>
-            <a:effectRef idx="0">
-              <a:schemeClr val="accent1"/>
-            </a:effectRef>
-            <a:fontRef idx="minor">
-              <a:schemeClr val="lt1"/>
-            </a:fontRef>
-          </p:style>
-          <p:txBody>
-            <a:bodyPr rtlCol="0" anchor="ctr"/>
-            <a:lstStyle/>
-            <a:p>
-              <a:pPr algn="ctr"/>
-              <a:endParaRPr lang="fr-FR" sz="4000" dirty="0"/>
-            </a:p>
-          </p:txBody>
-        </p:sp>
-        <p:cxnSp>
-          <p:nvCxnSpPr>
-            <p:cNvPr id="77" name="Connecteur droit avec flèche 76"/>
-            <p:cNvCxnSpPr/>
-            <p:nvPr/>
-          </p:nvCxnSpPr>
-          <p:spPr>
-            <a:xfrm>
-              <a:off x="5928009" y="4747787"/>
-              <a:ext cx="154767" cy="255181"/>
-            </a:xfrm>
-            <a:prstGeom prst="straightConnector1">
-              <a:avLst/>
-            </a:prstGeom>
-            <a:ln w="38100">
-              <a:solidFill>
-                <a:schemeClr val="accent1"/>
-              </a:solidFill>
-              <a:tailEnd type="triangle"/>
-            </a:ln>
-          </p:spPr>
-          <p:style>
-            <a:lnRef idx="1">
-              <a:schemeClr val="dk1"/>
-            </a:lnRef>
-            <a:fillRef idx="0">
-              <a:schemeClr val="dk1"/>
-            </a:fillRef>
-            <a:effectRef idx="0">
-              <a:schemeClr val="dk1"/>
-            </a:effectRef>
-            <a:fontRef idx="minor">
-              <a:schemeClr val="tx1"/>
-            </a:fontRef>
-          </p:style>
-        </p:cxnSp>
-        <p:cxnSp>
-          <p:nvCxnSpPr>
-            <p:cNvPr id="78" name="Connecteur droit avec flèche 77"/>
-            <p:cNvCxnSpPr/>
-            <p:nvPr/>
-          </p:nvCxnSpPr>
-          <p:spPr>
-            <a:xfrm flipH="1">
-              <a:off x="5541727" y="4747786"/>
-              <a:ext cx="154767" cy="255181"/>
-            </a:xfrm>
-            <a:prstGeom prst="straightConnector1">
-              <a:avLst/>
-            </a:prstGeom>
-            <a:ln w="38100">
-              <a:solidFill>
-                <a:srgbClr val="FF0000"/>
-              </a:solidFill>
-              <a:tailEnd type="triangle"/>
-            </a:ln>
-          </p:spPr>
-          <p:style>
-            <a:lnRef idx="1">
-              <a:schemeClr val="dk1"/>
-            </a:lnRef>
-            <a:fillRef idx="0">
-              <a:schemeClr val="dk1"/>
-            </a:fillRef>
-            <a:effectRef idx="0">
-              <a:schemeClr val="dk1"/>
-            </a:effectRef>
-            <a:fontRef idx="minor">
-              <a:schemeClr val="tx1"/>
-            </a:fontRef>
-          </p:style>
-        </p:cxnSp>
-        <p:sp>
-          <p:nvSpPr>
-            <p:cNvPr id="80" name="Flèche droite 49"/>
-            <p:cNvSpPr/>
-            <p:nvPr/>
-          </p:nvSpPr>
-          <p:spPr>
-            <a:xfrm>
-              <a:off x="3267805" y="4139545"/>
-              <a:ext cx="560479" cy="223263"/>
-            </a:xfrm>
-            <a:prstGeom prst="rightArrow">
-              <a:avLst>
-                <a:gd name="adj1" fmla="val 50000"/>
-                <a:gd name="adj2" fmla="val 73974"/>
-              </a:avLst>
-            </a:prstGeom>
-          </p:spPr>
-          <p:style>
-            <a:lnRef idx="2">
-              <a:schemeClr val="accent1">
-                <a:shade val="50000"/>
-              </a:schemeClr>
-            </a:lnRef>
-            <a:fillRef idx="1">
-              <a:schemeClr val="accent1"/>
-            </a:fillRef>
-            <a:effectRef idx="0">
-              <a:schemeClr val="accent1"/>
-            </a:effectRef>
-            <a:fontRef idx="minor">
-              <a:schemeClr val="lt1"/>
-            </a:fontRef>
-          </p:style>
-          <p:txBody>
-            <a:bodyPr rtlCol="0" anchor="ctr"/>
-            <a:lstStyle/>
-            <a:p>
-              <a:pPr algn="ctr"/>
-              <a:endParaRPr lang="fr-FR"/>
-            </a:p>
-          </p:txBody>
-        </p:sp>
-      </p:grpSp>
-      <p:grpSp>
-        <p:nvGrpSpPr>
-          <p:cNvPr id="15" name="Groupe 14"/>
-          <p:cNvGrpSpPr/>
-          <p:nvPr/>
-        </p:nvGrpSpPr>
-        <p:grpSpPr>
-          <a:xfrm>
-            <a:off x="702084" y="3073456"/>
-            <a:ext cx="3920156" cy="1459896"/>
-            <a:chOff x="702084" y="3073456"/>
-            <a:chExt cx="3920156" cy="1459896"/>
-          </a:xfrm>
-        </p:grpSpPr>
-        <p:sp>
-          <p:nvSpPr>
-            <p:cNvPr id="117" name="Ellipse 116"/>
-            <p:cNvSpPr/>
-            <p:nvPr/>
-          </p:nvSpPr>
-          <p:spPr>
-            <a:xfrm>
-              <a:off x="1648915" y="3176540"/>
-              <a:ext cx="251182" cy="243261"/>
-            </a:xfrm>
-            <a:prstGeom prst="ellipse">
-              <a:avLst/>
-            </a:prstGeom>
-            <a:solidFill>
-              <a:schemeClr val="tx1"/>
-            </a:solidFill>
-            <a:ln>
-              <a:solidFill>
-                <a:schemeClr val="tx1"/>
-              </a:solidFill>
-            </a:ln>
-          </p:spPr>
-          <p:style>
-            <a:lnRef idx="2">
-              <a:schemeClr val="accent1">
-                <a:shade val="50000"/>
-              </a:schemeClr>
-            </a:lnRef>
-            <a:fillRef idx="1">
-              <a:schemeClr val="accent1"/>
-            </a:fillRef>
-            <a:effectRef idx="0">
-              <a:schemeClr val="accent1"/>
-            </a:effectRef>
-            <a:fontRef idx="minor">
-              <a:schemeClr val="lt1"/>
-            </a:fontRef>
-          </p:style>
-          <p:txBody>
-            <a:bodyPr rtlCol="0" anchor="ctr"/>
-            <a:lstStyle/>
-            <a:p>
-              <a:pPr algn="ctr"/>
-              <a:endParaRPr lang="fr-FR" sz="4000" dirty="0"/>
-            </a:p>
-          </p:txBody>
-        </p:sp>
-        <p:cxnSp>
-          <p:nvCxnSpPr>
-            <p:cNvPr id="118" name="Connecteur droit avec flèche 117"/>
-            <p:cNvCxnSpPr>
-              <a:stCxn id="117" idx="5"/>
-            </p:cNvCxnSpPr>
-            <p:nvPr/>
-          </p:nvCxnSpPr>
-          <p:spPr>
-            <a:xfrm>
-              <a:off x="1863312" y="3384176"/>
-              <a:ext cx="320003" cy="187883"/>
-            </a:xfrm>
-            <a:prstGeom prst="straightConnector1">
-              <a:avLst/>
-            </a:prstGeom>
-            <a:ln w="38100">
-              <a:solidFill>
-                <a:schemeClr val="accent1"/>
-              </a:solidFill>
-              <a:tailEnd type="triangle"/>
-            </a:ln>
-          </p:spPr>
-          <p:style>
-            <a:lnRef idx="1">
-              <a:schemeClr val="dk1"/>
-            </a:lnRef>
-            <a:fillRef idx="0">
-              <a:schemeClr val="dk1"/>
-            </a:fillRef>
-            <a:effectRef idx="0">
-              <a:schemeClr val="dk1"/>
-            </a:effectRef>
-            <a:fontRef idx="minor">
-              <a:schemeClr val="tx1"/>
-            </a:fontRef>
-          </p:style>
-        </p:cxnSp>
-        <p:cxnSp>
-          <p:nvCxnSpPr>
-            <p:cNvPr id="119" name="Connecteur droit avec flèche 118"/>
-            <p:cNvCxnSpPr>
-              <a:stCxn id="117" idx="3"/>
-            </p:cNvCxnSpPr>
-            <p:nvPr/>
-          </p:nvCxnSpPr>
-          <p:spPr>
-            <a:xfrm flipH="1">
-              <a:off x="1365698" y="3384176"/>
-              <a:ext cx="320003" cy="178068"/>
-            </a:xfrm>
-            <a:prstGeom prst="straightConnector1">
-              <a:avLst/>
-            </a:prstGeom>
-            <a:ln w="38100">
-              <a:solidFill>
-                <a:srgbClr val="FF0000"/>
-              </a:solidFill>
-              <a:tailEnd type="triangle"/>
-            </a:ln>
-          </p:spPr>
-          <p:style>
-            <a:lnRef idx="1">
-              <a:schemeClr val="dk1"/>
-            </a:lnRef>
-            <a:fillRef idx="0">
-              <a:schemeClr val="dk1"/>
-            </a:fillRef>
-            <a:effectRef idx="0">
-              <a:schemeClr val="dk1"/>
-            </a:effectRef>
-            <a:fontRef idx="minor">
-              <a:schemeClr val="tx1"/>
-            </a:fontRef>
-          </p:style>
-        </p:cxnSp>
-        <p:sp>
-          <p:nvSpPr>
-            <p:cNvPr id="120" name="Ellipse 119"/>
-            <p:cNvSpPr/>
-            <p:nvPr/>
-          </p:nvSpPr>
-          <p:spPr>
-            <a:xfrm>
-              <a:off x="1179937" y="3543384"/>
-              <a:ext cx="251182" cy="243261"/>
-            </a:xfrm>
-            <a:prstGeom prst="ellipse">
-              <a:avLst/>
-            </a:prstGeom>
-            <a:solidFill>
-              <a:srgbClr val="FF0000"/>
-            </a:solidFill>
-            <a:ln>
-              <a:solidFill>
-                <a:srgbClr val="FF0000"/>
-              </a:solidFill>
-            </a:ln>
-          </p:spPr>
-          <p:style>
-            <a:lnRef idx="2">
-              <a:schemeClr val="accent1">
-                <a:shade val="50000"/>
-              </a:schemeClr>
-            </a:lnRef>
-            <a:fillRef idx="1">
-              <a:schemeClr val="accent1"/>
-            </a:fillRef>
-            <a:effectRef idx="0">
-              <a:schemeClr val="accent1"/>
-            </a:effectRef>
-            <a:fontRef idx="minor">
-              <a:schemeClr val="lt1"/>
-            </a:fontRef>
-          </p:style>
-          <p:txBody>
-            <a:bodyPr rtlCol="0" anchor="ctr"/>
-            <a:lstStyle/>
-            <a:p>
-              <a:pPr algn="ctr"/>
-              <a:endParaRPr lang="fr-FR" sz="4000" dirty="0"/>
-            </a:p>
-          </p:txBody>
-        </p:sp>
-        <p:sp>
-          <p:nvSpPr>
-            <p:cNvPr id="121" name="Ellipse 120"/>
-            <p:cNvSpPr/>
-            <p:nvPr/>
-          </p:nvSpPr>
-          <p:spPr>
-            <a:xfrm>
-              <a:off x="1431786" y="3910227"/>
-              <a:ext cx="251182" cy="243261"/>
-            </a:xfrm>
-            <a:prstGeom prst="ellipse">
-              <a:avLst/>
-            </a:prstGeom>
-            <a:solidFill>
-              <a:schemeClr val="tx1"/>
-            </a:solidFill>
-            <a:ln>
-              <a:solidFill>
-                <a:schemeClr val="tx1"/>
-              </a:solidFill>
-            </a:ln>
-          </p:spPr>
-          <p:style>
-            <a:lnRef idx="2">
-              <a:schemeClr val="accent1">
-                <a:shade val="50000"/>
-              </a:schemeClr>
-            </a:lnRef>
-            <a:fillRef idx="1">
-              <a:schemeClr val="accent1"/>
-            </a:fillRef>
-            <a:effectRef idx="0">
-              <a:schemeClr val="accent1"/>
-            </a:effectRef>
-            <a:fontRef idx="minor">
-              <a:schemeClr val="lt1"/>
-            </a:fontRef>
-          </p:style>
-          <p:txBody>
-            <a:bodyPr rtlCol="0" anchor="ctr"/>
-            <a:lstStyle/>
-            <a:p>
-              <a:pPr algn="ctr"/>
-              <a:endParaRPr lang="fr-FR" sz="4000" dirty="0"/>
-            </a:p>
-          </p:txBody>
-        </p:sp>
-        <p:cxnSp>
-          <p:nvCxnSpPr>
-            <p:cNvPr id="122" name="Connecteur droit avec flèche 121"/>
-            <p:cNvCxnSpPr/>
-            <p:nvPr/>
-          </p:nvCxnSpPr>
-          <p:spPr>
-            <a:xfrm>
-              <a:off x="1386879" y="3763337"/>
-              <a:ext cx="104232" cy="165751"/>
-            </a:xfrm>
-            <a:prstGeom prst="straightConnector1">
-              <a:avLst/>
-            </a:prstGeom>
-            <a:ln w="38100">
-              <a:solidFill>
-                <a:schemeClr val="accent1"/>
-              </a:solidFill>
-              <a:tailEnd type="triangle"/>
-            </a:ln>
-          </p:spPr>
-          <p:style>
-            <a:lnRef idx="1">
-              <a:schemeClr val="dk1"/>
-            </a:lnRef>
-            <a:fillRef idx="0">
-              <a:schemeClr val="dk1"/>
-            </a:fillRef>
-            <a:effectRef idx="0">
-              <a:schemeClr val="dk1"/>
-            </a:effectRef>
-            <a:fontRef idx="minor">
-              <a:schemeClr val="tx1"/>
-            </a:fontRef>
-          </p:style>
-        </p:cxnSp>
-        <p:cxnSp>
-          <p:nvCxnSpPr>
-            <p:cNvPr id="123" name="Connecteur droit avec flèche 122"/>
-            <p:cNvCxnSpPr/>
-            <p:nvPr/>
-          </p:nvCxnSpPr>
-          <p:spPr>
-            <a:xfrm flipH="1">
-              <a:off x="1126726" y="3763336"/>
-              <a:ext cx="104232" cy="165751"/>
-            </a:xfrm>
-            <a:prstGeom prst="straightConnector1">
-              <a:avLst/>
-            </a:prstGeom>
-            <a:ln w="38100">
-              <a:solidFill>
-                <a:srgbClr val="FF0000"/>
-              </a:solidFill>
-              <a:tailEnd type="triangle"/>
-            </a:ln>
-          </p:spPr>
-          <p:style>
-            <a:lnRef idx="1">
-              <a:schemeClr val="dk1"/>
-            </a:lnRef>
-            <a:fillRef idx="0">
-              <a:schemeClr val="dk1"/>
-            </a:fillRef>
-            <a:effectRef idx="0">
-              <a:schemeClr val="dk1"/>
-            </a:effectRef>
-            <a:fontRef idx="minor">
-              <a:schemeClr val="tx1"/>
-            </a:fontRef>
-          </p:style>
-        </p:cxnSp>
-        <p:sp>
-          <p:nvSpPr>
-            <p:cNvPr id="124" name="Ellipse 123"/>
-            <p:cNvSpPr/>
-            <p:nvPr/>
-          </p:nvSpPr>
-          <p:spPr>
-            <a:xfrm>
-              <a:off x="953933" y="3923248"/>
-              <a:ext cx="251182" cy="243261"/>
-            </a:xfrm>
-            <a:prstGeom prst="ellipse">
-              <a:avLst/>
-            </a:prstGeom>
-            <a:solidFill>
-              <a:srgbClr val="FF0000"/>
-            </a:solidFill>
-            <a:ln>
-              <a:solidFill>
-                <a:srgbClr val="FF0000"/>
-              </a:solidFill>
-            </a:ln>
-          </p:spPr>
-          <p:style>
-            <a:lnRef idx="2">
-              <a:schemeClr val="accent1">
-                <a:shade val="50000"/>
-              </a:schemeClr>
-            </a:lnRef>
-            <a:fillRef idx="1">
-              <a:schemeClr val="accent1"/>
-            </a:fillRef>
-            <a:effectRef idx="0">
-              <a:schemeClr val="accent1"/>
-            </a:effectRef>
-            <a:fontRef idx="minor">
-              <a:schemeClr val="lt1"/>
-            </a:fontRef>
-          </p:style>
-          <p:txBody>
-            <a:bodyPr rtlCol="0" anchor="ctr"/>
-            <a:lstStyle/>
-            <a:p>
-              <a:pPr algn="ctr"/>
-              <a:endParaRPr lang="fr-FR" sz="4000" dirty="0"/>
-            </a:p>
-          </p:txBody>
-        </p:sp>
-        <p:sp>
-          <p:nvSpPr>
-            <p:cNvPr id="125" name="Ellipse 124"/>
-            <p:cNvSpPr/>
-            <p:nvPr/>
-          </p:nvSpPr>
-          <p:spPr>
-            <a:xfrm>
-              <a:off x="702084" y="4290091"/>
-              <a:ext cx="251182" cy="243261"/>
-            </a:xfrm>
-            <a:prstGeom prst="ellipse">
-              <a:avLst/>
-            </a:prstGeom>
-            <a:solidFill>
-              <a:schemeClr val="tx1"/>
-            </a:solidFill>
-            <a:ln>
-              <a:solidFill>
-                <a:schemeClr val="tx1"/>
-              </a:solidFill>
-            </a:ln>
-          </p:spPr>
-          <p:style>
-            <a:lnRef idx="2">
-              <a:schemeClr val="accent1">
-                <a:shade val="50000"/>
-              </a:schemeClr>
-            </a:lnRef>
-            <a:fillRef idx="1">
-              <a:schemeClr val="accent1"/>
-            </a:fillRef>
-            <a:effectRef idx="0">
-              <a:schemeClr val="accent1"/>
-            </a:effectRef>
-            <a:fontRef idx="minor">
-              <a:schemeClr val="lt1"/>
-            </a:fontRef>
-          </p:style>
-          <p:txBody>
-            <a:bodyPr rtlCol="0" anchor="ctr"/>
-            <a:lstStyle/>
-            <a:p>
-              <a:pPr algn="ctr"/>
-              <a:endParaRPr lang="fr-FR" sz="4000" dirty="0"/>
-            </a:p>
-          </p:txBody>
-        </p:sp>
-        <p:sp>
-          <p:nvSpPr>
-            <p:cNvPr id="126" name="Ellipse 125"/>
-            <p:cNvSpPr/>
-            <p:nvPr/>
-          </p:nvSpPr>
-          <p:spPr>
-            <a:xfrm>
-              <a:off x="1205781" y="4290091"/>
-              <a:ext cx="251182" cy="243261"/>
-            </a:xfrm>
-            <a:prstGeom prst="ellipse">
-              <a:avLst/>
-            </a:prstGeom>
-            <a:solidFill>
-              <a:schemeClr val="tx1"/>
-            </a:solidFill>
-            <a:ln>
-              <a:solidFill>
-                <a:schemeClr val="tx1"/>
-              </a:solidFill>
-            </a:ln>
-          </p:spPr>
-          <p:style>
-            <a:lnRef idx="2">
-              <a:schemeClr val="accent1">
-                <a:shade val="50000"/>
-              </a:schemeClr>
-            </a:lnRef>
-            <a:fillRef idx="1">
-              <a:schemeClr val="accent1"/>
-            </a:fillRef>
-            <a:effectRef idx="0">
-              <a:schemeClr val="accent1"/>
-            </a:effectRef>
-            <a:fontRef idx="minor">
-              <a:schemeClr val="lt1"/>
-            </a:fontRef>
-          </p:style>
-          <p:txBody>
-            <a:bodyPr rtlCol="0" anchor="ctr"/>
-            <a:lstStyle/>
-            <a:p>
-              <a:pPr algn="ctr"/>
-              <a:endParaRPr lang="fr-FR" sz="4000" dirty="0"/>
-            </a:p>
-          </p:txBody>
-        </p:sp>
-        <p:cxnSp>
-          <p:nvCxnSpPr>
-            <p:cNvPr id="127" name="Connecteur droit avec flèche 126"/>
-            <p:cNvCxnSpPr/>
-            <p:nvPr/>
-          </p:nvCxnSpPr>
-          <p:spPr>
-            <a:xfrm>
-              <a:off x="1160875" y="4143201"/>
-              <a:ext cx="104232" cy="165751"/>
-            </a:xfrm>
-            <a:prstGeom prst="straightConnector1">
-              <a:avLst/>
-            </a:prstGeom>
-            <a:ln w="38100">
-              <a:solidFill>
-                <a:schemeClr val="accent1"/>
-              </a:solidFill>
-              <a:tailEnd type="triangle"/>
-            </a:ln>
-          </p:spPr>
-          <p:style>
-            <a:lnRef idx="1">
-              <a:schemeClr val="dk1"/>
-            </a:lnRef>
-            <a:fillRef idx="0">
-              <a:schemeClr val="dk1"/>
-            </a:fillRef>
-            <a:effectRef idx="0">
-              <a:schemeClr val="dk1"/>
-            </a:effectRef>
-            <a:fontRef idx="minor">
-              <a:schemeClr val="tx1"/>
-            </a:fontRef>
-          </p:style>
-        </p:cxnSp>
-        <p:cxnSp>
-          <p:nvCxnSpPr>
-            <p:cNvPr id="128" name="Connecteur droit avec flèche 127"/>
-            <p:cNvCxnSpPr/>
-            <p:nvPr/>
-          </p:nvCxnSpPr>
-          <p:spPr>
-            <a:xfrm flipH="1">
-              <a:off x="900722" y="4143200"/>
-              <a:ext cx="104232" cy="165751"/>
-            </a:xfrm>
-            <a:prstGeom prst="straightConnector1">
-              <a:avLst/>
-            </a:prstGeom>
-            <a:ln w="38100">
-              <a:solidFill>
-                <a:srgbClr val="FF0000"/>
-              </a:solidFill>
-              <a:tailEnd type="triangle"/>
-            </a:ln>
-          </p:spPr>
-          <p:style>
-            <a:lnRef idx="1">
-              <a:schemeClr val="dk1"/>
-            </a:lnRef>
-            <a:fillRef idx="0">
-              <a:schemeClr val="dk1"/>
-            </a:fillRef>
-            <a:effectRef idx="0">
-              <a:schemeClr val="dk1"/>
-            </a:effectRef>
-            <a:fontRef idx="minor">
-              <a:schemeClr val="tx1"/>
-            </a:fontRef>
-          </p:style>
-        </p:cxnSp>
-        <p:sp>
-          <p:nvSpPr>
-            <p:cNvPr id="129" name="Ellipse 128"/>
-            <p:cNvSpPr/>
-            <p:nvPr/>
-          </p:nvSpPr>
-          <p:spPr>
-            <a:xfrm>
-              <a:off x="2113281" y="3555342"/>
-              <a:ext cx="251182" cy="243261"/>
-            </a:xfrm>
-            <a:prstGeom prst="ellipse">
-              <a:avLst/>
-            </a:prstGeom>
-            <a:solidFill>
-              <a:schemeClr val="tx1"/>
-            </a:solidFill>
-            <a:ln>
-              <a:solidFill>
-                <a:schemeClr val="tx1"/>
-              </a:solidFill>
-            </a:ln>
-          </p:spPr>
-          <p:style>
-            <a:lnRef idx="2">
-              <a:schemeClr val="accent1">
-                <a:shade val="50000"/>
-              </a:schemeClr>
-            </a:lnRef>
-            <a:fillRef idx="1">
-              <a:schemeClr val="accent1"/>
-            </a:fillRef>
-            <a:effectRef idx="0">
-              <a:schemeClr val="accent1"/>
-            </a:effectRef>
-            <a:fontRef idx="minor">
-              <a:schemeClr val="lt1"/>
-            </a:fontRef>
-          </p:style>
-          <p:txBody>
-            <a:bodyPr rtlCol="0" anchor="ctr"/>
-            <a:lstStyle/>
-            <a:p>
-              <a:pPr algn="ctr"/>
-              <a:endParaRPr lang="fr-FR" sz="4000" dirty="0"/>
-            </a:p>
-          </p:txBody>
-        </p:sp>
-        <p:sp>
-          <p:nvSpPr>
-            <p:cNvPr id="130" name="Flèche droite 49"/>
-            <p:cNvSpPr/>
-            <p:nvPr/>
-          </p:nvSpPr>
-          <p:spPr>
-            <a:xfrm>
-              <a:off x="2665306" y="3352200"/>
-              <a:ext cx="377470" cy="145019"/>
-            </a:xfrm>
-            <a:prstGeom prst="rightArrow">
-              <a:avLst>
-                <a:gd name="adj1" fmla="val 50000"/>
-                <a:gd name="adj2" fmla="val 73974"/>
-              </a:avLst>
-            </a:prstGeom>
-          </p:spPr>
-          <p:style>
-            <a:lnRef idx="2">
-              <a:schemeClr val="accent1">
-                <a:shade val="50000"/>
-              </a:schemeClr>
-            </a:lnRef>
-            <a:fillRef idx="1">
-              <a:schemeClr val="accent1"/>
-            </a:fillRef>
-            <a:effectRef idx="0">
-              <a:schemeClr val="accent1"/>
-            </a:effectRef>
-            <a:fontRef idx="minor">
-              <a:schemeClr val="lt1"/>
-            </a:fontRef>
-          </p:style>
-          <p:txBody>
-            <a:bodyPr rtlCol="0" anchor="ctr"/>
-            <a:lstStyle/>
-            <a:p>
-              <a:pPr algn="ctr"/>
-              <a:endParaRPr lang="fr-FR"/>
-            </a:p>
-          </p:txBody>
-        </p:sp>
-        <p:sp>
-          <p:nvSpPr>
-            <p:cNvPr id="131" name="Ellipse 130"/>
-            <p:cNvSpPr/>
-            <p:nvPr/>
-          </p:nvSpPr>
-          <p:spPr>
-            <a:xfrm>
-              <a:off x="3654844" y="3176540"/>
-              <a:ext cx="251182" cy="243261"/>
-            </a:xfrm>
-            <a:prstGeom prst="ellipse">
-              <a:avLst/>
-            </a:prstGeom>
-            <a:solidFill>
-              <a:schemeClr val="tx1"/>
-            </a:solidFill>
-            <a:ln>
-              <a:solidFill>
-                <a:srgbClr val="FF0000"/>
-              </a:solidFill>
-            </a:ln>
-          </p:spPr>
-          <p:style>
-            <a:lnRef idx="2">
-              <a:schemeClr val="accent1">
-                <a:shade val="50000"/>
-              </a:schemeClr>
-            </a:lnRef>
-            <a:fillRef idx="1">
-              <a:schemeClr val="accent1"/>
-            </a:fillRef>
-            <a:effectRef idx="0">
-              <a:schemeClr val="accent1"/>
-            </a:effectRef>
-            <a:fontRef idx="minor">
-              <a:schemeClr val="lt1"/>
-            </a:fontRef>
-          </p:style>
-          <p:txBody>
-            <a:bodyPr rtlCol="0" anchor="ctr"/>
-            <a:lstStyle/>
-            <a:p>
-              <a:pPr algn="ctr"/>
-              <a:endParaRPr lang="fr-FR" sz="4000" dirty="0"/>
-            </a:p>
-          </p:txBody>
-        </p:sp>
-        <p:cxnSp>
-          <p:nvCxnSpPr>
-            <p:cNvPr id="132" name="Connecteur droit avec flèche 131"/>
-            <p:cNvCxnSpPr>
-              <a:stCxn id="131" idx="5"/>
-            </p:cNvCxnSpPr>
-            <p:nvPr/>
-          </p:nvCxnSpPr>
-          <p:spPr>
-            <a:xfrm>
-              <a:off x="3869241" y="3384176"/>
-              <a:ext cx="320003" cy="187883"/>
-            </a:xfrm>
-            <a:prstGeom prst="straightConnector1">
-              <a:avLst/>
-            </a:prstGeom>
-            <a:ln w="38100">
-              <a:solidFill>
-                <a:schemeClr val="accent1"/>
-              </a:solidFill>
-              <a:tailEnd type="triangle"/>
-            </a:ln>
-          </p:spPr>
-          <p:style>
-            <a:lnRef idx="1">
-              <a:schemeClr val="dk1"/>
-            </a:lnRef>
-            <a:fillRef idx="0">
-              <a:schemeClr val="dk1"/>
-            </a:fillRef>
-            <a:effectRef idx="0">
-              <a:schemeClr val="dk1"/>
-            </a:effectRef>
-            <a:fontRef idx="minor">
-              <a:schemeClr val="tx1"/>
-            </a:fontRef>
-          </p:style>
-        </p:cxnSp>
-        <p:cxnSp>
-          <p:nvCxnSpPr>
-            <p:cNvPr id="133" name="Connecteur droit avec flèche 132"/>
-            <p:cNvCxnSpPr>
-              <a:stCxn id="131" idx="3"/>
-            </p:cNvCxnSpPr>
-            <p:nvPr/>
-          </p:nvCxnSpPr>
-          <p:spPr>
-            <a:xfrm flipH="1">
-              <a:off x="3371626" y="3384176"/>
-              <a:ext cx="320003" cy="178068"/>
-            </a:xfrm>
-            <a:prstGeom prst="straightConnector1">
-              <a:avLst/>
-            </a:prstGeom>
-            <a:ln w="38100">
-              <a:solidFill>
-                <a:srgbClr val="FF0000"/>
-              </a:solidFill>
-              <a:tailEnd type="triangle"/>
-            </a:ln>
-          </p:spPr>
-          <p:style>
-            <a:lnRef idx="1">
-              <a:schemeClr val="dk1"/>
-            </a:lnRef>
-            <a:fillRef idx="0">
-              <a:schemeClr val="dk1"/>
-            </a:fillRef>
-            <a:effectRef idx="0">
-              <a:schemeClr val="dk1"/>
-            </a:effectRef>
-            <a:fontRef idx="minor">
-              <a:schemeClr val="tx1"/>
-            </a:fontRef>
-          </p:style>
-        </p:cxnSp>
-        <p:sp>
-          <p:nvSpPr>
-            <p:cNvPr id="134" name="Ellipse 133"/>
-            <p:cNvSpPr/>
-            <p:nvPr/>
-          </p:nvSpPr>
-          <p:spPr>
-            <a:xfrm>
-              <a:off x="3185866" y="3543384"/>
-              <a:ext cx="251182" cy="243261"/>
-            </a:xfrm>
-            <a:prstGeom prst="ellipse">
-              <a:avLst/>
-            </a:prstGeom>
-            <a:solidFill>
-              <a:srgbClr val="FF0000"/>
-            </a:solidFill>
-            <a:ln>
-              <a:solidFill>
-                <a:srgbClr val="FF0000"/>
-              </a:solidFill>
-            </a:ln>
-          </p:spPr>
-          <p:style>
-            <a:lnRef idx="2">
-              <a:schemeClr val="accent1">
-                <a:shade val="50000"/>
-              </a:schemeClr>
-            </a:lnRef>
-            <a:fillRef idx="1">
-              <a:schemeClr val="accent1"/>
-            </a:fillRef>
-            <a:effectRef idx="0">
-              <a:schemeClr val="accent1"/>
-            </a:effectRef>
-            <a:fontRef idx="minor">
-              <a:schemeClr val="lt1"/>
-            </a:fontRef>
-          </p:style>
-          <p:txBody>
-            <a:bodyPr rtlCol="0" anchor="ctr"/>
-            <a:lstStyle/>
-            <a:p>
-              <a:pPr algn="ctr"/>
-              <a:endParaRPr lang="fr-FR" sz="4000" dirty="0"/>
-            </a:p>
-          </p:txBody>
-        </p:sp>
-        <p:sp>
-          <p:nvSpPr>
-            <p:cNvPr id="135" name="Ellipse 134"/>
-            <p:cNvSpPr/>
-            <p:nvPr/>
-          </p:nvSpPr>
-          <p:spPr>
-            <a:xfrm>
-              <a:off x="3437714" y="3910227"/>
-              <a:ext cx="251182" cy="243261"/>
-            </a:xfrm>
-            <a:prstGeom prst="ellipse">
-              <a:avLst/>
-            </a:prstGeom>
-            <a:solidFill>
-              <a:schemeClr val="tx1"/>
-            </a:solidFill>
-            <a:ln>
-              <a:solidFill>
-                <a:schemeClr val="tx1"/>
-              </a:solidFill>
-            </a:ln>
-          </p:spPr>
-          <p:style>
-            <a:lnRef idx="2">
-              <a:schemeClr val="accent1">
-                <a:shade val="50000"/>
-              </a:schemeClr>
-            </a:lnRef>
-            <a:fillRef idx="1">
-              <a:schemeClr val="accent1"/>
-            </a:fillRef>
-            <a:effectRef idx="0">
-              <a:schemeClr val="accent1"/>
-            </a:effectRef>
-            <a:fontRef idx="minor">
-              <a:schemeClr val="lt1"/>
-            </a:fontRef>
-          </p:style>
-          <p:txBody>
-            <a:bodyPr rtlCol="0" anchor="ctr"/>
-            <a:lstStyle/>
-            <a:p>
-              <a:pPr algn="ctr"/>
-              <a:endParaRPr lang="fr-FR" sz="4000" dirty="0"/>
-            </a:p>
-          </p:txBody>
-        </p:sp>
-        <p:cxnSp>
-          <p:nvCxnSpPr>
-            <p:cNvPr id="136" name="Connecteur droit avec flèche 135"/>
-            <p:cNvCxnSpPr/>
-            <p:nvPr/>
-          </p:nvCxnSpPr>
-          <p:spPr>
-            <a:xfrm>
-              <a:off x="3392807" y="3763337"/>
-              <a:ext cx="104232" cy="165751"/>
-            </a:xfrm>
-            <a:prstGeom prst="straightConnector1">
-              <a:avLst/>
-            </a:prstGeom>
-            <a:ln w="38100">
-              <a:solidFill>
-                <a:schemeClr val="accent1"/>
-              </a:solidFill>
-              <a:tailEnd type="triangle"/>
-            </a:ln>
-          </p:spPr>
-          <p:style>
-            <a:lnRef idx="1">
-              <a:schemeClr val="dk1"/>
-            </a:lnRef>
-            <a:fillRef idx="0">
-              <a:schemeClr val="dk1"/>
-            </a:fillRef>
-            <a:effectRef idx="0">
-              <a:schemeClr val="dk1"/>
-            </a:effectRef>
-            <a:fontRef idx="minor">
-              <a:schemeClr val="tx1"/>
-            </a:fontRef>
-          </p:style>
-        </p:cxnSp>
-        <p:cxnSp>
-          <p:nvCxnSpPr>
-            <p:cNvPr id="137" name="Connecteur droit avec flèche 136"/>
-            <p:cNvCxnSpPr/>
-            <p:nvPr/>
-          </p:nvCxnSpPr>
-          <p:spPr>
-            <a:xfrm flipH="1">
-              <a:off x="3132655" y="3763336"/>
-              <a:ext cx="104232" cy="165751"/>
-            </a:xfrm>
-            <a:prstGeom prst="straightConnector1">
-              <a:avLst/>
-            </a:prstGeom>
-            <a:ln w="38100">
-              <a:solidFill>
-                <a:srgbClr val="FF0000"/>
-              </a:solidFill>
-              <a:tailEnd type="triangle"/>
-            </a:ln>
-          </p:spPr>
-          <p:style>
-            <a:lnRef idx="1">
-              <a:schemeClr val="dk1"/>
-            </a:lnRef>
-            <a:fillRef idx="0">
-              <a:schemeClr val="dk1"/>
-            </a:fillRef>
-            <a:effectRef idx="0">
-              <a:schemeClr val="dk1"/>
-            </a:effectRef>
-            <a:fontRef idx="minor">
-              <a:schemeClr val="tx1"/>
-            </a:fontRef>
-          </p:style>
-        </p:cxnSp>
-        <p:sp>
-          <p:nvSpPr>
-            <p:cNvPr id="138" name="Ellipse 137"/>
-            <p:cNvSpPr/>
-            <p:nvPr/>
-          </p:nvSpPr>
-          <p:spPr>
-            <a:xfrm>
-              <a:off x="2959862" y="3923248"/>
-              <a:ext cx="251182" cy="243261"/>
-            </a:xfrm>
-            <a:prstGeom prst="ellipse">
-              <a:avLst/>
-            </a:prstGeom>
-            <a:solidFill>
-              <a:schemeClr val="tx1"/>
-            </a:solidFill>
-            <a:ln>
-              <a:solidFill>
-                <a:schemeClr val="tx1"/>
-              </a:solidFill>
-            </a:ln>
-          </p:spPr>
-          <p:style>
-            <a:lnRef idx="2">
-              <a:schemeClr val="accent1">
-                <a:shade val="50000"/>
-              </a:schemeClr>
-            </a:lnRef>
-            <a:fillRef idx="1">
-              <a:schemeClr val="accent1"/>
-            </a:fillRef>
-            <a:effectRef idx="0">
-              <a:schemeClr val="accent1"/>
-            </a:effectRef>
-            <a:fontRef idx="minor">
-              <a:schemeClr val="lt1"/>
-            </a:fontRef>
-          </p:style>
-          <p:txBody>
-            <a:bodyPr rtlCol="0" anchor="ctr"/>
-            <a:lstStyle/>
-            <a:p>
-              <a:pPr algn="ctr"/>
-              <a:endParaRPr lang="fr-FR" sz="4000" dirty="0"/>
-            </a:p>
-          </p:txBody>
-        </p:sp>
-        <p:sp>
-          <p:nvSpPr>
-            <p:cNvPr id="143" name="Ellipse 142"/>
-            <p:cNvSpPr/>
-            <p:nvPr/>
-          </p:nvSpPr>
-          <p:spPr>
-            <a:xfrm>
-              <a:off x="4119209" y="3555342"/>
-              <a:ext cx="251182" cy="243261"/>
-            </a:xfrm>
-            <a:prstGeom prst="ellipse">
-              <a:avLst/>
-            </a:prstGeom>
-            <a:solidFill>
-              <a:srgbClr val="FF0000"/>
-            </a:solidFill>
-            <a:ln>
-              <a:solidFill>
-                <a:schemeClr val="tx1"/>
-              </a:solidFill>
-            </a:ln>
-          </p:spPr>
-          <p:style>
-            <a:lnRef idx="2">
-              <a:schemeClr val="accent1">
-                <a:shade val="50000"/>
-              </a:schemeClr>
-            </a:lnRef>
-            <a:fillRef idx="1">
-              <a:schemeClr val="accent1"/>
-            </a:fillRef>
-            <a:effectRef idx="0">
-              <a:schemeClr val="accent1"/>
-            </a:effectRef>
-            <a:fontRef idx="minor">
-              <a:schemeClr val="lt1"/>
-            </a:fontRef>
-          </p:style>
-          <p:txBody>
-            <a:bodyPr rtlCol="0" anchor="ctr"/>
-            <a:lstStyle/>
-            <a:p>
-              <a:pPr algn="ctr"/>
-              <a:endParaRPr lang="fr-FR" sz="4000" dirty="0"/>
-            </a:p>
-          </p:txBody>
-        </p:sp>
-        <p:sp>
-          <p:nvSpPr>
-            <p:cNvPr id="144" name="Ellipse 143"/>
-            <p:cNvSpPr/>
-            <p:nvPr/>
-          </p:nvSpPr>
-          <p:spPr>
-            <a:xfrm>
-              <a:off x="3867362" y="3922185"/>
-              <a:ext cx="251182" cy="243261"/>
-            </a:xfrm>
-            <a:prstGeom prst="ellipse">
-              <a:avLst/>
-            </a:prstGeom>
-            <a:solidFill>
-              <a:schemeClr val="tx1"/>
-            </a:solidFill>
-            <a:ln>
-              <a:solidFill>
-                <a:schemeClr val="tx1"/>
-              </a:solidFill>
-            </a:ln>
-          </p:spPr>
-          <p:style>
-            <a:lnRef idx="2">
-              <a:schemeClr val="accent1">
-                <a:shade val="50000"/>
-              </a:schemeClr>
-            </a:lnRef>
-            <a:fillRef idx="1">
-              <a:schemeClr val="accent1"/>
-            </a:fillRef>
-            <a:effectRef idx="0">
-              <a:schemeClr val="accent1"/>
-            </a:effectRef>
-            <a:fontRef idx="minor">
-              <a:schemeClr val="lt1"/>
-            </a:fontRef>
-          </p:style>
-          <p:txBody>
-            <a:bodyPr rtlCol="0" anchor="ctr"/>
-            <a:lstStyle/>
-            <a:p>
-              <a:pPr algn="ctr"/>
-              <a:endParaRPr lang="fr-FR" sz="4000" dirty="0"/>
-            </a:p>
-          </p:txBody>
-        </p:sp>
-        <p:sp>
-          <p:nvSpPr>
-            <p:cNvPr id="145" name="Ellipse 144"/>
-            <p:cNvSpPr/>
-            <p:nvPr/>
-          </p:nvSpPr>
-          <p:spPr>
-            <a:xfrm>
-              <a:off x="4371058" y="3922185"/>
-              <a:ext cx="251182" cy="243261"/>
-            </a:xfrm>
-            <a:prstGeom prst="ellipse">
-              <a:avLst/>
-            </a:prstGeom>
-            <a:solidFill>
-              <a:schemeClr val="tx1"/>
-            </a:solidFill>
-            <a:ln>
-              <a:solidFill>
-                <a:schemeClr val="tx1"/>
-              </a:solidFill>
-            </a:ln>
-          </p:spPr>
-          <p:style>
-            <a:lnRef idx="2">
-              <a:schemeClr val="accent1">
-                <a:shade val="50000"/>
-              </a:schemeClr>
-            </a:lnRef>
-            <a:fillRef idx="1">
-              <a:schemeClr val="accent1"/>
-            </a:fillRef>
-            <a:effectRef idx="0">
-              <a:schemeClr val="accent1"/>
-            </a:effectRef>
-            <a:fontRef idx="minor">
-              <a:schemeClr val="lt1"/>
-            </a:fontRef>
-          </p:style>
-          <p:txBody>
-            <a:bodyPr rtlCol="0" anchor="ctr"/>
-            <a:lstStyle/>
-            <a:p>
-              <a:pPr algn="ctr"/>
-              <a:endParaRPr lang="fr-FR" sz="4000" dirty="0"/>
-            </a:p>
-          </p:txBody>
-        </p:sp>
-        <p:cxnSp>
-          <p:nvCxnSpPr>
-            <p:cNvPr id="146" name="Connecteur droit avec flèche 145"/>
-            <p:cNvCxnSpPr/>
-            <p:nvPr/>
-          </p:nvCxnSpPr>
-          <p:spPr>
-            <a:xfrm>
-              <a:off x="4326151" y="3775295"/>
-              <a:ext cx="104232" cy="165751"/>
-            </a:xfrm>
-            <a:prstGeom prst="straightConnector1">
-              <a:avLst/>
-            </a:prstGeom>
-            <a:ln w="38100">
-              <a:solidFill>
-                <a:schemeClr val="accent1"/>
-              </a:solidFill>
-              <a:tailEnd type="triangle"/>
-            </a:ln>
-          </p:spPr>
-          <p:style>
-            <a:lnRef idx="1">
-              <a:schemeClr val="dk1"/>
-            </a:lnRef>
-            <a:fillRef idx="0">
-              <a:schemeClr val="dk1"/>
-            </a:fillRef>
-            <a:effectRef idx="0">
-              <a:schemeClr val="dk1"/>
-            </a:effectRef>
-            <a:fontRef idx="minor">
-              <a:schemeClr val="tx1"/>
-            </a:fontRef>
-          </p:style>
-        </p:cxnSp>
-        <p:cxnSp>
-          <p:nvCxnSpPr>
-            <p:cNvPr id="147" name="Connecteur droit avec flèche 146"/>
-            <p:cNvCxnSpPr/>
-            <p:nvPr/>
-          </p:nvCxnSpPr>
-          <p:spPr>
-            <a:xfrm flipH="1">
-              <a:off x="4065999" y="3775294"/>
-              <a:ext cx="104232" cy="165751"/>
-            </a:xfrm>
-            <a:prstGeom prst="straightConnector1">
-              <a:avLst/>
-            </a:prstGeom>
-            <a:ln w="38100">
-              <a:solidFill>
-                <a:srgbClr val="FF0000"/>
-              </a:solidFill>
-              <a:tailEnd type="triangle"/>
-            </a:ln>
-          </p:spPr>
-          <p:style>
-            <a:lnRef idx="1">
-              <a:schemeClr val="dk1"/>
-            </a:lnRef>
-            <a:fillRef idx="0">
-              <a:schemeClr val="dk1"/>
-            </a:fillRef>
-            <a:effectRef idx="0">
-              <a:schemeClr val="dk1"/>
-            </a:effectRef>
-            <a:fontRef idx="minor">
-              <a:schemeClr val="tx1"/>
-            </a:fontRef>
-          </p:style>
-        </p:cxnSp>
-        <p:sp>
-          <p:nvSpPr>
-            <p:cNvPr id="148" name="Flèche en arc 9"/>
-            <p:cNvSpPr/>
-            <p:nvPr/>
-          </p:nvSpPr>
-          <p:spPr>
-            <a:xfrm rot="2405001">
-              <a:off x="1549661" y="3073456"/>
-              <a:ext cx="452910" cy="500525"/>
-            </a:xfrm>
-            <a:prstGeom prst="circularArrow">
-              <a:avLst>
-                <a:gd name="adj1" fmla="val 1633"/>
-                <a:gd name="adj2" fmla="val 1142319"/>
-                <a:gd name="adj3" fmla="val 20590268"/>
-                <a:gd name="adj4" fmla="val 5656747"/>
-                <a:gd name="adj5" fmla="val 7717"/>
-              </a:avLst>
-            </a:prstGeom>
-          </p:spPr>
-          <p:style>
-            <a:lnRef idx="2">
-              <a:schemeClr val="accent3">
-                <a:shade val="50000"/>
-              </a:schemeClr>
-            </a:lnRef>
-            <a:fillRef idx="1">
-              <a:schemeClr val="accent3"/>
-            </a:fillRef>
-            <a:effectRef idx="0">
-              <a:schemeClr val="accent3"/>
-            </a:effectRef>
-            <a:fontRef idx="minor">
-              <a:schemeClr val="lt1"/>
-            </a:fontRef>
-          </p:style>
-          <p:txBody>
-            <a:bodyPr rtlCol="0" anchor="ctr"/>
-            <a:lstStyle/>
-            <a:p>
-              <a:pPr algn="ctr"/>
-              <a:endParaRPr lang="fr-FR">
-                <a:solidFill>
-                  <a:schemeClr val="tx1"/>
-                </a:solidFill>
-              </a:endParaRPr>
-            </a:p>
-          </p:txBody>
-        </p:sp>
-      </p:grpSp>
-      <p:grpSp>
-        <p:nvGrpSpPr>
-          <p:cNvPr id="14" name="Groupe 13"/>
-          <p:cNvGrpSpPr/>
-          <p:nvPr/>
-        </p:nvGrpSpPr>
-        <p:grpSpPr>
-          <a:xfrm>
-            <a:off x="1005867" y="4591604"/>
-            <a:ext cx="3570763" cy="1452767"/>
-            <a:chOff x="1005867" y="4591604"/>
-            <a:chExt cx="3570763" cy="1452767"/>
-          </a:xfrm>
-        </p:grpSpPr>
-        <p:sp>
-          <p:nvSpPr>
-            <p:cNvPr id="82" name="Ellipse 81"/>
-            <p:cNvSpPr/>
-            <p:nvPr/>
-          </p:nvSpPr>
-          <p:spPr>
-            <a:xfrm>
-              <a:off x="1701172" y="4687559"/>
-              <a:ext cx="251182" cy="243261"/>
-            </a:xfrm>
-            <a:prstGeom prst="ellipse">
-              <a:avLst/>
-            </a:prstGeom>
-            <a:solidFill>
-              <a:schemeClr val="tx1"/>
-            </a:solidFill>
-            <a:ln>
-              <a:solidFill>
-                <a:schemeClr val="tx1"/>
-              </a:solidFill>
-            </a:ln>
-          </p:spPr>
-          <p:style>
-            <a:lnRef idx="2">
-              <a:schemeClr val="accent1">
-                <a:shade val="50000"/>
-              </a:schemeClr>
-            </a:lnRef>
-            <a:fillRef idx="1">
-              <a:schemeClr val="accent1"/>
-            </a:fillRef>
-            <a:effectRef idx="0">
-              <a:schemeClr val="accent1"/>
-            </a:effectRef>
-            <a:fontRef idx="minor">
-              <a:schemeClr val="lt1"/>
-            </a:fontRef>
-          </p:style>
-          <p:txBody>
-            <a:bodyPr rtlCol="0" anchor="ctr"/>
-            <a:lstStyle/>
-            <a:p>
-              <a:pPr algn="ctr"/>
-              <a:endParaRPr lang="fr-FR" sz="4000" dirty="0"/>
-            </a:p>
-          </p:txBody>
-        </p:sp>
-        <p:cxnSp>
-          <p:nvCxnSpPr>
-            <p:cNvPr id="83" name="Connecteur droit avec flèche 82"/>
-            <p:cNvCxnSpPr>
-              <a:stCxn id="82" idx="5"/>
-            </p:cNvCxnSpPr>
-            <p:nvPr/>
-          </p:nvCxnSpPr>
-          <p:spPr>
-            <a:xfrm>
-              <a:off x="1915569" y="4895195"/>
-              <a:ext cx="320003" cy="187883"/>
-            </a:xfrm>
-            <a:prstGeom prst="straightConnector1">
-              <a:avLst/>
-            </a:prstGeom>
-            <a:ln w="38100">
-              <a:solidFill>
-                <a:schemeClr val="accent1"/>
-              </a:solidFill>
-              <a:tailEnd type="triangle"/>
-            </a:ln>
-          </p:spPr>
-          <p:style>
-            <a:lnRef idx="1">
-              <a:schemeClr val="dk1"/>
-            </a:lnRef>
-            <a:fillRef idx="0">
-              <a:schemeClr val="dk1"/>
-            </a:fillRef>
-            <a:effectRef idx="0">
-              <a:schemeClr val="dk1"/>
-            </a:effectRef>
-            <a:fontRef idx="minor">
-              <a:schemeClr val="tx1"/>
-            </a:fontRef>
-          </p:style>
-        </p:cxnSp>
-        <p:cxnSp>
-          <p:nvCxnSpPr>
-            <p:cNvPr id="84" name="Connecteur droit avec flèche 83"/>
-            <p:cNvCxnSpPr>
-              <a:stCxn id="82" idx="3"/>
-            </p:cNvCxnSpPr>
-            <p:nvPr/>
-          </p:nvCxnSpPr>
-          <p:spPr>
-            <a:xfrm flipH="1">
-              <a:off x="1417955" y="4895195"/>
-              <a:ext cx="320003" cy="178068"/>
-            </a:xfrm>
-            <a:prstGeom prst="straightConnector1">
-              <a:avLst/>
-            </a:prstGeom>
-            <a:ln w="38100">
-              <a:solidFill>
-                <a:srgbClr val="FF0000"/>
-              </a:solidFill>
-              <a:tailEnd type="triangle"/>
-            </a:ln>
-          </p:spPr>
-          <p:style>
-            <a:lnRef idx="1">
-              <a:schemeClr val="dk1"/>
-            </a:lnRef>
-            <a:fillRef idx="0">
-              <a:schemeClr val="dk1"/>
-            </a:fillRef>
-            <a:effectRef idx="0">
-              <a:schemeClr val="dk1"/>
-            </a:effectRef>
-            <a:fontRef idx="minor">
-              <a:schemeClr val="tx1"/>
-            </a:fontRef>
-          </p:style>
-        </p:cxnSp>
-        <p:sp>
-          <p:nvSpPr>
-            <p:cNvPr id="85" name="Ellipse 84"/>
-            <p:cNvSpPr/>
-            <p:nvPr/>
-          </p:nvSpPr>
-          <p:spPr>
-            <a:xfrm>
-              <a:off x="1232195" y="5054403"/>
-              <a:ext cx="251182" cy="243261"/>
-            </a:xfrm>
-            <a:prstGeom prst="ellipse">
-              <a:avLst/>
-            </a:prstGeom>
-            <a:solidFill>
-              <a:srgbClr val="FF0000"/>
-            </a:solidFill>
-            <a:ln>
-              <a:solidFill>
-                <a:srgbClr val="FF0000"/>
-              </a:solidFill>
-            </a:ln>
-          </p:spPr>
-          <p:style>
-            <a:lnRef idx="2">
-              <a:schemeClr val="accent1">
-                <a:shade val="50000"/>
-              </a:schemeClr>
-            </a:lnRef>
-            <a:fillRef idx="1">
-              <a:schemeClr val="accent1"/>
-            </a:fillRef>
-            <a:effectRef idx="0">
-              <a:schemeClr val="accent1"/>
-            </a:effectRef>
-            <a:fontRef idx="minor">
-              <a:schemeClr val="lt1"/>
-            </a:fontRef>
-          </p:style>
-          <p:txBody>
-            <a:bodyPr rtlCol="0" anchor="ctr"/>
-            <a:lstStyle/>
-            <a:p>
-              <a:pPr algn="ctr"/>
-              <a:endParaRPr lang="fr-FR" sz="4000" dirty="0"/>
-            </a:p>
-          </p:txBody>
-        </p:sp>
-        <p:sp>
-          <p:nvSpPr>
-            <p:cNvPr id="86" name="Ellipse 85"/>
-            <p:cNvSpPr/>
-            <p:nvPr/>
-          </p:nvSpPr>
-          <p:spPr>
-            <a:xfrm>
-              <a:off x="1005867" y="5421246"/>
-              <a:ext cx="251182" cy="243261"/>
-            </a:xfrm>
-            <a:prstGeom prst="ellipse">
-              <a:avLst/>
-            </a:prstGeom>
-            <a:solidFill>
-              <a:schemeClr val="tx1"/>
-            </a:solidFill>
-            <a:ln>
-              <a:solidFill>
-                <a:schemeClr val="tx1"/>
-              </a:solidFill>
-            </a:ln>
-          </p:spPr>
-          <p:style>
-            <a:lnRef idx="2">
-              <a:schemeClr val="accent1">
-                <a:shade val="50000"/>
-              </a:schemeClr>
-            </a:lnRef>
-            <a:fillRef idx="1">
-              <a:schemeClr val="accent1"/>
-            </a:fillRef>
-            <a:effectRef idx="0">
-              <a:schemeClr val="accent1"/>
-            </a:effectRef>
-            <a:fontRef idx="minor">
-              <a:schemeClr val="lt1"/>
-            </a:fontRef>
-          </p:style>
-          <p:txBody>
-            <a:bodyPr rtlCol="0" anchor="ctr"/>
-            <a:lstStyle/>
-            <a:p>
-              <a:pPr algn="ctr"/>
-              <a:endParaRPr lang="fr-FR" sz="4000" dirty="0"/>
-            </a:p>
-          </p:txBody>
-        </p:sp>
-        <p:cxnSp>
-          <p:nvCxnSpPr>
-            <p:cNvPr id="87" name="Connecteur droit avec flèche 86"/>
-            <p:cNvCxnSpPr/>
-            <p:nvPr/>
-          </p:nvCxnSpPr>
-          <p:spPr>
-            <a:xfrm>
-              <a:off x="1439136" y="5274356"/>
-              <a:ext cx="104232" cy="165751"/>
-            </a:xfrm>
-            <a:prstGeom prst="straightConnector1">
-              <a:avLst/>
-            </a:prstGeom>
-            <a:ln w="38100">
-              <a:solidFill>
-                <a:schemeClr val="accent1"/>
-              </a:solidFill>
-              <a:tailEnd type="triangle"/>
-            </a:ln>
-          </p:spPr>
-          <p:style>
-            <a:lnRef idx="1">
-              <a:schemeClr val="dk1"/>
-            </a:lnRef>
-            <a:fillRef idx="0">
-              <a:schemeClr val="dk1"/>
-            </a:fillRef>
-            <a:effectRef idx="0">
-              <a:schemeClr val="dk1"/>
-            </a:effectRef>
-            <a:fontRef idx="minor">
-              <a:schemeClr val="tx1"/>
-            </a:fontRef>
-          </p:style>
-        </p:cxnSp>
-        <p:cxnSp>
-          <p:nvCxnSpPr>
-            <p:cNvPr id="88" name="Connecteur droit avec flèche 87"/>
-            <p:cNvCxnSpPr/>
-            <p:nvPr/>
-          </p:nvCxnSpPr>
-          <p:spPr>
-            <a:xfrm flipH="1">
-              <a:off x="1178983" y="5274355"/>
-              <a:ext cx="104232" cy="165751"/>
-            </a:xfrm>
-            <a:prstGeom prst="straightConnector1">
-              <a:avLst/>
-            </a:prstGeom>
-            <a:ln w="38100">
-              <a:solidFill>
-                <a:srgbClr val="FF0000"/>
-              </a:solidFill>
-              <a:tailEnd type="triangle"/>
-            </a:ln>
-          </p:spPr>
-          <p:style>
-            <a:lnRef idx="1">
-              <a:schemeClr val="dk1"/>
-            </a:lnRef>
-            <a:fillRef idx="0">
-              <a:schemeClr val="dk1"/>
-            </a:fillRef>
-            <a:effectRef idx="0">
-              <a:schemeClr val="dk1"/>
-            </a:effectRef>
-            <a:fontRef idx="minor">
-              <a:schemeClr val="tx1"/>
-            </a:fontRef>
-          </p:style>
-        </p:cxnSp>
-        <p:sp>
-          <p:nvSpPr>
-            <p:cNvPr id="89" name="Ellipse 88"/>
-            <p:cNvSpPr/>
-            <p:nvPr/>
-          </p:nvSpPr>
-          <p:spPr>
-            <a:xfrm>
-              <a:off x="1451947" y="5434267"/>
-              <a:ext cx="251182" cy="243261"/>
-            </a:xfrm>
-            <a:prstGeom prst="ellipse">
-              <a:avLst/>
-            </a:prstGeom>
-            <a:solidFill>
-              <a:srgbClr val="FF0000"/>
-            </a:solidFill>
-            <a:ln>
-              <a:solidFill>
-                <a:srgbClr val="FF0000"/>
-              </a:solidFill>
-            </a:ln>
-          </p:spPr>
-          <p:style>
-            <a:lnRef idx="2">
-              <a:schemeClr val="accent1">
-                <a:shade val="50000"/>
-              </a:schemeClr>
-            </a:lnRef>
-            <a:fillRef idx="1">
-              <a:schemeClr val="accent1"/>
-            </a:fillRef>
-            <a:effectRef idx="0">
-              <a:schemeClr val="accent1"/>
-            </a:effectRef>
-            <a:fontRef idx="minor">
-              <a:schemeClr val="lt1"/>
-            </a:fontRef>
-          </p:style>
-          <p:txBody>
-            <a:bodyPr rtlCol="0" anchor="ctr"/>
-            <a:lstStyle/>
-            <a:p>
-              <a:pPr algn="ctr"/>
-              <a:endParaRPr lang="fr-FR" sz="4000" dirty="0"/>
-            </a:p>
-          </p:txBody>
-        </p:sp>
-        <p:sp>
-          <p:nvSpPr>
-            <p:cNvPr id="90" name="Ellipse 89"/>
-            <p:cNvSpPr/>
-            <p:nvPr/>
-          </p:nvSpPr>
-          <p:spPr>
-            <a:xfrm>
-              <a:off x="1200099" y="5801110"/>
-              <a:ext cx="251182" cy="243261"/>
-            </a:xfrm>
-            <a:prstGeom prst="ellipse">
-              <a:avLst/>
-            </a:prstGeom>
-            <a:solidFill>
-              <a:schemeClr val="tx1"/>
-            </a:solidFill>
-            <a:ln>
-              <a:solidFill>
-                <a:schemeClr val="tx1"/>
-              </a:solidFill>
-            </a:ln>
-          </p:spPr>
-          <p:style>
-            <a:lnRef idx="2">
-              <a:schemeClr val="accent1">
-                <a:shade val="50000"/>
-              </a:schemeClr>
-            </a:lnRef>
-            <a:fillRef idx="1">
-              <a:schemeClr val="accent1"/>
-            </a:fillRef>
-            <a:effectRef idx="0">
-              <a:schemeClr val="accent1"/>
-            </a:effectRef>
-            <a:fontRef idx="minor">
-              <a:schemeClr val="lt1"/>
-            </a:fontRef>
-          </p:style>
-          <p:txBody>
-            <a:bodyPr rtlCol="0" anchor="ctr"/>
-            <a:lstStyle/>
-            <a:p>
-              <a:pPr algn="ctr"/>
-              <a:endParaRPr lang="fr-FR" sz="4000" dirty="0"/>
-            </a:p>
-          </p:txBody>
-        </p:sp>
-        <p:sp>
-          <p:nvSpPr>
-            <p:cNvPr id="91" name="Ellipse 90"/>
-            <p:cNvSpPr/>
-            <p:nvPr/>
-          </p:nvSpPr>
-          <p:spPr>
-            <a:xfrm>
-              <a:off x="1703795" y="5801110"/>
-              <a:ext cx="251182" cy="243261"/>
-            </a:xfrm>
-            <a:prstGeom prst="ellipse">
-              <a:avLst/>
-            </a:prstGeom>
-            <a:solidFill>
-              <a:schemeClr val="tx1"/>
-            </a:solidFill>
-            <a:ln>
-              <a:solidFill>
-                <a:schemeClr val="tx1"/>
-              </a:solidFill>
-            </a:ln>
-          </p:spPr>
-          <p:style>
-            <a:lnRef idx="2">
-              <a:schemeClr val="accent1">
-                <a:shade val="50000"/>
-              </a:schemeClr>
-            </a:lnRef>
-            <a:fillRef idx="1">
-              <a:schemeClr val="accent1"/>
-            </a:fillRef>
-            <a:effectRef idx="0">
-              <a:schemeClr val="accent1"/>
-            </a:effectRef>
-            <a:fontRef idx="minor">
-              <a:schemeClr val="lt1"/>
-            </a:fontRef>
-          </p:style>
-          <p:txBody>
-            <a:bodyPr rtlCol="0" anchor="ctr"/>
-            <a:lstStyle/>
-            <a:p>
-              <a:pPr algn="ctr"/>
-              <a:endParaRPr lang="fr-FR" sz="4000" dirty="0"/>
-            </a:p>
-          </p:txBody>
-        </p:sp>
-        <p:cxnSp>
-          <p:nvCxnSpPr>
-            <p:cNvPr id="92" name="Connecteur droit avec flèche 91"/>
-            <p:cNvCxnSpPr/>
-            <p:nvPr/>
-          </p:nvCxnSpPr>
-          <p:spPr>
-            <a:xfrm>
-              <a:off x="1658888" y="5654220"/>
-              <a:ext cx="104232" cy="165751"/>
-            </a:xfrm>
-            <a:prstGeom prst="straightConnector1">
-              <a:avLst/>
-            </a:prstGeom>
-            <a:ln w="38100">
-              <a:solidFill>
-                <a:schemeClr val="accent1"/>
-              </a:solidFill>
-              <a:tailEnd type="triangle"/>
-            </a:ln>
-          </p:spPr>
-          <p:style>
-            <a:lnRef idx="1">
-              <a:schemeClr val="dk1"/>
-            </a:lnRef>
-            <a:fillRef idx="0">
-              <a:schemeClr val="dk1"/>
-            </a:fillRef>
-            <a:effectRef idx="0">
-              <a:schemeClr val="dk1"/>
-            </a:effectRef>
-            <a:fontRef idx="minor">
-              <a:schemeClr val="tx1"/>
-            </a:fontRef>
-          </p:style>
-        </p:cxnSp>
-        <p:cxnSp>
-          <p:nvCxnSpPr>
-            <p:cNvPr id="93" name="Connecteur droit avec flèche 92"/>
-            <p:cNvCxnSpPr/>
-            <p:nvPr/>
-          </p:nvCxnSpPr>
-          <p:spPr>
-            <a:xfrm flipH="1">
-              <a:off x="1398736" y="5654219"/>
-              <a:ext cx="104232" cy="165751"/>
-            </a:xfrm>
-            <a:prstGeom prst="straightConnector1">
-              <a:avLst/>
-            </a:prstGeom>
-            <a:ln w="38100">
-              <a:solidFill>
-                <a:srgbClr val="FF0000"/>
-              </a:solidFill>
-              <a:tailEnd type="triangle"/>
-            </a:ln>
-          </p:spPr>
-          <p:style>
-            <a:lnRef idx="1">
-              <a:schemeClr val="dk1"/>
-            </a:lnRef>
-            <a:fillRef idx="0">
-              <a:schemeClr val="dk1"/>
-            </a:fillRef>
-            <a:effectRef idx="0">
-              <a:schemeClr val="dk1"/>
-            </a:effectRef>
-            <a:fontRef idx="minor">
-              <a:schemeClr val="tx1"/>
-            </a:fontRef>
-          </p:style>
-        </p:cxnSp>
-        <p:sp>
-          <p:nvSpPr>
-            <p:cNvPr id="94" name="Ellipse 93"/>
-            <p:cNvSpPr/>
-            <p:nvPr/>
-          </p:nvSpPr>
-          <p:spPr>
-            <a:xfrm>
-              <a:off x="2165538" y="5066361"/>
-              <a:ext cx="251182" cy="243261"/>
-            </a:xfrm>
-            <a:prstGeom prst="ellipse">
-              <a:avLst/>
-            </a:prstGeom>
-            <a:solidFill>
-              <a:schemeClr val="tx1"/>
-            </a:solidFill>
-            <a:ln>
-              <a:solidFill>
-                <a:schemeClr val="tx1"/>
-              </a:solidFill>
-            </a:ln>
-          </p:spPr>
-          <p:style>
-            <a:lnRef idx="2">
-              <a:schemeClr val="accent1">
-                <a:shade val="50000"/>
-              </a:schemeClr>
-            </a:lnRef>
-            <a:fillRef idx="1">
-              <a:schemeClr val="accent1"/>
-            </a:fillRef>
-            <a:effectRef idx="0">
-              <a:schemeClr val="accent1"/>
-            </a:effectRef>
-            <a:fontRef idx="minor">
-              <a:schemeClr val="lt1"/>
-            </a:fontRef>
-          </p:style>
-          <p:txBody>
-            <a:bodyPr rtlCol="0" anchor="ctr"/>
-            <a:lstStyle/>
-            <a:p>
-              <a:pPr algn="ctr"/>
-              <a:endParaRPr lang="fr-FR" sz="4000" dirty="0"/>
-            </a:p>
-          </p:txBody>
-        </p:sp>
-        <p:sp>
-          <p:nvSpPr>
-            <p:cNvPr id="116" name="Flèche droite 49"/>
-            <p:cNvSpPr/>
-            <p:nvPr/>
-          </p:nvSpPr>
-          <p:spPr>
-            <a:xfrm>
-              <a:off x="2667765" y="4901865"/>
-              <a:ext cx="377470" cy="145019"/>
-            </a:xfrm>
-            <a:prstGeom prst="rightArrow">
-              <a:avLst>
-                <a:gd name="adj1" fmla="val 50000"/>
-                <a:gd name="adj2" fmla="val 73974"/>
-              </a:avLst>
-            </a:prstGeom>
-          </p:spPr>
-          <p:style>
-            <a:lnRef idx="2">
-              <a:schemeClr val="accent1">
-                <a:shade val="50000"/>
-              </a:schemeClr>
-            </a:lnRef>
-            <a:fillRef idx="1">
-              <a:schemeClr val="accent1"/>
-            </a:fillRef>
-            <a:effectRef idx="0">
-              <a:schemeClr val="accent1"/>
-            </a:effectRef>
-            <a:fontRef idx="minor">
-              <a:schemeClr val="lt1"/>
-            </a:fontRef>
-          </p:style>
-          <p:txBody>
-            <a:bodyPr rtlCol="0" anchor="ctr"/>
-            <a:lstStyle/>
-            <a:p>
-              <a:pPr algn="ctr"/>
-              <a:endParaRPr lang="fr-FR"/>
-            </a:p>
-          </p:txBody>
-        </p:sp>
-        <p:sp>
-          <p:nvSpPr>
-            <p:cNvPr id="61" name="Flèche en arc 9"/>
-            <p:cNvSpPr/>
-            <p:nvPr/>
-          </p:nvSpPr>
-          <p:spPr>
-            <a:xfrm rot="19194999" flipH="1">
-              <a:off x="1142508" y="4933939"/>
-              <a:ext cx="452910" cy="500525"/>
-            </a:xfrm>
-            <a:prstGeom prst="circularArrow">
-              <a:avLst>
-                <a:gd name="adj1" fmla="val 1633"/>
-                <a:gd name="adj2" fmla="val 1142319"/>
-                <a:gd name="adj3" fmla="val 20590268"/>
-                <a:gd name="adj4" fmla="val 5656747"/>
-                <a:gd name="adj5" fmla="val 7717"/>
-              </a:avLst>
-            </a:prstGeom>
-          </p:spPr>
-          <p:style>
-            <a:lnRef idx="2">
-              <a:schemeClr val="accent3">
-                <a:shade val="50000"/>
-              </a:schemeClr>
-            </a:lnRef>
-            <a:fillRef idx="1">
-              <a:schemeClr val="accent3"/>
-            </a:fillRef>
-            <a:effectRef idx="0">
-              <a:schemeClr val="accent3"/>
-            </a:effectRef>
-            <a:fontRef idx="minor">
-              <a:schemeClr val="lt1"/>
-            </a:fontRef>
-          </p:style>
-          <p:txBody>
-            <a:bodyPr rtlCol="0" anchor="ctr"/>
-            <a:lstStyle/>
-            <a:p>
-              <a:pPr algn="ctr"/>
-              <a:endParaRPr lang="fr-FR">
-                <a:solidFill>
-                  <a:schemeClr val="tx1"/>
-                </a:solidFill>
-              </a:endParaRPr>
-            </a:p>
-          </p:txBody>
-        </p:sp>
-        <p:sp>
-          <p:nvSpPr>
-            <p:cNvPr id="149" name="Ellipse 148"/>
-            <p:cNvSpPr/>
-            <p:nvPr/>
-          </p:nvSpPr>
-          <p:spPr>
-            <a:xfrm>
-              <a:off x="3609234" y="4687559"/>
-              <a:ext cx="251182" cy="243261"/>
-            </a:xfrm>
-            <a:prstGeom prst="ellipse">
-              <a:avLst/>
-            </a:prstGeom>
-            <a:solidFill>
-              <a:schemeClr val="tx1"/>
-            </a:solidFill>
-            <a:ln>
-              <a:solidFill>
-                <a:srgbClr val="FF0000"/>
-              </a:solidFill>
-            </a:ln>
-          </p:spPr>
-          <p:style>
-            <a:lnRef idx="2">
-              <a:schemeClr val="accent1">
-                <a:shade val="50000"/>
-              </a:schemeClr>
-            </a:lnRef>
-            <a:fillRef idx="1">
-              <a:schemeClr val="accent1"/>
-            </a:fillRef>
-            <a:effectRef idx="0">
-              <a:schemeClr val="accent1"/>
-            </a:effectRef>
-            <a:fontRef idx="minor">
-              <a:schemeClr val="lt1"/>
-            </a:fontRef>
-          </p:style>
-          <p:txBody>
-            <a:bodyPr rtlCol="0" anchor="ctr"/>
-            <a:lstStyle/>
-            <a:p>
-              <a:pPr algn="ctr"/>
-              <a:endParaRPr lang="fr-FR" sz="4000" dirty="0"/>
-            </a:p>
-          </p:txBody>
-        </p:sp>
-        <p:cxnSp>
-          <p:nvCxnSpPr>
-            <p:cNvPr id="150" name="Connecteur droit avec flèche 149"/>
-            <p:cNvCxnSpPr>
-              <a:stCxn id="149" idx="5"/>
-            </p:cNvCxnSpPr>
-            <p:nvPr/>
-          </p:nvCxnSpPr>
-          <p:spPr>
-            <a:xfrm>
-              <a:off x="3823631" y="4895195"/>
-              <a:ext cx="320003" cy="187883"/>
-            </a:xfrm>
-            <a:prstGeom prst="straightConnector1">
-              <a:avLst/>
-            </a:prstGeom>
-            <a:ln w="38100">
-              <a:solidFill>
-                <a:schemeClr val="accent1"/>
-              </a:solidFill>
-              <a:tailEnd type="triangle"/>
-            </a:ln>
-          </p:spPr>
-          <p:style>
-            <a:lnRef idx="1">
-              <a:schemeClr val="dk1"/>
-            </a:lnRef>
-            <a:fillRef idx="0">
-              <a:schemeClr val="dk1"/>
-            </a:fillRef>
-            <a:effectRef idx="0">
-              <a:schemeClr val="dk1"/>
-            </a:effectRef>
-            <a:fontRef idx="minor">
-              <a:schemeClr val="tx1"/>
-            </a:fontRef>
-          </p:style>
-        </p:cxnSp>
-        <p:cxnSp>
-          <p:nvCxnSpPr>
-            <p:cNvPr id="151" name="Connecteur droit avec flèche 150"/>
-            <p:cNvCxnSpPr>
-              <a:stCxn id="149" idx="3"/>
-            </p:cNvCxnSpPr>
-            <p:nvPr/>
-          </p:nvCxnSpPr>
-          <p:spPr>
-            <a:xfrm flipH="1">
-              <a:off x="3326016" y="4895195"/>
-              <a:ext cx="320003" cy="178068"/>
-            </a:xfrm>
-            <a:prstGeom prst="straightConnector1">
-              <a:avLst/>
-            </a:prstGeom>
-            <a:ln w="38100">
-              <a:solidFill>
-                <a:srgbClr val="FF0000"/>
-              </a:solidFill>
-              <a:tailEnd type="triangle"/>
-            </a:ln>
-          </p:spPr>
-          <p:style>
-            <a:lnRef idx="1">
-              <a:schemeClr val="dk1"/>
-            </a:lnRef>
-            <a:fillRef idx="0">
-              <a:schemeClr val="dk1"/>
-            </a:fillRef>
-            <a:effectRef idx="0">
-              <a:schemeClr val="dk1"/>
-            </a:effectRef>
-            <a:fontRef idx="minor">
-              <a:schemeClr val="tx1"/>
-            </a:fontRef>
-          </p:style>
-        </p:cxnSp>
-        <p:sp>
-          <p:nvSpPr>
-            <p:cNvPr id="152" name="Ellipse 151"/>
-            <p:cNvSpPr/>
-            <p:nvPr/>
-          </p:nvSpPr>
-          <p:spPr>
-            <a:xfrm>
-              <a:off x="3140256" y="5054403"/>
-              <a:ext cx="251182" cy="243261"/>
-            </a:xfrm>
-            <a:prstGeom prst="ellipse">
-              <a:avLst/>
-            </a:prstGeom>
-            <a:solidFill>
-              <a:srgbClr val="FF0000"/>
-            </a:solidFill>
-            <a:ln>
-              <a:solidFill>
-                <a:srgbClr val="FF0000"/>
-              </a:solidFill>
-            </a:ln>
-          </p:spPr>
-          <p:style>
-            <a:lnRef idx="2">
-              <a:schemeClr val="accent1">
-                <a:shade val="50000"/>
-              </a:schemeClr>
-            </a:lnRef>
-            <a:fillRef idx="1">
-              <a:schemeClr val="accent1"/>
-            </a:fillRef>
-            <a:effectRef idx="0">
-              <a:schemeClr val="accent1"/>
-            </a:effectRef>
-            <a:fontRef idx="minor">
-              <a:schemeClr val="lt1"/>
-            </a:fontRef>
-          </p:style>
-          <p:txBody>
-            <a:bodyPr rtlCol="0" anchor="ctr"/>
-            <a:lstStyle/>
-            <a:p>
-              <a:pPr algn="ctr"/>
-              <a:endParaRPr lang="fr-FR" sz="4000" dirty="0"/>
-            </a:p>
-          </p:txBody>
-        </p:sp>
-        <p:sp>
-          <p:nvSpPr>
-            <p:cNvPr id="153" name="Ellipse 152"/>
-            <p:cNvSpPr/>
-            <p:nvPr/>
-          </p:nvSpPr>
-          <p:spPr>
-            <a:xfrm>
-              <a:off x="3392104" y="5421246"/>
-              <a:ext cx="251182" cy="243261"/>
-            </a:xfrm>
-            <a:prstGeom prst="ellipse">
-              <a:avLst/>
-            </a:prstGeom>
-            <a:solidFill>
-              <a:schemeClr val="tx1"/>
-            </a:solidFill>
-            <a:ln>
-              <a:solidFill>
-                <a:schemeClr val="tx1"/>
-              </a:solidFill>
-            </a:ln>
-          </p:spPr>
-          <p:style>
-            <a:lnRef idx="2">
-              <a:schemeClr val="accent1">
-                <a:shade val="50000"/>
-              </a:schemeClr>
-            </a:lnRef>
-            <a:fillRef idx="1">
-              <a:schemeClr val="accent1"/>
-            </a:fillRef>
-            <a:effectRef idx="0">
-              <a:schemeClr val="accent1"/>
-            </a:effectRef>
-            <a:fontRef idx="minor">
-              <a:schemeClr val="lt1"/>
-            </a:fontRef>
-          </p:style>
-          <p:txBody>
-            <a:bodyPr rtlCol="0" anchor="ctr"/>
-            <a:lstStyle/>
-            <a:p>
-              <a:pPr algn="ctr"/>
-              <a:endParaRPr lang="fr-FR" sz="4000" dirty="0"/>
-            </a:p>
-          </p:txBody>
-        </p:sp>
-        <p:cxnSp>
-          <p:nvCxnSpPr>
-            <p:cNvPr id="154" name="Connecteur droit avec flèche 153"/>
-            <p:cNvCxnSpPr/>
-            <p:nvPr/>
-          </p:nvCxnSpPr>
-          <p:spPr>
-            <a:xfrm>
-              <a:off x="3347197" y="5274356"/>
-              <a:ext cx="104232" cy="165751"/>
-            </a:xfrm>
-            <a:prstGeom prst="straightConnector1">
-              <a:avLst/>
-            </a:prstGeom>
-            <a:ln w="38100">
-              <a:solidFill>
-                <a:schemeClr val="accent1"/>
-              </a:solidFill>
-              <a:tailEnd type="triangle"/>
-            </a:ln>
-          </p:spPr>
-          <p:style>
-            <a:lnRef idx="1">
-              <a:schemeClr val="dk1"/>
-            </a:lnRef>
-            <a:fillRef idx="0">
-              <a:schemeClr val="dk1"/>
-            </a:fillRef>
-            <a:effectRef idx="0">
-              <a:schemeClr val="dk1"/>
-            </a:effectRef>
-            <a:fontRef idx="minor">
-              <a:schemeClr val="tx1"/>
-            </a:fontRef>
-          </p:style>
-        </p:cxnSp>
-        <p:cxnSp>
-          <p:nvCxnSpPr>
-            <p:cNvPr id="155" name="Connecteur droit avec flèche 154"/>
-            <p:cNvCxnSpPr/>
-            <p:nvPr/>
-          </p:nvCxnSpPr>
-          <p:spPr>
-            <a:xfrm flipH="1">
-              <a:off x="3087045" y="5274355"/>
-              <a:ext cx="104232" cy="165751"/>
-            </a:xfrm>
-            <a:prstGeom prst="straightConnector1">
-              <a:avLst/>
-            </a:prstGeom>
-            <a:ln w="38100">
-              <a:solidFill>
-                <a:srgbClr val="FF0000"/>
-              </a:solidFill>
-              <a:tailEnd type="triangle"/>
-            </a:ln>
-          </p:spPr>
-          <p:style>
-            <a:lnRef idx="1">
-              <a:schemeClr val="dk1"/>
-            </a:lnRef>
-            <a:fillRef idx="0">
-              <a:schemeClr val="dk1"/>
-            </a:fillRef>
-            <a:effectRef idx="0">
-              <a:schemeClr val="dk1"/>
-            </a:effectRef>
-            <a:fontRef idx="minor">
-              <a:schemeClr val="tx1"/>
-            </a:fontRef>
-          </p:style>
-        </p:cxnSp>
-        <p:sp>
-          <p:nvSpPr>
-            <p:cNvPr id="156" name="Ellipse 155"/>
-            <p:cNvSpPr/>
-            <p:nvPr/>
-          </p:nvSpPr>
-          <p:spPr>
-            <a:xfrm>
-              <a:off x="2914252" y="5434267"/>
-              <a:ext cx="251182" cy="243261"/>
-            </a:xfrm>
-            <a:prstGeom prst="ellipse">
-              <a:avLst/>
-            </a:prstGeom>
-            <a:solidFill>
-              <a:schemeClr val="tx1"/>
-            </a:solidFill>
-            <a:ln>
-              <a:solidFill>
-                <a:schemeClr val="tx1"/>
-              </a:solidFill>
-            </a:ln>
-          </p:spPr>
-          <p:style>
-            <a:lnRef idx="2">
-              <a:schemeClr val="accent1">
-                <a:shade val="50000"/>
-              </a:schemeClr>
-            </a:lnRef>
-            <a:fillRef idx="1">
-              <a:schemeClr val="accent1"/>
-            </a:fillRef>
-            <a:effectRef idx="0">
-              <a:schemeClr val="accent1"/>
-            </a:effectRef>
-            <a:fontRef idx="minor">
-              <a:schemeClr val="lt1"/>
-            </a:fontRef>
-          </p:style>
-          <p:txBody>
-            <a:bodyPr rtlCol="0" anchor="ctr"/>
-            <a:lstStyle/>
-            <a:p>
-              <a:pPr algn="ctr"/>
-              <a:endParaRPr lang="fr-FR" sz="4000" dirty="0"/>
-            </a:p>
-          </p:txBody>
-        </p:sp>
-        <p:sp>
-          <p:nvSpPr>
-            <p:cNvPr id="157" name="Ellipse 156"/>
-            <p:cNvSpPr/>
-            <p:nvPr/>
-          </p:nvSpPr>
-          <p:spPr>
-            <a:xfrm>
-              <a:off x="4073599" y="5066361"/>
-              <a:ext cx="251182" cy="243261"/>
-            </a:xfrm>
-            <a:prstGeom prst="ellipse">
-              <a:avLst/>
-            </a:prstGeom>
-            <a:solidFill>
-              <a:srgbClr val="FF0000"/>
-            </a:solidFill>
-            <a:ln>
-              <a:solidFill>
-                <a:schemeClr val="tx1"/>
-              </a:solidFill>
-            </a:ln>
-          </p:spPr>
-          <p:style>
-            <a:lnRef idx="2">
-              <a:schemeClr val="accent1">
-                <a:shade val="50000"/>
-              </a:schemeClr>
-            </a:lnRef>
-            <a:fillRef idx="1">
-              <a:schemeClr val="accent1"/>
-            </a:fillRef>
-            <a:effectRef idx="0">
-              <a:schemeClr val="accent1"/>
-            </a:effectRef>
-            <a:fontRef idx="minor">
-              <a:schemeClr val="lt1"/>
-            </a:fontRef>
-          </p:style>
-          <p:txBody>
-            <a:bodyPr rtlCol="0" anchor="ctr"/>
-            <a:lstStyle/>
-            <a:p>
-              <a:pPr algn="ctr"/>
-              <a:endParaRPr lang="fr-FR" sz="4000" dirty="0"/>
-            </a:p>
-          </p:txBody>
-        </p:sp>
-        <p:sp>
-          <p:nvSpPr>
-            <p:cNvPr id="158" name="Ellipse 157"/>
-            <p:cNvSpPr/>
-            <p:nvPr/>
-          </p:nvSpPr>
-          <p:spPr>
-            <a:xfrm>
-              <a:off x="3821752" y="5433204"/>
-              <a:ext cx="251182" cy="243261"/>
-            </a:xfrm>
-            <a:prstGeom prst="ellipse">
-              <a:avLst/>
-            </a:prstGeom>
-            <a:solidFill>
-              <a:schemeClr val="tx1"/>
-            </a:solidFill>
-            <a:ln>
-              <a:solidFill>
-                <a:schemeClr val="tx1"/>
-              </a:solidFill>
-            </a:ln>
-          </p:spPr>
-          <p:style>
-            <a:lnRef idx="2">
-              <a:schemeClr val="accent1">
-                <a:shade val="50000"/>
-              </a:schemeClr>
-            </a:lnRef>
-            <a:fillRef idx="1">
-              <a:schemeClr val="accent1"/>
-            </a:fillRef>
-            <a:effectRef idx="0">
-              <a:schemeClr val="accent1"/>
-            </a:effectRef>
-            <a:fontRef idx="minor">
-              <a:schemeClr val="lt1"/>
-            </a:fontRef>
-          </p:style>
-          <p:txBody>
-            <a:bodyPr rtlCol="0" anchor="ctr"/>
-            <a:lstStyle/>
-            <a:p>
-              <a:pPr algn="ctr"/>
-              <a:endParaRPr lang="fr-FR" sz="4000" dirty="0"/>
-            </a:p>
-          </p:txBody>
-        </p:sp>
-        <p:sp>
-          <p:nvSpPr>
-            <p:cNvPr id="159" name="Ellipse 158"/>
-            <p:cNvSpPr/>
-            <p:nvPr/>
-          </p:nvSpPr>
-          <p:spPr>
-            <a:xfrm>
-              <a:off x="4325448" y="5433204"/>
-              <a:ext cx="251182" cy="243261"/>
-            </a:xfrm>
-            <a:prstGeom prst="ellipse">
-              <a:avLst/>
-            </a:prstGeom>
-            <a:solidFill>
-              <a:schemeClr val="tx1"/>
-            </a:solidFill>
-            <a:ln>
-              <a:solidFill>
-                <a:schemeClr val="tx1"/>
-              </a:solidFill>
-            </a:ln>
-          </p:spPr>
-          <p:style>
-            <a:lnRef idx="2">
-              <a:schemeClr val="accent1">
-                <a:shade val="50000"/>
-              </a:schemeClr>
-            </a:lnRef>
-            <a:fillRef idx="1">
-              <a:schemeClr val="accent1"/>
-            </a:fillRef>
-            <a:effectRef idx="0">
-              <a:schemeClr val="accent1"/>
-            </a:effectRef>
-            <a:fontRef idx="minor">
-              <a:schemeClr val="lt1"/>
-            </a:fontRef>
-          </p:style>
-          <p:txBody>
-            <a:bodyPr rtlCol="0" anchor="ctr"/>
-            <a:lstStyle/>
-            <a:p>
-              <a:pPr algn="ctr"/>
-              <a:endParaRPr lang="fr-FR" sz="4000" dirty="0"/>
-            </a:p>
-          </p:txBody>
-        </p:sp>
-        <p:cxnSp>
-          <p:nvCxnSpPr>
-            <p:cNvPr id="160" name="Connecteur droit avec flèche 159"/>
-            <p:cNvCxnSpPr/>
-            <p:nvPr/>
-          </p:nvCxnSpPr>
-          <p:spPr>
-            <a:xfrm>
-              <a:off x="4280541" y="5286314"/>
-              <a:ext cx="104232" cy="165751"/>
-            </a:xfrm>
-            <a:prstGeom prst="straightConnector1">
-              <a:avLst/>
-            </a:prstGeom>
-            <a:ln w="38100">
-              <a:solidFill>
-                <a:schemeClr val="accent1"/>
-              </a:solidFill>
-              <a:tailEnd type="triangle"/>
-            </a:ln>
-          </p:spPr>
-          <p:style>
-            <a:lnRef idx="1">
-              <a:schemeClr val="dk1"/>
-            </a:lnRef>
-            <a:fillRef idx="0">
-              <a:schemeClr val="dk1"/>
-            </a:fillRef>
-            <a:effectRef idx="0">
-              <a:schemeClr val="dk1"/>
-            </a:effectRef>
-            <a:fontRef idx="minor">
-              <a:schemeClr val="tx1"/>
-            </a:fontRef>
-          </p:style>
-        </p:cxnSp>
-        <p:cxnSp>
-          <p:nvCxnSpPr>
-            <p:cNvPr id="161" name="Connecteur droit avec flèche 160"/>
-            <p:cNvCxnSpPr/>
-            <p:nvPr/>
-          </p:nvCxnSpPr>
-          <p:spPr>
-            <a:xfrm flipH="1">
-              <a:off x="4020389" y="5286313"/>
-              <a:ext cx="104232" cy="165751"/>
-            </a:xfrm>
-            <a:prstGeom prst="straightConnector1">
-              <a:avLst/>
-            </a:prstGeom>
-            <a:ln w="38100">
-              <a:solidFill>
-                <a:srgbClr val="FF0000"/>
-              </a:solidFill>
-              <a:tailEnd type="triangle"/>
-            </a:ln>
-          </p:spPr>
-          <p:style>
-            <a:lnRef idx="1">
-              <a:schemeClr val="dk1"/>
-            </a:lnRef>
-            <a:fillRef idx="0">
-              <a:schemeClr val="dk1"/>
-            </a:fillRef>
-            <a:effectRef idx="0">
-              <a:schemeClr val="dk1"/>
-            </a:effectRef>
-            <a:fontRef idx="minor">
-              <a:schemeClr val="tx1"/>
-            </a:fontRef>
-          </p:style>
-        </p:cxnSp>
-        <p:sp>
-          <p:nvSpPr>
-            <p:cNvPr id="162" name="Flèche en arc 9"/>
-            <p:cNvSpPr/>
-            <p:nvPr/>
-          </p:nvSpPr>
-          <p:spPr>
-            <a:xfrm rot="2405001">
-              <a:off x="1602306" y="4591604"/>
-              <a:ext cx="452910" cy="500525"/>
-            </a:xfrm>
-            <a:prstGeom prst="circularArrow">
-              <a:avLst>
-                <a:gd name="adj1" fmla="val 1633"/>
-                <a:gd name="adj2" fmla="val 1142319"/>
-                <a:gd name="adj3" fmla="val 20590268"/>
-                <a:gd name="adj4" fmla="val 5656747"/>
-                <a:gd name="adj5" fmla="val 7717"/>
-              </a:avLst>
-            </a:prstGeom>
-          </p:spPr>
-          <p:style>
-            <a:lnRef idx="2">
-              <a:schemeClr val="accent3">
-                <a:shade val="50000"/>
-              </a:schemeClr>
-            </a:lnRef>
-            <a:fillRef idx="1">
-              <a:schemeClr val="accent3"/>
-            </a:fillRef>
-            <a:effectRef idx="0">
-              <a:schemeClr val="accent3"/>
-            </a:effectRef>
-            <a:fontRef idx="minor">
-              <a:schemeClr val="lt1"/>
-            </a:fontRef>
-          </p:style>
-          <p:txBody>
-            <a:bodyPr rtlCol="0" anchor="ctr"/>
-            <a:lstStyle/>
-            <a:p>
-              <a:pPr algn="ctr"/>
-              <a:endParaRPr lang="fr-FR">
-                <a:solidFill>
-                  <a:schemeClr val="tx1"/>
-                </a:solidFill>
-              </a:endParaRPr>
+              <a:r>
+                <a:rPr lang="en-US" sz="3600" b="1" dirty="0">
+                  <a:solidFill>
+                    <a:srgbClr val="C00000"/>
+                  </a:solidFill>
+                </a:rPr>
+                <a:t>5</a:t>
+              </a:r>
             </a:p>
           </p:txBody>
         </p:sp>
@@ -25580,21 +22531,8 @@
                   <a:srgbClr val="0070C0"/>
                 </a:solidFill>
               </a:rPr>
-              <a:t>http://libre.adacore.com/      </a:t>
-            </a:r>
-            <a:r>
-              <a:rPr lang="fr-FR" dirty="0">
-                <a:solidFill>
-                  <a:srgbClr val="0070C0"/>
-                </a:solidFill>
-              </a:rPr>
-              <a:t>http://www.adacore.com/sparkpro/</a:t>
-            </a:r>
-            <a:endParaRPr lang="fr-FR" dirty="0">
-              <a:solidFill>
-                <a:srgbClr val="0070C0"/>
-              </a:solidFill>
-            </a:endParaRPr>
+              <a:t>http://libre.adacore.com/      http://www.adacore.com/sparkpro/</a:t>
+            </a:r>
           </a:p>
           <a:p>
             <a:pPr marL="0" lvl="0" indent="0" fontAlgn="auto">
@@ -25680,23 +22618,16 @@
                   <a:srgbClr val="0070C0"/>
                 </a:solidFill>
               </a:rPr>
-              <a:t>https://github.com/AdaCore/spark2014/</a:t>
-            </a:r>
-          </a:p>
-          <a:p>
-            <a:pPr marL="0" lvl="0" indent="0" fontAlgn="auto">
-              <a:lnSpc>
-                <a:spcPct val="100000"/>
-              </a:lnSpc>
-              <a:spcBef>
-                <a:spcPts val="0"/>
-              </a:spcBef>
-              <a:spcAft>
-                <a:spcPts val="0"/>
-              </a:spcAft>
-              <a:buClrTx/>
-              <a:buNone/>
-            </a:pPr>
+              <a:t>https</a:t>
+            </a:r>
+            <a:r>
+              <a:rPr lang="fr-FR">
+                <a:solidFill>
+                  <a:srgbClr val="0070C0"/>
+                </a:solidFill>
+              </a:rPr>
+              <a:t>://github.com/AdaCore/spark2014/</a:t>
+            </a:r>
             <a:endParaRPr lang="fr-FR" sz="800" dirty="0"/>
           </a:p>
           <a:p>
@@ -26229,7 +23160,6 @@
                 <a:rPr lang="en-US" sz="2400" i="1" dirty="0"/>
                 <a:t>+</a:t>
               </a:r>
-              <a:endParaRPr lang="en-US" sz="2400" i="1" dirty="0"/>
             </a:p>
             <a:p>
               <a:pPr algn="ctr"/>
@@ -28135,11 +25065,11 @@
                 <a:avLst/>
               </a:prstGeom>
               <a:solidFill>
-                <a:srgbClr val="FF0000"/>
+                <a:schemeClr val="tx1"/>
               </a:solidFill>
               <a:ln>
                 <a:solidFill>
-                  <a:srgbClr val="FF0000"/>
+                  <a:schemeClr val="tx1"/>
                 </a:solidFill>
               </a:ln>
             </p:spPr>
@@ -28186,11 +25116,11 @@
                 <a:avLst/>
               </a:prstGeom>
               <a:solidFill>
-                <a:schemeClr val="tx1"/>
+                <a:srgbClr val="FF0000"/>
               </a:solidFill>
               <a:ln>
                 <a:solidFill>
-                  <a:schemeClr val="tx1"/>
+                  <a:srgbClr val="FF0000"/>
                 </a:solidFill>
               </a:ln>
             </p:spPr>
@@ -28345,11 +25275,11 @@
                 <a:avLst/>
               </a:prstGeom>
               <a:solidFill>
-                <a:schemeClr val="tx1"/>
+                <a:srgbClr val="FF0000"/>
               </a:solidFill>
               <a:ln>
                 <a:solidFill>
-                  <a:schemeClr val="tx1"/>
+                  <a:srgbClr val="FF0000"/>
                 </a:solidFill>
               </a:ln>
             </p:spPr>
@@ -28702,33 +25632,798 @@
           <a:lstStyle/>
           <a:p>
             <a:r>
-              <a:rPr lang="en-US" dirty="0"/>
-              <a:t>Red-Black Trees - Imperative</a:t>
-            </a:r>
-            <a:r>
               <a:rPr lang="fr-FR" dirty="0"/>
-              <a:t> </a:t>
-            </a:r>
-            <a:r>
-              <a:rPr lang="en-US" dirty="0"/>
-              <a:t>Implementation</a:t>
-            </a:r>
+              <a:t>Objective</a:t>
+            </a:r>
+            <a:endParaRPr lang="en-US" dirty="0"/>
           </a:p>
         </p:txBody>
       </p:sp>
       <p:sp>
         <p:nvSpPr>
-          <p:cNvPr id="5" name="Ellipse 4"/>
+          <p:cNvPr id="3" name="Espace réservé de la date 2"/>
+          <p:cNvSpPr>
+            <a:spLocks noGrp="1"/>
+          </p:cNvSpPr>
+          <p:nvPr>
+            <p:ph type="dt" sz="half" idx="10"/>
+          </p:nvPr>
+        </p:nvSpPr>
+        <p:spPr/>
+        <p:txBody>
+          <a:bodyPr/>
+          <a:lstStyle/>
+          <a:p>
+            <a:r>
+              <a:rPr lang="fr-FR"/>
+              <a:t>16/05/2017</a:t>
+            </a:r>
+          </a:p>
+        </p:txBody>
+      </p:sp>
+      <p:sp>
+        <p:nvSpPr>
+          <p:cNvPr id="4" name="Espace réservé du numéro de diapositive 3"/>
+          <p:cNvSpPr>
+            <a:spLocks noGrp="1"/>
+          </p:cNvSpPr>
+          <p:nvPr>
+            <p:ph type="sldNum" sz="quarter" idx="12"/>
+          </p:nvPr>
+        </p:nvSpPr>
+        <p:spPr/>
+        <p:txBody>
+          <a:bodyPr/>
+          <a:lstStyle/>
+          <a:p>
+            <a:fld id="{C9355402-0690-4A79-A082-001A68712055}" type="slidenum">
+              <a:rPr lang="fr-FR" smtClean="0"/>
+              <a:t>5</a:t>
+            </a:fld>
+            <a:endParaRPr lang="fr-FR" dirty="0"/>
+          </a:p>
+        </p:txBody>
+      </p:sp>
+      <p:grpSp>
+        <p:nvGrpSpPr>
+          <p:cNvPr id="75" name="Groupe 74"/>
+          <p:cNvGrpSpPr/>
+          <p:nvPr/>
+        </p:nvGrpSpPr>
+        <p:grpSpPr>
+          <a:xfrm>
+            <a:off x="4266571" y="1644539"/>
+            <a:ext cx="2692652" cy="1501881"/>
+            <a:chOff x="4638399" y="1644539"/>
+            <a:chExt cx="2692652" cy="1501881"/>
+          </a:xfrm>
+        </p:grpSpPr>
+        <p:sp>
+          <p:nvSpPr>
+            <p:cNvPr id="39" name="Espace réservé du contenu 2"/>
+            <p:cNvSpPr txBox="1">
+              <a:spLocks/>
+            </p:cNvSpPr>
+            <p:nvPr/>
+          </p:nvSpPr>
+          <p:spPr>
+            <a:xfrm>
+              <a:off x="4638399" y="1644539"/>
+              <a:ext cx="2518801" cy="1501881"/>
+            </a:xfrm>
+            <a:prstGeom prst="rect">
+              <a:avLst/>
+            </a:prstGeom>
+          </p:spPr>
+          <p:txBody>
+            <a:bodyPr vert="horz" lIns="91440" tIns="45720" rIns="91440" bIns="45720" rtlCol="0">
+              <a:normAutofit fontScale="85000" lnSpcReduction="10000"/>
+            </a:bodyPr>
+            <a:lstStyle>
+              <a:lvl1pPr marL="228600" indent="-228600" algn="l" defTabSz="914400" rtl="0" eaLnBrk="1" latinLnBrk="0" hangingPunct="1">
+                <a:lnSpc>
+                  <a:spcPct val="90000"/>
+                </a:lnSpc>
+                <a:spcBef>
+                  <a:spcPts val="1000"/>
+                </a:spcBef>
+                <a:buFont typeface="Arial" panose="020B0604020202020204" pitchFamily="34" charset="0"/>
+                <a:buChar char="•"/>
+                <a:defRPr sz="2800" kern="1200">
+                  <a:solidFill>
+                    <a:schemeClr val="tx1"/>
+                  </a:solidFill>
+                  <a:latin typeface="+mn-lt"/>
+                  <a:ea typeface="+mn-ea"/>
+                  <a:cs typeface="+mn-cs"/>
+                </a:defRPr>
+              </a:lvl1pPr>
+              <a:lvl2pPr marL="685800" indent="-228600" algn="l" defTabSz="914400" rtl="0" eaLnBrk="1" latinLnBrk="0" hangingPunct="1">
+                <a:lnSpc>
+                  <a:spcPct val="90000"/>
+                </a:lnSpc>
+                <a:spcBef>
+                  <a:spcPts val="500"/>
+                </a:spcBef>
+                <a:buFont typeface="Arial" panose="020B0604020202020204" pitchFamily="34" charset="0"/>
+                <a:buChar char="•"/>
+                <a:defRPr sz="2400" kern="1200">
+                  <a:solidFill>
+                    <a:schemeClr val="tx1"/>
+                  </a:solidFill>
+                  <a:latin typeface="+mn-lt"/>
+                  <a:ea typeface="+mn-ea"/>
+                  <a:cs typeface="+mn-cs"/>
+                </a:defRPr>
+              </a:lvl2pPr>
+              <a:lvl3pPr marL="1143000" indent="-228600" algn="l" defTabSz="914400" rtl="0" eaLnBrk="1" latinLnBrk="0" hangingPunct="1">
+                <a:lnSpc>
+                  <a:spcPct val="90000"/>
+                </a:lnSpc>
+                <a:spcBef>
+                  <a:spcPts val="500"/>
+                </a:spcBef>
+                <a:buFont typeface="Arial" panose="020B0604020202020204" pitchFamily="34" charset="0"/>
+                <a:buChar char="•"/>
+                <a:defRPr sz="2000" kern="1200">
+                  <a:solidFill>
+                    <a:schemeClr val="tx1"/>
+                  </a:solidFill>
+                  <a:latin typeface="+mn-lt"/>
+                  <a:ea typeface="+mn-ea"/>
+                  <a:cs typeface="+mn-cs"/>
+                </a:defRPr>
+              </a:lvl3pPr>
+              <a:lvl4pPr marL="1600200" indent="-228600" algn="l" defTabSz="914400" rtl="0" eaLnBrk="1" latinLnBrk="0" hangingPunct="1">
+                <a:lnSpc>
+                  <a:spcPct val="90000"/>
+                </a:lnSpc>
+                <a:spcBef>
+                  <a:spcPts val="500"/>
+                </a:spcBef>
+                <a:buFont typeface="Arial" panose="020B0604020202020204" pitchFamily="34" charset="0"/>
+                <a:buChar char="•"/>
+                <a:defRPr sz="1800" kern="1200">
+                  <a:solidFill>
+                    <a:schemeClr val="tx1"/>
+                  </a:solidFill>
+                  <a:latin typeface="+mn-lt"/>
+                  <a:ea typeface="+mn-ea"/>
+                  <a:cs typeface="+mn-cs"/>
+                </a:defRPr>
+              </a:lvl4pPr>
+              <a:lvl5pPr marL="2057400" indent="-228600" algn="l" defTabSz="914400" rtl="0" eaLnBrk="1" latinLnBrk="0" hangingPunct="1">
+                <a:lnSpc>
+                  <a:spcPct val="90000"/>
+                </a:lnSpc>
+                <a:spcBef>
+                  <a:spcPts val="500"/>
+                </a:spcBef>
+                <a:buFont typeface="Arial" panose="020B0604020202020204" pitchFamily="34" charset="0"/>
+                <a:buChar char="•"/>
+                <a:defRPr sz="1800" kern="1200">
+                  <a:solidFill>
+                    <a:schemeClr val="tx1"/>
+                  </a:solidFill>
+                  <a:latin typeface="+mn-lt"/>
+                  <a:ea typeface="+mn-ea"/>
+                  <a:cs typeface="+mn-cs"/>
+                </a:defRPr>
+              </a:lvl5pPr>
+              <a:lvl6pPr marL="2514600" indent="-228600" algn="l" defTabSz="914400" rtl="0" eaLnBrk="1" latinLnBrk="0" hangingPunct="1">
+                <a:lnSpc>
+                  <a:spcPct val="90000"/>
+                </a:lnSpc>
+                <a:spcBef>
+                  <a:spcPts val="500"/>
+                </a:spcBef>
+                <a:buFont typeface="Arial" panose="020B0604020202020204" pitchFamily="34" charset="0"/>
+                <a:buChar char="•"/>
+                <a:defRPr sz="1800" kern="1200">
+                  <a:solidFill>
+                    <a:schemeClr val="tx1"/>
+                  </a:solidFill>
+                  <a:latin typeface="+mn-lt"/>
+                  <a:ea typeface="+mn-ea"/>
+                  <a:cs typeface="+mn-cs"/>
+                </a:defRPr>
+              </a:lvl6pPr>
+              <a:lvl7pPr marL="2971800" indent="-228600" algn="l" defTabSz="914400" rtl="0" eaLnBrk="1" latinLnBrk="0" hangingPunct="1">
+                <a:lnSpc>
+                  <a:spcPct val="90000"/>
+                </a:lnSpc>
+                <a:spcBef>
+                  <a:spcPts val="500"/>
+                </a:spcBef>
+                <a:buFont typeface="Arial" panose="020B0604020202020204" pitchFamily="34" charset="0"/>
+                <a:buChar char="•"/>
+                <a:defRPr sz="1800" kern="1200">
+                  <a:solidFill>
+                    <a:schemeClr val="tx1"/>
+                  </a:solidFill>
+                  <a:latin typeface="+mn-lt"/>
+                  <a:ea typeface="+mn-ea"/>
+                  <a:cs typeface="+mn-cs"/>
+                </a:defRPr>
+              </a:lvl7pPr>
+              <a:lvl8pPr marL="3429000" indent="-228600" algn="l" defTabSz="914400" rtl="0" eaLnBrk="1" latinLnBrk="0" hangingPunct="1">
+                <a:lnSpc>
+                  <a:spcPct val="90000"/>
+                </a:lnSpc>
+                <a:spcBef>
+                  <a:spcPts val="500"/>
+                </a:spcBef>
+                <a:buFont typeface="Arial" panose="020B0604020202020204" pitchFamily="34" charset="0"/>
+                <a:buChar char="•"/>
+                <a:defRPr sz="1800" kern="1200">
+                  <a:solidFill>
+                    <a:schemeClr val="tx1"/>
+                  </a:solidFill>
+                  <a:latin typeface="+mn-lt"/>
+                  <a:ea typeface="+mn-ea"/>
+                  <a:cs typeface="+mn-cs"/>
+                </a:defRPr>
+              </a:lvl8pPr>
+              <a:lvl9pPr marL="3886200" indent="-228600" algn="l" defTabSz="914400" rtl="0" eaLnBrk="1" latinLnBrk="0" hangingPunct="1">
+                <a:lnSpc>
+                  <a:spcPct val="90000"/>
+                </a:lnSpc>
+                <a:spcBef>
+                  <a:spcPts val="500"/>
+                </a:spcBef>
+                <a:buFont typeface="Arial" panose="020B0604020202020204" pitchFamily="34" charset="0"/>
+                <a:buChar char="•"/>
+                <a:defRPr sz="1800" kern="1200">
+                  <a:solidFill>
+                    <a:schemeClr val="tx1"/>
+                  </a:solidFill>
+                  <a:latin typeface="+mn-lt"/>
+                  <a:ea typeface="+mn-ea"/>
+                  <a:cs typeface="+mn-cs"/>
+                </a:defRPr>
+              </a:lvl9pPr>
+            </a:lstStyle>
+            <a:p>
+              <a:pPr marL="0" indent="0">
+                <a:buNone/>
+              </a:pPr>
+              <a:r>
+                <a:rPr lang="en-US" sz="3200" dirty="0"/>
+                <a:t>Binary trees</a:t>
+              </a:r>
+            </a:p>
+            <a:p>
+              <a:pPr marL="0" indent="0">
+                <a:buNone/>
+              </a:pPr>
+              <a:r>
+                <a:rPr lang="en-US" sz="3200" dirty="0"/>
+                <a:t>Ordered values</a:t>
+              </a:r>
+            </a:p>
+            <a:p>
+              <a:pPr marL="0" indent="0">
+                <a:buNone/>
+              </a:pPr>
+              <a:r>
+                <a:rPr lang="en-US" sz="3200" dirty="0"/>
+                <a:t>Self-balancing</a:t>
+              </a:r>
+            </a:p>
+          </p:txBody>
+        </p:sp>
+        <p:pic>
+          <p:nvPicPr>
+            <p:cNvPr id="40" name="Picture 9" descr="correct.png"/>
+            <p:cNvPicPr>
+              <a:picLocks noChangeAspect="1"/>
+            </p:cNvPicPr>
+            <p:nvPr/>
+          </p:nvPicPr>
+          <p:blipFill>
+            <a:blip r:embed="rId2">
+              <a:extLst>
+                <a:ext uri="{28A0092B-C50C-407E-A947-70E740481C1C}">
+                  <a14:useLocalDpi xmlns:a14="http://schemas.microsoft.com/office/drawing/2010/main" val="0"/>
+                </a:ext>
+              </a:extLst>
+            </a:blip>
+            <a:srcRect/>
+            <a:stretch>
+              <a:fillRect/>
+            </a:stretch>
+          </p:blipFill>
+          <p:spPr bwMode="auto">
+            <a:xfrm>
+              <a:off x="6966473" y="2526814"/>
+              <a:ext cx="364578" cy="356975"/>
+            </a:xfrm>
+            <a:prstGeom prst="rect">
+              <a:avLst/>
+            </a:prstGeom>
+            <a:noFill/>
+            <a:ln>
+              <a:noFill/>
+            </a:ln>
+            <a:extLst>
+              <a:ext uri="{909E8E84-426E-40DD-AFC4-6F175D3DCCD1}">
+                <a14:hiddenFill xmlns:a14="http://schemas.microsoft.com/office/drawing/2010/main">
+                  <a:solidFill>
+                    <a:srgbClr val="FFFFFF"/>
+                  </a:solidFill>
+                </a14:hiddenFill>
+              </a:ext>
+              <a:ext uri="{91240B29-F687-4F45-9708-019B960494DF}">
+                <a14:hiddenLine xmlns:a14="http://schemas.microsoft.com/office/drawing/2010/main" w="9525">
+                  <a:solidFill>
+                    <a:srgbClr val="000000"/>
+                  </a:solidFill>
+                  <a:miter lim="800000"/>
+                  <a:headEnd/>
+                  <a:tailEnd/>
+                </a14:hiddenLine>
+              </a:ext>
+            </a:extLst>
+          </p:spPr>
+        </p:pic>
+        <p:pic>
+          <p:nvPicPr>
+            <p:cNvPr id="41" name="Picture 9" descr="correct.png"/>
+            <p:cNvPicPr>
+              <a:picLocks noChangeAspect="1"/>
+            </p:cNvPicPr>
+            <p:nvPr/>
+          </p:nvPicPr>
+          <p:blipFill>
+            <a:blip r:embed="rId2">
+              <a:extLst>
+                <a:ext uri="{28A0092B-C50C-407E-A947-70E740481C1C}">
+                  <a14:useLocalDpi xmlns:a14="http://schemas.microsoft.com/office/drawing/2010/main" val="0"/>
+                </a:ext>
+              </a:extLst>
+            </a:blip>
+            <a:srcRect/>
+            <a:stretch>
+              <a:fillRect/>
+            </a:stretch>
+          </p:blipFill>
+          <p:spPr bwMode="auto">
+            <a:xfrm>
+              <a:off x="6966473" y="2098809"/>
+              <a:ext cx="364578" cy="356975"/>
+            </a:xfrm>
+            <a:prstGeom prst="rect">
+              <a:avLst/>
+            </a:prstGeom>
+            <a:noFill/>
+            <a:ln>
+              <a:noFill/>
+            </a:ln>
+            <a:extLst>
+              <a:ext uri="{909E8E84-426E-40DD-AFC4-6F175D3DCCD1}">
+                <a14:hiddenFill xmlns:a14="http://schemas.microsoft.com/office/drawing/2010/main">
+                  <a:solidFill>
+                    <a:srgbClr val="FFFFFF"/>
+                  </a:solidFill>
+                </a14:hiddenFill>
+              </a:ext>
+              <a:ext uri="{91240B29-F687-4F45-9708-019B960494DF}">
+                <a14:hiddenLine xmlns:a14="http://schemas.microsoft.com/office/drawing/2010/main" w="9525">
+                  <a:solidFill>
+                    <a:srgbClr val="000000"/>
+                  </a:solidFill>
+                  <a:miter lim="800000"/>
+                  <a:headEnd/>
+                  <a:tailEnd/>
+                </a14:hiddenLine>
+              </a:ext>
+            </a:extLst>
+          </p:spPr>
+        </p:pic>
+        <p:pic>
+          <p:nvPicPr>
+            <p:cNvPr id="42" name="Picture 9" descr="correct.png"/>
+            <p:cNvPicPr>
+              <a:picLocks noChangeAspect="1"/>
+            </p:cNvPicPr>
+            <p:nvPr/>
+          </p:nvPicPr>
+          <p:blipFill>
+            <a:blip r:embed="rId2">
+              <a:extLst>
+                <a:ext uri="{28A0092B-C50C-407E-A947-70E740481C1C}">
+                  <a14:useLocalDpi xmlns:a14="http://schemas.microsoft.com/office/drawing/2010/main" val="0"/>
+                </a:ext>
+              </a:extLst>
+            </a:blip>
+            <a:srcRect/>
+            <a:stretch>
+              <a:fillRect/>
+            </a:stretch>
+          </p:blipFill>
+          <p:spPr bwMode="auto">
+            <a:xfrm>
+              <a:off x="6966473" y="1670804"/>
+              <a:ext cx="364578" cy="356975"/>
+            </a:xfrm>
+            <a:prstGeom prst="rect">
+              <a:avLst/>
+            </a:prstGeom>
+            <a:noFill/>
+            <a:ln>
+              <a:noFill/>
+            </a:ln>
+            <a:extLst>
+              <a:ext uri="{909E8E84-426E-40DD-AFC4-6F175D3DCCD1}">
+                <a14:hiddenFill xmlns:a14="http://schemas.microsoft.com/office/drawing/2010/main">
+                  <a:solidFill>
+                    <a:srgbClr val="FFFFFF"/>
+                  </a:solidFill>
+                </a14:hiddenFill>
+              </a:ext>
+              <a:ext uri="{91240B29-F687-4F45-9708-019B960494DF}">
+                <a14:hiddenLine xmlns:a14="http://schemas.microsoft.com/office/drawing/2010/main" w="9525">
+                  <a:solidFill>
+                    <a:srgbClr val="000000"/>
+                  </a:solidFill>
+                  <a:miter lim="800000"/>
+                  <a:headEnd/>
+                  <a:tailEnd/>
+                </a14:hiddenLine>
+              </a:ext>
+            </a:extLst>
+          </p:spPr>
+        </p:pic>
+      </p:grpSp>
+      <p:graphicFrame>
+        <p:nvGraphicFramePr>
+          <p:cNvPr id="50" name="Tableau 49"/>
+          <p:cNvGraphicFramePr>
+            <a:graphicFrameLocks noGrp="1"/>
+          </p:cNvGraphicFramePr>
+          <p:nvPr>
+            <p:extLst>
+              <p:ext uri="{D42A27DB-BD31-4B8C-83A1-F6EECF244321}">
+                <p14:modId xmlns:p14="http://schemas.microsoft.com/office/powerpoint/2010/main" val="1714211023"/>
+              </p:ext>
+            </p:extLst>
+          </p:nvPr>
+        </p:nvGraphicFramePr>
+        <p:xfrm>
+          <a:off x="6561461" y="3418102"/>
+          <a:ext cx="4316112" cy="762000"/>
+        </p:xfrm>
+        <a:graphic>
+          <a:graphicData uri="http://schemas.openxmlformats.org/drawingml/2006/table">
+            <a:tbl>
+              <a:tblPr firstRow="1" bandRow="1">
+                <a:tableStyleId>{616DA210-FB5B-4158-B5E0-FEB733F419BA}</a:tableStyleId>
+              </a:tblPr>
+              <a:tblGrid>
+                <a:gridCol w="719352">
+                  <a:extLst>
+                    <a:ext uri="{9D8B030D-6E8A-4147-A177-3AD203B41FA5}">
+                      <a16:colId xmlns:a16="http://schemas.microsoft.com/office/drawing/2014/main" val="2196235251"/>
+                    </a:ext>
+                  </a:extLst>
+                </a:gridCol>
+                <a:gridCol w="719352">
+                  <a:extLst>
+                    <a:ext uri="{9D8B030D-6E8A-4147-A177-3AD203B41FA5}">
+                      <a16:colId xmlns:a16="http://schemas.microsoft.com/office/drawing/2014/main" val="3271095815"/>
+                    </a:ext>
+                  </a:extLst>
+                </a:gridCol>
+                <a:gridCol w="719352">
+                  <a:extLst>
+                    <a:ext uri="{9D8B030D-6E8A-4147-A177-3AD203B41FA5}">
+                      <a16:colId xmlns:a16="http://schemas.microsoft.com/office/drawing/2014/main" val="767905680"/>
+                    </a:ext>
+                  </a:extLst>
+                </a:gridCol>
+                <a:gridCol w="719352">
+                  <a:extLst>
+                    <a:ext uri="{9D8B030D-6E8A-4147-A177-3AD203B41FA5}">
+                      <a16:colId xmlns:a16="http://schemas.microsoft.com/office/drawing/2014/main" val="428315453"/>
+                    </a:ext>
+                  </a:extLst>
+                </a:gridCol>
+                <a:gridCol w="719352">
+                  <a:extLst>
+                    <a:ext uri="{9D8B030D-6E8A-4147-A177-3AD203B41FA5}">
+                      <a16:colId xmlns:a16="http://schemas.microsoft.com/office/drawing/2014/main" val="2318787392"/>
+                    </a:ext>
+                  </a:extLst>
+                </a:gridCol>
+                <a:gridCol w="719352">
+                  <a:extLst>
+                    <a:ext uri="{9D8B030D-6E8A-4147-A177-3AD203B41FA5}">
+                      <a16:colId xmlns:a16="http://schemas.microsoft.com/office/drawing/2014/main" val="3890849613"/>
+                    </a:ext>
+                  </a:extLst>
+                </a:gridCol>
+              </a:tblGrid>
+              <a:tr h="606871">
+                <a:tc>
+                  <a:txBody>
+                    <a:bodyPr/>
+                    <a:lstStyle/>
+                    <a:p>
+                      <a:pPr marL="0" marR="0" lvl="0" indent="0" algn="ctr" defTabSz="914400" rtl="0" eaLnBrk="1" fontAlgn="auto" latinLnBrk="0" hangingPunct="1">
+                        <a:lnSpc>
+                          <a:spcPct val="100000"/>
+                        </a:lnSpc>
+                        <a:spcBef>
+                          <a:spcPts val="0"/>
+                        </a:spcBef>
+                        <a:spcAft>
+                          <a:spcPts val="0"/>
+                        </a:spcAft>
+                        <a:buClrTx/>
+                        <a:buSzTx/>
+                        <a:buFontTx/>
+                        <a:buNone/>
+                        <a:tabLst/>
+                        <a:defRPr/>
+                      </a:pPr>
+                      <a:r>
+                        <a:rPr lang="fr-FR" sz="4400" dirty="0">
+                          <a:solidFill>
+                            <a:schemeClr val="bg1"/>
+                          </a:solidFill>
+                        </a:rPr>
+                        <a:t>1</a:t>
+                      </a:r>
+                    </a:p>
+                  </a:txBody>
+                  <a:tcPr>
+                    <a:solidFill>
+                      <a:schemeClr val="tx1"/>
+                    </a:solidFill>
+                  </a:tcPr>
+                </a:tc>
+                <a:tc>
+                  <a:txBody>
+                    <a:bodyPr/>
+                    <a:lstStyle/>
+                    <a:p>
+                      <a:pPr algn="ctr"/>
+                      <a:r>
+                        <a:rPr lang="fr-FR" sz="4400" dirty="0">
+                          <a:solidFill>
+                            <a:schemeClr val="bg1"/>
+                          </a:solidFill>
+                        </a:rPr>
+                        <a:t>3</a:t>
+                      </a:r>
+                    </a:p>
+                  </a:txBody>
+                  <a:tcPr>
+                    <a:solidFill>
+                      <a:srgbClr val="FF0000"/>
+                    </a:solidFill>
+                  </a:tcPr>
+                </a:tc>
+                <a:tc>
+                  <a:txBody>
+                    <a:bodyPr/>
+                    <a:lstStyle/>
+                    <a:p>
+                      <a:pPr algn="ctr"/>
+                      <a:r>
+                        <a:rPr lang="fr-FR" sz="4400" dirty="0">
+                          <a:solidFill>
+                            <a:schemeClr val="bg1"/>
+                          </a:solidFill>
+                        </a:rPr>
+                        <a:t>2</a:t>
+                      </a:r>
+                    </a:p>
+                  </a:txBody>
+                  <a:tcPr>
+                    <a:solidFill>
+                      <a:schemeClr val="tx1"/>
+                    </a:solidFill>
+                  </a:tcPr>
+                </a:tc>
+                <a:tc>
+                  <a:txBody>
+                    <a:bodyPr/>
+                    <a:lstStyle/>
+                    <a:p>
+                      <a:pPr algn="ctr"/>
+                      <a:endParaRPr lang="fr-FR" sz="4400" dirty="0">
+                        <a:solidFill>
+                          <a:schemeClr val="bg1"/>
+                        </a:solidFill>
+                      </a:endParaRPr>
+                    </a:p>
+                  </a:txBody>
+                  <a:tcPr/>
+                </a:tc>
+                <a:tc>
+                  <a:txBody>
+                    <a:bodyPr/>
+                    <a:lstStyle/>
+                    <a:p>
+                      <a:pPr algn="ctr"/>
+                      <a:r>
+                        <a:rPr lang="fr-FR" sz="4400" dirty="0">
+                          <a:solidFill>
+                            <a:schemeClr val="bg1"/>
+                          </a:solidFill>
+                        </a:rPr>
+                        <a:t>4</a:t>
+                      </a:r>
+                    </a:p>
+                  </a:txBody>
+                  <a:tcPr>
+                    <a:solidFill>
+                      <a:schemeClr val="tx1"/>
+                    </a:solidFill>
+                  </a:tcPr>
+                </a:tc>
+                <a:tc>
+                  <a:txBody>
+                    <a:bodyPr/>
+                    <a:lstStyle/>
+                    <a:p>
+                      <a:pPr algn="ctr"/>
+                      <a:r>
+                        <a:rPr lang="fr-FR" sz="4400" dirty="0">
+                          <a:solidFill>
+                            <a:schemeClr val="bg1"/>
+                          </a:solidFill>
+                        </a:rPr>
+                        <a:t>5</a:t>
+                      </a:r>
+                    </a:p>
+                  </a:txBody>
+                  <a:tcPr>
+                    <a:solidFill>
+                      <a:srgbClr val="FF0000"/>
+                    </a:solidFill>
+                  </a:tcPr>
+                </a:tc>
+                <a:extLst>
+                  <a:ext uri="{0D108BD9-81ED-4DB2-BD59-A6C34878D82A}">
+                    <a16:rowId xmlns:a16="http://schemas.microsoft.com/office/drawing/2014/main" val="804696722"/>
+                  </a:ext>
+                </a:extLst>
+              </a:tr>
+            </a:tbl>
+          </a:graphicData>
+        </a:graphic>
+      </p:graphicFrame>
+      <p:sp>
+        <p:nvSpPr>
+          <p:cNvPr id="51" name="Flèche en arc 26"/>
           <p:cNvSpPr/>
           <p:nvPr/>
         </p:nvSpPr>
         <p:spPr>
-          <a:xfrm>
-            <a:off x="2222554" y="3214688"/>
-            <a:ext cx="1080277" cy="1059759"/>
+          <a:xfrm rot="327104">
+            <a:off x="8353341" y="2834120"/>
+            <a:ext cx="1556480" cy="1147639"/>
           </a:xfrm>
-          <a:prstGeom prst="ellipse">
-            <a:avLst/>
+          <a:prstGeom prst="circularArrow">
+            <a:avLst>
+              <a:gd name="adj1" fmla="val 1866"/>
+              <a:gd name="adj2" fmla="val 715359"/>
+              <a:gd name="adj3" fmla="val 20581693"/>
+              <a:gd name="adj4" fmla="val 10506172"/>
+              <a:gd name="adj5" fmla="val 8599"/>
+            </a:avLst>
+          </a:prstGeom>
+          <a:ln>
+            <a:solidFill>
+              <a:schemeClr val="accent1"/>
+            </a:solidFill>
+          </a:ln>
+        </p:spPr>
+        <p:style>
+          <a:lnRef idx="2">
+            <a:schemeClr val="accent1">
+              <a:shade val="50000"/>
+            </a:schemeClr>
+          </a:lnRef>
+          <a:fillRef idx="1">
+            <a:schemeClr val="accent1"/>
+          </a:fillRef>
+          <a:effectRef idx="0">
+            <a:schemeClr val="accent1"/>
+          </a:effectRef>
+          <a:fontRef idx="minor">
+            <a:schemeClr val="lt1"/>
+          </a:fontRef>
+        </p:style>
+        <p:txBody>
+          <a:bodyPr rtlCol="0" anchor="ctr"/>
+          <a:lstStyle/>
+          <a:p>
+            <a:pPr algn="ctr"/>
+            <a:endParaRPr lang="fr-FR">
+              <a:solidFill>
+                <a:schemeClr val="tx1"/>
+              </a:solidFill>
+            </a:endParaRPr>
+          </a:p>
+        </p:txBody>
+      </p:sp>
+      <p:sp>
+        <p:nvSpPr>
+          <p:cNvPr id="52" name="Flèche en arc 27"/>
+          <p:cNvSpPr/>
+          <p:nvPr/>
+        </p:nvSpPr>
+        <p:spPr>
+          <a:xfrm flipV="1">
+            <a:off x="9819132" y="3652135"/>
+            <a:ext cx="863476" cy="1098426"/>
+          </a:xfrm>
+          <a:prstGeom prst="circularArrow">
+            <a:avLst>
+              <a:gd name="adj1" fmla="val 2230"/>
+              <a:gd name="adj2" fmla="val 1142319"/>
+              <a:gd name="adj3" fmla="val 20539467"/>
+              <a:gd name="adj4" fmla="val 10800000"/>
+              <a:gd name="adj5" fmla="val 8749"/>
+            </a:avLst>
+          </a:prstGeom>
+          <a:ln>
+            <a:solidFill>
+              <a:schemeClr val="accent1"/>
+            </a:solidFill>
+          </a:ln>
+        </p:spPr>
+        <p:style>
+          <a:lnRef idx="2">
+            <a:schemeClr val="accent1">
+              <a:shade val="50000"/>
+            </a:schemeClr>
+          </a:lnRef>
+          <a:fillRef idx="1">
+            <a:schemeClr val="accent1"/>
+          </a:fillRef>
+          <a:effectRef idx="0">
+            <a:schemeClr val="accent1"/>
+          </a:effectRef>
+          <a:fontRef idx="minor">
+            <a:schemeClr val="lt1"/>
+          </a:fontRef>
+        </p:style>
+        <p:txBody>
+          <a:bodyPr rtlCol="0" anchor="ctr"/>
+          <a:lstStyle/>
+          <a:p>
+            <a:pPr algn="ctr"/>
+            <a:endParaRPr lang="fr-FR">
+              <a:solidFill>
+                <a:schemeClr val="tx1"/>
+              </a:solidFill>
+            </a:endParaRPr>
+          </a:p>
+        </p:txBody>
+      </p:sp>
+      <p:sp>
+        <p:nvSpPr>
+          <p:cNvPr id="53" name="Flèche en arc 28"/>
+          <p:cNvSpPr/>
+          <p:nvPr/>
+        </p:nvSpPr>
+        <p:spPr>
+          <a:xfrm rot="327104" flipH="1" flipV="1">
+            <a:off x="7583904" y="3645050"/>
+            <a:ext cx="2211676" cy="1147639"/>
+          </a:xfrm>
+          <a:prstGeom prst="circularArrow">
+            <a:avLst>
+              <a:gd name="adj1" fmla="val 966"/>
+              <a:gd name="adj2" fmla="val 779721"/>
+              <a:gd name="adj3" fmla="val 20581418"/>
+              <a:gd name="adj4" fmla="val 10387809"/>
+              <a:gd name="adj5" fmla="val 7989"/>
+            </a:avLst>
           </a:prstGeom>
           <a:solidFill>
             <a:srgbClr val="FF0000"/>
@@ -28760,314 +26455,54 @@
           <a:lstStyle/>
           <a:p>
             <a:pPr algn="ctr"/>
-            <a:r>
-              <a:rPr lang="fr-FR" sz="4800" dirty="0"/>
-              <a:t>4</a:t>
-            </a:r>
-          </a:p>
-        </p:txBody>
-      </p:sp>
-      <p:cxnSp>
-        <p:nvCxnSpPr>
-          <p:cNvPr id="6" name="Connecteur droit avec flèche 5"/>
-          <p:cNvCxnSpPr/>
-          <p:nvPr/>
-        </p:nvCxnSpPr>
-        <p:spPr>
-          <a:xfrm flipH="1" flipV="1">
-            <a:off x="2029421" y="2574761"/>
-            <a:ext cx="448279" cy="722092"/>
-          </a:xfrm>
-          <a:prstGeom prst="straightConnector1">
-            <a:avLst/>
-          </a:prstGeom>
-          <a:ln w="38100">
-            <a:solidFill>
-              <a:schemeClr val="tx1"/>
-            </a:solidFill>
-            <a:tailEnd type="triangle"/>
-          </a:ln>
-        </p:spPr>
-        <p:style>
-          <a:lnRef idx="1">
-            <a:schemeClr val="dk1"/>
-          </a:lnRef>
-          <a:fillRef idx="0">
-            <a:schemeClr val="dk1"/>
-          </a:fillRef>
-          <a:effectRef idx="0">
-            <a:schemeClr val="dk1"/>
-          </a:effectRef>
-          <a:fontRef idx="minor">
-            <a:schemeClr val="tx1"/>
-          </a:fontRef>
-        </p:style>
-      </p:cxnSp>
-      <p:cxnSp>
-        <p:nvCxnSpPr>
-          <p:cNvPr id="7" name="Connecteur droit avec flèche 6"/>
-          <p:cNvCxnSpPr/>
-          <p:nvPr/>
-        </p:nvCxnSpPr>
-        <p:spPr>
-          <a:xfrm>
-            <a:off x="3064218" y="4195820"/>
-            <a:ext cx="448279" cy="722092"/>
-          </a:xfrm>
-          <a:prstGeom prst="straightConnector1">
-            <a:avLst/>
-          </a:prstGeom>
-          <a:ln w="38100">
-            <a:solidFill>
-              <a:schemeClr val="accent1"/>
-            </a:solidFill>
-            <a:tailEnd type="triangle"/>
-          </a:ln>
-        </p:spPr>
-        <p:style>
-          <a:lnRef idx="1">
-            <a:schemeClr val="dk1"/>
-          </a:lnRef>
-          <a:fillRef idx="0">
-            <a:schemeClr val="dk1"/>
-          </a:fillRef>
-          <a:effectRef idx="0">
-            <a:schemeClr val="dk1"/>
-          </a:effectRef>
-          <a:fontRef idx="minor">
-            <a:schemeClr val="tx1"/>
-          </a:fontRef>
-        </p:style>
-      </p:cxnSp>
-      <p:cxnSp>
-        <p:nvCxnSpPr>
-          <p:cNvPr id="8" name="Connecteur droit avec flèche 7"/>
-          <p:cNvCxnSpPr/>
-          <p:nvPr/>
-        </p:nvCxnSpPr>
-        <p:spPr>
-          <a:xfrm flipH="1">
-            <a:off x="2051828" y="4172907"/>
-            <a:ext cx="448279" cy="722092"/>
-          </a:xfrm>
-          <a:prstGeom prst="straightConnector1">
-            <a:avLst/>
-          </a:prstGeom>
-          <a:ln w="38100">
-            <a:solidFill>
-              <a:srgbClr val="FF0000"/>
-            </a:solidFill>
-            <a:tailEnd type="triangle"/>
-          </a:ln>
-        </p:spPr>
-        <p:style>
-          <a:lnRef idx="1">
-            <a:schemeClr val="dk1"/>
-          </a:lnRef>
-          <a:fillRef idx="0">
-            <a:schemeClr val="dk1"/>
-          </a:fillRef>
-          <a:effectRef idx="0">
-            <a:schemeClr val="dk1"/>
-          </a:effectRef>
-          <a:fontRef idx="minor">
-            <a:schemeClr val="tx1"/>
-          </a:fontRef>
-        </p:style>
-      </p:cxnSp>
-      <p:sp>
-        <p:nvSpPr>
-          <p:cNvPr id="9" name="ZoneTexte 8"/>
-          <p:cNvSpPr txBox="1"/>
-          <p:nvPr/>
-        </p:nvSpPr>
-        <p:spPr>
-          <a:xfrm>
-            <a:off x="2275967" y="2274354"/>
-            <a:ext cx="1289584" cy="584775"/>
-          </a:xfrm>
-          <a:prstGeom prst="rect">
-            <a:avLst/>
-          </a:prstGeom>
-          <a:noFill/>
-        </p:spPr>
-        <p:txBody>
-          <a:bodyPr wrap="none" rtlCol="0">
-            <a:spAutoFit/>
-          </a:bodyPr>
-          <a:lstStyle/>
-          <a:p>
-            <a:r>
-              <a:rPr lang="fr-FR" sz="3200" dirty="0"/>
-              <a:t>parent</a:t>
-            </a:r>
+            <a:endParaRPr lang="fr-FR">
+              <a:solidFill>
+                <a:schemeClr val="tx1"/>
+              </a:solidFill>
+            </a:endParaRPr>
           </a:p>
         </p:txBody>
       </p:sp>
       <p:sp>
         <p:nvSpPr>
-          <p:cNvPr id="14" name="ZoneTexte 13"/>
-          <p:cNvSpPr txBox="1"/>
-          <p:nvPr/>
-        </p:nvSpPr>
-        <p:spPr>
-          <a:xfrm>
-            <a:off x="3350938" y="4172907"/>
-            <a:ext cx="1854418" cy="584775"/>
-          </a:xfrm>
-          <a:prstGeom prst="rect">
-            <a:avLst/>
-          </a:prstGeom>
-          <a:noFill/>
-        </p:spPr>
-        <p:txBody>
-          <a:bodyPr wrap="none" rtlCol="0">
-            <a:spAutoFit/>
-          </a:bodyPr>
-          <a:lstStyle/>
-          <a:p>
-            <a:r>
-              <a:rPr lang="fr-FR" sz="3200" dirty="0">
-                <a:solidFill>
-                  <a:schemeClr val="accent1"/>
-                </a:solidFill>
-              </a:rPr>
-              <a:t>right </a:t>
-            </a:r>
-            <a:r>
-              <a:rPr lang="en-US" sz="3200" dirty="0">
-                <a:solidFill>
-                  <a:schemeClr val="accent1"/>
-                </a:solidFill>
-              </a:rPr>
-              <a:t>child</a:t>
-            </a:r>
-          </a:p>
-        </p:txBody>
-      </p:sp>
-      <p:sp>
-        <p:nvSpPr>
-          <p:cNvPr id="15" name="ZoneTexte 14"/>
-          <p:cNvSpPr txBox="1"/>
-          <p:nvPr/>
-        </p:nvSpPr>
-        <p:spPr>
-          <a:xfrm>
-            <a:off x="544168" y="4172906"/>
-            <a:ext cx="1630190" cy="584775"/>
-          </a:xfrm>
-          <a:prstGeom prst="rect">
-            <a:avLst/>
-          </a:prstGeom>
-          <a:noFill/>
-        </p:spPr>
-        <p:txBody>
-          <a:bodyPr wrap="none" rtlCol="0">
-            <a:spAutoFit/>
-          </a:bodyPr>
-          <a:lstStyle/>
-          <a:p>
-            <a:r>
-              <a:rPr lang="en-US" sz="3200" dirty="0">
-                <a:solidFill>
-                  <a:srgbClr val="FF0000"/>
-                </a:solidFill>
-              </a:rPr>
-              <a:t>left child</a:t>
-            </a:r>
-          </a:p>
-        </p:txBody>
-      </p:sp>
-      <p:sp>
-        <p:nvSpPr>
-          <p:cNvPr id="16" name="ZoneTexte 15"/>
-          <p:cNvSpPr txBox="1"/>
-          <p:nvPr/>
-        </p:nvSpPr>
-        <p:spPr>
-          <a:xfrm>
-            <a:off x="3457964" y="3150407"/>
-            <a:ext cx="1024448" cy="584775"/>
-          </a:xfrm>
-          <a:prstGeom prst="rect">
-            <a:avLst/>
-          </a:prstGeom>
-          <a:noFill/>
-        </p:spPr>
-        <p:txBody>
-          <a:bodyPr wrap="none" rtlCol="0">
-            <a:spAutoFit/>
-          </a:bodyPr>
-          <a:lstStyle/>
-          <a:p>
-            <a:r>
-              <a:rPr lang="en-US" sz="3200" dirty="0"/>
-              <a:t>color</a:t>
-            </a:r>
-          </a:p>
-        </p:txBody>
-      </p:sp>
-      <p:sp>
-        <p:nvSpPr>
-          <p:cNvPr id="17" name="ZoneTexte 16"/>
-          <p:cNvSpPr txBox="1"/>
-          <p:nvPr/>
-        </p:nvSpPr>
-        <p:spPr>
-          <a:xfrm>
-            <a:off x="1049157" y="3073125"/>
-            <a:ext cx="1076320" cy="584775"/>
-          </a:xfrm>
-          <a:prstGeom prst="rect">
-            <a:avLst/>
-          </a:prstGeom>
-          <a:noFill/>
-        </p:spPr>
-        <p:txBody>
-          <a:bodyPr wrap="none" rtlCol="0">
-            <a:spAutoFit/>
-          </a:bodyPr>
-          <a:lstStyle/>
-          <a:p>
-            <a:r>
-              <a:rPr lang="fr-FR" sz="3200" dirty="0"/>
-              <a:t>value</a:t>
-            </a:r>
-          </a:p>
-        </p:txBody>
-      </p:sp>
-      <p:sp>
-        <p:nvSpPr>
-          <p:cNvPr id="24" name="Flèche en arc 23"/>
+          <p:cNvPr id="54" name="Flèche en arc 29"/>
           <p:cNvSpPr/>
           <p:nvPr/>
         </p:nvSpPr>
         <p:spPr>
-          <a:xfrm rot="1035305" flipV="1">
-            <a:off x="1971469" y="3400103"/>
-            <a:ext cx="709249" cy="466701"/>
+          <a:xfrm rot="21272896" flipH="1">
+            <a:off x="6606952" y="2834119"/>
+            <a:ext cx="1770412" cy="1147639"/>
           </a:xfrm>
           <a:prstGeom prst="circularArrow">
             <a:avLst>
-              <a:gd name="adj1" fmla="val 6910"/>
-              <a:gd name="adj2" fmla="val 738937"/>
-              <a:gd name="adj3" fmla="val 19958377"/>
-              <a:gd name="adj4" fmla="val 11143798"/>
-              <a:gd name="adj5" fmla="val 16088"/>
+              <a:gd name="adj1" fmla="val 1866"/>
+              <a:gd name="adj2" fmla="val 715359"/>
+              <a:gd name="adj3" fmla="val 20581693"/>
+              <a:gd name="adj4" fmla="val 10461719"/>
+              <a:gd name="adj5" fmla="val 8599"/>
             </a:avLst>
           </a:prstGeom>
+          <a:solidFill>
+            <a:srgbClr val="FF0000"/>
+          </a:solidFill>
+          <a:ln>
+            <a:solidFill>
+              <a:srgbClr val="FF0000"/>
+            </a:solidFill>
+          </a:ln>
         </p:spPr>
         <p:style>
           <a:lnRef idx="2">
-            <a:schemeClr val="dk1">
+            <a:schemeClr val="accent1">
               <a:shade val="50000"/>
             </a:schemeClr>
           </a:lnRef>
           <a:fillRef idx="1">
-            <a:schemeClr val="dk1"/>
+            <a:schemeClr val="accent1"/>
           </a:fillRef>
           <a:effectRef idx="0">
-            <a:schemeClr val="dk1"/>
+            <a:schemeClr val="accent1"/>
           </a:effectRef>
           <a:fontRef idx="minor">
             <a:schemeClr val="lt1"/>
@@ -29086,117 +26521,67 @@
           </a:p>
         </p:txBody>
       </p:sp>
-      <p:sp>
-        <p:nvSpPr>
-          <p:cNvPr id="25" name="Flèche en arc 24"/>
-          <p:cNvSpPr/>
-          <p:nvPr/>
-        </p:nvSpPr>
-        <p:spPr>
-          <a:xfrm rot="20373619" flipH="1" flipV="1">
-            <a:off x="3187946" y="3511216"/>
-            <a:ext cx="709249" cy="466701"/>
-          </a:xfrm>
-          <a:prstGeom prst="circularArrow">
-            <a:avLst>
-              <a:gd name="adj1" fmla="val 6910"/>
-              <a:gd name="adj2" fmla="val 738937"/>
-              <a:gd name="adj3" fmla="val 19958377"/>
-              <a:gd name="adj4" fmla="val 11143798"/>
-              <a:gd name="adj5" fmla="val 16088"/>
-            </a:avLst>
-          </a:prstGeom>
-        </p:spPr>
-        <p:style>
-          <a:lnRef idx="2">
-            <a:schemeClr val="dk1">
-              <a:shade val="50000"/>
-            </a:schemeClr>
-          </a:lnRef>
-          <a:fillRef idx="1">
-            <a:schemeClr val="dk1"/>
-          </a:fillRef>
-          <a:effectRef idx="0">
-            <a:schemeClr val="dk1"/>
-          </a:effectRef>
-          <a:fontRef idx="minor">
-            <a:schemeClr val="lt1"/>
-          </a:fontRef>
-        </p:style>
-        <p:txBody>
-          <a:bodyPr rtlCol="0" anchor="ctr"/>
-          <a:lstStyle/>
-          <a:p>
-            <a:pPr algn="ctr"/>
-            <a:endParaRPr lang="fr-FR">
-              <a:solidFill>
-                <a:schemeClr val="tx1"/>
-              </a:solidFill>
-            </a:endParaRPr>
-          </a:p>
-        </p:txBody>
-      </p:sp>
       <p:graphicFrame>
         <p:nvGraphicFramePr>
-          <p:cNvPr id="26" name="Tableau 25"/>
+          <p:cNvPr id="55" name="Tableau 54"/>
           <p:cNvGraphicFramePr>
             <a:graphicFrameLocks noGrp="1"/>
           </p:cNvGraphicFramePr>
           <p:nvPr>
             <p:extLst>
               <p:ext uri="{D42A27DB-BD31-4B8C-83A1-F6EECF244321}">
-                <p14:modId xmlns:p14="http://schemas.microsoft.com/office/powerpoint/2010/main" val="1625669618"/>
+                <p14:modId xmlns:p14="http://schemas.microsoft.com/office/powerpoint/2010/main" val="3455387499"/>
               </p:ext>
             </p:extLst>
           </p:nvPr>
         </p:nvGraphicFramePr>
         <p:xfrm>
-          <a:off x="6295275" y="3288297"/>
-          <a:ext cx="5202582" cy="907523"/>
+          <a:off x="962440" y="3430831"/>
+          <a:ext cx="4316112" cy="762000"/>
         </p:xfrm>
         <a:graphic>
           <a:graphicData uri="http://schemas.openxmlformats.org/drawingml/2006/table">
             <a:tbl>
               <a:tblPr firstRow="1" bandRow="1">
-                <a:tableStyleId>{8799B23B-EC83-4686-B30A-512413B5E67A}</a:tableStyleId>
+                <a:tableStyleId>{616DA210-FB5B-4158-B5E0-FEB733F419BA}</a:tableStyleId>
               </a:tblPr>
               <a:tblGrid>
-                <a:gridCol w="867097">
+                <a:gridCol w="719352">
                   <a:extLst>
                     <a:ext uri="{9D8B030D-6E8A-4147-A177-3AD203B41FA5}">
                       <a16:colId xmlns:a16="http://schemas.microsoft.com/office/drawing/2014/main" val="2196235251"/>
                     </a:ext>
                   </a:extLst>
                 </a:gridCol>
-                <a:gridCol w="867097">
+                <a:gridCol w="719352">
                   <a:extLst>
                     <a:ext uri="{9D8B030D-6E8A-4147-A177-3AD203B41FA5}">
                       <a16:colId xmlns:a16="http://schemas.microsoft.com/office/drawing/2014/main" val="3271095815"/>
                     </a:ext>
                   </a:extLst>
                 </a:gridCol>
-                <a:gridCol w="867097">
+                <a:gridCol w="719352">
                   <a:extLst>
                     <a:ext uri="{9D8B030D-6E8A-4147-A177-3AD203B41FA5}">
                       <a16:colId xmlns:a16="http://schemas.microsoft.com/office/drawing/2014/main" val="767905680"/>
                     </a:ext>
                   </a:extLst>
                 </a:gridCol>
-                <a:gridCol w="867097">
+                <a:gridCol w="719352">
                   <a:extLst>
                     <a:ext uri="{9D8B030D-6E8A-4147-A177-3AD203B41FA5}">
                       <a16:colId xmlns:a16="http://schemas.microsoft.com/office/drawing/2014/main" val="428315453"/>
                     </a:ext>
                   </a:extLst>
                 </a:gridCol>
-                <a:gridCol w="867097">
+                <a:gridCol w="719352">
                   <a:extLst>
                     <a:ext uri="{9D8B030D-6E8A-4147-A177-3AD203B41FA5}">
                       <a16:colId xmlns:a16="http://schemas.microsoft.com/office/drawing/2014/main" val="2318787392"/>
                     </a:ext>
                   </a:extLst>
                 </a:gridCol>
-                <a:gridCol w="867097">
+                <a:gridCol w="719352">
                   <a:extLst>
                     <a:ext uri="{9D8B030D-6E8A-4147-A177-3AD203B41FA5}">
                       <a16:colId xmlns:a16="http://schemas.microsoft.com/office/drawing/2014/main" val="3890849613"/>
@@ -29204,7 +26589,7 @@
                   </a:extLst>
                 </a:gridCol>
               </a:tblGrid>
-              <a:tr h="907523">
+              <a:tr h="606871">
                 <a:tc>
                   <a:txBody>
                     <a:bodyPr/>
@@ -29300,11 +26685,7 @@
                       </a:endParaRPr>
                     </a:p>
                   </a:txBody>
-                  <a:tcPr>
-                    <a:solidFill>
-                      <a:schemeClr val="bg1"/>
-                    </a:solidFill>
-                  </a:tcPr>
+                  <a:tcPr/>
                 </a:tc>
                 <a:tc>
                   <a:txBody>
@@ -29334,20 +26715,15 @@
                     <a:lstStyle/>
                     <a:p>
                       <a:pPr algn="ctr"/>
-                      <a:r>
-                        <a:rPr lang="fr-FR" sz="4400" dirty="0">
-                          <a:solidFill>
-                            <a:schemeClr val="bg1"/>
-                          </a:solidFill>
-                        </a:rPr>
-                        <a:t>5</a:t>
-                      </a:r>
+                      <a:endParaRPr lang="fr-FR" sz="4400" dirty="0">
+                        <a:solidFill>
+                          <a:schemeClr val="bg1"/>
+                        </a:solidFill>
+                      </a:endParaRPr>
                     </a:p>
                   </a:txBody>
                   <a:tcPr>
-                    <a:solidFill>
-                      <a:schemeClr val="tx1"/>
-                    </a:solidFill>
+                    <a:noFill/>
                   </a:tcPr>
                 </a:tc>
                 <a:extLst>
@@ -29362,14 +26738,14 @@
       </p:graphicFrame>
       <p:sp>
         <p:nvSpPr>
-          <p:cNvPr id="27" name="Flèche en arc 26"/>
+          <p:cNvPr id="56" name="Flèche en arc 26"/>
           <p:cNvSpPr/>
           <p:nvPr/>
         </p:nvSpPr>
         <p:spPr>
           <a:xfrm rot="327104">
-            <a:off x="8573100" y="2702510"/>
-            <a:ext cx="1770412" cy="1147639"/>
+            <a:off x="2754320" y="2846849"/>
+            <a:ext cx="1556480" cy="1147639"/>
           </a:xfrm>
           <a:prstGeom prst="circularArrow">
             <a:avLst>
@@ -29417,76 +26793,21 @@
       </p:sp>
       <p:sp>
         <p:nvSpPr>
-          <p:cNvPr id="28" name="Flèche en arc 27"/>
-          <p:cNvSpPr/>
-          <p:nvPr/>
-        </p:nvSpPr>
-        <p:spPr>
-          <a:xfrm flipV="1">
-            <a:off x="10273354" y="3659255"/>
-            <a:ext cx="888274" cy="1098426"/>
-          </a:xfrm>
-          <a:prstGeom prst="circularArrow">
-            <a:avLst>
-              <a:gd name="adj1" fmla="val 2230"/>
-              <a:gd name="adj2" fmla="val 1142319"/>
-              <a:gd name="adj3" fmla="val 20539467"/>
-              <a:gd name="adj4" fmla="val 10800000"/>
-              <a:gd name="adj5" fmla="val 8749"/>
-            </a:avLst>
-          </a:prstGeom>
-          <a:ln>
-            <a:solidFill>
-              <a:schemeClr val="accent1"/>
-            </a:solidFill>
-          </a:ln>
-        </p:spPr>
-        <p:style>
-          <a:lnRef idx="2">
-            <a:schemeClr val="accent1">
-              <a:shade val="50000"/>
-            </a:schemeClr>
-          </a:lnRef>
-          <a:fillRef idx="1">
-            <a:schemeClr val="accent1"/>
-          </a:fillRef>
-          <a:effectRef idx="0">
-            <a:schemeClr val="accent1"/>
-          </a:effectRef>
-          <a:fontRef idx="minor">
-            <a:schemeClr val="lt1"/>
-          </a:fontRef>
-        </p:style>
-        <p:txBody>
-          <a:bodyPr rtlCol="0" anchor="ctr"/>
-          <a:lstStyle/>
-          <a:p>
-            <a:pPr algn="ctr"/>
-            <a:endParaRPr lang="fr-FR">
-              <a:solidFill>
-                <a:schemeClr val="tx1"/>
-              </a:solidFill>
-            </a:endParaRPr>
-          </a:p>
-        </p:txBody>
-      </p:sp>
-      <p:sp>
-        <p:nvSpPr>
-          <p:cNvPr id="29" name="Flèche en arc 28"/>
+          <p:cNvPr id="58" name="Flèche en arc 28"/>
           <p:cNvSpPr/>
           <p:nvPr/>
         </p:nvSpPr>
         <p:spPr>
           <a:xfrm rot="327104" flipH="1" flipV="1">
-            <a:off x="7494427" y="3644704"/>
-            <a:ext cx="2698024" cy="1147639"/>
+            <a:off x="1984883" y="3657779"/>
+            <a:ext cx="2211676" cy="1147639"/>
           </a:xfrm>
           <a:prstGeom prst="circularArrow">
             <a:avLst>
               <a:gd name="adj1" fmla="val 966"/>
-              <a:gd name="adj2" fmla="val 658818"/>
+              <a:gd name="adj2" fmla="val 779721"/>
               <a:gd name="adj3" fmla="val 20581418"/>
-              <a:gd name="adj4" fmla="val 10461719"/>
+              <a:gd name="adj4" fmla="val 10387809"/>
               <a:gd name="adj5" fmla="val 7989"/>
             </a:avLst>
           </a:prstGeom>
@@ -29530,13 +26851,13 @@
       </p:sp>
       <p:sp>
         <p:nvSpPr>
-          <p:cNvPr id="30" name="Flèche en arc 29"/>
+          <p:cNvPr id="59" name="Flèche en arc 29"/>
           <p:cNvSpPr/>
           <p:nvPr/>
         </p:nvSpPr>
         <p:spPr>
           <a:xfrm rot="21272896" flipH="1">
-            <a:off x="6608114" y="2702511"/>
+            <a:off x="1007931" y="2846848"/>
             <a:ext cx="1770412" cy="1147639"/>
           </a:xfrm>
           <a:prstGeom prst="circularArrow">
@@ -29588,59 +26909,572 @@
       </p:sp>
       <p:sp>
         <p:nvSpPr>
-          <p:cNvPr id="3" name="Espace réservé de la date 2"/>
-          <p:cNvSpPr>
-            <a:spLocks noGrp="1"/>
-          </p:cNvSpPr>
-          <p:nvPr>
-            <p:ph type="dt" sz="half" idx="10"/>
-          </p:nvPr>
+          <p:cNvPr id="60" name="Flèche droite 49"/>
+          <p:cNvSpPr/>
+          <p:nvPr/>
         </p:nvSpPr>
-        <p:spPr/>
+        <p:spPr>
+          <a:xfrm>
+            <a:off x="5573752" y="3602134"/>
+            <a:ext cx="730275" cy="393935"/>
+          </a:xfrm>
+          <a:prstGeom prst="rightArrow">
+            <a:avLst/>
+          </a:prstGeom>
+        </p:spPr>
+        <p:style>
+          <a:lnRef idx="2">
+            <a:schemeClr val="accent1">
+              <a:shade val="50000"/>
+            </a:schemeClr>
+          </a:lnRef>
+          <a:fillRef idx="1">
+            <a:schemeClr val="accent1"/>
+          </a:fillRef>
+          <a:effectRef idx="0">
+            <a:schemeClr val="accent1"/>
+          </a:effectRef>
+          <a:fontRef idx="minor">
+            <a:schemeClr val="lt1"/>
+          </a:fontRef>
+        </p:style>
         <p:txBody>
-          <a:bodyPr/>
+          <a:bodyPr rtlCol="0" anchor="ctr"/>
           <a:lstStyle/>
           <a:p>
-            <a:r>
-              <a:rPr lang="fr-FR"/>
-              <a:t>16/05/2017</a:t>
-            </a:r>
+            <a:pPr algn="ctr"/>
+            <a:endParaRPr lang="fr-FR"/>
           </a:p>
         </p:txBody>
       </p:sp>
-      <p:sp>
-        <p:nvSpPr>
-          <p:cNvPr id="4" name="Espace réservé du numéro de diapositive 3"/>
-          <p:cNvSpPr>
-            <a:spLocks noGrp="1"/>
-          </p:cNvSpPr>
-          <p:nvPr>
-            <p:ph type="sldNum" sz="quarter" idx="12"/>
-          </p:nvPr>
-        </p:nvSpPr>
-        <p:spPr/>
-        <p:txBody>
-          <a:bodyPr/>
-          <a:lstStyle/>
-          <a:p>
-            <a:fld id="{C9355402-0690-4A79-A082-001A68712055}" type="slidenum">
-              <a:rPr lang="fr-FR" smtClean="0"/>
-              <a:t>5</a:t>
-            </a:fld>
-            <a:endParaRPr lang="fr-FR"/>
-          </a:p>
-        </p:txBody>
-      </p:sp>
+      <p:grpSp>
+        <p:nvGrpSpPr>
+          <p:cNvPr id="62" name="Groupe 61"/>
+          <p:cNvGrpSpPr/>
+          <p:nvPr/>
+        </p:nvGrpSpPr>
+        <p:grpSpPr>
+          <a:xfrm>
+            <a:off x="1584595" y="4853624"/>
+            <a:ext cx="3071802" cy="1411221"/>
+            <a:chOff x="342149" y="4949486"/>
+            <a:chExt cx="3071802" cy="1411221"/>
+          </a:xfrm>
+        </p:grpSpPr>
+        <p:sp>
+          <p:nvSpPr>
+            <p:cNvPr id="63" name="Ellipse 62"/>
+            <p:cNvSpPr/>
+            <p:nvPr/>
+          </p:nvSpPr>
+          <p:spPr>
+            <a:xfrm>
+              <a:off x="342149" y="4949486"/>
+              <a:ext cx="3071802" cy="1411221"/>
+            </a:xfrm>
+            <a:prstGeom prst="ellipse">
+              <a:avLst/>
+            </a:prstGeom>
+          </p:spPr>
+          <p:style>
+            <a:lnRef idx="1">
+              <a:schemeClr val="accent1"/>
+            </a:lnRef>
+            <a:fillRef idx="2">
+              <a:schemeClr val="accent1"/>
+            </a:fillRef>
+            <a:effectRef idx="1">
+              <a:schemeClr val="accent1"/>
+            </a:effectRef>
+            <a:fontRef idx="minor">
+              <a:schemeClr val="dk1"/>
+            </a:fontRef>
+          </p:style>
+          <p:txBody>
+            <a:bodyPr rtlCol="0" anchor="ctr"/>
+            <a:lstStyle/>
+            <a:p>
+              <a:pPr algn="ctr"/>
+              <a:endParaRPr lang="en-US" dirty="0"/>
+            </a:p>
+          </p:txBody>
+        </p:sp>
+        <p:sp>
+          <p:nvSpPr>
+            <p:cNvPr id="64" name="ZoneTexte 63"/>
+            <p:cNvSpPr txBox="1"/>
+            <p:nvPr/>
+          </p:nvSpPr>
+          <p:spPr>
+            <a:xfrm>
+              <a:off x="1151748" y="4963920"/>
+              <a:ext cx="328958" cy="646331"/>
+            </a:xfrm>
+            <a:prstGeom prst="rect">
+              <a:avLst/>
+            </a:prstGeom>
+            <a:noFill/>
+          </p:spPr>
+          <p:txBody>
+            <a:bodyPr wrap="square" rtlCol="0">
+              <a:spAutoFit/>
+            </a:bodyPr>
+            <a:lstStyle/>
+            <a:p>
+              <a:r>
+                <a:rPr lang="en-US" sz="3600" dirty="0"/>
+                <a:t>1</a:t>
+              </a:r>
+            </a:p>
+          </p:txBody>
+        </p:sp>
+        <p:sp>
+          <p:nvSpPr>
+            <p:cNvPr id="65" name="ZoneTexte 64"/>
+            <p:cNvSpPr txBox="1"/>
+            <p:nvPr/>
+          </p:nvSpPr>
+          <p:spPr>
+            <a:xfrm>
+              <a:off x="2696014" y="5382367"/>
+              <a:ext cx="328958" cy="646331"/>
+            </a:xfrm>
+            <a:prstGeom prst="rect">
+              <a:avLst/>
+            </a:prstGeom>
+            <a:noFill/>
+          </p:spPr>
+          <p:txBody>
+            <a:bodyPr wrap="square" rtlCol="0">
+              <a:spAutoFit/>
+            </a:bodyPr>
+            <a:lstStyle/>
+            <a:p>
+              <a:r>
+                <a:rPr lang="en-US" sz="3600" dirty="0"/>
+                <a:t>2</a:t>
+              </a:r>
+            </a:p>
+          </p:txBody>
+        </p:sp>
+        <p:sp>
+          <p:nvSpPr>
+            <p:cNvPr id="66" name="ZoneTexte 65"/>
+            <p:cNvSpPr txBox="1"/>
+            <p:nvPr/>
+          </p:nvSpPr>
+          <p:spPr>
+            <a:xfrm>
+              <a:off x="1623560" y="5541281"/>
+              <a:ext cx="328958" cy="646331"/>
+            </a:xfrm>
+            <a:prstGeom prst="rect">
+              <a:avLst/>
+            </a:prstGeom>
+            <a:noFill/>
+          </p:spPr>
+          <p:txBody>
+            <a:bodyPr wrap="square" rtlCol="0">
+              <a:spAutoFit/>
+            </a:bodyPr>
+            <a:lstStyle/>
+            <a:p>
+              <a:r>
+                <a:rPr lang="en-US" sz="3600" dirty="0"/>
+                <a:t>3</a:t>
+              </a:r>
+            </a:p>
+          </p:txBody>
+        </p:sp>
+        <p:sp>
+          <p:nvSpPr>
+            <p:cNvPr id="67" name="ZoneTexte 66"/>
+            <p:cNvSpPr txBox="1"/>
+            <p:nvPr/>
+          </p:nvSpPr>
+          <p:spPr>
+            <a:xfrm>
+              <a:off x="532460" y="5329709"/>
+              <a:ext cx="328958" cy="646331"/>
+            </a:xfrm>
+            <a:prstGeom prst="rect">
+              <a:avLst/>
+            </a:prstGeom>
+            <a:noFill/>
+          </p:spPr>
+          <p:txBody>
+            <a:bodyPr wrap="square" rtlCol="0">
+              <a:spAutoFit/>
+            </a:bodyPr>
+            <a:lstStyle/>
+            <a:p>
+              <a:r>
+                <a:rPr lang="en-US" sz="3600" dirty="0"/>
+                <a:t>4</a:t>
+              </a:r>
+            </a:p>
+          </p:txBody>
+        </p:sp>
+      </p:grpSp>
+      <p:grpSp>
+        <p:nvGrpSpPr>
+          <p:cNvPr id="68" name="Groupe 67"/>
+          <p:cNvGrpSpPr/>
+          <p:nvPr/>
+        </p:nvGrpSpPr>
+        <p:grpSpPr>
+          <a:xfrm>
+            <a:off x="7342638" y="4838242"/>
+            <a:ext cx="3071802" cy="1411221"/>
+            <a:chOff x="4182078" y="4953280"/>
+            <a:chExt cx="3071802" cy="1411221"/>
+          </a:xfrm>
+        </p:grpSpPr>
+        <p:sp>
+          <p:nvSpPr>
+            <p:cNvPr id="69" name="Ellipse 68"/>
+            <p:cNvSpPr/>
+            <p:nvPr/>
+          </p:nvSpPr>
+          <p:spPr>
+            <a:xfrm>
+              <a:off x="4182078" y="4953280"/>
+              <a:ext cx="3071802" cy="1411221"/>
+            </a:xfrm>
+            <a:prstGeom prst="ellipse">
+              <a:avLst/>
+            </a:prstGeom>
+          </p:spPr>
+          <p:style>
+            <a:lnRef idx="1">
+              <a:schemeClr val="accent1"/>
+            </a:lnRef>
+            <a:fillRef idx="2">
+              <a:schemeClr val="accent1"/>
+            </a:fillRef>
+            <a:effectRef idx="1">
+              <a:schemeClr val="accent1"/>
+            </a:effectRef>
+            <a:fontRef idx="minor">
+              <a:schemeClr val="dk1"/>
+            </a:fontRef>
+          </p:style>
+          <p:txBody>
+            <a:bodyPr rtlCol="0" anchor="ctr"/>
+            <a:lstStyle/>
+            <a:p>
+              <a:pPr algn="ctr"/>
+              <a:endParaRPr lang="en-US" dirty="0"/>
+            </a:p>
+          </p:txBody>
+        </p:sp>
+        <p:sp>
+          <p:nvSpPr>
+            <p:cNvPr id="70" name="ZoneTexte 69"/>
+            <p:cNvSpPr txBox="1"/>
+            <p:nvPr/>
+          </p:nvSpPr>
+          <p:spPr>
+            <a:xfrm>
+              <a:off x="4991677" y="4967714"/>
+              <a:ext cx="328958" cy="646331"/>
+            </a:xfrm>
+            <a:prstGeom prst="rect">
+              <a:avLst/>
+            </a:prstGeom>
+            <a:noFill/>
+          </p:spPr>
+          <p:txBody>
+            <a:bodyPr wrap="square" rtlCol="0">
+              <a:spAutoFit/>
+            </a:bodyPr>
+            <a:lstStyle/>
+            <a:p>
+              <a:r>
+                <a:rPr lang="en-US" sz="3600" dirty="0"/>
+                <a:t>1</a:t>
+              </a:r>
+            </a:p>
+          </p:txBody>
+        </p:sp>
+        <p:sp>
+          <p:nvSpPr>
+            <p:cNvPr id="71" name="ZoneTexte 70"/>
+            <p:cNvSpPr txBox="1"/>
+            <p:nvPr/>
+          </p:nvSpPr>
+          <p:spPr>
+            <a:xfrm>
+              <a:off x="6535943" y="5386161"/>
+              <a:ext cx="328958" cy="646331"/>
+            </a:xfrm>
+            <a:prstGeom prst="rect">
+              <a:avLst/>
+            </a:prstGeom>
+            <a:noFill/>
+          </p:spPr>
+          <p:txBody>
+            <a:bodyPr wrap="square" rtlCol="0">
+              <a:spAutoFit/>
+            </a:bodyPr>
+            <a:lstStyle/>
+            <a:p>
+              <a:r>
+                <a:rPr lang="en-US" sz="3600" dirty="0"/>
+                <a:t>2</a:t>
+              </a:r>
+            </a:p>
+          </p:txBody>
+        </p:sp>
+        <p:sp>
+          <p:nvSpPr>
+            <p:cNvPr id="72" name="ZoneTexte 71"/>
+            <p:cNvSpPr txBox="1"/>
+            <p:nvPr/>
+          </p:nvSpPr>
+          <p:spPr>
+            <a:xfrm>
+              <a:off x="5463489" y="5545075"/>
+              <a:ext cx="328958" cy="646331"/>
+            </a:xfrm>
+            <a:prstGeom prst="rect">
+              <a:avLst/>
+            </a:prstGeom>
+            <a:noFill/>
+          </p:spPr>
+          <p:txBody>
+            <a:bodyPr wrap="square" rtlCol="0">
+              <a:spAutoFit/>
+            </a:bodyPr>
+            <a:lstStyle/>
+            <a:p>
+              <a:r>
+                <a:rPr lang="en-US" sz="3600" dirty="0"/>
+                <a:t>3</a:t>
+              </a:r>
+            </a:p>
+          </p:txBody>
+        </p:sp>
+        <p:sp>
+          <p:nvSpPr>
+            <p:cNvPr id="73" name="ZoneTexte 72"/>
+            <p:cNvSpPr txBox="1"/>
+            <p:nvPr/>
+          </p:nvSpPr>
+          <p:spPr>
+            <a:xfrm>
+              <a:off x="4372389" y="5333503"/>
+              <a:ext cx="328958" cy="646331"/>
+            </a:xfrm>
+            <a:prstGeom prst="rect">
+              <a:avLst/>
+            </a:prstGeom>
+            <a:noFill/>
+          </p:spPr>
+          <p:txBody>
+            <a:bodyPr wrap="square" rtlCol="0">
+              <a:spAutoFit/>
+            </a:bodyPr>
+            <a:lstStyle/>
+            <a:p>
+              <a:r>
+                <a:rPr lang="en-US" sz="3600" dirty="0"/>
+                <a:t>4</a:t>
+              </a:r>
+            </a:p>
+          </p:txBody>
+        </p:sp>
+        <p:sp>
+          <p:nvSpPr>
+            <p:cNvPr id="74" name="ZoneTexte 73"/>
+            <p:cNvSpPr txBox="1"/>
+            <p:nvPr/>
+          </p:nvSpPr>
+          <p:spPr>
+            <a:xfrm>
+              <a:off x="6047809" y="5027942"/>
+              <a:ext cx="328958" cy="646331"/>
+            </a:xfrm>
+            <a:prstGeom prst="rect">
+              <a:avLst/>
+            </a:prstGeom>
+            <a:noFill/>
+          </p:spPr>
+          <p:txBody>
+            <a:bodyPr wrap="square" rtlCol="0">
+              <a:spAutoFit/>
+            </a:bodyPr>
+            <a:lstStyle/>
+            <a:p>
+              <a:r>
+                <a:rPr lang="en-US" sz="3600" b="1" dirty="0">
+                  <a:solidFill>
+                    <a:srgbClr val="C00000"/>
+                  </a:solidFill>
+                </a:rPr>
+                <a:t>5</a:t>
+              </a:r>
+            </a:p>
+          </p:txBody>
+        </p:sp>
+      </p:grpSp>
     </p:spTree>
     <p:extLst>
       <p:ext uri="{BB962C8B-B14F-4D97-AF65-F5344CB8AC3E}">
-        <p14:creationId xmlns:p14="http://schemas.microsoft.com/office/powerpoint/2010/main" val="3188821450"/>
+        <p14:creationId xmlns:p14="http://schemas.microsoft.com/office/powerpoint/2010/main" val="2256455491"/>
       </p:ext>
     </p:extLst>
   </p:cSld>
   <p:clrMapOvr>
     <a:masterClrMapping/>
   </p:clrMapOvr>
+  <p:timing>
+    <p:tnLst>
+      <p:par>
+        <p:cTn id="1" dur="indefinite" restart="never" nodeType="tmRoot">
+          <p:childTnLst>
+            <p:seq concurrent="1" nextAc="seek">
+              <p:cTn id="2" dur="indefinite" nodeType="mainSeq">
+                <p:childTnLst>
+                  <p:par>
+                    <p:cTn id="3" fill="hold">
+                      <p:stCondLst>
+                        <p:cond delay="indefinite"/>
+                      </p:stCondLst>
+                      <p:childTnLst>
+                        <p:par>
+                          <p:cTn id="4" fill="hold">
+                            <p:stCondLst>
+                              <p:cond delay="0"/>
+                            </p:stCondLst>
+                            <p:childTnLst>
+                              <p:par>
+                                <p:cTn id="5" presetID="1" presetClass="entr" presetSubtype="0" fill="hold" nodeType="clickEffect">
+                                  <p:stCondLst>
+                                    <p:cond delay="0"/>
+                                  </p:stCondLst>
+                                  <p:childTnLst>
+                                    <p:set>
+                                      <p:cBhvr>
+                                        <p:cTn id="6" dur="1" fill="hold">
+                                          <p:stCondLst>
+                                            <p:cond delay="0"/>
+                                          </p:stCondLst>
+                                        </p:cTn>
+                                        <p:tgtEl>
+                                          <p:spTgt spid="75"/>
+                                        </p:tgtEl>
+                                        <p:attrNameLst>
+                                          <p:attrName>style.visibility</p:attrName>
+                                        </p:attrNameLst>
+                                      </p:cBhvr>
+                                      <p:to>
+                                        <p:strVal val="visible"/>
+                                      </p:to>
+                                    </p:set>
+                                  </p:childTnLst>
+                                </p:cTn>
+                              </p:par>
+                            </p:childTnLst>
+                          </p:cTn>
+                        </p:par>
+                      </p:childTnLst>
+                    </p:cTn>
+                  </p:par>
+                  <p:par>
+                    <p:cTn id="7" fill="hold">
+                      <p:stCondLst>
+                        <p:cond delay="indefinite"/>
+                      </p:stCondLst>
+                      <p:childTnLst>
+                        <p:par>
+                          <p:cTn id="8" fill="hold">
+                            <p:stCondLst>
+                              <p:cond delay="0"/>
+                            </p:stCondLst>
+                            <p:childTnLst>
+                              <p:par>
+                                <p:cTn id="9" presetID="1" presetClass="entr" presetSubtype="0" fill="hold" nodeType="clickEffect">
+                                  <p:stCondLst>
+                                    <p:cond delay="0"/>
+                                  </p:stCondLst>
+                                  <p:childTnLst>
+                                    <p:set>
+                                      <p:cBhvr>
+                                        <p:cTn id="10" dur="1" fill="hold">
+                                          <p:stCondLst>
+                                            <p:cond delay="0"/>
+                                          </p:stCondLst>
+                                        </p:cTn>
+                                        <p:tgtEl>
+                                          <p:spTgt spid="62"/>
+                                        </p:tgtEl>
+                                        <p:attrNameLst>
+                                          <p:attrName>style.visibility</p:attrName>
+                                        </p:attrNameLst>
+                                      </p:cBhvr>
+                                      <p:to>
+                                        <p:strVal val="visible"/>
+                                      </p:to>
+                                    </p:set>
+                                  </p:childTnLst>
+                                </p:cTn>
+                              </p:par>
+                              <p:par>
+                                <p:cTn id="11" presetID="1" presetClass="entr" presetSubtype="0" fill="hold" nodeType="withEffect">
+                                  <p:stCondLst>
+                                    <p:cond delay="0"/>
+                                  </p:stCondLst>
+                                  <p:childTnLst>
+                                    <p:set>
+                                      <p:cBhvr>
+                                        <p:cTn id="12" dur="1" fill="hold">
+                                          <p:stCondLst>
+                                            <p:cond delay="0"/>
+                                          </p:stCondLst>
+                                        </p:cTn>
+                                        <p:tgtEl>
+                                          <p:spTgt spid="68"/>
+                                        </p:tgtEl>
+                                        <p:attrNameLst>
+                                          <p:attrName>style.visibility</p:attrName>
+                                        </p:attrNameLst>
+                                      </p:cBhvr>
+                                      <p:to>
+                                        <p:strVal val="visible"/>
+                                      </p:to>
+                                    </p:set>
+                                  </p:childTnLst>
+                                </p:cTn>
+                              </p:par>
+                            </p:childTnLst>
+                          </p:cTn>
+                        </p:par>
+                      </p:childTnLst>
+                    </p:cTn>
+                  </p:par>
+                </p:childTnLst>
+              </p:cTn>
+              <p:prevCondLst>
+                <p:cond evt="onPrev" delay="0">
+                  <p:tgtEl>
+                    <p:sldTgt/>
+                  </p:tgtEl>
+                </p:cond>
+              </p:prevCondLst>
+              <p:nextCondLst>
+                <p:cond evt="onNext" delay="0">
+                  <p:tgtEl>
+                    <p:sldTgt/>
+                  </p:tgtEl>
+                </p:cond>
+              </p:nextCondLst>
+            </p:seq>
+          </p:childTnLst>
+        </p:cTn>
+      </p:par>
+    </p:tnLst>
+  </p:timing>
 </p:sld>
 </file>
 
@@ -30169,11 +28003,11 @@
               <a:avLst/>
             </a:prstGeom>
             <a:solidFill>
-              <a:srgbClr val="FF0000"/>
+              <a:schemeClr val="tx1"/>
             </a:solidFill>
             <a:ln>
               <a:solidFill>
-                <a:srgbClr val="FF0000"/>
+                <a:schemeClr val="tx1"/>
               </a:solidFill>
             </a:ln>
           </p:spPr>
@@ -30220,11 +28054,11 @@
               <a:avLst/>
             </a:prstGeom>
             <a:solidFill>
-              <a:schemeClr val="tx1"/>
+              <a:srgbClr val="FF0000"/>
             </a:solidFill>
             <a:ln>
               <a:solidFill>
-                <a:schemeClr val="tx1"/>
+                <a:srgbClr val="FF0000"/>
               </a:solidFill>
             </a:ln>
           </p:spPr>
@@ -30379,11 +28213,11 @@
               <a:avLst/>
             </a:prstGeom>
             <a:solidFill>
-              <a:schemeClr val="tx1"/>
+              <a:srgbClr val="FF0000"/>
             </a:solidFill>
             <a:ln>
               <a:solidFill>
-                <a:schemeClr val="tx1"/>
+                <a:srgbClr val="FF0000"/>
               </a:solidFill>
             </a:ln>
           </p:spPr>
@@ -31403,7 +29237,7 @@
           <p:nvPr>
             <p:extLst>
               <p:ext uri="{D42A27DB-BD31-4B8C-83A1-F6EECF244321}">
-                <p14:modId xmlns:p14="http://schemas.microsoft.com/office/powerpoint/2010/main" val="449001600"/>
+                <p14:modId xmlns:p14="http://schemas.microsoft.com/office/powerpoint/2010/main" val="741802275"/>
               </p:ext>
             </p:extLst>
           </p:nvPr>
@@ -31416,7 +29250,7 @@
           <a:graphicData uri="http://schemas.openxmlformats.org/drawingml/2006/table">
             <a:tbl>
               <a:tblPr firstRow="1" bandRow="1">
-                <a:tableStyleId>{8799B23B-EC83-4686-B30A-512413B5E67A}</a:tableStyleId>
+                <a:tableStyleId>{616DA210-FB5B-4158-B5E0-FEB733F419BA}</a:tableStyleId>
               </a:tblPr>
               <a:tblGrid>
                 <a:gridCol w="867097">

--- a/slides/NFM_2017/NFM_2017.pptx
+++ b/slides/NFM_2017/NFM_2017.pptx
@@ -1171,7 +1171,7 @@
           <a:p>
             <a:fld id="{3862069E-068B-4607-B7F1-F057000853A5}" type="datetimeFigureOut">
               <a:rPr lang="en-US" smtClean="0"/>
-              <a:t>5/10/2017</a:t>
+              <a:t>5/11/2017</a:t>
             </a:fld>
             <a:endParaRPr lang="en-US"/>
           </a:p>
@@ -1483,7 +1483,23 @@
           <a:bodyPr/>
           <a:lstStyle/>
           <a:p>
-            <a:endParaRPr lang="en-US"/>
+            <a:r>
+              <a:rPr lang="en-US" dirty="0"/>
+              <a:t>Good afternoon. My name is Claire Dross, and I work at </a:t>
+            </a:r>
+            <a:r>
+              <a:rPr lang="en-US" dirty="0" err="1"/>
+              <a:t>AdaCore</a:t>
+            </a:r>
+            <a:r>
+              <a:rPr lang="en-US" dirty="0"/>
+              <a:t>, a company</a:t>
+            </a:r>
+            <a:r>
+              <a:rPr lang="en-US" baseline="0" dirty="0"/>
+              <a:t> providing programming tools, essentially for Ada. My presentation is about…</a:t>
+            </a:r>
+            <a:endParaRPr lang="en-US" dirty="0"/>
           </a:p>
         </p:txBody>
       </p:sp>
@@ -8160,14 +8176,14 @@
             <a:pPr lvl="1"/>
             <a:r>
               <a:rPr lang="en-US" sz="2800" dirty="0"/>
+              <a:t>Paths are sequences of directions</a:t>
+            </a:r>
+          </a:p>
+          <a:p>
+            <a:pPr lvl="1"/>
+            <a:r>
+              <a:rPr lang="en-US" sz="2800" dirty="0"/>
               <a:t>Models are used to express properties in higher layers</a:t>
-            </a:r>
-          </a:p>
-          <a:p>
-            <a:pPr lvl="1"/>
-            <a:r>
-              <a:rPr lang="en-US" sz="2800" dirty="0"/>
-              <a:t>Effects of tree operations on models are specified in their contracts</a:t>
             </a:r>
           </a:p>
         </p:txBody>
@@ -8932,12 +8948,6 @@
             <a:r>
               <a:rPr lang="en-US" sz="3200" dirty="0"/>
               <a:t>A binary tree</a:t>
-            </a:r>
-          </a:p>
-          <a:p>
-            <a:r>
-              <a:rPr lang="en-US" sz="3200" dirty="0"/>
-              <a:t>A specific root</a:t>
             </a:r>
           </a:p>
           <a:p>
@@ -10911,7 +10921,7 @@
           <a:p>
             <a:r>
               <a:rPr lang="en-US" sz="3200" dirty="0"/>
-              <a:t>Search and Insert </a:t>
+              <a:t>Lookup and Insert </a:t>
             </a:r>
           </a:p>
           <a:p>
@@ -14299,9 +14309,14 @@
           </a:lstStyle>
           <a:p>
             <a:r>
-              <a:rPr lang="en-US" sz="3200" dirty="0"/>
-              <a:t>Self balancing</a:t>
-            </a:r>
+              <a:rPr lang="en-US" sz="3200"/>
+              <a:t>B</a:t>
+            </a:r>
+            <a:r>
+              <a:rPr lang="en-US" sz="3200"/>
+              <a:t>alancing</a:t>
+            </a:r>
+            <a:endParaRPr lang="en-US" sz="3200" dirty="0"/>
           </a:p>
           <a:p>
             <a:pPr lvl="1"/>
@@ -15075,7 +15090,7 @@
           <a:p>
             <a:r>
               <a:rPr lang="en-US" sz="3200" dirty="0"/>
-              <a:t>Search and Insert</a:t>
+              <a:t>Lookup and Insert</a:t>
             </a:r>
           </a:p>
           <a:p>
@@ -24363,7 +24378,7 @@
           <a:p>
             <a:r>
               <a:rPr lang="en-US" sz="3200" dirty="0"/>
-              <a:t>Self-balancing</a:t>
+              <a:t>Balancing</a:t>
             </a:r>
           </a:p>
         </p:txBody>
@@ -24729,55 +24744,45 @@
       </p:sp>
       <p:grpSp>
         <p:nvGrpSpPr>
-          <p:cNvPr id="13" name="Groupe 12"/>
+          <p:cNvPr id="39" name="Groupe 38"/>
           <p:cNvGrpSpPr/>
           <p:nvPr/>
         </p:nvGrpSpPr>
         <p:grpSpPr>
           <a:xfrm>
-            <a:off x="7877856" y="4617386"/>
-            <a:ext cx="874258" cy="1392206"/>
-            <a:chOff x="7877856" y="4617386"/>
-            <a:chExt cx="874258" cy="1392206"/>
+            <a:off x="5067662" y="4975038"/>
+            <a:ext cx="3071802" cy="1411221"/>
+            <a:chOff x="342149" y="4949486"/>
+            <a:chExt cx="3071802" cy="1411221"/>
           </a:xfrm>
         </p:grpSpPr>
         <p:sp>
           <p:nvSpPr>
-            <p:cNvPr id="14" name="Ellipse 13"/>
+            <p:cNvPr id="40" name="Ellipse 39"/>
             <p:cNvSpPr/>
             <p:nvPr/>
           </p:nvSpPr>
           <p:spPr>
             <a:xfrm>
-              <a:off x="8120302" y="5382029"/>
-              <a:ext cx="631812" cy="627563"/>
+              <a:off x="342149" y="4949486"/>
+              <a:ext cx="3071802" cy="1411221"/>
             </a:xfrm>
             <a:prstGeom prst="ellipse">
               <a:avLst/>
             </a:prstGeom>
-            <a:solidFill>
-              <a:srgbClr val="FF0000"/>
-            </a:solidFill>
-            <a:ln>
-              <a:solidFill>
-                <a:srgbClr val="FF0000"/>
-              </a:solidFill>
-            </a:ln>
           </p:spPr>
           <p:style>
-            <a:lnRef idx="2">
-              <a:schemeClr val="accent1">
-                <a:shade val="50000"/>
-              </a:schemeClr>
+            <a:lnRef idx="1">
+              <a:schemeClr val="accent1"/>
             </a:lnRef>
-            <a:fillRef idx="1">
+            <a:fillRef idx="2">
               <a:schemeClr val="accent1"/>
             </a:fillRef>
-            <a:effectRef idx="0">
+            <a:effectRef idx="1">
               <a:schemeClr val="accent1"/>
             </a:effectRef>
             <a:fontRef idx="minor">
-              <a:schemeClr val="lt1"/>
+              <a:schemeClr val="dk1"/>
             </a:fontRef>
           </p:style>
           <p:txBody>
@@ -24785,656 +24790,123 @@
             <a:lstStyle/>
             <a:p>
               <a:pPr algn="ctr"/>
+              <a:endParaRPr lang="en-US" dirty="0"/>
+            </a:p>
+          </p:txBody>
+        </p:sp>
+        <p:sp>
+          <p:nvSpPr>
+            <p:cNvPr id="41" name="ZoneTexte 40"/>
+            <p:cNvSpPr txBox="1"/>
+            <p:nvPr/>
+          </p:nvSpPr>
+          <p:spPr>
+            <a:xfrm>
+              <a:off x="1151748" y="4963920"/>
+              <a:ext cx="328958" cy="646331"/>
+            </a:xfrm>
+            <a:prstGeom prst="rect">
+              <a:avLst/>
+            </a:prstGeom>
+            <a:noFill/>
+          </p:spPr>
+          <p:txBody>
+            <a:bodyPr wrap="square" rtlCol="0">
+              <a:spAutoFit/>
+            </a:bodyPr>
+            <a:lstStyle/>
+            <a:p>
               <a:r>
-                <a:rPr lang="fr-FR" sz="3200" dirty="0"/>
-                <a:t>5</a:t>
+                <a:rPr lang="en-US" sz="3600" dirty="0"/>
+                <a:t>1</a:t>
               </a:r>
             </a:p>
           </p:txBody>
         </p:sp>
         <p:sp>
           <p:nvSpPr>
-            <p:cNvPr id="15" name="Flèche gauche 51"/>
-            <p:cNvSpPr/>
-            <p:nvPr/>
-          </p:nvSpPr>
-          <p:spPr>
-            <a:xfrm rot="3602346">
-              <a:off x="7668987" y="4826255"/>
-              <a:ext cx="731520" cy="313782"/>
-            </a:xfrm>
-            <a:prstGeom prst="leftArrow">
-              <a:avLst/>
-            </a:prstGeom>
-          </p:spPr>
-          <p:style>
-            <a:lnRef idx="2">
-              <a:schemeClr val="accent1">
-                <a:shade val="50000"/>
-              </a:schemeClr>
-            </a:lnRef>
-            <a:fillRef idx="1">
-              <a:schemeClr val="accent1"/>
-            </a:fillRef>
-            <a:effectRef idx="0">
-              <a:schemeClr val="accent1"/>
-            </a:effectRef>
-            <a:fontRef idx="minor">
-              <a:schemeClr val="lt1"/>
-            </a:fontRef>
-          </p:style>
-          <p:txBody>
-            <a:bodyPr rtlCol="0" anchor="ctr"/>
-            <a:lstStyle/>
-            <a:p>
-              <a:pPr algn="ctr"/>
-              <a:endParaRPr lang="fr-FR" dirty="0"/>
-            </a:p>
-          </p:txBody>
-        </p:sp>
-      </p:grpSp>
-      <p:grpSp>
-        <p:nvGrpSpPr>
-          <p:cNvPr id="16" name="Groupe 15"/>
-          <p:cNvGrpSpPr/>
-          <p:nvPr/>
-        </p:nvGrpSpPr>
-        <p:grpSpPr>
-          <a:xfrm>
-            <a:off x="6283164" y="2059578"/>
-            <a:ext cx="5345407" cy="3505877"/>
-            <a:chOff x="6283164" y="2059578"/>
-            <a:chExt cx="5345407" cy="3505877"/>
-          </a:xfrm>
-        </p:grpSpPr>
-        <p:sp>
-          <p:nvSpPr>
-            <p:cNvPr id="17" name="Ellipse 16"/>
-            <p:cNvSpPr/>
+            <p:cNvPr id="42" name="ZoneTexte 41"/>
+            <p:cNvSpPr txBox="1"/>
             <p:nvPr/>
           </p:nvSpPr>
           <p:spPr>
             <a:xfrm>
-              <a:off x="7884558" y="4937892"/>
-              <a:ext cx="631812" cy="627563"/>
+              <a:off x="2696014" y="5382367"/>
+              <a:ext cx="328958" cy="646331"/>
             </a:xfrm>
-            <a:prstGeom prst="ellipse">
+            <a:prstGeom prst="rect">
               <a:avLst/>
             </a:prstGeom>
-            <a:solidFill>
-              <a:srgbClr val="FF0000"/>
-            </a:solidFill>
-            <a:ln>
-              <a:solidFill>
-                <a:srgbClr val="FF0000"/>
-              </a:solidFill>
-            </a:ln>
+            <a:noFill/>
           </p:spPr>
-          <p:style>
-            <a:lnRef idx="2">
-              <a:schemeClr val="accent1">
-                <a:shade val="50000"/>
-              </a:schemeClr>
-            </a:lnRef>
-            <a:fillRef idx="1">
-              <a:schemeClr val="accent1"/>
-            </a:fillRef>
-            <a:effectRef idx="0">
-              <a:schemeClr val="accent1"/>
-            </a:effectRef>
-            <a:fontRef idx="minor">
-              <a:schemeClr val="lt1"/>
-            </a:fontRef>
-          </p:style>
           <p:txBody>
-            <a:bodyPr rtlCol="0" anchor="ctr"/>
+            <a:bodyPr wrap="square" rtlCol="0">
+              <a:spAutoFit/>
+            </a:bodyPr>
             <a:lstStyle/>
             <a:p>
-              <a:pPr algn="ctr"/>
               <a:r>
-                <a:rPr lang="fr-FR" sz="3200" dirty="0"/>
-                <a:t>5</a:t>
+                <a:rPr lang="en-US" sz="3600" dirty="0"/>
+                <a:t>2</a:t>
               </a:r>
-            </a:p>
-          </p:txBody>
-        </p:sp>
-        <p:cxnSp>
-          <p:nvCxnSpPr>
-            <p:cNvPr id="18" name="Connecteur droit avec flèche 17"/>
-            <p:cNvCxnSpPr/>
-            <p:nvPr/>
-          </p:nvCxnSpPr>
-          <p:spPr>
-            <a:xfrm>
-              <a:off x="7785784" y="4551617"/>
-              <a:ext cx="262181" cy="427605"/>
-            </a:xfrm>
-            <a:prstGeom prst="straightConnector1">
-              <a:avLst/>
-            </a:prstGeom>
-            <a:ln w="38100">
-              <a:solidFill>
-                <a:schemeClr val="accent1"/>
-              </a:solidFill>
-              <a:tailEnd type="triangle"/>
-            </a:ln>
-          </p:spPr>
-          <p:style>
-            <a:lnRef idx="1">
-              <a:schemeClr val="dk1"/>
-            </a:lnRef>
-            <a:fillRef idx="0">
-              <a:schemeClr val="dk1"/>
-            </a:fillRef>
-            <a:effectRef idx="0">
-              <a:schemeClr val="dk1"/>
-            </a:effectRef>
-            <a:fontRef idx="minor">
-              <a:schemeClr val="tx1"/>
-            </a:fontRef>
-          </p:style>
-        </p:cxnSp>
-        <p:grpSp>
-          <p:nvGrpSpPr>
-            <p:cNvPr id="19" name="Groupe 18"/>
-            <p:cNvGrpSpPr/>
-            <p:nvPr/>
-          </p:nvGrpSpPr>
-          <p:grpSpPr>
-            <a:xfrm>
-              <a:off x="9096292" y="2059578"/>
-              <a:ext cx="2532279" cy="2520329"/>
-              <a:chOff x="9096292" y="2059578"/>
-              <a:chExt cx="2532279" cy="2520329"/>
-            </a:xfrm>
-          </p:grpSpPr>
-          <p:sp>
-            <p:nvSpPr>
-              <p:cNvPr id="22" name="Ellipse 21"/>
-              <p:cNvSpPr/>
-              <p:nvPr/>
-            </p:nvSpPr>
-            <p:spPr>
-              <a:xfrm>
-                <a:off x="9729781" y="2059578"/>
-                <a:ext cx="631812" cy="627563"/>
-              </a:xfrm>
-              <a:prstGeom prst="ellipse">
-                <a:avLst/>
-              </a:prstGeom>
-              <a:solidFill>
-                <a:schemeClr val="tx1"/>
-              </a:solidFill>
-              <a:ln>
-                <a:solidFill>
-                  <a:schemeClr val="tx1"/>
-                </a:solidFill>
-              </a:ln>
-            </p:spPr>
-            <p:style>
-              <a:lnRef idx="2">
-                <a:schemeClr val="accent1">
-                  <a:shade val="50000"/>
-                </a:schemeClr>
-              </a:lnRef>
-              <a:fillRef idx="1">
-                <a:schemeClr val="accent1"/>
-              </a:fillRef>
-              <a:effectRef idx="0">
-                <a:schemeClr val="accent1"/>
-              </a:effectRef>
-              <a:fontRef idx="minor">
-                <a:schemeClr val="lt1"/>
-              </a:fontRef>
-            </p:style>
-            <p:txBody>
-              <a:bodyPr rtlCol="0" anchor="ctr"/>
-              <a:lstStyle/>
-              <a:p>
-                <a:pPr algn="ctr"/>
-                <a:r>
-                  <a:rPr lang="fr-FR" sz="3200" dirty="0"/>
-                  <a:t>2</a:t>
-                </a:r>
-              </a:p>
-            </p:txBody>
-          </p:sp>
-          <p:sp>
-            <p:nvSpPr>
-              <p:cNvPr id="23" name="Ellipse 22"/>
-              <p:cNvSpPr/>
-              <p:nvPr/>
-            </p:nvSpPr>
-            <p:spPr>
-              <a:xfrm>
-                <a:off x="9096292" y="3005961"/>
-                <a:ext cx="631812" cy="627563"/>
-              </a:xfrm>
-              <a:prstGeom prst="ellipse">
-                <a:avLst/>
-              </a:prstGeom>
-              <a:solidFill>
-                <a:schemeClr val="tx1"/>
-              </a:solidFill>
-              <a:ln>
-                <a:solidFill>
-                  <a:schemeClr val="tx1"/>
-                </a:solidFill>
-              </a:ln>
-            </p:spPr>
-            <p:style>
-              <a:lnRef idx="2">
-                <a:schemeClr val="accent1">
-                  <a:shade val="50000"/>
-                </a:schemeClr>
-              </a:lnRef>
-              <a:fillRef idx="1">
-                <a:schemeClr val="accent1"/>
-              </a:fillRef>
-              <a:effectRef idx="0">
-                <a:schemeClr val="accent1"/>
-              </a:effectRef>
-              <a:fontRef idx="minor">
-                <a:schemeClr val="lt1"/>
-              </a:fontRef>
-            </p:style>
-            <p:txBody>
-              <a:bodyPr rtlCol="0" anchor="ctr"/>
-              <a:lstStyle/>
-              <a:p>
-                <a:pPr algn="ctr"/>
-                <a:r>
-                  <a:rPr lang="fr-FR" sz="3200" dirty="0"/>
-                  <a:t>1</a:t>
-                </a:r>
-              </a:p>
-            </p:txBody>
-          </p:sp>
-          <p:sp>
-            <p:nvSpPr>
-              <p:cNvPr id="24" name="Ellipse 23"/>
-              <p:cNvSpPr/>
-              <p:nvPr/>
-            </p:nvSpPr>
-            <p:spPr>
-              <a:xfrm>
-                <a:off x="10363270" y="3005961"/>
-                <a:ext cx="631812" cy="627563"/>
-              </a:xfrm>
-              <a:prstGeom prst="ellipse">
-                <a:avLst/>
-              </a:prstGeom>
-              <a:solidFill>
-                <a:schemeClr val="tx1"/>
-              </a:solidFill>
-              <a:ln>
-                <a:solidFill>
-                  <a:schemeClr val="tx1"/>
-                </a:solidFill>
-              </a:ln>
-            </p:spPr>
-            <p:style>
-              <a:lnRef idx="2">
-                <a:schemeClr val="accent1">
-                  <a:shade val="50000"/>
-                </a:schemeClr>
-              </a:lnRef>
-              <a:fillRef idx="1">
-                <a:schemeClr val="accent1"/>
-              </a:fillRef>
-              <a:effectRef idx="0">
-                <a:schemeClr val="accent1"/>
-              </a:effectRef>
-              <a:fontRef idx="minor">
-                <a:schemeClr val="lt1"/>
-              </a:fontRef>
-            </p:style>
-            <p:txBody>
-              <a:bodyPr rtlCol="0" anchor="ctr"/>
-              <a:lstStyle/>
-              <a:p>
-                <a:pPr algn="ctr"/>
-                <a:r>
-                  <a:rPr lang="fr-FR" sz="3200" dirty="0"/>
-                  <a:t>4</a:t>
-                </a:r>
-              </a:p>
-            </p:txBody>
-          </p:sp>
-          <p:sp>
-            <p:nvSpPr>
-              <p:cNvPr id="25" name="Ellipse 24"/>
-              <p:cNvSpPr/>
-              <p:nvPr/>
-            </p:nvSpPr>
-            <p:spPr>
-              <a:xfrm>
-                <a:off x="10996759" y="3952344"/>
-                <a:ext cx="631812" cy="627563"/>
-              </a:xfrm>
-              <a:prstGeom prst="ellipse">
-                <a:avLst/>
-              </a:prstGeom>
-              <a:solidFill>
-                <a:srgbClr val="FF0000"/>
-              </a:solidFill>
-              <a:ln>
-                <a:solidFill>
-                  <a:srgbClr val="FF0000"/>
-                </a:solidFill>
-              </a:ln>
-            </p:spPr>
-            <p:style>
-              <a:lnRef idx="2">
-                <a:schemeClr val="accent1">
-                  <a:shade val="50000"/>
-                </a:schemeClr>
-              </a:lnRef>
-              <a:fillRef idx="1">
-                <a:schemeClr val="accent1"/>
-              </a:fillRef>
-              <a:effectRef idx="0">
-                <a:schemeClr val="accent1"/>
-              </a:effectRef>
-              <a:fontRef idx="minor">
-                <a:schemeClr val="lt1"/>
-              </a:fontRef>
-            </p:style>
-            <p:txBody>
-              <a:bodyPr rtlCol="0" anchor="ctr"/>
-              <a:lstStyle/>
-              <a:p>
-                <a:pPr algn="ctr"/>
-                <a:r>
-                  <a:rPr lang="fr-FR" sz="3200" dirty="0"/>
-                  <a:t>5</a:t>
-                </a:r>
-              </a:p>
-            </p:txBody>
-          </p:sp>
-          <p:cxnSp>
-            <p:nvCxnSpPr>
-              <p:cNvPr id="26" name="Connecteur droit avec flèche 25"/>
-              <p:cNvCxnSpPr/>
-              <p:nvPr/>
-            </p:nvCxnSpPr>
-            <p:spPr>
-              <a:xfrm>
-                <a:off x="10250314" y="2627012"/>
-                <a:ext cx="262181" cy="427605"/>
-              </a:xfrm>
-              <a:prstGeom prst="straightConnector1">
-                <a:avLst/>
-              </a:prstGeom>
-              <a:ln w="38100">
-                <a:solidFill>
-                  <a:schemeClr val="accent1"/>
-                </a:solidFill>
-                <a:tailEnd type="triangle"/>
-              </a:ln>
-            </p:spPr>
-            <p:style>
-              <a:lnRef idx="1">
-                <a:schemeClr val="dk1"/>
-              </a:lnRef>
-              <a:fillRef idx="0">
-                <a:schemeClr val="dk1"/>
-              </a:fillRef>
-              <a:effectRef idx="0">
-                <a:schemeClr val="dk1"/>
-              </a:effectRef>
-              <a:fontRef idx="minor">
-                <a:schemeClr val="tx1"/>
-              </a:fontRef>
-            </p:style>
-          </p:cxnSp>
-          <p:cxnSp>
-            <p:nvCxnSpPr>
-              <p:cNvPr id="27" name="Connecteur droit avec flèche 26"/>
-              <p:cNvCxnSpPr/>
-              <p:nvPr/>
-            </p:nvCxnSpPr>
-            <p:spPr>
-              <a:xfrm>
-                <a:off x="10863991" y="3598716"/>
-                <a:ext cx="262181" cy="427605"/>
-              </a:xfrm>
-              <a:prstGeom prst="straightConnector1">
-                <a:avLst/>
-              </a:prstGeom>
-              <a:ln w="38100">
-                <a:solidFill>
-                  <a:schemeClr val="accent1"/>
-                </a:solidFill>
-                <a:tailEnd type="triangle"/>
-              </a:ln>
-            </p:spPr>
-            <p:style>
-              <a:lnRef idx="1">
-                <a:schemeClr val="dk1"/>
-              </a:lnRef>
-              <a:fillRef idx="0">
-                <a:schemeClr val="dk1"/>
-              </a:fillRef>
-              <a:effectRef idx="0">
-                <a:schemeClr val="dk1"/>
-              </a:effectRef>
-              <a:fontRef idx="minor">
-                <a:schemeClr val="tx1"/>
-              </a:fontRef>
-            </p:style>
-          </p:cxnSp>
-          <p:cxnSp>
-            <p:nvCxnSpPr>
-              <p:cNvPr id="28" name="Connecteur droit avec flèche 27"/>
-              <p:cNvCxnSpPr/>
-              <p:nvPr/>
-            </p:nvCxnSpPr>
-            <p:spPr>
-              <a:xfrm flipH="1">
-                <a:off x="9595937" y="2627011"/>
-                <a:ext cx="262181" cy="427605"/>
-              </a:xfrm>
-              <a:prstGeom prst="straightConnector1">
-                <a:avLst/>
-              </a:prstGeom>
-              <a:ln w="38100">
-                <a:solidFill>
-                  <a:srgbClr val="FF0000"/>
-                </a:solidFill>
-                <a:tailEnd type="triangle"/>
-              </a:ln>
-            </p:spPr>
-            <p:style>
-              <a:lnRef idx="1">
-                <a:schemeClr val="dk1"/>
-              </a:lnRef>
-              <a:fillRef idx="0">
-                <a:schemeClr val="dk1"/>
-              </a:fillRef>
-              <a:effectRef idx="0">
-                <a:schemeClr val="dk1"/>
-              </a:effectRef>
-              <a:fontRef idx="minor">
-                <a:schemeClr val="tx1"/>
-              </a:fontRef>
-            </p:style>
-          </p:cxnSp>
-          <p:sp>
-            <p:nvSpPr>
-              <p:cNvPr id="29" name="Ellipse 28"/>
-              <p:cNvSpPr/>
-              <p:nvPr/>
-            </p:nvSpPr>
-            <p:spPr>
-              <a:xfrm>
-                <a:off x="9763774" y="3952344"/>
-                <a:ext cx="631812" cy="627563"/>
-              </a:xfrm>
-              <a:prstGeom prst="ellipse">
-                <a:avLst/>
-              </a:prstGeom>
-              <a:solidFill>
-                <a:srgbClr val="FF0000"/>
-              </a:solidFill>
-              <a:ln>
-                <a:solidFill>
-                  <a:srgbClr val="FF0000"/>
-                </a:solidFill>
-              </a:ln>
-            </p:spPr>
-            <p:style>
-              <a:lnRef idx="2">
-                <a:schemeClr val="accent1">
-                  <a:shade val="50000"/>
-                </a:schemeClr>
-              </a:lnRef>
-              <a:fillRef idx="1">
-                <a:schemeClr val="accent1"/>
-              </a:fillRef>
-              <a:effectRef idx="0">
-                <a:schemeClr val="accent1"/>
-              </a:effectRef>
-              <a:fontRef idx="minor">
-                <a:schemeClr val="lt1"/>
-              </a:fontRef>
-            </p:style>
-            <p:txBody>
-              <a:bodyPr rtlCol="0" anchor="ctr"/>
-              <a:lstStyle/>
-              <a:p>
-                <a:pPr algn="ctr"/>
-                <a:r>
-                  <a:rPr lang="fr-FR" sz="3200" dirty="0"/>
-                  <a:t>3</a:t>
-                </a:r>
-              </a:p>
-            </p:txBody>
-          </p:sp>
-          <p:cxnSp>
-            <p:nvCxnSpPr>
-              <p:cNvPr id="32" name="Connecteur droit avec flèche 31"/>
-              <p:cNvCxnSpPr/>
-              <p:nvPr/>
-            </p:nvCxnSpPr>
-            <p:spPr>
-              <a:xfrm flipH="1">
-                <a:off x="10263419" y="3573394"/>
-                <a:ext cx="262181" cy="427605"/>
-              </a:xfrm>
-              <a:prstGeom prst="straightConnector1">
-                <a:avLst/>
-              </a:prstGeom>
-              <a:ln w="38100">
-                <a:solidFill>
-                  <a:srgbClr val="FF0000"/>
-                </a:solidFill>
-                <a:tailEnd type="triangle"/>
-              </a:ln>
-            </p:spPr>
-            <p:style>
-              <a:lnRef idx="1">
-                <a:schemeClr val="dk1"/>
-              </a:lnRef>
-              <a:fillRef idx="0">
-                <a:schemeClr val="dk1"/>
-              </a:fillRef>
-              <a:effectRef idx="0">
-                <a:schemeClr val="dk1"/>
-              </a:effectRef>
-              <a:fontRef idx="minor">
-                <a:schemeClr val="tx1"/>
-              </a:fontRef>
-            </p:style>
-          </p:cxnSp>
-        </p:grpSp>
-        <p:sp>
-          <p:nvSpPr>
-            <p:cNvPr id="20" name="Flèche droite 49"/>
-            <p:cNvSpPr/>
-            <p:nvPr/>
-          </p:nvSpPr>
-          <p:spPr>
-            <a:xfrm>
-              <a:off x="8047965" y="3239589"/>
-              <a:ext cx="730275" cy="393935"/>
-            </a:xfrm>
-            <a:prstGeom prst="rightArrow">
-              <a:avLst/>
-            </a:prstGeom>
-          </p:spPr>
-          <p:style>
-            <a:lnRef idx="2">
-              <a:schemeClr val="accent1">
-                <a:shade val="50000"/>
-              </a:schemeClr>
-            </a:lnRef>
-            <a:fillRef idx="1">
-              <a:schemeClr val="accent1"/>
-            </a:fillRef>
-            <a:effectRef idx="0">
-              <a:schemeClr val="accent1"/>
-            </a:effectRef>
-            <a:fontRef idx="minor">
-              <a:schemeClr val="lt1"/>
-            </a:fontRef>
-          </p:style>
-          <p:txBody>
-            <a:bodyPr rtlCol="0" anchor="ctr"/>
-            <a:lstStyle/>
-            <a:p>
-              <a:pPr algn="ctr"/>
-              <a:endParaRPr lang="fr-FR"/>
             </a:p>
           </p:txBody>
         </p:sp>
         <p:sp>
           <p:nvSpPr>
-            <p:cNvPr id="21" name="Flèche en arc 9"/>
-            <p:cNvSpPr/>
+            <p:cNvPr id="43" name="ZoneTexte 42"/>
+            <p:cNvSpPr txBox="1"/>
             <p:nvPr/>
           </p:nvSpPr>
           <p:spPr>
-            <a:xfrm rot="19194999" flipH="1">
-              <a:off x="6283164" y="2520943"/>
-              <a:ext cx="1416858" cy="1597596"/>
+            <a:xfrm>
+              <a:off x="1623560" y="5541281"/>
+              <a:ext cx="328958" cy="646331"/>
             </a:xfrm>
-            <a:prstGeom prst="circularArrow">
-              <a:avLst>
-                <a:gd name="adj1" fmla="val 1633"/>
-                <a:gd name="adj2" fmla="val 1142319"/>
-                <a:gd name="adj3" fmla="val 20590268"/>
-                <a:gd name="adj4" fmla="val 5656747"/>
-                <a:gd name="adj5" fmla="val 7717"/>
-              </a:avLst>
+            <a:prstGeom prst="rect">
+              <a:avLst/>
             </a:prstGeom>
+            <a:noFill/>
           </p:spPr>
-          <p:style>
-            <a:lnRef idx="2">
-              <a:schemeClr val="accent3">
-                <a:shade val="50000"/>
-              </a:schemeClr>
-            </a:lnRef>
-            <a:fillRef idx="1">
-              <a:schemeClr val="accent3"/>
-            </a:fillRef>
-            <a:effectRef idx="0">
-              <a:schemeClr val="accent3"/>
-            </a:effectRef>
-            <a:fontRef idx="minor">
-              <a:schemeClr val="lt1"/>
-            </a:fontRef>
-          </p:style>
           <p:txBody>
-            <a:bodyPr rtlCol="0" anchor="ctr"/>
+            <a:bodyPr wrap="square" rtlCol="0">
+              <a:spAutoFit/>
+            </a:bodyPr>
             <a:lstStyle/>
             <a:p>
-              <a:pPr algn="ctr"/>
-              <a:endParaRPr lang="fr-FR">
-                <a:solidFill>
-                  <a:schemeClr val="tx1"/>
-                </a:solidFill>
-              </a:endParaRPr>
+              <a:r>
+                <a:rPr lang="en-US" sz="3600" dirty="0"/>
+                <a:t>3</a:t>
+              </a:r>
+            </a:p>
+          </p:txBody>
+        </p:sp>
+        <p:sp>
+          <p:nvSpPr>
+            <p:cNvPr id="44" name="ZoneTexte 43"/>
+            <p:cNvSpPr txBox="1"/>
+            <p:nvPr/>
+          </p:nvSpPr>
+          <p:spPr>
+            <a:xfrm>
+              <a:off x="532460" y="5329709"/>
+              <a:ext cx="328958" cy="646331"/>
+            </a:xfrm>
+            <a:prstGeom prst="rect">
+              <a:avLst/>
+            </a:prstGeom>
+            <a:noFill/>
+          </p:spPr>
+          <p:txBody>
+            <a:bodyPr wrap="square" rtlCol="0">
+              <a:spAutoFit/>
+            </a:bodyPr>
+            <a:lstStyle/>
+            <a:p>
+              <a:r>
+                <a:rPr lang="en-US" sz="3600" dirty="0"/>
+                <a:t>4</a:t>
+              </a:r>
             </a:p>
           </p:txBody>
         </p:sp>
@@ -25449,153 +24921,6 @@
   <p:clrMapOvr>
     <a:masterClrMapping/>
   </p:clrMapOvr>
-  <p:timing>
-    <p:tnLst>
-      <p:par>
-        <p:cTn id="1" dur="indefinite" restart="never" nodeType="tmRoot">
-          <p:childTnLst>
-            <p:seq concurrent="1" nextAc="seek">
-              <p:cTn id="2" dur="indefinite" nodeType="mainSeq">
-                <p:childTnLst>
-                  <p:par>
-                    <p:cTn id="3" fill="hold">
-                      <p:stCondLst>
-                        <p:cond delay="indefinite"/>
-                      </p:stCondLst>
-                      <p:childTnLst>
-                        <p:par>
-                          <p:cTn id="4" fill="hold">
-                            <p:stCondLst>
-                              <p:cond delay="0"/>
-                            </p:stCondLst>
-                            <p:childTnLst>
-                              <p:par>
-                                <p:cTn id="5" presetID="1" presetClass="entr" presetSubtype="0" fill="hold" nodeType="clickEffect">
-                                  <p:stCondLst>
-                                    <p:cond delay="0"/>
-                                  </p:stCondLst>
-                                  <p:childTnLst>
-                                    <p:set>
-                                      <p:cBhvr>
-                                        <p:cTn id="6" dur="1" fill="hold">
-                                          <p:stCondLst>
-                                            <p:cond delay="0"/>
-                                          </p:stCondLst>
-                                        </p:cTn>
-                                        <p:tgtEl>
-                                          <p:spTgt spid="13"/>
-                                        </p:tgtEl>
-                                        <p:attrNameLst>
-                                          <p:attrName>style.visibility</p:attrName>
-                                        </p:attrNameLst>
-                                      </p:cBhvr>
-                                      <p:to>
-                                        <p:strVal val="visible"/>
-                                      </p:to>
-                                    </p:set>
-                                  </p:childTnLst>
-                                </p:cTn>
-                              </p:par>
-                            </p:childTnLst>
-                          </p:cTn>
-                        </p:par>
-                      </p:childTnLst>
-                    </p:cTn>
-                  </p:par>
-                  <p:par>
-                    <p:cTn id="7" fill="hold">
-                      <p:stCondLst>
-                        <p:cond delay="indefinite"/>
-                      </p:stCondLst>
-                      <p:childTnLst>
-                        <p:par>
-                          <p:cTn id="8" fill="hold">
-                            <p:stCondLst>
-                              <p:cond delay="0"/>
-                            </p:stCondLst>
-                            <p:childTnLst>
-                              <p:par>
-                                <p:cTn id="9" presetID="1" presetClass="entr" presetSubtype="0" fill="hold" nodeType="clickEffect">
-                                  <p:stCondLst>
-                                    <p:cond delay="0"/>
-                                  </p:stCondLst>
-                                  <p:childTnLst>
-                                    <p:set>
-                                      <p:cBhvr>
-                                        <p:cTn id="10" dur="1" fill="hold">
-                                          <p:stCondLst>
-                                            <p:cond delay="0"/>
-                                          </p:stCondLst>
-                                        </p:cTn>
-                                        <p:tgtEl>
-                                          <p:spTgt spid="16"/>
-                                        </p:tgtEl>
-                                        <p:attrNameLst>
-                                          <p:attrName>style.visibility</p:attrName>
-                                        </p:attrNameLst>
-                                      </p:cBhvr>
-                                      <p:to>
-                                        <p:strVal val="visible"/>
-                                      </p:to>
-                                    </p:set>
-                                  </p:childTnLst>
-                                </p:cTn>
-                              </p:par>
-                              <p:par>
-                                <p:cTn id="11" presetID="1" presetClass="exit" presetSubtype="0" fill="hold" nodeType="withEffect">
-                                  <p:stCondLst>
-                                    <p:cond delay="0"/>
-                                  </p:stCondLst>
-                                  <p:childTnLst>
-                                    <p:set>
-                                      <p:cBhvr>
-                                        <p:cTn id="12" dur="1" fill="hold">
-                                          <p:stCondLst>
-                                            <p:cond delay="0"/>
-                                          </p:stCondLst>
-                                        </p:cTn>
-                                        <p:tgtEl>
-                                          <p:spTgt spid="13"/>
-                                        </p:tgtEl>
-                                        <p:attrNameLst>
-                                          <p:attrName>style.visibility</p:attrName>
-                                        </p:attrNameLst>
-                                      </p:cBhvr>
-                                      <p:to>
-                                        <p:strVal val="hidden"/>
-                                      </p:to>
-                                    </p:set>
-                                  </p:childTnLst>
-                                </p:cTn>
-                              </p:par>
-                            </p:childTnLst>
-                          </p:cTn>
-                        </p:par>
-                      </p:childTnLst>
-                    </p:cTn>
-                  </p:par>
-                </p:childTnLst>
-              </p:cTn>
-              <p:prevCondLst>
-                <p:cond evt="onPrev" delay="0">
-                  <p:tgtEl>
-                    <p:sldTgt/>
-                  </p:tgtEl>
-                </p:cond>
-              </p:prevCondLst>
-              <p:nextCondLst>
-                <p:cond evt="onNext" delay="0">
-                  <p:tgtEl>
-                    <p:sldTgt/>
-                  </p:tgtEl>
-                </p:cond>
-              </p:nextCondLst>
-            </p:seq>
-          </p:childTnLst>
-        </p:cTn>
-      </p:par>
-    </p:tnLst>
-  </p:timing>
 </p:sld>
 </file>
 
@@ -25907,7 +25232,7 @@
               </a:pPr>
               <a:r>
                 <a:rPr lang="en-US" sz="3200" dirty="0"/>
-                <a:t>Self-balancing</a:t>
+                <a:t>Balancing</a:t>
               </a:r>
             </a:p>
           </p:txBody>
@@ -27645,7 +26970,7 @@
             </a:pPr>
             <a:r>
               <a:rPr lang="en-US" sz="3200" dirty="0"/>
-              <a:t>self balancing</a:t>
+              <a:t>balancing</a:t>
             </a:r>
           </a:p>
         </p:txBody>
@@ -29237,13 +28562,13 @@
           <p:nvPr>
             <p:extLst>
               <p:ext uri="{D42A27DB-BD31-4B8C-83A1-F6EECF244321}">
-                <p14:modId xmlns:p14="http://schemas.microsoft.com/office/powerpoint/2010/main" val="741802275"/>
+                <p14:modId xmlns:p14="http://schemas.microsoft.com/office/powerpoint/2010/main" val="797598836"/>
               </p:ext>
             </p:extLst>
           </p:nvPr>
         </p:nvGraphicFramePr>
         <p:xfrm>
-          <a:off x="1246865" y="2110006"/>
+          <a:off x="3682290" y="4692617"/>
           <a:ext cx="5202582" cy="907523"/>
         </p:xfrm>
         <a:graphic>
@@ -29421,7 +28746,7 @@
         </p:nvSpPr>
         <p:spPr>
           <a:xfrm rot="327104">
-            <a:off x="3524690" y="1524219"/>
+            <a:off x="5960115" y="4106830"/>
             <a:ext cx="1770412" cy="1147639"/>
           </a:xfrm>
           <a:prstGeom prst="circularArrow">
@@ -29476,7 +28801,7 @@
         </p:nvSpPr>
         <p:spPr>
           <a:xfrm flipV="1">
-            <a:off x="5224944" y="2480964"/>
+            <a:off x="7660369" y="5063575"/>
             <a:ext cx="888274" cy="1098426"/>
           </a:xfrm>
           <a:prstGeom prst="circularArrow">
@@ -29531,7 +28856,7 @@
         </p:nvSpPr>
         <p:spPr>
           <a:xfrm rot="327104" flipH="1" flipV="1">
-            <a:off x="2446017" y="2466413"/>
+            <a:off x="4881442" y="5049024"/>
             <a:ext cx="2698024" cy="1147639"/>
           </a:xfrm>
           <a:prstGeom prst="circularArrow">
@@ -29589,7 +28914,7 @@
         </p:nvSpPr>
         <p:spPr>
           <a:xfrm rot="21272896" flipH="1">
-            <a:off x="1559704" y="1524220"/>
+            <a:off x="3995129" y="4106831"/>
             <a:ext cx="1770412" cy="1147639"/>
           </a:xfrm>
           <a:prstGeom prst="circularArrow">
@@ -29827,7 +29152,7 @@
           <a:p>
             <a:r>
               <a:rPr lang="en-US" sz="3200" dirty="0"/>
-              <a:t>No values or colors</a:t>
+              <a:t>No value or color</a:t>
             </a:r>
           </a:p>
           <a:p>
@@ -29838,364 +29163,6 @@
           </a:p>
         </p:txBody>
       </p:sp>
-      <p:grpSp>
-        <p:nvGrpSpPr>
-          <p:cNvPr id="9" name="Groupe 8"/>
-          <p:cNvGrpSpPr/>
-          <p:nvPr/>
-        </p:nvGrpSpPr>
-        <p:grpSpPr>
-          <a:xfrm>
-            <a:off x="8107313" y="3727700"/>
-            <a:ext cx="2857001" cy="2947074"/>
-            <a:chOff x="9096292" y="2059578"/>
-            <a:chExt cx="2532279" cy="2520329"/>
-          </a:xfrm>
-        </p:grpSpPr>
-        <p:sp>
-          <p:nvSpPr>
-            <p:cNvPr id="10" name="Ellipse 9"/>
-            <p:cNvSpPr/>
-            <p:nvPr/>
-          </p:nvSpPr>
-          <p:spPr>
-            <a:xfrm>
-              <a:off x="9729781" y="2059578"/>
-              <a:ext cx="631812" cy="627563"/>
-            </a:xfrm>
-            <a:prstGeom prst="ellipse">
-              <a:avLst/>
-            </a:prstGeom>
-            <a:ln w="28575">
-              <a:solidFill>
-                <a:schemeClr val="tx1"/>
-              </a:solidFill>
-            </a:ln>
-          </p:spPr>
-          <p:style>
-            <a:lnRef idx="2">
-              <a:schemeClr val="dk1"/>
-            </a:lnRef>
-            <a:fillRef idx="1">
-              <a:schemeClr val="lt1"/>
-            </a:fillRef>
-            <a:effectRef idx="0">
-              <a:schemeClr val="dk1"/>
-            </a:effectRef>
-            <a:fontRef idx="minor">
-              <a:schemeClr val="dk1"/>
-            </a:fontRef>
-          </p:style>
-          <p:txBody>
-            <a:bodyPr rtlCol="0" anchor="ctr"/>
-            <a:lstStyle/>
-            <a:p>
-              <a:pPr algn="ctr"/>
-              <a:endParaRPr lang="en-US" sz="2400" dirty="0"/>
-            </a:p>
-          </p:txBody>
-        </p:sp>
-        <p:sp>
-          <p:nvSpPr>
-            <p:cNvPr id="11" name="Ellipse 10"/>
-            <p:cNvSpPr/>
-            <p:nvPr/>
-          </p:nvSpPr>
-          <p:spPr>
-            <a:xfrm>
-              <a:off x="9096292" y="3005961"/>
-              <a:ext cx="631812" cy="627563"/>
-            </a:xfrm>
-            <a:prstGeom prst="ellipse">
-              <a:avLst/>
-            </a:prstGeom>
-            <a:ln w="28575"/>
-          </p:spPr>
-          <p:style>
-            <a:lnRef idx="2">
-              <a:schemeClr val="dk1"/>
-            </a:lnRef>
-            <a:fillRef idx="1">
-              <a:schemeClr val="lt1"/>
-            </a:fillRef>
-            <a:effectRef idx="0">
-              <a:schemeClr val="dk1"/>
-            </a:effectRef>
-            <a:fontRef idx="minor">
-              <a:schemeClr val="dk1"/>
-            </a:fontRef>
-          </p:style>
-          <p:txBody>
-            <a:bodyPr rtlCol="0" anchor="ctr"/>
-            <a:lstStyle/>
-            <a:p>
-              <a:pPr algn="ctr"/>
-              <a:endParaRPr lang="en-US" sz="2400" dirty="0"/>
-            </a:p>
-          </p:txBody>
-        </p:sp>
-        <p:sp>
-          <p:nvSpPr>
-            <p:cNvPr id="12" name="Ellipse 11"/>
-            <p:cNvSpPr/>
-            <p:nvPr/>
-          </p:nvSpPr>
-          <p:spPr>
-            <a:xfrm>
-              <a:off x="10363270" y="3005961"/>
-              <a:ext cx="631812" cy="627563"/>
-            </a:xfrm>
-            <a:prstGeom prst="ellipse">
-              <a:avLst/>
-            </a:prstGeom>
-            <a:ln w="28575"/>
-          </p:spPr>
-          <p:style>
-            <a:lnRef idx="2">
-              <a:schemeClr val="dk1"/>
-            </a:lnRef>
-            <a:fillRef idx="1">
-              <a:schemeClr val="lt1"/>
-            </a:fillRef>
-            <a:effectRef idx="0">
-              <a:schemeClr val="dk1"/>
-            </a:effectRef>
-            <a:fontRef idx="minor">
-              <a:schemeClr val="dk1"/>
-            </a:fontRef>
-          </p:style>
-          <p:txBody>
-            <a:bodyPr rtlCol="0" anchor="ctr"/>
-            <a:lstStyle/>
-            <a:p>
-              <a:pPr algn="ctr"/>
-              <a:endParaRPr lang="en-US" sz="2400" dirty="0"/>
-            </a:p>
-          </p:txBody>
-        </p:sp>
-        <p:sp>
-          <p:nvSpPr>
-            <p:cNvPr id="13" name="Ellipse 12"/>
-            <p:cNvSpPr/>
-            <p:nvPr/>
-          </p:nvSpPr>
-          <p:spPr>
-            <a:xfrm>
-              <a:off x="10996759" y="3952344"/>
-              <a:ext cx="631812" cy="627563"/>
-            </a:xfrm>
-            <a:prstGeom prst="ellipse">
-              <a:avLst/>
-            </a:prstGeom>
-            <a:ln w="28575"/>
-          </p:spPr>
-          <p:style>
-            <a:lnRef idx="2">
-              <a:schemeClr val="dk1"/>
-            </a:lnRef>
-            <a:fillRef idx="1">
-              <a:schemeClr val="lt1"/>
-            </a:fillRef>
-            <a:effectRef idx="0">
-              <a:schemeClr val="dk1"/>
-            </a:effectRef>
-            <a:fontRef idx="minor">
-              <a:schemeClr val="dk1"/>
-            </a:fontRef>
-          </p:style>
-          <p:txBody>
-            <a:bodyPr rtlCol="0" anchor="ctr"/>
-            <a:lstStyle/>
-            <a:p>
-              <a:pPr algn="ctr"/>
-              <a:endParaRPr lang="en-US" sz="2400" dirty="0"/>
-            </a:p>
-          </p:txBody>
-        </p:sp>
-        <p:cxnSp>
-          <p:nvCxnSpPr>
-            <p:cNvPr id="14" name="Connecteur droit avec flèche 13"/>
-            <p:cNvCxnSpPr/>
-            <p:nvPr/>
-          </p:nvCxnSpPr>
-          <p:spPr>
-            <a:xfrm>
-              <a:off x="10250314" y="2627012"/>
-              <a:ext cx="262181" cy="427605"/>
-            </a:xfrm>
-            <a:prstGeom prst="straightConnector1">
-              <a:avLst/>
-            </a:prstGeom>
-            <a:ln w="38100">
-              <a:solidFill>
-                <a:schemeClr val="accent1"/>
-              </a:solidFill>
-              <a:tailEnd type="triangle"/>
-            </a:ln>
-          </p:spPr>
-          <p:style>
-            <a:lnRef idx="1">
-              <a:schemeClr val="dk1"/>
-            </a:lnRef>
-            <a:fillRef idx="0">
-              <a:schemeClr val="dk1"/>
-            </a:fillRef>
-            <a:effectRef idx="0">
-              <a:schemeClr val="dk1"/>
-            </a:effectRef>
-            <a:fontRef idx="minor">
-              <a:schemeClr val="tx1"/>
-            </a:fontRef>
-          </p:style>
-        </p:cxnSp>
-        <p:cxnSp>
-          <p:nvCxnSpPr>
-            <p:cNvPr id="15" name="Connecteur droit avec flèche 14"/>
-            <p:cNvCxnSpPr/>
-            <p:nvPr/>
-          </p:nvCxnSpPr>
-          <p:spPr>
-            <a:xfrm>
-              <a:off x="10863991" y="3598716"/>
-              <a:ext cx="262181" cy="427605"/>
-            </a:xfrm>
-            <a:prstGeom prst="straightConnector1">
-              <a:avLst/>
-            </a:prstGeom>
-            <a:ln w="38100">
-              <a:solidFill>
-                <a:schemeClr val="accent1"/>
-              </a:solidFill>
-              <a:tailEnd type="triangle"/>
-            </a:ln>
-          </p:spPr>
-          <p:style>
-            <a:lnRef idx="1">
-              <a:schemeClr val="dk1"/>
-            </a:lnRef>
-            <a:fillRef idx="0">
-              <a:schemeClr val="dk1"/>
-            </a:fillRef>
-            <a:effectRef idx="0">
-              <a:schemeClr val="dk1"/>
-            </a:effectRef>
-            <a:fontRef idx="minor">
-              <a:schemeClr val="tx1"/>
-            </a:fontRef>
-          </p:style>
-        </p:cxnSp>
-        <p:cxnSp>
-          <p:nvCxnSpPr>
-            <p:cNvPr id="16" name="Connecteur droit avec flèche 15"/>
-            <p:cNvCxnSpPr/>
-            <p:nvPr/>
-          </p:nvCxnSpPr>
-          <p:spPr>
-            <a:xfrm flipH="1">
-              <a:off x="9595937" y="2627011"/>
-              <a:ext cx="262181" cy="427605"/>
-            </a:xfrm>
-            <a:prstGeom prst="straightConnector1">
-              <a:avLst/>
-            </a:prstGeom>
-            <a:ln w="38100">
-              <a:solidFill>
-                <a:srgbClr val="FF0000"/>
-              </a:solidFill>
-              <a:tailEnd type="triangle"/>
-            </a:ln>
-          </p:spPr>
-          <p:style>
-            <a:lnRef idx="1">
-              <a:schemeClr val="dk1"/>
-            </a:lnRef>
-            <a:fillRef idx="0">
-              <a:schemeClr val="dk1"/>
-            </a:fillRef>
-            <a:effectRef idx="0">
-              <a:schemeClr val="dk1"/>
-            </a:effectRef>
-            <a:fontRef idx="minor">
-              <a:schemeClr val="tx1"/>
-            </a:fontRef>
-          </p:style>
-        </p:cxnSp>
-        <p:sp>
-          <p:nvSpPr>
-            <p:cNvPr id="17" name="Ellipse 16"/>
-            <p:cNvSpPr/>
-            <p:nvPr/>
-          </p:nvSpPr>
-          <p:spPr>
-            <a:xfrm>
-              <a:off x="9763774" y="3952344"/>
-              <a:ext cx="631812" cy="627563"/>
-            </a:xfrm>
-            <a:prstGeom prst="ellipse">
-              <a:avLst/>
-            </a:prstGeom>
-            <a:ln w="28575"/>
-          </p:spPr>
-          <p:style>
-            <a:lnRef idx="2">
-              <a:schemeClr val="dk1"/>
-            </a:lnRef>
-            <a:fillRef idx="1">
-              <a:schemeClr val="lt1"/>
-            </a:fillRef>
-            <a:effectRef idx="0">
-              <a:schemeClr val="dk1"/>
-            </a:effectRef>
-            <a:fontRef idx="minor">
-              <a:schemeClr val="dk1"/>
-            </a:fontRef>
-          </p:style>
-          <p:txBody>
-            <a:bodyPr rtlCol="0" anchor="ctr"/>
-            <a:lstStyle/>
-            <a:p>
-              <a:pPr algn="ctr"/>
-              <a:endParaRPr lang="en-US" sz="2400" dirty="0"/>
-            </a:p>
-          </p:txBody>
-        </p:sp>
-        <p:cxnSp>
-          <p:nvCxnSpPr>
-            <p:cNvPr id="18" name="Connecteur droit avec flèche 17"/>
-            <p:cNvCxnSpPr/>
-            <p:nvPr/>
-          </p:nvCxnSpPr>
-          <p:spPr>
-            <a:xfrm flipH="1">
-              <a:off x="10263419" y="3573394"/>
-              <a:ext cx="262181" cy="427605"/>
-            </a:xfrm>
-            <a:prstGeom prst="straightConnector1">
-              <a:avLst/>
-            </a:prstGeom>
-            <a:ln w="38100">
-              <a:solidFill>
-                <a:srgbClr val="FF0000"/>
-              </a:solidFill>
-              <a:tailEnd type="triangle"/>
-            </a:ln>
-          </p:spPr>
-          <p:style>
-            <a:lnRef idx="1">
-              <a:schemeClr val="dk1"/>
-            </a:lnRef>
-            <a:fillRef idx="0">
-              <a:schemeClr val="dk1"/>
-            </a:fillRef>
-            <a:effectRef idx="0">
-              <a:schemeClr val="dk1"/>
-            </a:effectRef>
-            <a:fontRef idx="minor">
-              <a:schemeClr val="tx1"/>
-            </a:fontRef>
-          </p:style>
-        </p:cxnSp>
-      </p:grpSp>
       <p:grpSp>
         <p:nvGrpSpPr>
           <p:cNvPr id="20" name="Groupe 19"/>
@@ -30204,7 +29171,7 @@
         </p:nvGrpSpPr>
         <p:grpSpPr>
           <a:xfrm>
-            <a:off x="3233733" y="2382393"/>
+            <a:off x="5669158" y="4965004"/>
             <a:ext cx="371982" cy="355257"/>
             <a:chOff x="5830615" y="1385726"/>
             <a:chExt cx="371982" cy="355257"/>
@@ -30364,174 +29331,6 @@
           </p:sp>
         </p:grpSp>
       </p:grpSp>
-      <p:grpSp>
-        <p:nvGrpSpPr>
-          <p:cNvPr id="41" name="Groupe 40"/>
-          <p:cNvGrpSpPr/>
-          <p:nvPr/>
-        </p:nvGrpSpPr>
-        <p:grpSpPr>
-          <a:xfrm>
-            <a:off x="8992460" y="3915936"/>
-            <a:ext cx="371982" cy="355257"/>
-            <a:chOff x="5830615" y="1385726"/>
-            <a:chExt cx="371982" cy="355257"/>
-          </a:xfrm>
-        </p:grpSpPr>
-        <p:sp>
-          <p:nvSpPr>
-            <p:cNvPr id="42" name="Ellipse 41"/>
-            <p:cNvSpPr/>
-            <p:nvPr/>
-          </p:nvSpPr>
-          <p:spPr>
-            <a:xfrm>
-              <a:off x="5830615" y="1385726"/>
-              <a:ext cx="371982" cy="355257"/>
-            </a:xfrm>
-            <a:prstGeom prst="ellipse">
-              <a:avLst/>
-            </a:prstGeom>
-          </p:spPr>
-          <p:style>
-            <a:lnRef idx="1">
-              <a:schemeClr val="accent2"/>
-            </a:lnRef>
-            <a:fillRef idx="3">
-              <a:schemeClr val="accent2"/>
-            </a:fillRef>
-            <a:effectRef idx="2">
-              <a:schemeClr val="accent2"/>
-            </a:effectRef>
-            <a:fontRef idx="minor">
-              <a:schemeClr val="lt1"/>
-            </a:fontRef>
-          </p:style>
-          <p:txBody>
-            <a:bodyPr rtlCol="0" anchor="ctr"/>
-            <a:lstStyle/>
-            <a:p>
-              <a:pPr algn="ctr"/>
-              <a:endParaRPr lang="en-US">
-                <a:ln w="0"/>
-                <a:solidFill>
-                  <a:schemeClr val="tx1"/>
-                </a:solidFill>
-                <a:effectLst>
-                  <a:outerShdw blurRad="38100" dist="19050" dir="2700000" algn="tl" rotWithShape="0">
-                    <a:schemeClr val="dk1">
-                      <a:alpha val="40000"/>
-                    </a:schemeClr>
-                  </a:outerShdw>
-                </a:effectLst>
-              </a:endParaRPr>
-            </a:p>
-          </p:txBody>
-        </p:sp>
-        <p:grpSp>
-          <p:nvGrpSpPr>
-            <p:cNvPr id="43" name="Groupe 42"/>
-            <p:cNvGrpSpPr/>
-            <p:nvPr/>
-          </p:nvGrpSpPr>
-          <p:grpSpPr>
-            <a:xfrm>
-              <a:off x="5910825" y="1471491"/>
-              <a:ext cx="211562" cy="215849"/>
-              <a:chOff x="4164368" y="630536"/>
-              <a:chExt cx="641995" cy="641995"/>
-            </a:xfrm>
-          </p:grpSpPr>
-          <p:sp>
-            <p:nvSpPr>
-              <p:cNvPr id="44" name="Rectangle 43"/>
-              <p:cNvSpPr/>
-              <p:nvPr/>
-            </p:nvSpPr>
-            <p:spPr>
-              <a:xfrm>
-                <a:off x="4164368" y="630536"/>
-                <a:ext cx="641995" cy="203182"/>
-              </a:xfrm>
-              <a:prstGeom prst="rect">
-                <a:avLst/>
-              </a:prstGeom>
-              <a:solidFill>
-                <a:schemeClr val="bg1"/>
-              </a:solidFill>
-              <a:ln>
-                <a:noFill/>
-              </a:ln>
-            </p:spPr>
-            <p:style>
-              <a:lnRef idx="3">
-                <a:schemeClr val="lt1"/>
-              </a:lnRef>
-              <a:fillRef idx="1">
-                <a:schemeClr val="dk1"/>
-              </a:fillRef>
-              <a:effectRef idx="1">
-                <a:schemeClr val="dk1"/>
-              </a:effectRef>
-              <a:fontRef idx="minor">
-                <a:schemeClr val="lt1"/>
-              </a:fontRef>
-            </p:style>
-            <p:txBody>
-              <a:bodyPr rtlCol="0" anchor="ctr"/>
-              <a:lstStyle/>
-              <a:p>
-                <a:pPr algn="ctr"/>
-                <a:endParaRPr lang="en-US"/>
-              </a:p>
-            </p:txBody>
-          </p:sp>
-          <p:sp>
-            <p:nvSpPr>
-              <p:cNvPr id="45" name="Rectangle 44"/>
-              <p:cNvSpPr/>
-              <p:nvPr/>
-            </p:nvSpPr>
-            <p:spPr>
-              <a:xfrm rot="5400000">
-                <a:off x="4164368" y="849943"/>
-                <a:ext cx="641995" cy="203182"/>
-              </a:xfrm>
-              <a:prstGeom prst="rect">
-                <a:avLst/>
-              </a:prstGeom>
-              <a:solidFill>
-                <a:schemeClr val="bg1"/>
-              </a:solidFill>
-              <a:ln>
-                <a:noFill/>
-              </a:ln>
-            </p:spPr>
-            <p:style>
-              <a:lnRef idx="3">
-                <a:schemeClr val="lt1"/>
-              </a:lnRef>
-              <a:fillRef idx="1">
-                <a:schemeClr val="dk1"/>
-              </a:fillRef>
-              <a:effectRef idx="1">
-                <a:schemeClr val="dk1"/>
-              </a:effectRef>
-              <a:fontRef idx="minor">
-                <a:schemeClr val="lt1"/>
-              </a:fontRef>
-            </p:style>
-            <p:txBody>
-              <a:bodyPr rtlCol="0" anchor="ctr"/>
-              <a:lstStyle/>
-              <a:p>
-                <a:pPr algn="ctr"/>
-                <a:endParaRPr lang="en-US"/>
-              </a:p>
-            </p:txBody>
-          </p:sp>
-        </p:grpSp>
-      </p:grpSp>
       <p:sp>
         <p:nvSpPr>
           <p:cNvPr id="3" name="Espace réservé de la date 2"/>
@@ -30577,6 +29376,650 @@
           </a:p>
         </p:txBody>
       </p:sp>
+      <p:grpSp>
+        <p:nvGrpSpPr>
+          <p:cNvPr id="5" name="Groupe 4"/>
+          <p:cNvGrpSpPr/>
+          <p:nvPr/>
+        </p:nvGrpSpPr>
+        <p:grpSpPr>
+          <a:xfrm>
+            <a:off x="2112900" y="1590353"/>
+            <a:ext cx="4094685" cy="2004585"/>
+            <a:chOff x="5826977" y="3601944"/>
+            <a:chExt cx="5320600" cy="2540376"/>
+          </a:xfrm>
+        </p:grpSpPr>
+        <p:sp>
+          <p:nvSpPr>
+            <p:cNvPr id="38" name="Ellipse 37"/>
+            <p:cNvSpPr/>
+            <p:nvPr/>
+          </p:nvSpPr>
+          <p:spPr>
+            <a:xfrm>
+              <a:off x="8042157" y="4439096"/>
+              <a:ext cx="1080277" cy="1059759"/>
+            </a:xfrm>
+            <a:prstGeom prst="ellipse">
+              <a:avLst/>
+            </a:prstGeom>
+            <a:ln w="38100"/>
+          </p:spPr>
+          <p:style>
+            <a:lnRef idx="2">
+              <a:schemeClr val="dk1"/>
+            </a:lnRef>
+            <a:fillRef idx="1">
+              <a:schemeClr val="lt1"/>
+            </a:fillRef>
+            <a:effectRef idx="0">
+              <a:schemeClr val="dk1"/>
+            </a:effectRef>
+            <a:fontRef idx="minor">
+              <a:schemeClr val="dk1"/>
+            </a:fontRef>
+          </p:style>
+          <p:txBody>
+            <a:bodyPr rtlCol="0" anchor="ctr"/>
+            <a:lstStyle>
+              <a:defPPr>
+                <a:defRPr lang="fr-FR"/>
+              </a:defPPr>
+              <a:lvl1pPr marL="0" algn="l" defTabSz="914400" rtl="0" eaLnBrk="1" latinLnBrk="0" hangingPunct="1">
+                <a:defRPr sz="1800" kern="1200">
+                  <a:solidFill>
+                    <a:schemeClr val="lt1"/>
+                  </a:solidFill>
+                  <a:latin typeface="+mn-lt"/>
+                  <a:ea typeface="+mn-ea"/>
+                  <a:cs typeface="+mn-cs"/>
+                </a:defRPr>
+              </a:lvl1pPr>
+              <a:lvl2pPr marL="457200" algn="l" defTabSz="914400" rtl="0" eaLnBrk="1" latinLnBrk="0" hangingPunct="1">
+                <a:defRPr sz="1800" kern="1200">
+                  <a:solidFill>
+                    <a:schemeClr val="lt1"/>
+                  </a:solidFill>
+                  <a:latin typeface="+mn-lt"/>
+                  <a:ea typeface="+mn-ea"/>
+                  <a:cs typeface="+mn-cs"/>
+                </a:defRPr>
+              </a:lvl2pPr>
+              <a:lvl3pPr marL="914400" algn="l" defTabSz="914400" rtl="0" eaLnBrk="1" latinLnBrk="0" hangingPunct="1">
+                <a:defRPr sz="1800" kern="1200">
+                  <a:solidFill>
+                    <a:schemeClr val="lt1"/>
+                  </a:solidFill>
+                  <a:latin typeface="+mn-lt"/>
+                  <a:ea typeface="+mn-ea"/>
+                  <a:cs typeface="+mn-cs"/>
+                </a:defRPr>
+              </a:lvl3pPr>
+              <a:lvl4pPr marL="1371600" algn="l" defTabSz="914400" rtl="0" eaLnBrk="1" latinLnBrk="0" hangingPunct="1">
+                <a:defRPr sz="1800" kern="1200">
+                  <a:solidFill>
+                    <a:schemeClr val="lt1"/>
+                  </a:solidFill>
+                  <a:latin typeface="+mn-lt"/>
+                  <a:ea typeface="+mn-ea"/>
+                  <a:cs typeface="+mn-cs"/>
+                </a:defRPr>
+              </a:lvl4pPr>
+              <a:lvl5pPr marL="1828800" algn="l" defTabSz="914400" rtl="0" eaLnBrk="1" latinLnBrk="0" hangingPunct="1">
+                <a:defRPr sz="1800" kern="1200">
+                  <a:solidFill>
+                    <a:schemeClr val="lt1"/>
+                  </a:solidFill>
+                  <a:latin typeface="+mn-lt"/>
+                  <a:ea typeface="+mn-ea"/>
+                  <a:cs typeface="+mn-cs"/>
+                </a:defRPr>
+              </a:lvl5pPr>
+              <a:lvl6pPr marL="2286000" algn="l" defTabSz="914400" rtl="0" eaLnBrk="1" latinLnBrk="0" hangingPunct="1">
+                <a:defRPr sz="1800" kern="1200">
+                  <a:solidFill>
+                    <a:schemeClr val="lt1"/>
+                  </a:solidFill>
+                  <a:latin typeface="+mn-lt"/>
+                  <a:ea typeface="+mn-ea"/>
+                  <a:cs typeface="+mn-cs"/>
+                </a:defRPr>
+              </a:lvl6pPr>
+              <a:lvl7pPr marL="2743200" algn="l" defTabSz="914400" rtl="0" eaLnBrk="1" latinLnBrk="0" hangingPunct="1">
+                <a:defRPr sz="1800" kern="1200">
+                  <a:solidFill>
+                    <a:schemeClr val="lt1"/>
+                  </a:solidFill>
+                  <a:latin typeface="+mn-lt"/>
+                  <a:ea typeface="+mn-ea"/>
+                  <a:cs typeface="+mn-cs"/>
+                </a:defRPr>
+              </a:lvl7pPr>
+              <a:lvl8pPr marL="3200400" algn="l" defTabSz="914400" rtl="0" eaLnBrk="1" latinLnBrk="0" hangingPunct="1">
+                <a:defRPr sz="1800" kern="1200">
+                  <a:solidFill>
+                    <a:schemeClr val="lt1"/>
+                  </a:solidFill>
+                  <a:latin typeface="+mn-lt"/>
+                  <a:ea typeface="+mn-ea"/>
+                  <a:cs typeface="+mn-cs"/>
+                </a:defRPr>
+              </a:lvl8pPr>
+              <a:lvl9pPr marL="3657600" algn="l" defTabSz="914400" rtl="0" eaLnBrk="1" latinLnBrk="0" hangingPunct="1">
+                <a:defRPr sz="1800" kern="1200">
+                  <a:solidFill>
+                    <a:schemeClr val="lt1"/>
+                  </a:solidFill>
+                  <a:latin typeface="+mn-lt"/>
+                  <a:ea typeface="+mn-ea"/>
+                  <a:cs typeface="+mn-cs"/>
+                </a:defRPr>
+              </a:lvl9pPr>
+            </a:lstStyle>
+            <a:p>
+              <a:pPr algn="ctr"/>
+              <a:r>
+                <a:rPr lang="fr-FR" sz="4800" dirty="0"/>
+                <a:t>4</a:t>
+              </a:r>
+            </a:p>
+          </p:txBody>
+        </p:sp>
+        <p:cxnSp>
+          <p:nvCxnSpPr>
+            <p:cNvPr id="39" name="Connecteur droit avec flèche 38"/>
+            <p:cNvCxnSpPr/>
+            <p:nvPr/>
+          </p:nvCxnSpPr>
+          <p:spPr>
+            <a:xfrm flipH="1" flipV="1">
+              <a:off x="7849024" y="3799169"/>
+              <a:ext cx="448279" cy="722092"/>
+            </a:xfrm>
+            <a:prstGeom prst="straightConnector1">
+              <a:avLst/>
+            </a:prstGeom>
+            <a:ln w="38100">
+              <a:solidFill>
+                <a:schemeClr val="tx1"/>
+              </a:solidFill>
+              <a:tailEnd type="triangle"/>
+            </a:ln>
+          </p:spPr>
+          <p:style>
+            <a:lnRef idx="1">
+              <a:schemeClr val="dk1"/>
+            </a:lnRef>
+            <a:fillRef idx="0">
+              <a:schemeClr val="dk1"/>
+            </a:fillRef>
+            <a:effectRef idx="0">
+              <a:schemeClr val="dk1"/>
+            </a:effectRef>
+            <a:fontRef idx="minor">
+              <a:schemeClr val="tx1"/>
+            </a:fontRef>
+          </p:style>
+        </p:cxnSp>
+        <p:cxnSp>
+          <p:nvCxnSpPr>
+            <p:cNvPr id="40" name="Connecteur droit avec flèche 39"/>
+            <p:cNvCxnSpPr/>
+            <p:nvPr/>
+          </p:nvCxnSpPr>
+          <p:spPr>
+            <a:xfrm>
+              <a:off x="8883821" y="5420228"/>
+              <a:ext cx="448279" cy="722092"/>
+            </a:xfrm>
+            <a:prstGeom prst="straightConnector1">
+              <a:avLst/>
+            </a:prstGeom>
+            <a:ln w="38100">
+              <a:solidFill>
+                <a:schemeClr val="accent1"/>
+              </a:solidFill>
+              <a:tailEnd type="triangle"/>
+            </a:ln>
+          </p:spPr>
+          <p:style>
+            <a:lnRef idx="1">
+              <a:schemeClr val="dk1"/>
+            </a:lnRef>
+            <a:fillRef idx="0">
+              <a:schemeClr val="dk1"/>
+            </a:fillRef>
+            <a:effectRef idx="0">
+              <a:schemeClr val="dk1"/>
+            </a:effectRef>
+            <a:fontRef idx="minor">
+              <a:schemeClr val="tx1"/>
+            </a:fontRef>
+          </p:style>
+        </p:cxnSp>
+        <p:cxnSp>
+          <p:nvCxnSpPr>
+            <p:cNvPr id="46" name="Connecteur droit avec flèche 45"/>
+            <p:cNvCxnSpPr/>
+            <p:nvPr/>
+          </p:nvCxnSpPr>
+          <p:spPr>
+            <a:xfrm flipH="1">
+              <a:off x="7871431" y="5397315"/>
+              <a:ext cx="448279" cy="722092"/>
+            </a:xfrm>
+            <a:prstGeom prst="straightConnector1">
+              <a:avLst/>
+            </a:prstGeom>
+            <a:ln w="38100">
+              <a:solidFill>
+                <a:srgbClr val="FF0000"/>
+              </a:solidFill>
+              <a:tailEnd type="triangle"/>
+            </a:ln>
+          </p:spPr>
+          <p:style>
+            <a:lnRef idx="1">
+              <a:schemeClr val="dk1"/>
+            </a:lnRef>
+            <a:fillRef idx="0">
+              <a:schemeClr val="dk1"/>
+            </a:fillRef>
+            <a:effectRef idx="0">
+              <a:schemeClr val="dk1"/>
+            </a:effectRef>
+            <a:fontRef idx="minor">
+              <a:schemeClr val="tx1"/>
+            </a:fontRef>
+          </p:style>
+        </p:cxnSp>
+        <p:sp>
+          <p:nvSpPr>
+            <p:cNvPr id="47" name="ZoneTexte 8"/>
+            <p:cNvSpPr txBox="1"/>
+            <p:nvPr/>
+          </p:nvSpPr>
+          <p:spPr>
+            <a:xfrm>
+              <a:off x="8477641" y="3601944"/>
+              <a:ext cx="1289584" cy="584775"/>
+            </a:xfrm>
+            <a:prstGeom prst="rect">
+              <a:avLst/>
+            </a:prstGeom>
+            <a:noFill/>
+          </p:spPr>
+          <p:txBody>
+            <a:bodyPr wrap="none" rtlCol="0">
+              <a:spAutoFit/>
+            </a:bodyPr>
+            <a:lstStyle>
+              <a:defPPr>
+                <a:defRPr lang="fr-FR"/>
+              </a:defPPr>
+              <a:lvl1pPr marL="0" algn="l" defTabSz="914400" rtl="0" eaLnBrk="1" latinLnBrk="0" hangingPunct="1">
+                <a:defRPr sz="1800" kern="1200">
+                  <a:solidFill>
+                    <a:schemeClr val="tx1"/>
+                  </a:solidFill>
+                  <a:latin typeface="+mn-lt"/>
+                  <a:ea typeface="+mn-ea"/>
+                  <a:cs typeface="+mn-cs"/>
+                </a:defRPr>
+              </a:lvl1pPr>
+              <a:lvl2pPr marL="457200" algn="l" defTabSz="914400" rtl="0" eaLnBrk="1" latinLnBrk="0" hangingPunct="1">
+                <a:defRPr sz="1800" kern="1200">
+                  <a:solidFill>
+                    <a:schemeClr val="tx1"/>
+                  </a:solidFill>
+                  <a:latin typeface="+mn-lt"/>
+                  <a:ea typeface="+mn-ea"/>
+                  <a:cs typeface="+mn-cs"/>
+                </a:defRPr>
+              </a:lvl2pPr>
+              <a:lvl3pPr marL="914400" algn="l" defTabSz="914400" rtl="0" eaLnBrk="1" latinLnBrk="0" hangingPunct="1">
+                <a:defRPr sz="1800" kern="1200">
+                  <a:solidFill>
+                    <a:schemeClr val="tx1"/>
+                  </a:solidFill>
+                  <a:latin typeface="+mn-lt"/>
+                  <a:ea typeface="+mn-ea"/>
+                  <a:cs typeface="+mn-cs"/>
+                </a:defRPr>
+              </a:lvl3pPr>
+              <a:lvl4pPr marL="1371600" algn="l" defTabSz="914400" rtl="0" eaLnBrk="1" latinLnBrk="0" hangingPunct="1">
+                <a:defRPr sz="1800" kern="1200">
+                  <a:solidFill>
+                    <a:schemeClr val="tx1"/>
+                  </a:solidFill>
+                  <a:latin typeface="+mn-lt"/>
+                  <a:ea typeface="+mn-ea"/>
+                  <a:cs typeface="+mn-cs"/>
+                </a:defRPr>
+              </a:lvl4pPr>
+              <a:lvl5pPr marL="1828800" algn="l" defTabSz="914400" rtl="0" eaLnBrk="1" latinLnBrk="0" hangingPunct="1">
+                <a:defRPr sz="1800" kern="1200">
+                  <a:solidFill>
+                    <a:schemeClr val="tx1"/>
+                  </a:solidFill>
+                  <a:latin typeface="+mn-lt"/>
+                  <a:ea typeface="+mn-ea"/>
+                  <a:cs typeface="+mn-cs"/>
+                </a:defRPr>
+              </a:lvl5pPr>
+              <a:lvl6pPr marL="2286000" algn="l" defTabSz="914400" rtl="0" eaLnBrk="1" latinLnBrk="0" hangingPunct="1">
+                <a:defRPr sz="1800" kern="1200">
+                  <a:solidFill>
+                    <a:schemeClr val="tx1"/>
+                  </a:solidFill>
+                  <a:latin typeface="+mn-lt"/>
+                  <a:ea typeface="+mn-ea"/>
+                  <a:cs typeface="+mn-cs"/>
+                </a:defRPr>
+              </a:lvl6pPr>
+              <a:lvl7pPr marL="2743200" algn="l" defTabSz="914400" rtl="0" eaLnBrk="1" latinLnBrk="0" hangingPunct="1">
+                <a:defRPr sz="1800" kern="1200">
+                  <a:solidFill>
+                    <a:schemeClr val="tx1"/>
+                  </a:solidFill>
+                  <a:latin typeface="+mn-lt"/>
+                  <a:ea typeface="+mn-ea"/>
+                  <a:cs typeface="+mn-cs"/>
+                </a:defRPr>
+              </a:lvl7pPr>
+              <a:lvl8pPr marL="3200400" algn="l" defTabSz="914400" rtl="0" eaLnBrk="1" latinLnBrk="0" hangingPunct="1">
+                <a:defRPr sz="1800" kern="1200">
+                  <a:solidFill>
+                    <a:schemeClr val="tx1"/>
+                  </a:solidFill>
+                  <a:latin typeface="+mn-lt"/>
+                  <a:ea typeface="+mn-ea"/>
+                  <a:cs typeface="+mn-cs"/>
+                </a:defRPr>
+              </a:lvl8pPr>
+              <a:lvl9pPr marL="3657600" algn="l" defTabSz="914400" rtl="0" eaLnBrk="1" latinLnBrk="0" hangingPunct="1">
+                <a:defRPr sz="1800" kern="1200">
+                  <a:solidFill>
+                    <a:schemeClr val="tx1"/>
+                  </a:solidFill>
+                  <a:latin typeface="+mn-lt"/>
+                  <a:ea typeface="+mn-ea"/>
+                  <a:cs typeface="+mn-cs"/>
+                </a:defRPr>
+              </a:lvl9pPr>
+            </a:lstStyle>
+            <a:p>
+              <a:r>
+                <a:rPr lang="fr-FR" sz="3200" dirty="0"/>
+                <a:t>parent</a:t>
+              </a:r>
+            </a:p>
+          </p:txBody>
+        </p:sp>
+        <p:sp>
+          <p:nvSpPr>
+            <p:cNvPr id="48" name="ZoneTexte 13"/>
+            <p:cNvSpPr txBox="1"/>
+            <p:nvPr/>
+          </p:nvSpPr>
+          <p:spPr>
+            <a:xfrm>
+              <a:off x="9293159" y="5196499"/>
+              <a:ext cx="1854418" cy="584775"/>
+            </a:xfrm>
+            <a:prstGeom prst="rect">
+              <a:avLst/>
+            </a:prstGeom>
+            <a:noFill/>
+          </p:spPr>
+          <p:txBody>
+            <a:bodyPr wrap="none" rtlCol="0">
+              <a:spAutoFit/>
+            </a:bodyPr>
+            <a:lstStyle>
+              <a:defPPr>
+                <a:defRPr lang="fr-FR"/>
+              </a:defPPr>
+              <a:lvl1pPr marL="0" algn="l" defTabSz="914400" rtl="0" eaLnBrk="1" latinLnBrk="0" hangingPunct="1">
+                <a:defRPr sz="1800" kern="1200">
+                  <a:solidFill>
+                    <a:schemeClr val="tx1"/>
+                  </a:solidFill>
+                  <a:latin typeface="+mn-lt"/>
+                  <a:ea typeface="+mn-ea"/>
+                  <a:cs typeface="+mn-cs"/>
+                </a:defRPr>
+              </a:lvl1pPr>
+              <a:lvl2pPr marL="457200" algn="l" defTabSz="914400" rtl="0" eaLnBrk="1" latinLnBrk="0" hangingPunct="1">
+                <a:defRPr sz="1800" kern="1200">
+                  <a:solidFill>
+                    <a:schemeClr val="tx1"/>
+                  </a:solidFill>
+                  <a:latin typeface="+mn-lt"/>
+                  <a:ea typeface="+mn-ea"/>
+                  <a:cs typeface="+mn-cs"/>
+                </a:defRPr>
+              </a:lvl2pPr>
+              <a:lvl3pPr marL="914400" algn="l" defTabSz="914400" rtl="0" eaLnBrk="1" latinLnBrk="0" hangingPunct="1">
+                <a:defRPr sz="1800" kern="1200">
+                  <a:solidFill>
+                    <a:schemeClr val="tx1"/>
+                  </a:solidFill>
+                  <a:latin typeface="+mn-lt"/>
+                  <a:ea typeface="+mn-ea"/>
+                  <a:cs typeface="+mn-cs"/>
+                </a:defRPr>
+              </a:lvl3pPr>
+              <a:lvl4pPr marL="1371600" algn="l" defTabSz="914400" rtl="0" eaLnBrk="1" latinLnBrk="0" hangingPunct="1">
+                <a:defRPr sz="1800" kern="1200">
+                  <a:solidFill>
+                    <a:schemeClr val="tx1"/>
+                  </a:solidFill>
+                  <a:latin typeface="+mn-lt"/>
+                  <a:ea typeface="+mn-ea"/>
+                  <a:cs typeface="+mn-cs"/>
+                </a:defRPr>
+              </a:lvl4pPr>
+              <a:lvl5pPr marL="1828800" algn="l" defTabSz="914400" rtl="0" eaLnBrk="1" latinLnBrk="0" hangingPunct="1">
+                <a:defRPr sz="1800" kern="1200">
+                  <a:solidFill>
+                    <a:schemeClr val="tx1"/>
+                  </a:solidFill>
+                  <a:latin typeface="+mn-lt"/>
+                  <a:ea typeface="+mn-ea"/>
+                  <a:cs typeface="+mn-cs"/>
+                </a:defRPr>
+              </a:lvl5pPr>
+              <a:lvl6pPr marL="2286000" algn="l" defTabSz="914400" rtl="0" eaLnBrk="1" latinLnBrk="0" hangingPunct="1">
+                <a:defRPr sz="1800" kern="1200">
+                  <a:solidFill>
+                    <a:schemeClr val="tx1"/>
+                  </a:solidFill>
+                  <a:latin typeface="+mn-lt"/>
+                  <a:ea typeface="+mn-ea"/>
+                  <a:cs typeface="+mn-cs"/>
+                </a:defRPr>
+              </a:lvl6pPr>
+              <a:lvl7pPr marL="2743200" algn="l" defTabSz="914400" rtl="0" eaLnBrk="1" latinLnBrk="0" hangingPunct="1">
+                <a:defRPr sz="1800" kern="1200">
+                  <a:solidFill>
+                    <a:schemeClr val="tx1"/>
+                  </a:solidFill>
+                  <a:latin typeface="+mn-lt"/>
+                  <a:ea typeface="+mn-ea"/>
+                  <a:cs typeface="+mn-cs"/>
+                </a:defRPr>
+              </a:lvl7pPr>
+              <a:lvl8pPr marL="3200400" algn="l" defTabSz="914400" rtl="0" eaLnBrk="1" latinLnBrk="0" hangingPunct="1">
+                <a:defRPr sz="1800" kern="1200">
+                  <a:solidFill>
+                    <a:schemeClr val="tx1"/>
+                  </a:solidFill>
+                  <a:latin typeface="+mn-lt"/>
+                  <a:ea typeface="+mn-ea"/>
+                  <a:cs typeface="+mn-cs"/>
+                </a:defRPr>
+              </a:lvl8pPr>
+              <a:lvl9pPr marL="3657600" algn="l" defTabSz="914400" rtl="0" eaLnBrk="1" latinLnBrk="0" hangingPunct="1">
+                <a:defRPr sz="1800" kern="1200">
+                  <a:solidFill>
+                    <a:schemeClr val="tx1"/>
+                  </a:solidFill>
+                  <a:latin typeface="+mn-lt"/>
+                  <a:ea typeface="+mn-ea"/>
+                  <a:cs typeface="+mn-cs"/>
+                </a:defRPr>
+              </a:lvl9pPr>
+            </a:lstStyle>
+            <a:p>
+              <a:r>
+                <a:rPr lang="fr-FR" sz="3200" dirty="0">
+                  <a:solidFill>
+                    <a:schemeClr val="accent1"/>
+                  </a:solidFill>
+                </a:rPr>
+                <a:t>right </a:t>
+              </a:r>
+              <a:r>
+                <a:rPr lang="en-US" sz="3200" dirty="0">
+                  <a:solidFill>
+                    <a:schemeClr val="accent1"/>
+                  </a:solidFill>
+                </a:rPr>
+                <a:t>child</a:t>
+              </a:r>
+            </a:p>
+          </p:txBody>
+        </p:sp>
+        <p:sp>
+          <p:nvSpPr>
+            <p:cNvPr id="49" name="ZoneTexte 14"/>
+            <p:cNvSpPr txBox="1"/>
+            <p:nvPr/>
+          </p:nvSpPr>
+          <p:spPr>
+            <a:xfrm>
+              <a:off x="5826977" y="5196499"/>
+              <a:ext cx="1630190" cy="584775"/>
+            </a:xfrm>
+            <a:prstGeom prst="rect">
+              <a:avLst/>
+            </a:prstGeom>
+            <a:noFill/>
+          </p:spPr>
+          <p:txBody>
+            <a:bodyPr wrap="none" rtlCol="0">
+              <a:spAutoFit/>
+            </a:bodyPr>
+            <a:lstStyle>
+              <a:defPPr>
+                <a:defRPr lang="fr-FR"/>
+              </a:defPPr>
+              <a:lvl1pPr marL="0" algn="l" defTabSz="914400" rtl="0" eaLnBrk="1" latinLnBrk="0" hangingPunct="1">
+                <a:defRPr sz="1800" kern="1200">
+                  <a:solidFill>
+                    <a:schemeClr val="tx1"/>
+                  </a:solidFill>
+                  <a:latin typeface="+mn-lt"/>
+                  <a:ea typeface="+mn-ea"/>
+                  <a:cs typeface="+mn-cs"/>
+                </a:defRPr>
+              </a:lvl1pPr>
+              <a:lvl2pPr marL="457200" algn="l" defTabSz="914400" rtl="0" eaLnBrk="1" latinLnBrk="0" hangingPunct="1">
+                <a:defRPr sz="1800" kern="1200">
+                  <a:solidFill>
+                    <a:schemeClr val="tx1"/>
+                  </a:solidFill>
+                  <a:latin typeface="+mn-lt"/>
+                  <a:ea typeface="+mn-ea"/>
+                  <a:cs typeface="+mn-cs"/>
+                </a:defRPr>
+              </a:lvl2pPr>
+              <a:lvl3pPr marL="914400" algn="l" defTabSz="914400" rtl="0" eaLnBrk="1" latinLnBrk="0" hangingPunct="1">
+                <a:defRPr sz="1800" kern="1200">
+                  <a:solidFill>
+                    <a:schemeClr val="tx1"/>
+                  </a:solidFill>
+                  <a:latin typeface="+mn-lt"/>
+                  <a:ea typeface="+mn-ea"/>
+                  <a:cs typeface="+mn-cs"/>
+                </a:defRPr>
+              </a:lvl3pPr>
+              <a:lvl4pPr marL="1371600" algn="l" defTabSz="914400" rtl="0" eaLnBrk="1" latinLnBrk="0" hangingPunct="1">
+                <a:defRPr sz="1800" kern="1200">
+                  <a:solidFill>
+                    <a:schemeClr val="tx1"/>
+                  </a:solidFill>
+                  <a:latin typeface="+mn-lt"/>
+                  <a:ea typeface="+mn-ea"/>
+                  <a:cs typeface="+mn-cs"/>
+                </a:defRPr>
+              </a:lvl4pPr>
+              <a:lvl5pPr marL="1828800" algn="l" defTabSz="914400" rtl="0" eaLnBrk="1" latinLnBrk="0" hangingPunct="1">
+                <a:defRPr sz="1800" kern="1200">
+                  <a:solidFill>
+                    <a:schemeClr val="tx1"/>
+                  </a:solidFill>
+                  <a:latin typeface="+mn-lt"/>
+                  <a:ea typeface="+mn-ea"/>
+                  <a:cs typeface="+mn-cs"/>
+                </a:defRPr>
+              </a:lvl5pPr>
+              <a:lvl6pPr marL="2286000" algn="l" defTabSz="914400" rtl="0" eaLnBrk="1" latinLnBrk="0" hangingPunct="1">
+                <a:defRPr sz="1800" kern="1200">
+                  <a:solidFill>
+                    <a:schemeClr val="tx1"/>
+                  </a:solidFill>
+                  <a:latin typeface="+mn-lt"/>
+                  <a:ea typeface="+mn-ea"/>
+                  <a:cs typeface="+mn-cs"/>
+                </a:defRPr>
+              </a:lvl6pPr>
+              <a:lvl7pPr marL="2743200" algn="l" defTabSz="914400" rtl="0" eaLnBrk="1" latinLnBrk="0" hangingPunct="1">
+                <a:defRPr sz="1800" kern="1200">
+                  <a:solidFill>
+                    <a:schemeClr val="tx1"/>
+                  </a:solidFill>
+                  <a:latin typeface="+mn-lt"/>
+                  <a:ea typeface="+mn-ea"/>
+                  <a:cs typeface="+mn-cs"/>
+                </a:defRPr>
+              </a:lvl7pPr>
+              <a:lvl8pPr marL="3200400" algn="l" defTabSz="914400" rtl="0" eaLnBrk="1" latinLnBrk="0" hangingPunct="1">
+                <a:defRPr sz="1800" kern="1200">
+                  <a:solidFill>
+                    <a:schemeClr val="tx1"/>
+                  </a:solidFill>
+                  <a:latin typeface="+mn-lt"/>
+                  <a:ea typeface="+mn-ea"/>
+                  <a:cs typeface="+mn-cs"/>
+                </a:defRPr>
+              </a:lvl8pPr>
+              <a:lvl9pPr marL="3657600" algn="l" defTabSz="914400" rtl="0" eaLnBrk="1" latinLnBrk="0" hangingPunct="1">
+                <a:defRPr sz="1800" kern="1200">
+                  <a:solidFill>
+                    <a:schemeClr val="tx1"/>
+                  </a:solidFill>
+                  <a:latin typeface="+mn-lt"/>
+                  <a:ea typeface="+mn-ea"/>
+                  <a:cs typeface="+mn-cs"/>
+                </a:defRPr>
+              </a:lvl9pPr>
+            </a:lstStyle>
+            <a:p>
+              <a:r>
+                <a:rPr lang="en-US" sz="3200" dirty="0">
+                  <a:solidFill>
+                    <a:srgbClr val="FF0000"/>
+                  </a:solidFill>
+                </a:rPr>
+                <a:t>left child</a:t>
+              </a:r>
+            </a:p>
+          </p:txBody>
+        </p:sp>
+      </p:grpSp>
     </p:spTree>
     <p:extLst>
       <p:ext uri="{BB962C8B-B14F-4D97-AF65-F5344CB8AC3E}">
@@ -30821,17 +30264,16 @@
             </a:r>
           </a:p>
           <a:p>
+            <a:r>
+              <a:rPr lang="en-US" sz="3200" dirty="0"/>
+              <a:t>Implemented as a type invariant</a:t>
+            </a:r>
+          </a:p>
+          <a:p>
             <a:pPr lvl="1"/>
             <a:r>
               <a:rPr lang="en-US" sz="2800" dirty="0"/>
-              <a:t>Parent – child links are consistent</a:t>
-            </a:r>
-          </a:p>
-          <a:p>
-            <a:pPr lvl="1"/>
-            <a:r>
-              <a:rPr lang="en-US" sz="2800" dirty="0"/>
-              <a:t>Roots have no parents</a:t>
+              <a:t>Should hold outside of the type immediate scope</a:t>
             </a:r>
           </a:p>
         </p:txBody>

--- a/slides/NFM_2017/NFM_2017.pptx
+++ b/slides/NFM_2017/NFM_2017.pptx
@@ -1171,7 +1171,7 @@
           <a:p>
             <a:fld id="{3862069E-068B-4607-B7F1-F057000853A5}" type="datetimeFigureOut">
               <a:rPr lang="en-US" smtClean="0"/>
-              <a:t>5/11/2017</a:t>
+              <a:t>5/12/2017</a:t>
             </a:fld>
             <a:endParaRPr lang="en-US"/>
           </a:p>
@@ -1617,6 +1617,101 @@
     <p:extLst>
       <p:ext uri="{BB962C8B-B14F-4D97-AF65-F5344CB8AC3E}">
         <p14:creationId xmlns:p14="http://schemas.microsoft.com/office/powerpoint/2010/main" val="1809617866"/>
+      </p:ext>
+    </p:extLst>
+  </p:cSld>
+  <p:clrMapOvr>
+    <a:masterClrMapping/>
+  </p:clrMapOvr>
+</p:notes>
+</file>
+
+<file path=ppt/notesSlides/notesSlide3.xml><?xml version="1.0" encoding="utf-8"?>
+<p:notes xmlns:a="http://schemas.openxmlformats.org/drawingml/2006/main" xmlns:r="http://schemas.openxmlformats.org/officeDocument/2006/relationships" xmlns:p="http://schemas.openxmlformats.org/presentationml/2006/main">
+  <p:cSld>
+    <p:spTree>
+      <p:nvGrpSpPr>
+        <p:cNvPr id="1" name=""/>
+        <p:cNvGrpSpPr/>
+        <p:nvPr/>
+      </p:nvGrpSpPr>
+      <p:grpSpPr>
+        <a:xfrm>
+          <a:off x="0" y="0"/>
+          <a:ext cx="0" cy="0"/>
+          <a:chOff x="0" y="0"/>
+          <a:chExt cx="0" cy="0"/>
+        </a:xfrm>
+      </p:grpSpPr>
+      <p:sp>
+        <p:nvSpPr>
+          <p:cNvPr id="2" name="Espace réservé de l'image des diapositives 1"/>
+          <p:cNvSpPr>
+            <a:spLocks noGrp="1" noRot="1" noChangeAspect="1"/>
+          </p:cNvSpPr>
+          <p:nvPr>
+            <p:ph type="sldImg"/>
+          </p:nvPr>
+        </p:nvSpPr>
+        <p:spPr/>
+      </p:sp>
+      <p:sp>
+        <p:nvSpPr>
+          <p:cNvPr id="3" name="Espace réservé des notes 2"/>
+          <p:cNvSpPr>
+            <a:spLocks noGrp="1"/>
+          </p:cNvSpPr>
+          <p:nvPr>
+            <p:ph type="body" idx="1"/>
+          </p:nvPr>
+        </p:nvSpPr>
+        <p:spPr/>
+        <p:txBody>
+          <a:bodyPr/>
+          <a:lstStyle/>
+          <a:p>
+            <a:r>
+              <a:rPr lang="en-US" dirty="0"/>
+              <a:t>Property we want to</a:t>
+            </a:r>
+            <a:r>
+              <a:rPr lang="en-US" baseline="0" dirty="0"/>
+              <a:t> prove holds for all nodes reachable from R1 in less than N steps. </a:t>
+            </a:r>
+            <a:r>
+              <a:rPr lang="en-US" dirty="0"/>
+              <a:t>Base case / inductive step</a:t>
+            </a:r>
+          </a:p>
+        </p:txBody>
+      </p:sp>
+      <p:sp>
+        <p:nvSpPr>
+          <p:cNvPr id="4" name="Espace réservé du numéro de diapositive 3"/>
+          <p:cNvSpPr>
+            <a:spLocks noGrp="1"/>
+          </p:cNvSpPr>
+          <p:nvPr>
+            <p:ph type="sldNum" sz="quarter" idx="10"/>
+          </p:nvPr>
+        </p:nvSpPr>
+        <p:spPr/>
+        <p:txBody>
+          <a:bodyPr/>
+          <a:lstStyle/>
+          <a:p>
+            <a:fld id="{2411EECB-9C50-45AE-9605-ACCAD81E6074}" type="slidenum">
+              <a:rPr lang="en-US" smtClean="0"/>
+              <a:t>21</a:t>
+            </a:fld>
+            <a:endParaRPr lang="en-US"/>
+          </a:p>
+        </p:txBody>
+      </p:sp>
+    </p:spTree>
+    <p:extLst>
+      <p:ext uri="{BB962C8B-B14F-4D97-AF65-F5344CB8AC3E}">
+        <p14:creationId xmlns:p14="http://schemas.microsoft.com/office/powerpoint/2010/main" val="4151339592"/>
       </p:ext>
     </p:extLst>
   </p:cSld>
@@ -5363,6 +5458,78 @@
           <a:chExt cx="0" cy="0"/>
         </a:xfrm>
       </p:grpSpPr>
+      <p:cxnSp>
+        <p:nvCxnSpPr>
+          <p:cNvPr id="47" name="Connecteur droit avec flèche 46"/>
+          <p:cNvCxnSpPr/>
+          <p:nvPr/>
+        </p:nvCxnSpPr>
+        <p:spPr>
+          <a:xfrm flipH="1">
+            <a:off x="3760125" y="5368304"/>
+            <a:ext cx="233102" cy="386137"/>
+          </a:xfrm>
+          <a:prstGeom prst="straightConnector1">
+            <a:avLst/>
+          </a:prstGeom>
+          <a:ln w="38100">
+            <a:solidFill>
+              <a:srgbClr val="FF0000"/>
+            </a:solidFill>
+            <a:tailEnd type="triangle"/>
+          </a:ln>
+        </p:spPr>
+        <p:style>
+          <a:lnRef idx="1">
+            <a:schemeClr val="dk1"/>
+          </a:lnRef>
+          <a:fillRef idx="0">
+            <a:schemeClr val="dk1"/>
+          </a:fillRef>
+          <a:effectRef idx="0">
+            <a:schemeClr val="dk1"/>
+          </a:effectRef>
+          <a:fontRef idx="minor">
+            <a:schemeClr val="tx1"/>
+          </a:fontRef>
+        </p:style>
+      </p:cxnSp>
+      <p:cxnSp>
+        <p:nvCxnSpPr>
+          <p:cNvPr id="45" name="Connecteur droit avec flèche 44"/>
+          <p:cNvCxnSpPr/>
+          <p:nvPr/>
+        </p:nvCxnSpPr>
+        <p:spPr>
+          <a:xfrm flipH="1">
+            <a:off x="3166674" y="4513699"/>
+            <a:ext cx="233102" cy="386137"/>
+          </a:xfrm>
+          <a:prstGeom prst="straightConnector1">
+            <a:avLst/>
+          </a:prstGeom>
+          <a:ln w="38100">
+            <a:solidFill>
+              <a:srgbClr val="FF0000"/>
+            </a:solidFill>
+            <a:tailEnd type="triangle"/>
+          </a:ln>
+        </p:spPr>
+        <p:style>
+          <a:lnRef idx="1">
+            <a:schemeClr val="dk1"/>
+          </a:lnRef>
+          <a:fillRef idx="0">
+            <a:schemeClr val="dk1"/>
+          </a:fillRef>
+          <a:effectRef idx="0">
+            <a:schemeClr val="dk1"/>
+          </a:effectRef>
+          <a:fontRef idx="minor">
+            <a:schemeClr val="tx1"/>
+          </a:fontRef>
+        </p:style>
+      </p:cxnSp>
       <p:sp>
         <p:nvSpPr>
           <p:cNvPr id="2" name="Titre 1"/>
@@ -6185,42 +6352,6 @@
           </a:fontRef>
         </p:style>
       </p:cxnSp>
-      <p:cxnSp>
-        <p:nvCxnSpPr>
-          <p:cNvPr id="45" name="Connecteur droit avec flèche 44"/>
-          <p:cNvCxnSpPr/>
-          <p:nvPr/>
-        </p:nvCxnSpPr>
-        <p:spPr>
-          <a:xfrm flipH="1">
-            <a:off x="3166674" y="4513699"/>
-            <a:ext cx="233102" cy="386137"/>
-          </a:xfrm>
-          <a:prstGeom prst="straightConnector1">
-            <a:avLst/>
-          </a:prstGeom>
-          <a:ln w="38100">
-            <a:solidFill>
-              <a:srgbClr val="FF0000"/>
-            </a:solidFill>
-            <a:tailEnd type="triangle"/>
-          </a:ln>
-        </p:spPr>
-        <p:style>
-          <a:lnRef idx="1">
-            <a:schemeClr val="dk1"/>
-          </a:lnRef>
-          <a:fillRef idx="0">
-            <a:schemeClr val="dk1"/>
-          </a:fillRef>
-          <a:effectRef idx="0">
-            <a:schemeClr val="dk1"/>
-          </a:effectRef>
-          <a:fontRef idx="minor">
-            <a:schemeClr val="tx1"/>
-          </a:fontRef>
-        </p:style>
-      </p:cxnSp>
       <p:sp>
         <p:nvSpPr>
           <p:cNvPr id="46" name="Ellipse 45"/>
@@ -6260,42 +6391,6 @@
           </a:p>
         </p:txBody>
       </p:sp>
-      <p:cxnSp>
-        <p:nvCxnSpPr>
-          <p:cNvPr id="47" name="Connecteur droit avec flèche 46"/>
-          <p:cNvCxnSpPr/>
-          <p:nvPr/>
-        </p:nvCxnSpPr>
-        <p:spPr>
-          <a:xfrm flipH="1">
-            <a:off x="3760125" y="5368304"/>
-            <a:ext cx="233102" cy="386137"/>
-          </a:xfrm>
-          <a:prstGeom prst="straightConnector1">
-            <a:avLst/>
-          </a:prstGeom>
-          <a:ln w="38100">
-            <a:solidFill>
-              <a:srgbClr val="FF0000"/>
-            </a:solidFill>
-            <a:tailEnd type="triangle"/>
-          </a:ln>
-        </p:spPr>
-        <p:style>
-          <a:lnRef idx="1">
-            <a:schemeClr val="dk1"/>
-          </a:lnRef>
-          <a:fillRef idx="0">
-            <a:schemeClr val="dk1"/>
-          </a:fillRef>
-          <a:effectRef idx="0">
-            <a:schemeClr val="dk1"/>
-          </a:effectRef>
-          <a:fontRef idx="minor">
-            <a:schemeClr val="tx1"/>
-          </a:fontRef>
-        </p:style>
-      </p:cxnSp>
       <p:sp>
         <p:nvSpPr>
           <p:cNvPr id="33" name="Flèche en arc 26"/>
@@ -8176,14 +8271,14 @@
             <a:pPr lvl="1"/>
             <a:r>
               <a:rPr lang="en-US" sz="2800" dirty="0"/>
+              <a:t>Models are used to express properties in higher layers</a:t>
+            </a:r>
+          </a:p>
+          <a:p>
+            <a:pPr lvl="1"/>
+            <a:r>
+              <a:rPr lang="en-US" sz="2800" dirty="0"/>
               <a:t>Paths are sequences of directions</a:t>
-            </a:r>
-          </a:p>
-          <a:p>
-            <a:pPr lvl="1"/>
-            <a:r>
-              <a:rPr lang="en-US" sz="2800" dirty="0"/>
-              <a:t>Models are used to express properties in higher layers</a:t>
             </a:r>
           </a:p>
         </p:txBody>
@@ -8397,7 +8492,7 @@
               <a:rPr lang="fr-FR" smtClean="0"/>
               <a:t>11</a:t>
             </a:fld>
-            <a:endParaRPr lang="fr-FR"/>
+            <a:endParaRPr lang="fr-FR" dirty="0"/>
           </a:p>
         </p:txBody>
       </p:sp>
@@ -10097,6 +10192,78 @@
             <a:chExt cx="3326900" cy="3363711"/>
           </a:xfrm>
         </p:grpSpPr>
+        <p:cxnSp>
+          <p:nvCxnSpPr>
+            <p:cNvPr id="42" name="Connecteur droit avec flèche 41"/>
+            <p:cNvCxnSpPr/>
+            <p:nvPr/>
+          </p:nvCxnSpPr>
+          <p:spPr>
+            <a:xfrm flipH="1">
+              <a:off x="3069381" y="3885222"/>
+              <a:ext cx="344453" cy="570695"/>
+            </a:xfrm>
+            <a:prstGeom prst="straightConnector1">
+              <a:avLst/>
+            </a:prstGeom>
+            <a:ln w="38100">
+              <a:solidFill>
+                <a:srgbClr val="FF0000"/>
+              </a:solidFill>
+              <a:tailEnd type="triangle"/>
+            </a:ln>
+          </p:spPr>
+          <p:style>
+            <a:lnRef idx="1">
+              <a:schemeClr val="dk1"/>
+            </a:lnRef>
+            <a:fillRef idx="0">
+              <a:schemeClr val="dk1"/>
+            </a:fillRef>
+            <a:effectRef idx="0">
+              <a:schemeClr val="dk1"/>
+            </a:effectRef>
+            <a:fontRef idx="minor">
+              <a:schemeClr val="tx1"/>
+            </a:fontRef>
+          </p:style>
+        </p:cxnSp>
+        <p:cxnSp>
+          <p:nvCxnSpPr>
+            <p:cNvPr id="40" name="Connecteur droit avec flèche 39"/>
+            <p:cNvCxnSpPr/>
+            <p:nvPr/>
+          </p:nvCxnSpPr>
+          <p:spPr>
+            <a:xfrm flipH="1">
+              <a:off x="2192445" y="2622149"/>
+              <a:ext cx="344453" cy="570695"/>
+            </a:xfrm>
+            <a:prstGeom prst="straightConnector1">
+              <a:avLst/>
+            </a:prstGeom>
+            <a:ln w="38100">
+              <a:solidFill>
+                <a:srgbClr val="FF0000"/>
+              </a:solidFill>
+              <a:tailEnd type="triangle"/>
+            </a:ln>
+          </p:spPr>
+          <p:style>
+            <a:lnRef idx="1">
+              <a:schemeClr val="dk1"/>
+            </a:lnRef>
+            <a:fillRef idx="0">
+              <a:schemeClr val="dk1"/>
+            </a:fillRef>
+            <a:effectRef idx="0">
+              <a:schemeClr val="dk1"/>
+            </a:effectRef>
+            <a:fontRef idx="minor">
+              <a:schemeClr val="tx1"/>
+            </a:fontRef>
+          </p:style>
+        </p:cxnSp>
         <p:sp>
           <p:nvSpPr>
             <p:cNvPr id="28" name="Ellipse 27"/>
@@ -10353,42 +10520,6 @@
             </a:fontRef>
           </p:style>
         </p:cxnSp>
-        <p:cxnSp>
-          <p:nvCxnSpPr>
-            <p:cNvPr id="40" name="Connecteur droit avec flèche 39"/>
-            <p:cNvCxnSpPr/>
-            <p:nvPr/>
-          </p:nvCxnSpPr>
-          <p:spPr>
-            <a:xfrm flipH="1">
-              <a:off x="2192445" y="2622149"/>
-              <a:ext cx="344453" cy="570695"/>
-            </a:xfrm>
-            <a:prstGeom prst="straightConnector1">
-              <a:avLst/>
-            </a:prstGeom>
-            <a:ln w="38100">
-              <a:solidFill>
-                <a:srgbClr val="FF0000"/>
-              </a:solidFill>
-              <a:tailEnd type="triangle"/>
-            </a:ln>
-          </p:spPr>
-          <p:style>
-            <a:lnRef idx="1">
-              <a:schemeClr val="dk1"/>
-            </a:lnRef>
-            <a:fillRef idx="0">
-              <a:schemeClr val="dk1"/>
-            </a:fillRef>
-            <a:effectRef idx="0">
-              <a:schemeClr val="dk1"/>
-            </a:effectRef>
-            <a:fontRef idx="minor">
-              <a:schemeClr val="tx1"/>
-            </a:fontRef>
-          </p:style>
-        </p:cxnSp>
         <p:sp>
           <p:nvSpPr>
             <p:cNvPr id="41" name="Ellipse 40"/>
@@ -10435,42 +10566,6 @@
             </a:p>
           </p:txBody>
         </p:sp>
-        <p:cxnSp>
-          <p:nvCxnSpPr>
-            <p:cNvPr id="42" name="Connecteur droit avec flèche 41"/>
-            <p:cNvCxnSpPr/>
-            <p:nvPr/>
-          </p:nvCxnSpPr>
-          <p:spPr>
-            <a:xfrm flipH="1">
-              <a:off x="3069381" y="3885222"/>
-              <a:ext cx="344453" cy="570695"/>
-            </a:xfrm>
-            <a:prstGeom prst="straightConnector1">
-              <a:avLst/>
-            </a:prstGeom>
-            <a:ln w="38100">
-              <a:solidFill>
-                <a:srgbClr val="FF0000"/>
-              </a:solidFill>
-              <a:tailEnd type="triangle"/>
-            </a:ln>
-          </p:spPr>
-          <p:style>
-            <a:lnRef idx="1">
-              <a:schemeClr val="dk1"/>
-            </a:lnRef>
-            <a:fillRef idx="0">
-              <a:schemeClr val="dk1"/>
-            </a:fillRef>
-            <a:effectRef idx="0">
-              <a:schemeClr val="dk1"/>
-            </a:effectRef>
-            <a:fontRef idx="minor">
-              <a:schemeClr val="tx1"/>
-            </a:fontRef>
-          </p:style>
-        </p:cxnSp>
       </p:grpSp>
       <p:sp>
         <p:nvSpPr>
@@ -11323,6 +11418,42 @@
             <a:chExt cx="2532279" cy="2520329"/>
           </a:xfrm>
         </p:grpSpPr>
+        <p:cxnSp>
+          <p:nvCxnSpPr>
+            <p:cNvPr id="22" name="Connecteur droit avec flèche 21"/>
+            <p:cNvCxnSpPr/>
+            <p:nvPr/>
+          </p:nvCxnSpPr>
+          <p:spPr>
+            <a:xfrm flipH="1">
+              <a:off x="5660703" y="3834650"/>
+              <a:ext cx="262181" cy="427605"/>
+            </a:xfrm>
+            <a:prstGeom prst="straightConnector1">
+              <a:avLst/>
+            </a:prstGeom>
+            <a:ln w="38100">
+              <a:solidFill>
+                <a:srgbClr val="FF0000"/>
+              </a:solidFill>
+              <a:tailEnd type="triangle"/>
+            </a:ln>
+          </p:spPr>
+          <p:style>
+            <a:lnRef idx="1">
+              <a:schemeClr val="dk1"/>
+            </a:lnRef>
+            <a:fillRef idx="0">
+              <a:schemeClr val="dk1"/>
+            </a:fillRef>
+            <a:effectRef idx="0">
+              <a:schemeClr val="dk1"/>
+            </a:effectRef>
+            <a:fontRef idx="minor">
+              <a:schemeClr val="tx1"/>
+            </a:fontRef>
+          </p:style>
+        </p:cxnSp>
         <p:sp>
           <p:nvSpPr>
             <p:cNvPr id="14" name="Ellipse 13"/>
@@ -11641,42 +11772,6 @@
             </a:p>
           </p:txBody>
         </p:sp>
-        <p:cxnSp>
-          <p:nvCxnSpPr>
-            <p:cNvPr id="22" name="Connecteur droit avec flèche 21"/>
-            <p:cNvCxnSpPr/>
-            <p:nvPr/>
-          </p:nvCxnSpPr>
-          <p:spPr>
-            <a:xfrm flipH="1">
-              <a:off x="5660703" y="3834650"/>
-              <a:ext cx="262181" cy="427605"/>
-            </a:xfrm>
-            <a:prstGeom prst="straightConnector1">
-              <a:avLst/>
-            </a:prstGeom>
-            <a:ln w="38100">
-              <a:solidFill>
-                <a:srgbClr val="FF0000"/>
-              </a:solidFill>
-              <a:tailEnd type="triangle"/>
-            </a:ln>
-          </p:spPr>
-          <p:style>
-            <a:lnRef idx="1">
-              <a:schemeClr val="dk1"/>
-            </a:lnRef>
-            <a:fillRef idx="0">
-              <a:schemeClr val="dk1"/>
-            </a:fillRef>
-            <a:effectRef idx="0">
-              <a:schemeClr val="dk1"/>
-            </a:effectRef>
-            <a:fontRef idx="minor">
-              <a:schemeClr val="tx1"/>
-            </a:fontRef>
-          </p:style>
-        </p:cxnSp>
       </p:grpSp>
       <p:sp>
         <p:nvSpPr>
@@ -12322,6 +12417,78 @@
             <a:chExt cx="2532279" cy="2520329"/>
           </a:xfrm>
         </p:grpSpPr>
+        <p:cxnSp>
+          <p:nvCxnSpPr>
+            <p:cNvPr id="19" name="Connecteur droit avec flèche 18"/>
+            <p:cNvCxnSpPr/>
+            <p:nvPr/>
+          </p:nvCxnSpPr>
+          <p:spPr>
+            <a:xfrm flipH="1">
+              <a:off x="4993221" y="2888267"/>
+              <a:ext cx="262181" cy="427605"/>
+            </a:xfrm>
+            <a:prstGeom prst="straightConnector1">
+              <a:avLst/>
+            </a:prstGeom>
+            <a:ln w="38100">
+              <a:solidFill>
+                <a:srgbClr val="FF0000"/>
+              </a:solidFill>
+              <a:tailEnd type="triangle"/>
+            </a:ln>
+          </p:spPr>
+          <p:style>
+            <a:lnRef idx="1">
+              <a:schemeClr val="dk1"/>
+            </a:lnRef>
+            <a:fillRef idx="0">
+              <a:schemeClr val="dk1"/>
+            </a:fillRef>
+            <a:effectRef idx="0">
+              <a:schemeClr val="dk1"/>
+            </a:effectRef>
+            <a:fontRef idx="minor">
+              <a:schemeClr val="tx1"/>
+            </a:fontRef>
+          </p:style>
+        </p:cxnSp>
+        <p:cxnSp>
+          <p:nvCxnSpPr>
+            <p:cNvPr id="21" name="Connecteur droit avec flèche 20"/>
+            <p:cNvCxnSpPr/>
+            <p:nvPr/>
+          </p:nvCxnSpPr>
+          <p:spPr>
+            <a:xfrm flipH="1">
+              <a:off x="5660703" y="3834650"/>
+              <a:ext cx="262181" cy="427605"/>
+            </a:xfrm>
+            <a:prstGeom prst="straightConnector1">
+              <a:avLst/>
+            </a:prstGeom>
+            <a:ln w="38100">
+              <a:solidFill>
+                <a:srgbClr val="FF0000"/>
+              </a:solidFill>
+              <a:tailEnd type="triangle"/>
+            </a:ln>
+          </p:spPr>
+          <p:style>
+            <a:lnRef idx="1">
+              <a:schemeClr val="dk1"/>
+            </a:lnRef>
+            <a:fillRef idx="0">
+              <a:schemeClr val="dk1"/>
+            </a:fillRef>
+            <a:effectRef idx="0">
+              <a:schemeClr val="dk1"/>
+            </a:effectRef>
+            <a:fontRef idx="minor">
+              <a:schemeClr val="tx1"/>
+            </a:fontRef>
+          </p:style>
+        </p:cxnSp>
         <p:sp>
           <p:nvSpPr>
             <p:cNvPr id="13" name="Ellipse 12"/>
@@ -12562,42 +12729,6 @@
             </a:fontRef>
           </p:style>
         </p:cxnSp>
-        <p:cxnSp>
-          <p:nvCxnSpPr>
-            <p:cNvPr id="19" name="Connecteur droit avec flèche 18"/>
-            <p:cNvCxnSpPr/>
-            <p:nvPr/>
-          </p:nvCxnSpPr>
-          <p:spPr>
-            <a:xfrm flipH="1">
-              <a:off x="4993221" y="2888267"/>
-              <a:ext cx="262181" cy="427605"/>
-            </a:xfrm>
-            <a:prstGeom prst="straightConnector1">
-              <a:avLst/>
-            </a:prstGeom>
-            <a:ln w="38100">
-              <a:solidFill>
-                <a:srgbClr val="FF0000"/>
-              </a:solidFill>
-              <a:tailEnd type="triangle"/>
-            </a:ln>
-          </p:spPr>
-          <p:style>
-            <a:lnRef idx="1">
-              <a:schemeClr val="dk1"/>
-            </a:lnRef>
-            <a:fillRef idx="0">
-              <a:schemeClr val="dk1"/>
-            </a:fillRef>
-            <a:effectRef idx="0">
-              <a:schemeClr val="dk1"/>
-            </a:effectRef>
-            <a:fontRef idx="minor">
-              <a:schemeClr val="tx1"/>
-            </a:fontRef>
-          </p:style>
-        </p:cxnSp>
         <p:sp>
           <p:nvSpPr>
             <p:cNvPr id="20" name="Ellipse 19"/>
@@ -12640,42 +12771,6 @@
             </a:p>
           </p:txBody>
         </p:sp>
-        <p:cxnSp>
-          <p:nvCxnSpPr>
-            <p:cNvPr id="21" name="Connecteur droit avec flèche 20"/>
-            <p:cNvCxnSpPr/>
-            <p:nvPr/>
-          </p:nvCxnSpPr>
-          <p:spPr>
-            <a:xfrm flipH="1">
-              <a:off x="5660703" y="3834650"/>
-              <a:ext cx="262181" cy="427605"/>
-            </a:xfrm>
-            <a:prstGeom prst="straightConnector1">
-              <a:avLst/>
-            </a:prstGeom>
-            <a:ln w="38100">
-              <a:solidFill>
-                <a:srgbClr val="FF0000"/>
-              </a:solidFill>
-              <a:tailEnd type="triangle"/>
-            </a:ln>
-          </p:spPr>
-          <p:style>
-            <a:lnRef idx="1">
-              <a:schemeClr val="dk1"/>
-            </a:lnRef>
-            <a:fillRef idx="0">
-              <a:schemeClr val="dk1"/>
-            </a:fillRef>
-            <a:effectRef idx="0">
-              <a:schemeClr val="dk1"/>
-            </a:effectRef>
-            <a:fontRef idx="minor">
-              <a:schemeClr val="tx1"/>
-            </a:fontRef>
-          </p:style>
-        </p:cxnSp>
       </p:grpSp>
     </p:spTree>
     <p:extLst>
@@ -14309,14 +14404,9 @@
           </a:lstStyle>
           <a:p>
             <a:r>
-              <a:rPr lang="en-US" sz="3200"/>
-              <a:t>B</a:t>
-            </a:r>
-            <a:r>
-              <a:rPr lang="en-US" sz="3200"/>
-              <a:t>alancing</a:t>
-            </a:r>
-            <a:endParaRPr lang="en-US" sz="3200" dirty="0"/>
+              <a:rPr lang="en-US" sz="3200" dirty="0"/>
+              <a:t>Balancing</a:t>
+            </a:r>
           </a:p>
           <a:p>
             <a:pPr lvl="1"/>
@@ -16362,7 +16452,7 @@
           <a:p>
             <a:r>
               <a:rPr lang="en-US" dirty="0"/>
-              <a:t>Verification</a:t>
+              <a:t>Helping Provers with Ghost Code</a:t>
             </a:r>
           </a:p>
         </p:txBody>
@@ -17327,7 +17417,7 @@
           <a:p>
             <a:r>
               <a:rPr lang="en-US" dirty="0"/>
-              <a:t>Lemma Subprograms</a:t>
+              <a:t>Introducing Lemmas</a:t>
             </a:r>
           </a:p>
         </p:txBody>
@@ -18997,7 +19087,7 @@
           <a:p>
             <a:r>
               <a:rPr lang="en-US" dirty="0"/>
-              <a:t>Inductive Reasoning</a:t>
+              <a:t>Proof by Induction</a:t>
             </a:r>
           </a:p>
         </p:txBody>
@@ -24320,6 +24410,1364 @@
           <a:chExt cx="0" cy="0"/>
         </a:xfrm>
       </p:grpSpPr>
+      <p:grpSp>
+        <p:nvGrpSpPr>
+          <p:cNvPr id="46" name="Groupe 45"/>
+          <p:cNvGrpSpPr/>
+          <p:nvPr/>
+        </p:nvGrpSpPr>
+        <p:grpSpPr>
+          <a:xfrm>
+            <a:off x="6088584" y="2134353"/>
+            <a:ext cx="5345407" cy="3505877"/>
+            <a:chOff x="6283164" y="2059578"/>
+            <a:chExt cx="5345407" cy="3505877"/>
+          </a:xfrm>
+        </p:grpSpPr>
+        <p:sp>
+          <p:nvSpPr>
+            <p:cNvPr id="47" name="Ellipse 46"/>
+            <p:cNvSpPr/>
+            <p:nvPr/>
+          </p:nvSpPr>
+          <p:spPr>
+            <a:xfrm>
+              <a:off x="7884558" y="4937892"/>
+              <a:ext cx="631812" cy="627563"/>
+            </a:xfrm>
+            <a:prstGeom prst="ellipse">
+              <a:avLst/>
+            </a:prstGeom>
+            <a:solidFill>
+              <a:srgbClr val="FF0000"/>
+            </a:solidFill>
+            <a:ln>
+              <a:solidFill>
+                <a:srgbClr val="FF0000"/>
+              </a:solidFill>
+            </a:ln>
+          </p:spPr>
+          <p:style>
+            <a:lnRef idx="2">
+              <a:schemeClr val="accent1">
+                <a:shade val="50000"/>
+              </a:schemeClr>
+            </a:lnRef>
+            <a:fillRef idx="1">
+              <a:schemeClr val="accent1"/>
+            </a:fillRef>
+            <a:effectRef idx="0">
+              <a:schemeClr val="accent1"/>
+            </a:effectRef>
+            <a:fontRef idx="minor">
+              <a:schemeClr val="lt1"/>
+            </a:fontRef>
+          </p:style>
+          <p:txBody>
+            <a:bodyPr rtlCol="0" anchor="ctr"/>
+            <a:lstStyle>
+              <a:defPPr>
+                <a:defRPr lang="fr-FR"/>
+              </a:defPPr>
+              <a:lvl1pPr marL="0" algn="l" defTabSz="914400" rtl="0" eaLnBrk="1" latinLnBrk="0" hangingPunct="1">
+                <a:defRPr sz="1800" kern="1200">
+                  <a:solidFill>
+                    <a:schemeClr val="lt1"/>
+                  </a:solidFill>
+                  <a:latin typeface="+mn-lt"/>
+                  <a:ea typeface="+mn-ea"/>
+                  <a:cs typeface="+mn-cs"/>
+                </a:defRPr>
+              </a:lvl1pPr>
+              <a:lvl2pPr marL="457200" algn="l" defTabSz="914400" rtl="0" eaLnBrk="1" latinLnBrk="0" hangingPunct="1">
+                <a:defRPr sz="1800" kern="1200">
+                  <a:solidFill>
+                    <a:schemeClr val="lt1"/>
+                  </a:solidFill>
+                  <a:latin typeface="+mn-lt"/>
+                  <a:ea typeface="+mn-ea"/>
+                  <a:cs typeface="+mn-cs"/>
+                </a:defRPr>
+              </a:lvl2pPr>
+              <a:lvl3pPr marL="914400" algn="l" defTabSz="914400" rtl="0" eaLnBrk="1" latinLnBrk="0" hangingPunct="1">
+                <a:defRPr sz="1800" kern="1200">
+                  <a:solidFill>
+                    <a:schemeClr val="lt1"/>
+                  </a:solidFill>
+                  <a:latin typeface="+mn-lt"/>
+                  <a:ea typeface="+mn-ea"/>
+                  <a:cs typeface="+mn-cs"/>
+                </a:defRPr>
+              </a:lvl3pPr>
+              <a:lvl4pPr marL="1371600" algn="l" defTabSz="914400" rtl="0" eaLnBrk="1" latinLnBrk="0" hangingPunct="1">
+                <a:defRPr sz="1800" kern="1200">
+                  <a:solidFill>
+                    <a:schemeClr val="lt1"/>
+                  </a:solidFill>
+                  <a:latin typeface="+mn-lt"/>
+                  <a:ea typeface="+mn-ea"/>
+                  <a:cs typeface="+mn-cs"/>
+                </a:defRPr>
+              </a:lvl4pPr>
+              <a:lvl5pPr marL="1828800" algn="l" defTabSz="914400" rtl="0" eaLnBrk="1" latinLnBrk="0" hangingPunct="1">
+                <a:defRPr sz="1800" kern="1200">
+                  <a:solidFill>
+                    <a:schemeClr val="lt1"/>
+                  </a:solidFill>
+                  <a:latin typeface="+mn-lt"/>
+                  <a:ea typeface="+mn-ea"/>
+                  <a:cs typeface="+mn-cs"/>
+                </a:defRPr>
+              </a:lvl5pPr>
+              <a:lvl6pPr marL="2286000" algn="l" defTabSz="914400" rtl="0" eaLnBrk="1" latinLnBrk="0" hangingPunct="1">
+                <a:defRPr sz="1800" kern="1200">
+                  <a:solidFill>
+                    <a:schemeClr val="lt1"/>
+                  </a:solidFill>
+                  <a:latin typeface="+mn-lt"/>
+                  <a:ea typeface="+mn-ea"/>
+                  <a:cs typeface="+mn-cs"/>
+                </a:defRPr>
+              </a:lvl6pPr>
+              <a:lvl7pPr marL="2743200" algn="l" defTabSz="914400" rtl="0" eaLnBrk="1" latinLnBrk="0" hangingPunct="1">
+                <a:defRPr sz="1800" kern="1200">
+                  <a:solidFill>
+                    <a:schemeClr val="lt1"/>
+                  </a:solidFill>
+                  <a:latin typeface="+mn-lt"/>
+                  <a:ea typeface="+mn-ea"/>
+                  <a:cs typeface="+mn-cs"/>
+                </a:defRPr>
+              </a:lvl7pPr>
+              <a:lvl8pPr marL="3200400" algn="l" defTabSz="914400" rtl="0" eaLnBrk="1" latinLnBrk="0" hangingPunct="1">
+                <a:defRPr sz="1800" kern="1200">
+                  <a:solidFill>
+                    <a:schemeClr val="lt1"/>
+                  </a:solidFill>
+                  <a:latin typeface="+mn-lt"/>
+                  <a:ea typeface="+mn-ea"/>
+                  <a:cs typeface="+mn-cs"/>
+                </a:defRPr>
+              </a:lvl8pPr>
+              <a:lvl9pPr marL="3657600" algn="l" defTabSz="914400" rtl="0" eaLnBrk="1" latinLnBrk="0" hangingPunct="1">
+                <a:defRPr sz="1800" kern="1200">
+                  <a:solidFill>
+                    <a:schemeClr val="lt1"/>
+                  </a:solidFill>
+                  <a:latin typeface="+mn-lt"/>
+                  <a:ea typeface="+mn-ea"/>
+                  <a:cs typeface="+mn-cs"/>
+                </a:defRPr>
+              </a:lvl9pPr>
+            </a:lstStyle>
+            <a:p>
+              <a:pPr algn="ctr"/>
+              <a:r>
+                <a:rPr lang="fr-FR" sz="3200" dirty="0"/>
+                <a:t>5</a:t>
+              </a:r>
+            </a:p>
+          </p:txBody>
+        </p:sp>
+        <p:cxnSp>
+          <p:nvCxnSpPr>
+            <p:cNvPr id="48" name="Connecteur droit avec flèche 47"/>
+            <p:cNvCxnSpPr/>
+            <p:nvPr/>
+          </p:nvCxnSpPr>
+          <p:spPr>
+            <a:xfrm>
+              <a:off x="7785784" y="4551617"/>
+              <a:ext cx="262181" cy="427605"/>
+            </a:xfrm>
+            <a:prstGeom prst="straightConnector1">
+              <a:avLst/>
+            </a:prstGeom>
+            <a:ln w="38100">
+              <a:solidFill>
+                <a:schemeClr val="accent1"/>
+              </a:solidFill>
+              <a:tailEnd type="triangle"/>
+            </a:ln>
+          </p:spPr>
+          <p:style>
+            <a:lnRef idx="1">
+              <a:schemeClr val="dk1"/>
+            </a:lnRef>
+            <a:fillRef idx="0">
+              <a:schemeClr val="dk1"/>
+            </a:fillRef>
+            <a:effectRef idx="0">
+              <a:schemeClr val="dk1"/>
+            </a:effectRef>
+            <a:fontRef idx="minor">
+              <a:schemeClr val="tx1"/>
+            </a:fontRef>
+          </p:style>
+        </p:cxnSp>
+        <p:grpSp>
+          <p:nvGrpSpPr>
+            <p:cNvPr id="49" name="Groupe 48"/>
+            <p:cNvGrpSpPr/>
+            <p:nvPr/>
+          </p:nvGrpSpPr>
+          <p:grpSpPr>
+            <a:xfrm>
+              <a:off x="9096292" y="2059578"/>
+              <a:ext cx="2532279" cy="2520329"/>
+              <a:chOff x="9096292" y="2059578"/>
+              <a:chExt cx="2532279" cy="2520329"/>
+            </a:xfrm>
+          </p:grpSpPr>
+          <p:sp>
+            <p:nvSpPr>
+              <p:cNvPr id="52" name="Ellipse 51"/>
+              <p:cNvSpPr/>
+              <p:nvPr/>
+            </p:nvSpPr>
+            <p:spPr>
+              <a:xfrm>
+                <a:off x="9729781" y="2059578"/>
+                <a:ext cx="631812" cy="627563"/>
+              </a:xfrm>
+              <a:prstGeom prst="ellipse">
+                <a:avLst/>
+              </a:prstGeom>
+              <a:solidFill>
+                <a:schemeClr val="tx1"/>
+              </a:solidFill>
+              <a:ln>
+                <a:solidFill>
+                  <a:schemeClr val="tx1"/>
+                </a:solidFill>
+              </a:ln>
+            </p:spPr>
+            <p:style>
+              <a:lnRef idx="2">
+                <a:schemeClr val="accent1">
+                  <a:shade val="50000"/>
+                </a:schemeClr>
+              </a:lnRef>
+              <a:fillRef idx="1">
+                <a:schemeClr val="accent1"/>
+              </a:fillRef>
+              <a:effectRef idx="0">
+                <a:schemeClr val="accent1"/>
+              </a:effectRef>
+              <a:fontRef idx="minor">
+                <a:schemeClr val="lt1"/>
+              </a:fontRef>
+            </p:style>
+            <p:txBody>
+              <a:bodyPr rtlCol="0" anchor="ctr"/>
+              <a:lstStyle>
+                <a:defPPr>
+                  <a:defRPr lang="fr-FR"/>
+                </a:defPPr>
+                <a:lvl1pPr marL="0" algn="l" defTabSz="914400" rtl="0" eaLnBrk="1" latinLnBrk="0" hangingPunct="1">
+                  <a:defRPr sz="1800" kern="1200">
+                    <a:solidFill>
+                      <a:schemeClr val="lt1"/>
+                    </a:solidFill>
+                    <a:latin typeface="+mn-lt"/>
+                    <a:ea typeface="+mn-ea"/>
+                    <a:cs typeface="+mn-cs"/>
+                  </a:defRPr>
+                </a:lvl1pPr>
+                <a:lvl2pPr marL="457200" algn="l" defTabSz="914400" rtl="0" eaLnBrk="1" latinLnBrk="0" hangingPunct="1">
+                  <a:defRPr sz="1800" kern="1200">
+                    <a:solidFill>
+                      <a:schemeClr val="lt1"/>
+                    </a:solidFill>
+                    <a:latin typeface="+mn-lt"/>
+                    <a:ea typeface="+mn-ea"/>
+                    <a:cs typeface="+mn-cs"/>
+                  </a:defRPr>
+                </a:lvl2pPr>
+                <a:lvl3pPr marL="914400" algn="l" defTabSz="914400" rtl="0" eaLnBrk="1" latinLnBrk="0" hangingPunct="1">
+                  <a:defRPr sz="1800" kern="1200">
+                    <a:solidFill>
+                      <a:schemeClr val="lt1"/>
+                    </a:solidFill>
+                    <a:latin typeface="+mn-lt"/>
+                    <a:ea typeface="+mn-ea"/>
+                    <a:cs typeface="+mn-cs"/>
+                  </a:defRPr>
+                </a:lvl3pPr>
+                <a:lvl4pPr marL="1371600" algn="l" defTabSz="914400" rtl="0" eaLnBrk="1" latinLnBrk="0" hangingPunct="1">
+                  <a:defRPr sz="1800" kern="1200">
+                    <a:solidFill>
+                      <a:schemeClr val="lt1"/>
+                    </a:solidFill>
+                    <a:latin typeface="+mn-lt"/>
+                    <a:ea typeface="+mn-ea"/>
+                    <a:cs typeface="+mn-cs"/>
+                  </a:defRPr>
+                </a:lvl4pPr>
+                <a:lvl5pPr marL="1828800" algn="l" defTabSz="914400" rtl="0" eaLnBrk="1" latinLnBrk="0" hangingPunct="1">
+                  <a:defRPr sz="1800" kern="1200">
+                    <a:solidFill>
+                      <a:schemeClr val="lt1"/>
+                    </a:solidFill>
+                    <a:latin typeface="+mn-lt"/>
+                    <a:ea typeface="+mn-ea"/>
+                    <a:cs typeface="+mn-cs"/>
+                  </a:defRPr>
+                </a:lvl5pPr>
+                <a:lvl6pPr marL="2286000" algn="l" defTabSz="914400" rtl="0" eaLnBrk="1" latinLnBrk="0" hangingPunct="1">
+                  <a:defRPr sz="1800" kern="1200">
+                    <a:solidFill>
+                      <a:schemeClr val="lt1"/>
+                    </a:solidFill>
+                    <a:latin typeface="+mn-lt"/>
+                    <a:ea typeface="+mn-ea"/>
+                    <a:cs typeface="+mn-cs"/>
+                  </a:defRPr>
+                </a:lvl6pPr>
+                <a:lvl7pPr marL="2743200" algn="l" defTabSz="914400" rtl="0" eaLnBrk="1" latinLnBrk="0" hangingPunct="1">
+                  <a:defRPr sz="1800" kern="1200">
+                    <a:solidFill>
+                      <a:schemeClr val="lt1"/>
+                    </a:solidFill>
+                    <a:latin typeface="+mn-lt"/>
+                    <a:ea typeface="+mn-ea"/>
+                    <a:cs typeface="+mn-cs"/>
+                  </a:defRPr>
+                </a:lvl7pPr>
+                <a:lvl8pPr marL="3200400" algn="l" defTabSz="914400" rtl="0" eaLnBrk="1" latinLnBrk="0" hangingPunct="1">
+                  <a:defRPr sz="1800" kern="1200">
+                    <a:solidFill>
+                      <a:schemeClr val="lt1"/>
+                    </a:solidFill>
+                    <a:latin typeface="+mn-lt"/>
+                    <a:ea typeface="+mn-ea"/>
+                    <a:cs typeface="+mn-cs"/>
+                  </a:defRPr>
+                </a:lvl8pPr>
+                <a:lvl9pPr marL="3657600" algn="l" defTabSz="914400" rtl="0" eaLnBrk="1" latinLnBrk="0" hangingPunct="1">
+                  <a:defRPr sz="1800" kern="1200">
+                    <a:solidFill>
+                      <a:schemeClr val="lt1"/>
+                    </a:solidFill>
+                    <a:latin typeface="+mn-lt"/>
+                    <a:ea typeface="+mn-ea"/>
+                    <a:cs typeface="+mn-cs"/>
+                  </a:defRPr>
+                </a:lvl9pPr>
+              </a:lstStyle>
+              <a:p>
+                <a:pPr algn="ctr"/>
+                <a:r>
+                  <a:rPr lang="fr-FR" sz="3200" dirty="0"/>
+                  <a:t>2</a:t>
+                </a:r>
+              </a:p>
+            </p:txBody>
+          </p:sp>
+          <p:sp>
+            <p:nvSpPr>
+              <p:cNvPr id="53" name="Ellipse 52"/>
+              <p:cNvSpPr/>
+              <p:nvPr/>
+            </p:nvSpPr>
+            <p:spPr>
+              <a:xfrm>
+                <a:off x="9096292" y="3005961"/>
+                <a:ext cx="631812" cy="627563"/>
+              </a:xfrm>
+              <a:prstGeom prst="ellipse">
+                <a:avLst/>
+              </a:prstGeom>
+              <a:solidFill>
+                <a:schemeClr val="tx1"/>
+              </a:solidFill>
+              <a:ln>
+                <a:solidFill>
+                  <a:schemeClr val="tx1"/>
+                </a:solidFill>
+              </a:ln>
+            </p:spPr>
+            <p:style>
+              <a:lnRef idx="2">
+                <a:schemeClr val="accent1">
+                  <a:shade val="50000"/>
+                </a:schemeClr>
+              </a:lnRef>
+              <a:fillRef idx="1">
+                <a:schemeClr val="accent1"/>
+              </a:fillRef>
+              <a:effectRef idx="0">
+                <a:schemeClr val="accent1"/>
+              </a:effectRef>
+              <a:fontRef idx="minor">
+                <a:schemeClr val="lt1"/>
+              </a:fontRef>
+            </p:style>
+            <p:txBody>
+              <a:bodyPr rtlCol="0" anchor="ctr"/>
+              <a:lstStyle>
+                <a:defPPr>
+                  <a:defRPr lang="fr-FR"/>
+                </a:defPPr>
+                <a:lvl1pPr marL="0" algn="l" defTabSz="914400" rtl="0" eaLnBrk="1" latinLnBrk="0" hangingPunct="1">
+                  <a:defRPr sz="1800" kern="1200">
+                    <a:solidFill>
+                      <a:schemeClr val="lt1"/>
+                    </a:solidFill>
+                    <a:latin typeface="+mn-lt"/>
+                    <a:ea typeface="+mn-ea"/>
+                    <a:cs typeface="+mn-cs"/>
+                  </a:defRPr>
+                </a:lvl1pPr>
+                <a:lvl2pPr marL="457200" algn="l" defTabSz="914400" rtl="0" eaLnBrk="1" latinLnBrk="0" hangingPunct="1">
+                  <a:defRPr sz="1800" kern="1200">
+                    <a:solidFill>
+                      <a:schemeClr val="lt1"/>
+                    </a:solidFill>
+                    <a:latin typeface="+mn-lt"/>
+                    <a:ea typeface="+mn-ea"/>
+                    <a:cs typeface="+mn-cs"/>
+                  </a:defRPr>
+                </a:lvl2pPr>
+                <a:lvl3pPr marL="914400" algn="l" defTabSz="914400" rtl="0" eaLnBrk="1" latinLnBrk="0" hangingPunct="1">
+                  <a:defRPr sz="1800" kern="1200">
+                    <a:solidFill>
+                      <a:schemeClr val="lt1"/>
+                    </a:solidFill>
+                    <a:latin typeface="+mn-lt"/>
+                    <a:ea typeface="+mn-ea"/>
+                    <a:cs typeface="+mn-cs"/>
+                  </a:defRPr>
+                </a:lvl3pPr>
+                <a:lvl4pPr marL="1371600" algn="l" defTabSz="914400" rtl="0" eaLnBrk="1" latinLnBrk="0" hangingPunct="1">
+                  <a:defRPr sz="1800" kern="1200">
+                    <a:solidFill>
+                      <a:schemeClr val="lt1"/>
+                    </a:solidFill>
+                    <a:latin typeface="+mn-lt"/>
+                    <a:ea typeface="+mn-ea"/>
+                    <a:cs typeface="+mn-cs"/>
+                  </a:defRPr>
+                </a:lvl4pPr>
+                <a:lvl5pPr marL="1828800" algn="l" defTabSz="914400" rtl="0" eaLnBrk="1" latinLnBrk="0" hangingPunct="1">
+                  <a:defRPr sz="1800" kern="1200">
+                    <a:solidFill>
+                      <a:schemeClr val="lt1"/>
+                    </a:solidFill>
+                    <a:latin typeface="+mn-lt"/>
+                    <a:ea typeface="+mn-ea"/>
+                    <a:cs typeface="+mn-cs"/>
+                  </a:defRPr>
+                </a:lvl5pPr>
+                <a:lvl6pPr marL="2286000" algn="l" defTabSz="914400" rtl="0" eaLnBrk="1" latinLnBrk="0" hangingPunct="1">
+                  <a:defRPr sz="1800" kern="1200">
+                    <a:solidFill>
+                      <a:schemeClr val="lt1"/>
+                    </a:solidFill>
+                    <a:latin typeface="+mn-lt"/>
+                    <a:ea typeface="+mn-ea"/>
+                    <a:cs typeface="+mn-cs"/>
+                  </a:defRPr>
+                </a:lvl6pPr>
+                <a:lvl7pPr marL="2743200" algn="l" defTabSz="914400" rtl="0" eaLnBrk="1" latinLnBrk="0" hangingPunct="1">
+                  <a:defRPr sz="1800" kern="1200">
+                    <a:solidFill>
+                      <a:schemeClr val="lt1"/>
+                    </a:solidFill>
+                    <a:latin typeface="+mn-lt"/>
+                    <a:ea typeface="+mn-ea"/>
+                    <a:cs typeface="+mn-cs"/>
+                  </a:defRPr>
+                </a:lvl7pPr>
+                <a:lvl8pPr marL="3200400" algn="l" defTabSz="914400" rtl="0" eaLnBrk="1" latinLnBrk="0" hangingPunct="1">
+                  <a:defRPr sz="1800" kern="1200">
+                    <a:solidFill>
+                      <a:schemeClr val="lt1"/>
+                    </a:solidFill>
+                    <a:latin typeface="+mn-lt"/>
+                    <a:ea typeface="+mn-ea"/>
+                    <a:cs typeface="+mn-cs"/>
+                  </a:defRPr>
+                </a:lvl8pPr>
+                <a:lvl9pPr marL="3657600" algn="l" defTabSz="914400" rtl="0" eaLnBrk="1" latinLnBrk="0" hangingPunct="1">
+                  <a:defRPr sz="1800" kern="1200">
+                    <a:solidFill>
+                      <a:schemeClr val="lt1"/>
+                    </a:solidFill>
+                    <a:latin typeface="+mn-lt"/>
+                    <a:ea typeface="+mn-ea"/>
+                    <a:cs typeface="+mn-cs"/>
+                  </a:defRPr>
+                </a:lvl9pPr>
+              </a:lstStyle>
+              <a:p>
+                <a:pPr algn="ctr"/>
+                <a:r>
+                  <a:rPr lang="fr-FR" sz="3200" dirty="0"/>
+                  <a:t>1</a:t>
+                </a:r>
+              </a:p>
+            </p:txBody>
+          </p:sp>
+          <p:sp>
+            <p:nvSpPr>
+              <p:cNvPr id="54" name="Ellipse 53"/>
+              <p:cNvSpPr/>
+              <p:nvPr/>
+            </p:nvSpPr>
+            <p:spPr>
+              <a:xfrm>
+                <a:off x="10363270" y="3005961"/>
+                <a:ext cx="631812" cy="627563"/>
+              </a:xfrm>
+              <a:prstGeom prst="ellipse">
+                <a:avLst/>
+              </a:prstGeom>
+              <a:solidFill>
+                <a:srgbClr val="FF0000"/>
+              </a:solidFill>
+              <a:ln>
+                <a:solidFill>
+                  <a:srgbClr val="FF0000"/>
+                </a:solidFill>
+              </a:ln>
+            </p:spPr>
+            <p:style>
+              <a:lnRef idx="2">
+                <a:schemeClr val="accent1">
+                  <a:shade val="50000"/>
+                </a:schemeClr>
+              </a:lnRef>
+              <a:fillRef idx="1">
+                <a:schemeClr val="accent1"/>
+              </a:fillRef>
+              <a:effectRef idx="0">
+                <a:schemeClr val="accent1"/>
+              </a:effectRef>
+              <a:fontRef idx="minor">
+                <a:schemeClr val="lt1"/>
+              </a:fontRef>
+            </p:style>
+            <p:txBody>
+              <a:bodyPr rtlCol="0" anchor="ctr"/>
+              <a:lstStyle>
+                <a:defPPr>
+                  <a:defRPr lang="fr-FR"/>
+                </a:defPPr>
+                <a:lvl1pPr marL="0" algn="l" defTabSz="914400" rtl="0" eaLnBrk="1" latinLnBrk="0" hangingPunct="1">
+                  <a:defRPr sz="1800" kern="1200">
+                    <a:solidFill>
+                      <a:schemeClr val="lt1"/>
+                    </a:solidFill>
+                    <a:latin typeface="+mn-lt"/>
+                    <a:ea typeface="+mn-ea"/>
+                    <a:cs typeface="+mn-cs"/>
+                  </a:defRPr>
+                </a:lvl1pPr>
+                <a:lvl2pPr marL="457200" algn="l" defTabSz="914400" rtl="0" eaLnBrk="1" latinLnBrk="0" hangingPunct="1">
+                  <a:defRPr sz="1800" kern="1200">
+                    <a:solidFill>
+                      <a:schemeClr val="lt1"/>
+                    </a:solidFill>
+                    <a:latin typeface="+mn-lt"/>
+                    <a:ea typeface="+mn-ea"/>
+                    <a:cs typeface="+mn-cs"/>
+                  </a:defRPr>
+                </a:lvl2pPr>
+                <a:lvl3pPr marL="914400" algn="l" defTabSz="914400" rtl="0" eaLnBrk="1" latinLnBrk="0" hangingPunct="1">
+                  <a:defRPr sz="1800" kern="1200">
+                    <a:solidFill>
+                      <a:schemeClr val="lt1"/>
+                    </a:solidFill>
+                    <a:latin typeface="+mn-lt"/>
+                    <a:ea typeface="+mn-ea"/>
+                    <a:cs typeface="+mn-cs"/>
+                  </a:defRPr>
+                </a:lvl3pPr>
+                <a:lvl4pPr marL="1371600" algn="l" defTabSz="914400" rtl="0" eaLnBrk="1" latinLnBrk="0" hangingPunct="1">
+                  <a:defRPr sz="1800" kern="1200">
+                    <a:solidFill>
+                      <a:schemeClr val="lt1"/>
+                    </a:solidFill>
+                    <a:latin typeface="+mn-lt"/>
+                    <a:ea typeface="+mn-ea"/>
+                    <a:cs typeface="+mn-cs"/>
+                  </a:defRPr>
+                </a:lvl4pPr>
+                <a:lvl5pPr marL="1828800" algn="l" defTabSz="914400" rtl="0" eaLnBrk="1" latinLnBrk="0" hangingPunct="1">
+                  <a:defRPr sz="1800" kern="1200">
+                    <a:solidFill>
+                      <a:schemeClr val="lt1"/>
+                    </a:solidFill>
+                    <a:latin typeface="+mn-lt"/>
+                    <a:ea typeface="+mn-ea"/>
+                    <a:cs typeface="+mn-cs"/>
+                  </a:defRPr>
+                </a:lvl5pPr>
+                <a:lvl6pPr marL="2286000" algn="l" defTabSz="914400" rtl="0" eaLnBrk="1" latinLnBrk="0" hangingPunct="1">
+                  <a:defRPr sz="1800" kern="1200">
+                    <a:solidFill>
+                      <a:schemeClr val="lt1"/>
+                    </a:solidFill>
+                    <a:latin typeface="+mn-lt"/>
+                    <a:ea typeface="+mn-ea"/>
+                    <a:cs typeface="+mn-cs"/>
+                  </a:defRPr>
+                </a:lvl6pPr>
+                <a:lvl7pPr marL="2743200" algn="l" defTabSz="914400" rtl="0" eaLnBrk="1" latinLnBrk="0" hangingPunct="1">
+                  <a:defRPr sz="1800" kern="1200">
+                    <a:solidFill>
+                      <a:schemeClr val="lt1"/>
+                    </a:solidFill>
+                    <a:latin typeface="+mn-lt"/>
+                    <a:ea typeface="+mn-ea"/>
+                    <a:cs typeface="+mn-cs"/>
+                  </a:defRPr>
+                </a:lvl7pPr>
+                <a:lvl8pPr marL="3200400" algn="l" defTabSz="914400" rtl="0" eaLnBrk="1" latinLnBrk="0" hangingPunct="1">
+                  <a:defRPr sz="1800" kern="1200">
+                    <a:solidFill>
+                      <a:schemeClr val="lt1"/>
+                    </a:solidFill>
+                    <a:latin typeface="+mn-lt"/>
+                    <a:ea typeface="+mn-ea"/>
+                    <a:cs typeface="+mn-cs"/>
+                  </a:defRPr>
+                </a:lvl8pPr>
+                <a:lvl9pPr marL="3657600" algn="l" defTabSz="914400" rtl="0" eaLnBrk="1" latinLnBrk="0" hangingPunct="1">
+                  <a:defRPr sz="1800" kern="1200">
+                    <a:solidFill>
+                      <a:schemeClr val="lt1"/>
+                    </a:solidFill>
+                    <a:latin typeface="+mn-lt"/>
+                    <a:ea typeface="+mn-ea"/>
+                    <a:cs typeface="+mn-cs"/>
+                  </a:defRPr>
+                </a:lvl9pPr>
+              </a:lstStyle>
+              <a:p>
+                <a:pPr algn="ctr"/>
+                <a:r>
+                  <a:rPr lang="fr-FR" sz="3200" dirty="0"/>
+                  <a:t>4</a:t>
+                </a:r>
+              </a:p>
+            </p:txBody>
+          </p:sp>
+          <p:sp>
+            <p:nvSpPr>
+              <p:cNvPr id="55" name="Ellipse 54"/>
+              <p:cNvSpPr/>
+              <p:nvPr/>
+            </p:nvSpPr>
+            <p:spPr>
+              <a:xfrm>
+                <a:off x="10996759" y="3952344"/>
+                <a:ext cx="631812" cy="627563"/>
+              </a:xfrm>
+              <a:prstGeom prst="ellipse">
+                <a:avLst/>
+              </a:prstGeom>
+              <a:solidFill>
+                <a:schemeClr val="tx1"/>
+              </a:solidFill>
+              <a:ln>
+                <a:solidFill>
+                  <a:schemeClr val="tx1"/>
+                </a:solidFill>
+              </a:ln>
+            </p:spPr>
+            <p:style>
+              <a:lnRef idx="2">
+                <a:schemeClr val="accent1">
+                  <a:shade val="50000"/>
+                </a:schemeClr>
+              </a:lnRef>
+              <a:fillRef idx="1">
+                <a:schemeClr val="accent1"/>
+              </a:fillRef>
+              <a:effectRef idx="0">
+                <a:schemeClr val="accent1"/>
+              </a:effectRef>
+              <a:fontRef idx="minor">
+                <a:schemeClr val="lt1"/>
+              </a:fontRef>
+            </p:style>
+            <p:txBody>
+              <a:bodyPr rtlCol="0" anchor="ctr"/>
+              <a:lstStyle>
+                <a:defPPr>
+                  <a:defRPr lang="fr-FR"/>
+                </a:defPPr>
+                <a:lvl1pPr marL="0" algn="l" defTabSz="914400" rtl="0" eaLnBrk="1" latinLnBrk="0" hangingPunct="1">
+                  <a:defRPr sz="1800" kern="1200">
+                    <a:solidFill>
+                      <a:schemeClr val="lt1"/>
+                    </a:solidFill>
+                    <a:latin typeface="+mn-lt"/>
+                    <a:ea typeface="+mn-ea"/>
+                    <a:cs typeface="+mn-cs"/>
+                  </a:defRPr>
+                </a:lvl1pPr>
+                <a:lvl2pPr marL="457200" algn="l" defTabSz="914400" rtl="0" eaLnBrk="1" latinLnBrk="0" hangingPunct="1">
+                  <a:defRPr sz="1800" kern="1200">
+                    <a:solidFill>
+                      <a:schemeClr val="lt1"/>
+                    </a:solidFill>
+                    <a:latin typeface="+mn-lt"/>
+                    <a:ea typeface="+mn-ea"/>
+                    <a:cs typeface="+mn-cs"/>
+                  </a:defRPr>
+                </a:lvl2pPr>
+                <a:lvl3pPr marL="914400" algn="l" defTabSz="914400" rtl="0" eaLnBrk="1" latinLnBrk="0" hangingPunct="1">
+                  <a:defRPr sz="1800" kern="1200">
+                    <a:solidFill>
+                      <a:schemeClr val="lt1"/>
+                    </a:solidFill>
+                    <a:latin typeface="+mn-lt"/>
+                    <a:ea typeface="+mn-ea"/>
+                    <a:cs typeface="+mn-cs"/>
+                  </a:defRPr>
+                </a:lvl3pPr>
+                <a:lvl4pPr marL="1371600" algn="l" defTabSz="914400" rtl="0" eaLnBrk="1" latinLnBrk="0" hangingPunct="1">
+                  <a:defRPr sz="1800" kern="1200">
+                    <a:solidFill>
+                      <a:schemeClr val="lt1"/>
+                    </a:solidFill>
+                    <a:latin typeface="+mn-lt"/>
+                    <a:ea typeface="+mn-ea"/>
+                    <a:cs typeface="+mn-cs"/>
+                  </a:defRPr>
+                </a:lvl4pPr>
+                <a:lvl5pPr marL="1828800" algn="l" defTabSz="914400" rtl="0" eaLnBrk="1" latinLnBrk="0" hangingPunct="1">
+                  <a:defRPr sz="1800" kern="1200">
+                    <a:solidFill>
+                      <a:schemeClr val="lt1"/>
+                    </a:solidFill>
+                    <a:latin typeface="+mn-lt"/>
+                    <a:ea typeface="+mn-ea"/>
+                    <a:cs typeface="+mn-cs"/>
+                  </a:defRPr>
+                </a:lvl5pPr>
+                <a:lvl6pPr marL="2286000" algn="l" defTabSz="914400" rtl="0" eaLnBrk="1" latinLnBrk="0" hangingPunct="1">
+                  <a:defRPr sz="1800" kern="1200">
+                    <a:solidFill>
+                      <a:schemeClr val="lt1"/>
+                    </a:solidFill>
+                    <a:latin typeface="+mn-lt"/>
+                    <a:ea typeface="+mn-ea"/>
+                    <a:cs typeface="+mn-cs"/>
+                  </a:defRPr>
+                </a:lvl6pPr>
+                <a:lvl7pPr marL="2743200" algn="l" defTabSz="914400" rtl="0" eaLnBrk="1" latinLnBrk="0" hangingPunct="1">
+                  <a:defRPr sz="1800" kern="1200">
+                    <a:solidFill>
+                      <a:schemeClr val="lt1"/>
+                    </a:solidFill>
+                    <a:latin typeface="+mn-lt"/>
+                    <a:ea typeface="+mn-ea"/>
+                    <a:cs typeface="+mn-cs"/>
+                  </a:defRPr>
+                </a:lvl7pPr>
+                <a:lvl8pPr marL="3200400" algn="l" defTabSz="914400" rtl="0" eaLnBrk="1" latinLnBrk="0" hangingPunct="1">
+                  <a:defRPr sz="1800" kern="1200">
+                    <a:solidFill>
+                      <a:schemeClr val="lt1"/>
+                    </a:solidFill>
+                    <a:latin typeface="+mn-lt"/>
+                    <a:ea typeface="+mn-ea"/>
+                    <a:cs typeface="+mn-cs"/>
+                  </a:defRPr>
+                </a:lvl8pPr>
+                <a:lvl9pPr marL="3657600" algn="l" defTabSz="914400" rtl="0" eaLnBrk="1" latinLnBrk="0" hangingPunct="1">
+                  <a:defRPr sz="1800" kern="1200">
+                    <a:solidFill>
+                      <a:schemeClr val="lt1"/>
+                    </a:solidFill>
+                    <a:latin typeface="+mn-lt"/>
+                    <a:ea typeface="+mn-ea"/>
+                    <a:cs typeface="+mn-cs"/>
+                  </a:defRPr>
+                </a:lvl9pPr>
+              </a:lstStyle>
+              <a:p>
+                <a:pPr algn="ctr"/>
+                <a:r>
+                  <a:rPr lang="fr-FR" sz="3200" dirty="0"/>
+                  <a:t>5</a:t>
+                </a:r>
+              </a:p>
+            </p:txBody>
+          </p:sp>
+          <p:cxnSp>
+            <p:nvCxnSpPr>
+              <p:cNvPr id="56" name="Connecteur droit avec flèche 55"/>
+              <p:cNvCxnSpPr/>
+              <p:nvPr/>
+            </p:nvCxnSpPr>
+            <p:spPr>
+              <a:xfrm>
+                <a:off x="10250314" y="2627012"/>
+                <a:ext cx="262181" cy="427605"/>
+              </a:xfrm>
+              <a:prstGeom prst="straightConnector1">
+                <a:avLst/>
+              </a:prstGeom>
+              <a:ln w="38100">
+                <a:solidFill>
+                  <a:schemeClr val="accent1"/>
+                </a:solidFill>
+                <a:tailEnd type="triangle"/>
+              </a:ln>
+            </p:spPr>
+            <p:style>
+              <a:lnRef idx="1">
+                <a:schemeClr val="dk1"/>
+              </a:lnRef>
+              <a:fillRef idx="0">
+                <a:schemeClr val="dk1"/>
+              </a:fillRef>
+              <a:effectRef idx="0">
+                <a:schemeClr val="dk1"/>
+              </a:effectRef>
+              <a:fontRef idx="minor">
+                <a:schemeClr val="tx1"/>
+              </a:fontRef>
+            </p:style>
+          </p:cxnSp>
+          <p:cxnSp>
+            <p:nvCxnSpPr>
+              <p:cNvPr id="57" name="Connecteur droit avec flèche 56"/>
+              <p:cNvCxnSpPr/>
+              <p:nvPr/>
+            </p:nvCxnSpPr>
+            <p:spPr>
+              <a:xfrm>
+                <a:off x="10863991" y="3598716"/>
+                <a:ext cx="262181" cy="427605"/>
+              </a:xfrm>
+              <a:prstGeom prst="straightConnector1">
+                <a:avLst/>
+              </a:prstGeom>
+              <a:ln w="38100">
+                <a:solidFill>
+                  <a:schemeClr val="accent1"/>
+                </a:solidFill>
+                <a:tailEnd type="triangle"/>
+              </a:ln>
+            </p:spPr>
+            <p:style>
+              <a:lnRef idx="1">
+                <a:schemeClr val="dk1"/>
+              </a:lnRef>
+              <a:fillRef idx="0">
+                <a:schemeClr val="dk1"/>
+              </a:fillRef>
+              <a:effectRef idx="0">
+                <a:schemeClr val="dk1"/>
+              </a:effectRef>
+              <a:fontRef idx="minor">
+                <a:schemeClr val="tx1"/>
+              </a:fontRef>
+            </p:style>
+          </p:cxnSp>
+          <p:cxnSp>
+            <p:nvCxnSpPr>
+              <p:cNvPr id="58" name="Connecteur droit avec flèche 57"/>
+              <p:cNvCxnSpPr/>
+              <p:nvPr/>
+            </p:nvCxnSpPr>
+            <p:spPr>
+              <a:xfrm flipH="1">
+                <a:off x="9595937" y="2627011"/>
+                <a:ext cx="262181" cy="427605"/>
+              </a:xfrm>
+              <a:prstGeom prst="straightConnector1">
+                <a:avLst/>
+              </a:prstGeom>
+              <a:ln w="38100">
+                <a:solidFill>
+                  <a:srgbClr val="FF0000"/>
+                </a:solidFill>
+                <a:tailEnd type="triangle"/>
+              </a:ln>
+            </p:spPr>
+            <p:style>
+              <a:lnRef idx="1">
+                <a:schemeClr val="dk1"/>
+              </a:lnRef>
+              <a:fillRef idx="0">
+                <a:schemeClr val="dk1"/>
+              </a:fillRef>
+              <a:effectRef idx="0">
+                <a:schemeClr val="dk1"/>
+              </a:effectRef>
+              <a:fontRef idx="minor">
+                <a:schemeClr val="tx1"/>
+              </a:fontRef>
+            </p:style>
+          </p:cxnSp>
+          <p:sp>
+            <p:nvSpPr>
+              <p:cNvPr id="59" name="Ellipse 58"/>
+              <p:cNvSpPr/>
+              <p:nvPr/>
+            </p:nvSpPr>
+            <p:spPr>
+              <a:xfrm>
+                <a:off x="9763774" y="3952344"/>
+                <a:ext cx="631812" cy="627563"/>
+              </a:xfrm>
+              <a:prstGeom prst="ellipse">
+                <a:avLst/>
+              </a:prstGeom>
+              <a:solidFill>
+                <a:schemeClr val="tx1"/>
+              </a:solidFill>
+              <a:ln>
+                <a:solidFill>
+                  <a:schemeClr val="tx1"/>
+                </a:solidFill>
+              </a:ln>
+            </p:spPr>
+            <p:style>
+              <a:lnRef idx="2">
+                <a:schemeClr val="accent1">
+                  <a:shade val="50000"/>
+                </a:schemeClr>
+              </a:lnRef>
+              <a:fillRef idx="1">
+                <a:schemeClr val="accent1"/>
+              </a:fillRef>
+              <a:effectRef idx="0">
+                <a:schemeClr val="accent1"/>
+              </a:effectRef>
+              <a:fontRef idx="minor">
+                <a:schemeClr val="lt1"/>
+              </a:fontRef>
+            </p:style>
+            <p:txBody>
+              <a:bodyPr rtlCol="0" anchor="ctr"/>
+              <a:lstStyle>
+                <a:defPPr>
+                  <a:defRPr lang="fr-FR"/>
+                </a:defPPr>
+                <a:lvl1pPr marL="0" algn="l" defTabSz="914400" rtl="0" eaLnBrk="1" latinLnBrk="0" hangingPunct="1">
+                  <a:defRPr sz="1800" kern="1200">
+                    <a:solidFill>
+                      <a:schemeClr val="lt1"/>
+                    </a:solidFill>
+                    <a:latin typeface="+mn-lt"/>
+                    <a:ea typeface="+mn-ea"/>
+                    <a:cs typeface="+mn-cs"/>
+                  </a:defRPr>
+                </a:lvl1pPr>
+                <a:lvl2pPr marL="457200" algn="l" defTabSz="914400" rtl="0" eaLnBrk="1" latinLnBrk="0" hangingPunct="1">
+                  <a:defRPr sz="1800" kern="1200">
+                    <a:solidFill>
+                      <a:schemeClr val="lt1"/>
+                    </a:solidFill>
+                    <a:latin typeface="+mn-lt"/>
+                    <a:ea typeface="+mn-ea"/>
+                    <a:cs typeface="+mn-cs"/>
+                  </a:defRPr>
+                </a:lvl2pPr>
+                <a:lvl3pPr marL="914400" algn="l" defTabSz="914400" rtl="0" eaLnBrk="1" latinLnBrk="0" hangingPunct="1">
+                  <a:defRPr sz="1800" kern="1200">
+                    <a:solidFill>
+                      <a:schemeClr val="lt1"/>
+                    </a:solidFill>
+                    <a:latin typeface="+mn-lt"/>
+                    <a:ea typeface="+mn-ea"/>
+                    <a:cs typeface="+mn-cs"/>
+                  </a:defRPr>
+                </a:lvl3pPr>
+                <a:lvl4pPr marL="1371600" algn="l" defTabSz="914400" rtl="0" eaLnBrk="1" latinLnBrk="0" hangingPunct="1">
+                  <a:defRPr sz="1800" kern="1200">
+                    <a:solidFill>
+                      <a:schemeClr val="lt1"/>
+                    </a:solidFill>
+                    <a:latin typeface="+mn-lt"/>
+                    <a:ea typeface="+mn-ea"/>
+                    <a:cs typeface="+mn-cs"/>
+                  </a:defRPr>
+                </a:lvl4pPr>
+                <a:lvl5pPr marL="1828800" algn="l" defTabSz="914400" rtl="0" eaLnBrk="1" latinLnBrk="0" hangingPunct="1">
+                  <a:defRPr sz="1800" kern="1200">
+                    <a:solidFill>
+                      <a:schemeClr val="lt1"/>
+                    </a:solidFill>
+                    <a:latin typeface="+mn-lt"/>
+                    <a:ea typeface="+mn-ea"/>
+                    <a:cs typeface="+mn-cs"/>
+                  </a:defRPr>
+                </a:lvl5pPr>
+                <a:lvl6pPr marL="2286000" algn="l" defTabSz="914400" rtl="0" eaLnBrk="1" latinLnBrk="0" hangingPunct="1">
+                  <a:defRPr sz="1800" kern="1200">
+                    <a:solidFill>
+                      <a:schemeClr val="lt1"/>
+                    </a:solidFill>
+                    <a:latin typeface="+mn-lt"/>
+                    <a:ea typeface="+mn-ea"/>
+                    <a:cs typeface="+mn-cs"/>
+                  </a:defRPr>
+                </a:lvl6pPr>
+                <a:lvl7pPr marL="2743200" algn="l" defTabSz="914400" rtl="0" eaLnBrk="1" latinLnBrk="0" hangingPunct="1">
+                  <a:defRPr sz="1800" kern="1200">
+                    <a:solidFill>
+                      <a:schemeClr val="lt1"/>
+                    </a:solidFill>
+                    <a:latin typeface="+mn-lt"/>
+                    <a:ea typeface="+mn-ea"/>
+                    <a:cs typeface="+mn-cs"/>
+                  </a:defRPr>
+                </a:lvl7pPr>
+                <a:lvl8pPr marL="3200400" algn="l" defTabSz="914400" rtl="0" eaLnBrk="1" latinLnBrk="0" hangingPunct="1">
+                  <a:defRPr sz="1800" kern="1200">
+                    <a:solidFill>
+                      <a:schemeClr val="lt1"/>
+                    </a:solidFill>
+                    <a:latin typeface="+mn-lt"/>
+                    <a:ea typeface="+mn-ea"/>
+                    <a:cs typeface="+mn-cs"/>
+                  </a:defRPr>
+                </a:lvl8pPr>
+                <a:lvl9pPr marL="3657600" algn="l" defTabSz="914400" rtl="0" eaLnBrk="1" latinLnBrk="0" hangingPunct="1">
+                  <a:defRPr sz="1800" kern="1200">
+                    <a:solidFill>
+                      <a:schemeClr val="lt1"/>
+                    </a:solidFill>
+                    <a:latin typeface="+mn-lt"/>
+                    <a:ea typeface="+mn-ea"/>
+                    <a:cs typeface="+mn-cs"/>
+                  </a:defRPr>
+                </a:lvl9pPr>
+              </a:lstStyle>
+              <a:p>
+                <a:pPr algn="ctr"/>
+                <a:r>
+                  <a:rPr lang="fr-FR" sz="3200" dirty="0"/>
+                  <a:t>3</a:t>
+                </a:r>
+              </a:p>
+            </p:txBody>
+          </p:sp>
+          <p:cxnSp>
+            <p:nvCxnSpPr>
+              <p:cNvPr id="60" name="Connecteur droit avec flèche 59"/>
+              <p:cNvCxnSpPr/>
+              <p:nvPr/>
+            </p:nvCxnSpPr>
+            <p:spPr>
+              <a:xfrm flipH="1">
+                <a:off x="10263419" y="3573394"/>
+                <a:ext cx="262181" cy="427605"/>
+              </a:xfrm>
+              <a:prstGeom prst="straightConnector1">
+                <a:avLst/>
+              </a:prstGeom>
+              <a:ln w="38100">
+                <a:solidFill>
+                  <a:srgbClr val="FF0000"/>
+                </a:solidFill>
+                <a:tailEnd type="triangle"/>
+              </a:ln>
+            </p:spPr>
+            <p:style>
+              <a:lnRef idx="1">
+                <a:schemeClr val="dk1"/>
+              </a:lnRef>
+              <a:fillRef idx="0">
+                <a:schemeClr val="dk1"/>
+              </a:fillRef>
+              <a:effectRef idx="0">
+                <a:schemeClr val="dk1"/>
+              </a:effectRef>
+              <a:fontRef idx="minor">
+                <a:schemeClr val="tx1"/>
+              </a:fontRef>
+            </p:style>
+          </p:cxnSp>
+        </p:grpSp>
+        <p:sp>
+          <p:nvSpPr>
+            <p:cNvPr id="50" name="Flèche droite 49"/>
+            <p:cNvSpPr/>
+            <p:nvPr/>
+          </p:nvSpPr>
+          <p:spPr>
+            <a:xfrm>
+              <a:off x="8047965" y="3239589"/>
+              <a:ext cx="730275" cy="393935"/>
+            </a:xfrm>
+            <a:prstGeom prst="rightArrow">
+              <a:avLst/>
+            </a:prstGeom>
+          </p:spPr>
+          <p:style>
+            <a:lnRef idx="2">
+              <a:schemeClr val="accent1">
+                <a:shade val="50000"/>
+              </a:schemeClr>
+            </a:lnRef>
+            <a:fillRef idx="1">
+              <a:schemeClr val="accent1"/>
+            </a:fillRef>
+            <a:effectRef idx="0">
+              <a:schemeClr val="accent1"/>
+            </a:effectRef>
+            <a:fontRef idx="minor">
+              <a:schemeClr val="lt1"/>
+            </a:fontRef>
+          </p:style>
+          <p:txBody>
+            <a:bodyPr rtlCol="0" anchor="ctr"/>
+            <a:lstStyle>
+              <a:defPPr>
+                <a:defRPr lang="fr-FR"/>
+              </a:defPPr>
+              <a:lvl1pPr marL="0" algn="l" defTabSz="914400" rtl="0" eaLnBrk="1" latinLnBrk="0" hangingPunct="1">
+                <a:defRPr sz="1800" kern="1200">
+                  <a:solidFill>
+                    <a:schemeClr val="lt1"/>
+                  </a:solidFill>
+                  <a:latin typeface="+mn-lt"/>
+                  <a:ea typeface="+mn-ea"/>
+                  <a:cs typeface="+mn-cs"/>
+                </a:defRPr>
+              </a:lvl1pPr>
+              <a:lvl2pPr marL="457200" algn="l" defTabSz="914400" rtl="0" eaLnBrk="1" latinLnBrk="0" hangingPunct="1">
+                <a:defRPr sz="1800" kern="1200">
+                  <a:solidFill>
+                    <a:schemeClr val="lt1"/>
+                  </a:solidFill>
+                  <a:latin typeface="+mn-lt"/>
+                  <a:ea typeface="+mn-ea"/>
+                  <a:cs typeface="+mn-cs"/>
+                </a:defRPr>
+              </a:lvl2pPr>
+              <a:lvl3pPr marL="914400" algn="l" defTabSz="914400" rtl="0" eaLnBrk="1" latinLnBrk="0" hangingPunct="1">
+                <a:defRPr sz="1800" kern="1200">
+                  <a:solidFill>
+                    <a:schemeClr val="lt1"/>
+                  </a:solidFill>
+                  <a:latin typeface="+mn-lt"/>
+                  <a:ea typeface="+mn-ea"/>
+                  <a:cs typeface="+mn-cs"/>
+                </a:defRPr>
+              </a:lvl3pPr>
+              <a:lvl4pPr marL="1371600" algn="l" defTabSz="914400" rtl="0" eaLnBrk="1" latinLnBrk="0" hangingPunct="1">
+                <a:defRPr sz="1800" kern="1200">
+                  <a:solidFill>
+                    <a:schemeClr val="lt1"/>
+                  </a:solidFill>
+                  <a:latin typeface="+mn-lt"/>
+                  <a:ea typeface="+mn-ea"/>
+                  <a:cs typeface="+mn-cs"/>
+                </a:defRPr>
+              </a:lvl4pPr>
+              <a:lvl5pPr marL="1828800" algn="l" defTabSz="914400" rtl="0" eaLnBrk="1" latinLnBrk="0" hangingPunct="1">
+                <a:defRPr sz="1800" kern="1200">
+                  <a:solidFill>
+                    <a:schemeClr val="lt1"/>
+                  </a:solidFill>
+                  <a:latin typeface="+mn-lt"/>
+                  <a:ea typeface="+mn-ea"/>
+                  <a:cs typeface="+mn-cs"/>
+                </a:defRPr>
+              </a:lvl5pPr>
+              <a:lvl6pPr marL="2286000" algn="l" defTabSz="914400" rtl="0" eaLnBrk="1" latinLnBrk="0" hangingPunct="1">
+                <a:defRPr sz="1800" kern="1200">
+                  <a:solidFill>
+                    <a:schemeClr val="lt1"/>
+                  </a:solidFill>
+                  <a:latin typeface="+mn-lt"/>
+                  <a:ea typeface="+mn-ea"/>
+                  <a:cs typeface="+mn-cs"/>
+                </a:defRPr>
+              </a:lvl6pPr>
+              <a:lvl7pPr marL="2743200" algn="l" defTabSz="914400" rtl="0" eaLnBrk="1" latinLnBrk="0" hangingPunct="1">
+                <a:defRPr sz="1800" kern="1200">
+                  <a:solidFill>
+                    <a:schemeClr val="lt1"/>
+                  </a:solidFill>
+                  <a:latin typeface="+mn-lt"/>
+                  <a:ea typeface="+mn-ea"/>
+                  <a:cs typeface="+mn-cs"/>
+                </a:defRPr>
+              </a:lvl7pPr>
+              <a:lvl8pPr marL="3200400" algn="l" defTabSz="914400" rtl="0" eaLnBrk="1" latinLnBrk="0" hangingPunct="1">
+                <a:defRPr sz="1800" kern="1200">
+                  <a:solidFill>
+                    <a:schemeClr val="lt1"/>
+                  </a:solidFill>
+                  <a:latin typeface="+mn-lt"/>
+                  <a:ea typeface="+mn-ea"/>
+                  <a:cs typeface="+mn-cs"/>
+                </a:defRPr>
+              </a:lvl8pPr>
+              <a:lvl9pPr marL="3657600" algn="l" defTabSz="914400" rtl="0" eaLnBrk="1" latinLnBrk="0" hangingPunct="1">
+                <a:defRPr sz="1800" kern="1200">
+                  <a:solidFill>
+                    <a:schemeClr val="lt1"/>
+                  </a:solidFill>
+                  <a:latin typeface="+mn-lt"/>
+                  <a:ea typeface="+mn-ea"/>
+                  <a:cs typeface="+mn-cs"/>
+                </a:defRPr>
+              </a:lvl9pPr>
+            </a:lstStyle>
+            <a:p>
+              <a:pPr algn="ctr"/>
+              <a:endParaRPr lang="fr-FR"/>
+            </a:p>
+          </p:txBody>
+        </p:sp>
+        <p:sp>
+          <p:nvSpPr>
+            <p:cNvPr id="51" name="Flèche en arc 9"/>
+            <p:cNvSpPr/>
+            <p:nvPr/>
+          </p:nvSpPr>
+          <p:spPr>
+            <a:xfrm rot="19194999" flipH="1">
+              <a:off x="6283164" y="2520943"/>
+              <a:ext cx="1416858" cy="1597596"/>
+            </a:xfrm>
+            <a:prstGeom prst="circularArrow">
+              <a:avLst>
+                <a:gd name="adj1" fmla="val 1633"/>
+                <a:gd name="adj2" fmla="val 1142319"/>
+                <a:gd name="adj3" fmla="val 20590268"/>
+                <a:gd name="adj4" fmla="val 5656747"/>
+                <a:gd name="adj5" fmla="val 7717"/>
+              </a:avLst>
+            </a:prstGeom>
+          </p:spPr>
+          <p:style>
+            <a:lnRef idx="2">
+              <a:schemeClr val="accent3">
+                <a:shade val="50000"/>
+              </a:schemeClr>
+            </a:lnRef>
+            <a:fillRef idx="1">
+              <a:schemeClr val="accent3"/>
+            </a:fillRef>
+            <a:effectRef idx="0">
+              <a:schemeClr val="accent3"/>
+            </a:effectRef>
+            <a:fontRef idx="minor">
+              <a:schemeClr val="lt1"/>
+            </a:fontRef>
+          </p:style>
+          <p:txBody>
+            <a:bodyPr rtlCol="0" anchor="ctr"/>
+            <a:lstStyle>
+              <a:defPPr>
+                <a:defRPr lang="fr-FR"/>
+              </a:defPPr>
+              <a:lvl1pPr marL="0" algn="l" defTabSz="914400" rtl="0" eaLnBrk="1" latinLnBrk="0" hangingPunct="1">
+                <a:defRPr sz="1800" kern="1200">
+                  <a:solidFill>
+                    <a:schemeClr val="lt1"/>
+                  </a:solidFill>
+                  <a:latin typeface="+mn-lt"/>
+                  <a:ea typeface="+mn-ea"/>
+                  <a:cs typeface="+mn-cs"/>
+                </a:defRPr>
+              </a:lvl1pPr>
+              <a:lvl2pPr marL="457200" algn="l" defTabSz="914400" rtl="0" eaLnBrk="1" latinLnBrk="0" hangingPunct="1">
+                <a:defRPr sz="1800" kern="1200">
+                  <a:solidFill>
+                    <a:schemeClr val="lt1"/>
+                  </a:solidFill>
+                  <a:latin typeface="+mn-lt"/>
+                  <a:ea typeface="+mn-ea"/>
+                  <a:cs typeface="+mn-cs"/>
+                </a:defRPr>
+              </a:lvl2pPr>
+              <a:lvl3pPr marL="914400" algn="l" defTabSz="914400" rtl="0" eaLnBrk="1" latinLnBrk="0" hangingPunct="1">
+                <a:defRPr sz="1800" kern="1200">
+                  <a:solidFill>
+                    <a:schemeClr val="lt1"/>
+                  </a:solidFill>
+                  <a:latin typeface="+mn-lt"/>
+                  <a:ea typeface="+mn-ea"/>
+                  <a:cs typeface="+mn-cs"/>
+                </a:defRPr>
+              </a:lvl3pPr>
+              <a:lvl4pPr marL="1371600" algn="l" defTabSz="914400" rtl="0" eaLnBrk="1" latinLnBrk="0" hangingPunct="1">
+                <a:defRPr sz="1800" kern="1200">
+                  <a:solidFill>
+                    <a:schemeClr val="lt1"/>
+                  </a:solidFill>
+                  <a:latin typeface="+mn-lt"/>
+                  <a:ea typeface="+mn-ea"/>
+                  <a:cs typeface="+mn-cs"/>
+                </a:defRPr>
+              </a:lvl4pPr>
+              <a:lvl5pPr marL="1828800" algn="l" defTabSz="914400" rtl="0" eaLnBrk="1" latinLnBrk="0" hangingPunct="1">
+                <a:defRPr sz="1800" kern="1200">
+                  <a:solidFill>
+                    <a:schemeClr val="lt1"/>
+                  </a:solidFill>
+                  <a:latin typeface="+mn-lt"/>
+                  <a:ea typeface="+mn-ea"/>
+                  <a:cs typeface="+mn-cs"/>
+                </a:defRPr>
+              </a:lvl5pPr>
+              <a:lvl6pPr marL="2286000" algn="l" defTabSz="914400" rtl="0" eaLnBrk="1" latinLnBrk="0" hangingPunct="1">
+                <a:defRPr sz="1800" kern="1200">
+                  <a:solidFill>
+                    <a:schemeClr val="lt1"/>
+                  </a:solidFill>
+                  <a:latin typeface="+mn-lt"/>
+                  <a:ea typeface="+mn-ea"/>
+                  <a:cs typeface="+mn-cs"/>
+                </a:defRPr>
+              </a:lvl6pPr>
+              <a:lvl7pPr marL="2743200" algn="l" defTabSz="914400" rtl="0" eaLnBrk="1" latinLnBrk="0" hangingPunct="1">
+                <a:defRPr sz="1800" kern="1200">
+                  <a:solidFill>
+                    <a:schemeClr val="lt1"/>
+                  </a:solidFill>
+                  <a:latin typeface="+mn-lt"/>
+                  <a:ea typeface="+mn-ea"/>
+                  <a:cs typeface="+mn-cs"/>
+                </a:defRPr>
+              </a:lvl7pPr>
+              <a:lvl8pPr marL="3200400" algn="l" defTabSz="914400" rtl="0" eaLnBrk="1" latinLnBrk="0" hangingPunct="1">
+                <a:defRPr sz="1800" kern="1200">
+                  <a:solidFill>
+                    <a:schemeClr val="lt1"/>
+                  </a:solidFill>
+                  <a:latin typeface="+mn-lt"/>
+                  <a:ea typeface="+mn-ea"/>
+                  <a:cs typeface="+mn-cs"/>
+                </a:defRPr>
+              </a:lvl8pPr>
+              <a:lvl9pPr marL="3657600" algn="l" defTabSz="914400" rtl="0" eaLnBrk="1" latinLnBrk="0" hangingPunct="1">
+                <a:defRPr sz="1800" kern="1200">
+                  <a:solidFill>
+                    <a:schemeClr val="lt1"/>
+                  </a:solidFill>
+                  <a:latin typeface="+mn-lt"/>
+                  <a:ea typeface="+mn-ea"/>
+                  <a:cs typeface="+mn-cs"/>
+                </a:defRPr>
+              </a:lvl9pPr>
+            </a:lstStyle>
+            <a:p>
+              <a:pPr algn="ctr"/>
+              <a:endParaRPr lang="fr-FR">
+                <a:solidFill>
+                  <a:schemeClr val="tx1"/>
+                </a:solidFill>
+              </a:endParaRPr>
+            </a:p>
+          </p:txBody>
+        </p:sp>
+      </p:grpSp>
       <p:sp>
         <p:nvSpPr>
           <p:cNvPr id="2" name="Titre 1"/>
@@ -24354,8 +25802,8 @@
         </p:nvSpPr>
         <p:spPr>
           <a:xfrm>
-            <a:off x="838200" y="1825625"/>
-            <a:ext cx="3794760" cy="4351338"/>
+            <a:off x="1056239" y="4272643"/>
+            <a:ext cx="3794760" cy="1980202"/>
           </a:xfrm>
         </p:spPr>
         <p:txBody>
@@ -24378,7 +25826,7 @@
           <a:p>
             <a:r>
               <a:rPr lang="en-US" sz="3200" dirty="0"/>
-              <a:t>Balancing</a:t>
+              <a:t>Self balancing</a:t>
             </a:r>
           </a:p>
         </p:txBody>
@@ -24391,7 +25839,7 @@
         </p:nvSpPr>
         <p:spPr>
           <a:xfrm>
-            <a:off x="6050401" y="2063935"/>
+            <a:off x="5819220" y="2063935"/>
             <a:ext cx="631812" cy="627563"/>
           </a:xfrm>
           <a:prstGeom prst="ellipse">
@@ -24442,7 +25890,7 @@
         </p:nvSpPr>
         <p:spPr>
           <a:xfrm>
-            <a:off x="5416912" y="3010318"/>
+            <a:off x="5185731" y="3010318"/>
             <a:ext cx="631812" cy="627563"/>
           </a:xfrm>
           <a:prstGeom prst="ellipse">
@@ -24493,7 +25941,7 @@
         </p:nvSpPr>
         <p:spPr>
           <a:xfrm>
-            <a:off x="6683890" y="3010318"/>
+            <a:off x="6452709" y="3010318"/>
             <a:ext cx="631812" cy="627563"/>
           </a:xfrm>
           <a:prstGeom prst="ellipse">
@@ -24546,7 +25994,7 @@
         </p:nvSpPr>
         <p:spPr>
           <a:xfrm>
-            <a:off x="7317379" y="3956701"/>
+            <a:off x="7086198" y="3956701"/>
             <a:ext cx="631812" cy="627563"/>
           </a:xfrm>
           <a:prstGeom prst="ellipse">
@@ -24597,7 +26045,7 @@
         </p:nvCxnSpPr>
         <p:spPr>
           <a:xfrm>
-            <a:off x="6570934" y="2631369"/>
+            <a:off x="6339753" y="2631369"/>
             <a:ext cx="262181" cy="427605"/>
           </a:xfrm>
           <a:prstGeom prst="straightConnector1">
@@ -24633,7 +26081,7 @@
         </p:nvCxnSpPr>
         <p:spPr>
           <a:xfrm>
-            <a:off x="7184611" y="3603073"/>
+            <a:off x="6953430" y="3603073"/>
             <a:ext cx="262181" cy="427605"/>
           </a:xfrm>
           <a:prstGeom prst="straightConnector1">
@@ -24669,7 +26117,7 @@
         </p:nvCxnSpPr>
         <p:spPr>
           <a:xfrm flipH="1">
-            <a:off x="5916557" y="2631368"/>
+            <a:off x="5685376" y="2631368"/>
             <a:ext cx="262181" cy="427605"/>
           </a:xfrm>
           <a:prstGeom prst="straightConnector1">
@@ -24750,7 +26198,7 @@
         </p:nvGrpSpPr>
         <p:grpSpPr>
           <a:xfrm>
-            <a:off x="5067662" y="4975038"/>
+            <a:off x="1028313" y="2269924"/>
             <a:ext cx="3071802" cy="1411221"/>
             <a:chOff x="342149" y="4949486"/>
             <a:chExt cx="3071802" cy="1411221"/>
@@ -24911,6 +26359,300 @@
           </p:txBody>
         </p:sp>
       </p:grpSp>
+      <p:grpSp>
+        <p:nvGrpSpPr>
+          <p:cNvPr id="45" name="Groupe 44"/>
+          <p:cNvGrpSpPr/>
+          <p:nvPr/>
+        </p:nvGrpSpPr>
+        <p:grpSpPr>
+          <a:xfrm>
+            <a:off x="7683276" y="4692161"/>
+            <a:ext cx="874258" cy="1392206"/>
+            <a:chOff x="7877856" y="4617386"/>
+            <a:chExt cx="874258" cy="1392206"/>
+          </a:xfrm>
+        </p:grpSpPr>
+        <p:sp>
+          <p:nvSpPr>
+            <p:cNvPr id="61" name="Ellipse 60"/>
+            <p:cNvSpPr/>
+            <p:nvPr/>
+          </p:nvSpPr>
+          <p:spPr>
+            <a:xfrm>
+              <a:off x="8120302" y="5382029"/>
+              <a:ext cx="631812" cy="627563"/>
+            </a:xfrm>
+            <a:prstGeom prst="ellipse">
+              <a:avLst/>
+            </a:prstGeom>
+            <a:solidFill>
+              <a:srgbClr val="FF0000"/>
+            </a:solidFill>
+            <a:ln>
+              <a:solidFill>
+                <a:srgbClr val="FF0000"/>
+              </a:solidFill>
+            </a:ln>
+          </p:spPr>
+          <p:style>
+            <a:lnRef idx="2">
+              <a:schemeClr val="accent1">
+                <a:shade val="50000"/>
+              </a:schemeClr>
+            </a:lnRef>
+            <a:fillRef idx="1">
+              <a:schemeClr val="accent1"/>
+            </a:fillRef>
+            <a:effectRef idx="0">
+              <a:schemeClr val="accent1"/>
+            </a:effectRef>
+            <a:fontRef idx="minor">
+              <a:schemeClr val="lt1"/>
+            </a:fontRef>
+          </p:style>
+          <p:txBody>
+            <a:bodyPr rtlCol="0" anchor="ctr"/>
+            <a:lstStyle>
+              <a:defPPr>
+                <a:defRPr lang="fr-FR"/>
+              </a:defPPr>
+              <a:lvl1pPr marL="0" algn="l" defTabSz="914400" rtl="0" eaLnBrk="1" latinLnBrk="0" hangingPunct="1">
+                <a:defRPr sz="1800" kern="1200">
+                  <a:solidFill>
+                    <a:schemeClr val="lt1"/>
+                  </a:solidFill>
+                  <a:latin typeface="+mn-lt"/>
+                  <a:ea typeface="+mn-ea"/>
+                  <a:cs typeface="+mn-cs"/>
+                </a:defRPr>
+              </a:lvl1pPr>
+              <a:lvl2pPr marL="457200" algn="l" defTabSz="914400" rtl="0" eaLnBrk="1" latinLnBrk="0" hangingPunct="1">
+                <a:defRPr sz="1800" kern="1200">
+                  <a:solidFill>
+                    <a:schemeClr val="lt1"/>
+                  </a:solidFill>
+                  <a:latin typeface="+mn-lt"/>
+                  <a:ea typeface="+mn-ea"/>
+                  <a:cs typeface="+mn-cs"/>
+                </a:defRPr>
+              </a:lvl2pPr>
+              <a:lvl3pPr marL="914400" algn="l" defTabSz="914400" rtl="0" eaLnBrk="1" latinLnBrk="0" hangingPunct="1">
+                <a:defRPr sz="1800" kern="1200">
+                  <a:solidFill>
+                    <a:schemeClr val="lt1"/>
+                  </a:solidFill>
+                  <a:latin typeface="+mn-lt"/>
+                  <a:ea typeface="+mn-ea"/>
+                  <a:cs typeface="+mn-cs"/>
+                </a:defRPr>
+              </a:lvl3pPr>
+              <a:lvl4pPr marL="1371600" algn="l" defTabSz="914400" rtl="0" eaLnBrk="1" latinLnBrk="0" hangingPunct="1">
+                <a:defRPr sz="1800" kern="1200">
+                  <a:solidFill>
+                    <a:schemeClr val="lt1"/>
+                  </a:solidFill>
+                  <a:latin typeface="+mn-lt"/>
+                  <a:ea typeface="+mn-ea"/>
+                  <a:cs typeface="+mn-cs"/>
+                </a:defRPr>
+              </a:lvl4pPr>
+              <a:lvl5pPr marL="1828800" algn="l" defTabSz="914400" rtl="0" eaLnBrk="1" latinLnBrk="0" hangingPunct="1">
+                <a:defRPr sz="1800" kern="1200">
+                  <a:solidFill>
+                    <a:schemeClr val="lt1"/>
+                  </a:solidFill>
+                  <a:latin typeface="+mn-lt"/>
+                  <a:ea typeface="+mn-ea"/>
+                  <a:cs typeface="+mn-cs"/>
+                </a:defRPr>
+              </a:lvl5pPr>
+              <a:lvl6pPr marL="2286000" algn="l" defTabSz="914400" rtl="0" eaLnBrk="1" latinLnBrk="0" hangingPunct="1">
+                <a:defRPr sz="1800" kern="1200">
+                  <a:solidFill>
+                    <a:schemeClr val="lt1"/>
+                  </a:solidFill>
+                  <a:latin typeface="+mn-lt"/>
+                  <a:ea typeface="+mn-ea"/>
+                  <a:cs typeface="+mn-cs"/>
+                </a:defRPr>
+              </a:lvl6pPr>
+              <a:lvl7pPr marL="2743200" algn="l" defTabSz="914400" rtl="0" eaLnBrk="1" latinLnBrk="0" hangingPunct="1">
+                <a:defRPr sz="1800" kern="1200">
+                  <a:solidFill>
+                    <a:schemeClr val="lt1"/>
+                  </a:solidFill>
+                  <a:latin typeface="+mn-lt"/>
+                  <a:ea typeface="+mn-ea"/>
+                  <a:cs typeface="+mn-cs"/>
+                </a:defRPr>
+              </a:lvl7pPr>
+              <a:lvl8pPr marL="3200400" algn="l" defTabSz="914400" rtl="0" eaLnBrk="1" latinLnBrk="0" hangingPunct="1">
+                <a:defRPr sz="1800" kern="1200">
+                  <a:solidFill>
+                    <a:schemeClr val="lt1"/>
+                  </a:solidFill>
+                  <a:latin typeface="+mn-lt"/>
+                  <a:ea typeface="+mn-ea"/>
+                  <a:cs typeface="+mn-cs"/>
+                </a:defRPr>
+              </a:lvl8pPr>
+              <a:lvl9pPr marL="3657600" algn="l" defTabSz="914400" rtl="0" eaLnBrk="1" latinLnBrk="0" hangingPunct="1">
+                <a:defRPr sz="1800" kern="1200">
+                  <a:solidFill>
+                    <a:schemeClr val="lt1"/>
+                  </a:solidFill>
+                  <a:latin typeface="+mn-lt"/>
+                  <a:ea typeface="+mn-ea"/>
+                  <a:cs typeface="+mn-cs"/>
+                </a:defRPr>
+              </a:lvl9pPr>
+            </a:lstStyle>
+            <a:p>
+              <a:pPr algn="ctr"/>
+              <a:r>
+                <a:rPr lang="fr-FR" sz="3200" dirty="0"/>
+                <a:t>5</a:t>
+              </a:r>
+            </a:p>
+          </p:txBody>
+        </p:sp>
+        <p:sp>
+          <p:nvSpPr>
+            <p:cNvPr id="62" name="Flèche gauche 51"/>
+            <p:cNvSpPr/>
+            <p:nvPr/>
+          </p:nvSpPr>
+          <p:spPr>
+            <a:xfrm rot="3602346">
+              <a:off x="7668987" y="4826255"/>
+              <a:ext cx="731520" cy="313782"/>
+            </a:xfrm>
+            <a:prstGeom prst="leftArrow">
+              <a:avLst/>
+            </a:prstGeom>
+          </p:spPr>
+          <p:style>
+            <a:lnRef idx="2">
+              <a:schemeClr val="accent1">
+                <a:shade val="50000"/>
+              </a:schemeClr>
+            </a:lnRef>
+            <a:fillRef idx="1">
+              <a:schemeClr val="accent1"/>
+            </a:fillRef>
+            <a:effectRef idx="0">
+              <a:schemeClr val="accent1"/>
+            </a:effectRef>
+            <a:fontRef idx="minor">
+              <a:schemeClr val="lt1"/>
+            </a:fontRef>
+          </p:style>
+          <p:txBody>
+            <a:bodyPr rtlCol="0" anchor="ctr"/>
+            <a:lstStyle>
+              <a:defPPr>
+                <a:defRPr lang="fr-FR"/>
+              </a:defPPr>
+              <a:lvl1pPr marL="0" algn="l" defTabSz="914400" rtl="0" eaLnBrk="1" latinLnBrk="0" hangingPunct="1">
+                <a:defRPr sz="1800" kern="1200">
+                  <a:solidFill>
+                    <a:schemeClr val="lt1"/>
+                  </a:solidFill>
+                  <a:latin typeface="+mn-lt"/>
+                  <a:ea typeface="+mn-ea"/>
+                  <a:cs typeface="+mn-cs"/>
+                </a:defRPr>
+              </a:lvl1pPr>
+              <a:lvl2pPr marL="457200" algn="l" defTabSz="914400" rtl="0" eaLnBrk="1" latinLnBrk="0" hangingPunct="1">
+                <a:defRPr sz="1800" kern="1200">
+                  <a:solidFill>
+                    <a:schemeClr val="lt1"/>
+                  </a:solidFill>
+                  <a:latin typeface="+mn-lt"/>
+                  <a:ea typeface="+mn-ea"/>
+                  <a:cs typeface="+mn-cs"/>
+                </a:defRPr>
+              </a:lvl2pPr>
+              <a:lvl3pPr marL="914400" algn="l" defTabSz="914400" rtl="0" eaLnBrk="1" latinLnBrk="0" hangingPunct="1">
+                <a:defRPr sz="1800" kern="1200">
+                  <a:solidFill>
+                    <a:schemeClr val="lt1"/>
+                  </a:solidFill>
+                  <a:latin typeface="+mn-lt"/>
+                  <a:ea typeface="+mn-ea"/>
+                  <a:cs typeface="+mn-cs"/>
+                </a:defRPr>
+              </a:lvl3pPr>
+              <a:lvl4pPr marL="1371600" algn="l" defTabSz="914400" rtl="0" eaLnBrk="1" latinLnBrk="0" hangingPunct="1">
+                <a:defRPr sz="1800" kern="1200">
+                  <a:solidFill>
+                    <a:schemeClr val="lt1"/>
+                  </a:solidFill>
+                  <a:latin typeface="+mn-lt"/>
+                  <a:ea typeface="+mn-ea"/>
+                  <a:cs typeface="+mn-cs"/>
+                </a:defRPr>
+              </a:lvl4pPr>
+              <a:lvl5pPr marL="1828800" algn="l" defTabSz="914400" rtl="0" eaLnBrk="1" latinLnBrk="0" hangingPunct="1">
+                <a:defRPr sz="1800" kern="1200">
+                  <a:solidFill>
+                    <a:schemeClr val="lt1"/>
+                  </a:solidFill>
+                  <a:latin typeface="+mn-lt"/>
+                  <a:ea typeface="+mn-ea"/>
+                  <a:cs typeface="+mn-cs"/>
+                </a:defRPr>
+              </a:lvl5pPr>
+              <a:lvl6pPr marL="2286000" algn="l" defTabSz="914400" rtl="0" eaLnBrk="1" latinLnBrk="0" hangingPunct="1">
+                <a:defRPr sz="1800" kern="1200">
+                  <a:solidFill>
+                    <a:schemeClr val="lt1"/>
+                  </a:solidFill>
+                  <a:latin typeface="+mn-lt"/>
+                  <a:ea typeface="+mn-ea"/>
+                  <a:cs typeface="+mn-cs"/>
+                </a:defRPr>
+              </a:lvl6pPr>
+              <a:lvl7pPr marL="2743200" algn="l" defTabSz="914400" rtl="0" eaLnBrk="1" latinLnBrk="0" hangingPunct="1">
+                <a:defRPr sz="1800" kern="1200">
+                  <a:solidFill>
+                    <a:schemeClr val="lt1"/>
+                  </a:solidFill>
+                  <a:latin typeface="+mn-lt"/>
+                  <a:ea typeface="+mn-ea"/>
+                  <a:cs typeface="+mn-cs"/>
+                </a:defRPr>
+              </a:lvl7pPr>
+              <a:lvl8pPr marL="3200400" algn="l" defTabSz="914400" rtl="0" eaLnBrk="1" latinLnBrk="0" hangingPunct="1">
+                <a:defRPr sz="1800" kern="1200">
+                  <a:solidFill>
+                    <a:schemeClr val="lt1"/>
+                  </a:solidFill>
+                  <a:latin typeface="+mn-lt"/>
+                  <a:ea typeface="+mn-ea"/>
+                  <a:cs typeface="+mn-cs"/>
+                </a:defRPr>
+              </a:lvl8pPr>
+              <a:lvl9pPr marL="3657600" algn="l" defTabSz="914400" rtl="0" eaLnBrk="1" latinLnBrk="0" hangingPunct="1">
+                <a:defRPr sz="1800" kern="1200">
+                  <a:solidFill>
+                    <a:schemeClr val="lt1"/>
+                  </a:solidFill>
+                  <a:latin typeface="+mn-lt"/>
+                  <a:ea typeface="+mn-ea"/>
+                  <a:cs typeface="+mn-cs"/>
+                </a:defRPr>
+              </a:lvl9pPr>
+            </a:lstStyle>
+            <a:p>
+              <a:pPr algn="ctr"/>
+              <a:endParaRPr lang="fr-FR" dirty="0"/>
+            </a:p>
+          </p:txBody>
+        </p:sp>
+      </p:grpSp>
     </p:spTree>
     <p:extLst>
       <p:ext uri="{BB962C8B-B14F-4D97-AF65-F5344CB8AC3E}">
@@ -24921,6 +26663,153 @@
   <p:clrMapOvr>
     <a:masterClrMapping/>
   </p:clrMapOvr>
+  <p:timing>
+    <p:tnLst>
+      <p:par>
+        <p:cTn id="1" dur="indefinite" restart="never" nodeType="tmRoot">
+          <p:childTnLst>
+            <p:seq concurrent="1" nextAc="seek">
+              <p:cTn id="2" dur="indefinite" nodeType="mainSeq">
+                <p:childTnLst>
+                  <p:par>
+                    <p:cTn id="3" fill="hold">
+                      <p:stCondLst>
+                        <p:cond delay="indefinite"/>
+                      </p:stCondLst>
+                      <p:childTnLst>
+                        <p:par>
+                          <p:cTn id="4" fill="hold">
+                            <p:stCondLst>
+                              <p:cond delay="0"/>
+                            </p:stCondLst>
+                            <p:childTnLst>
+                              <p:par>
+                                <p:cTn id="5" presetID="1" presetClass="entr" presetSubtype="0" fill="hold" nodeType="clickEffect">
+                                  <p:stCondLst>
+                                    <p:cond delay="0"/>
+                                  </p:stCondLst>
+                                  <p:childTnLst>
+                                    <p:set>
+                                      <p:cBhvr>
+                                        <p:cTn id="6" dur="1" fill="hold">
+                                          <p:stCondLst>
+                                            <p:cond delay="0"/>
+                                          </p:stCondLst>
+                                        </p:cTn>
+                                        <p:tgtEl>
+                                          <p:spTgt spid="45"/>
+                                        </p:tgtEl>
+                                        <p:attrNameLst>
+                                          <p:attrName>style.visibility</p:attrName>
+                                        </p:attrNameLst>
+                                      </p:cBhvr>
+                                      <p:to>
+                                        <p:strVal val="visible"/>
+                                      </p:to>
+                                    </p:set>
+                                  </p:childTnLst>
+                                </p:cTn>
+                              </p:par>
+                            </p:childTnLst>
+                          </p:cTn>
+                        </p:par>
+                      </p:childTnLst>
+                    </p:cTn>
+                  </p:par>
+                  <p:par>
+                    <p:cTn id="7" fill="hold">
+                      <p:stCondLst>
+                        <p:cond delay="indefinite"/>
+                      </p:stCondLst>
+                      <p:childTnLst>
+                        <p:par>
+                          <p:cTn id="8" fill="hold">
+                            <p:stCondLst>
+                              <p:cond delay="0"/>
+                            </p:stCondLst>
+                            <p:childTnLst>
+                              <p:par>
+                                <p:cTn id="9" presetID="1" presetClass="exit" presetSubtype="0" fill="hold" nodeType="clickEffect">
+                                  <p:stCondLst>
+                                    <p:cond delay="0"/>
+                                  </p:stCondLst>
+                                  <p:childTnLst>
+                                    <p:set>
+                                      <p:cBhvr>
+                                        <p:cTn id="10" dur="1" fill="hold">
+                                          <p:stCondLst>
+                                            <p:cond delay="0"/>
+                                          </p:stCondLst>
+                                        </p:cTn>
+                                        <p:tgtEl>
+                                          <p:spTgt spid="45"/>
+                                        </p:tgtEl>
+                                        <p:attrNameLst>
+                                          <p:attrName>style.visibility</p:attrName>
+                                        </p:attrNameLst>
+                                      </p:cBhvr>
+                                      <p:to>
+                                        <p:strVal val="hidden"/>
+                                      </p:to>
+                                    </p:set>
+                                  </p:childTnLst>
+                                </p:cTn>
+                              </p:par>
+                              <p:par>
+                                <p:cTn id="11" presetID="1" presetClass="entr" presetSubtype="0" fill="hold" nodeType="withEffect">
+                                  <p:stCondLst>
+                                    <p:cond delay="0"/>
+                                  </p:stCondLst>
+                                  <p:childTnLst>
+                                    <p:set>
+                                      <p:cBhvr>
+                                        <p:cTn id="12" dur="1" fill="hold">
+                                          <p:stCondLst>
+                                            <p:cond delay="0"/>
+                                          </p:stCondLst>
+                                        </p:cTn>
+                                        <p:tgtEl>
+                                          <p:spTgt spid="46"/>
+                                        </p:tgtEl>
+                                        <p:attrNameLst>
+                                          <p:attrName>style.visibility</p:attrName>
+                                        </p:attrNameLst>
+                                      </p:cBhvr>
+                                      <p:to>
+                                        <p:strVal val="visible"/>
+                                      </p:to>
+                                    </p:set>
+                                  </p:childTnLst>
+                                </p:cTn>
+                              </p:par>
+                            </p:childTnLst>
+                          </p:cTn>
+                        </p:par>
+                      </p:childTnLst>
+                    </p:cTn>
+                  </p:par>
+                </p:childTnLst>
+              </p:cTn>
+              <p:prevCondLst>
+                <p:cond evt="onPrev" delay="0">
+                  <p:tgtEl>
+                    <p:sldTgt/>
+                  </p:tgtEl>
+                </p:cond>
+              </p:prevCondLst>
+              <p:nextCondLst>
+                <p:cond evt="onNext" delay="0">
+                  <p:tgtEl>
+                    <p:sldTgt/>
+                  </p:tgtEl>
+                </p:cond>
+              </p:nextCondLst>
+            </p:seq>
+          </p:childTnLst>
+        </p:cTn>
+      </p:par>
+    </p:tnLst>
+  </p:timing>
 </p:sld>
 </file>
 
@@ -25232,7 +27121,7 @@
               </a:pPr>
               <a:r>
                 <a:rPr lang="en-US" sz="3200" dirty="0"/>
-                <a:t>Balancing</a:t>
+                <a:t>Self balancing</a:t>
               </a:r>
             </a:p>
           </p:txBody>
@@ -27211,6 +29100,78 @@
             <a:chExt cx="2532279" cy="2520329"/>
           </a:xfrm>
         </p:grpSpPr>
+        <p:cxnSp>
+          <p:nvCxnSpPr>
+            <p:cNvPr id="20" name="Connecteur droit avec flèche 19"/>
+            <p:cNvCxnSpPr/>
+            <p:nvPr/>
+          </p:nvCxnSpPr>
+          <p:spPr>
+            <a:xfrm flipH="1">
+              <a:off x="10263419" y="3573394"/>
+              <a:ext cx="262181" cy="427605"/>
+            </a:xfrm>
+            <a:prstGeom prst="straightConnector1">
+              <a:avLst/>
+            </a:prstGeom>
+            <a:ln w="38100">
+              <a:solidFill>
+                <a:srgbClr val="FF0000"/>
+              </a:solidFill>
+              <a:tailEnd type="triangle"/>
+            </a:ln>
+          </p:spPr>
+          <p:style>
+            <a:lnRef idx="1">
+              <a:schemeClr val="dk1"/>
+            </a:lnRef>
+            <a:fillRef idx="0">
+              <a:schemeClr val="dk1"/>
+            </a:fillRef>
+            <a:effectRef idx="0">
+              <a:schemeClr val="dk1"/>
+            </a:effectRef>
+            <a:fontRef idx="minor">
+              <a:schemeClr val="tx1"/>
+            </a:fontRef>
+          </p:style>
+        </p:cxnSp>
+        <p:cxnSp>
+          <p:nvCxnSpPr>
+            <p:cNvPr id="18" name="Connecteur droit avec flèche 17"/>
+            <p:cNvCxnSpPr/>
+            <p:nvPr/>
+          </p:nvCxnSpPr>
+          <p:spPr>
+            <a:xfrm flipH="1">
+              <a:off x="9595937" y="2627011"/>
+              <a:ext cx="262181" cy="427605"/>
+            </a:xfrm>
+            <a:prstGeom prst="straightConnector1">
+              <a:avLst/>
+            </a:prstGeom>
+            <a:ln w="38100">
+              <a:solidFill>
+                <a:srgbClr val="FF0000"/>
+              </a:solidFill>
+              <a:tailEnd type="triangle"/>
+            </a:ln>
+          </p:spPr>
+          <p:style>
+            <a:lnRef idx="1">
+              <a:schemeClr val="dk1"/>
+            </a:lnRef>
+            <a:fillRef idx="0">
+              <a:schemeClr val="dk1"/>
+            </a:fillRef>
+            <a:effectRef idx="0">
+              <a:schemeClr val="dk1"/>
+            </a:effectRef>
+            <a:fontRef idx="minor">
+              <a:schemeClr val="tx1"/>
+            </a:fontRef>
+          </p:style>
+        </p:cxnSp>
         <p:sp>
           <p:nvSpPr>
             <p:cNvPr id="12" name="Ellipse 11"/>
@@ -27487,42 +29448,6 @@
             </a:fontRef>
           </p:style>
         </p:cxnSp>
-        <p:cxnSp>
-          <p:nvCxnSpPr>
-            <p:cNvPr id="18" name="Connecteur droit avec flèche 17"/>
-            <p:cNvCxnSpPr/>
-            <p:nvPr/>
-          </p:nvCxnSpPr>
-          <p:spPr>
-            <a:xfrm flipH="1">
-              <a:off x="9595937" y="2627011"/>
-              <a:ext cx="262181" cy="427605"/>
-            </a:xfrm>
-            <a:prstGeom prst="straightConnector1">
-              <a:avLst/>
-            </a:prstGeom>
-            <a:ln w="38100">
-              <a:solidFill>
-                <a:srgbClr val="FF0000"/>
-              </a:solidFill>
-              <a:tailEnd type="triangle"/>
-            </a:ln>
-          </p:spPr>
-          <p:style>
-            <a:lnRef idx="1">
-              <a:schemeClr val="dk1"/>
-            </a:lnRef>
-            <a:fillRef idx="0">
-              <a:schemeClr val="dk1"/>
-            </a:fillRef>
-            <a:effectRef idx="0">
-              <a:schemeClr val="dk1"/>
-            </a:effectRef>
-            <a:fontRef idx="minor">
-              <a:schemeClr val="tx1"/>
-            </a:fontRef>
-          </p:style>
-        </p:cxnSp>
         <p:sp>
           <p:nvSpPr>
             <p:cNvPr id="19" name="Ellipse 18"/>
@@ -27574,9 +29499,60 @@
             </a:p>
           </p:txBody>
         </p:sp>
+      </p:grpSp>
+      <p:grpSp>
+        <p:nvGrpSpPr>
+          <p:cNvPr id="21" name="Groupe 20"/>
+          <p:cNvGrpSpPr/>
+          <p:nvPr/>
+        </p:nvGrpSpPr>
+        <p:grpSpPr>
+          <a:xfrm>
+            <a:off x="9339799" y="3560640"/>
+            <a:ext cx="1500502" cy="1493519"/>
+            <a:chOff x="9096292" y="2059578"/>
+            <a:chExt cx="2532279" cy="2520329"/>
+          </a:xfrm>
+        </p:grpSpPr>
         <p:cxnSp>
           <p:nvCxnSpPr>
-            <p:cNvPr id="20" name="Connecteur droit avec flèche 19"/>
+            <p:cNvPr id="28" name="Connecteur droit avec flèche 27"/>
+            <p:cNvCxnSpPr/>
+            <p:nvPr/>
+          </p:nvCxnSpPr>
+          <p:spPr>
+            <a:xfrm flipH="1">
+              <a:off x="9595937" y="2627011"/>
+              <a:ext cx="262181" cy="427605"/>
+            </a:xfrm>
+            <a:prstGeom prst="straightConnector1">
+              <a:avLst/>
+            </a:prstGeom>
+            <a:ln w="38100">
+              <a:solidFill>
+                <a:srgbClr val="FF0000"/>
+              </a:solidFill>
+              <a:tailEnd type="triangle"/>
+            </a:ln>
+          </p:spPr>
+          <p:style>
+            <a:lnRef idx="1">
+              <a:schemeClr val="dk1"/>
+            </a:lnRef>
+            <a:fillRef idx="0">
+              <a:schemeClr val="dk1"/>
+            </a:fillRef>
+            <a:effectRef idx="0">
+              <a:schemeClr val="dk1"/>
+            </a:effectRef>
+            <a:fontRef idx="minor">
+              <a:schemeClr val="tx1"/>
+            </a:fontRef>
+          </p:style>
+        </p:cxnSp>
+        <p:cxnSp>
+          <p:nvCxnSpPr>
+            <p:cNvPr id="30" name="Connecteur droit avec flèche 29"/>
             <p:cNvCxnSpPr/>
             <p:nvPr/>
           </p:nvCxnSpPr>
@@ -27610,21 +29586,6 @@
             </a:fontRef>
           </p:style>
         </p:cxnSp>
-      </p:grpSp>
-      <p:grpSp>
-        <p:nvGrpSpPr>
-          <p:cNvPr id="21" name="Groupe 20"/>
-          <p:cNvGrpSpPr/>
-          <p:nvPr/>
-        </p:nvGrpSpPr>
-        <p:grpSpPr>
-          <a:xfrm>
-            <a:off x="9339799" y="3560640"/>
-            <a:ext cx="1500502" cy="1493519"/>
-            <a:chOff x="9096292" y="2059578"/>
-            <a:chExt cx="2532279" cy="2520329"/>
-          </a:xfrm>
-        </p:grpSpPr>
         <p:sp>
           <p:nvSpPr>
             <p:cNvPr id="22" name="Ellipse 21"/>
@@ -27869,42 +29830,6 @@
             </a:fontRef>
           </p:style>
         </p:cxnSp>
-        <p:cxnSp>
-          <p:nvCxnSpPr>
-            <p:cNvPr id="28" name="Connecteur droit avec flèche 27"/>
-            <p:cNvCxnSpPr/>
-            <p:nvPr/>
-          </p:nvCxnSpPr>
-          <p:spPr>
-            <a:xfrm flipH="1">
-              <a:off x="9595937" y="2627011"/>
-              <a:ext cx="262181" cy="427605"/>
-            </a:xfrm>
-            <a:prstGeom prst="straightConnector1">
-              <a:avLst/>
-            </a:prstGeom>
-            <a:ln w="38100">
-              <a:solidFill>
-                <a:srgbClr val="FF0000"/>
-              </a:solidFill>
-              <a:tailEnd type="triangle"/>
-            </a:ln>
-          </p:spPr>
-          <p:style>
-            <a:lnRef idx="1">
-              <a:schemeClr val="dk1"/>
-            </a:lnRef>
-            <a:fillRef idx="0">
-              <a:schemeClr val="dk1"/>
-            </a:fillRef>
-            <a:effectRef idx="0">
-              <a:schemeClr val="dk1"/>
-            </a:effectRef>
-            <a:fontRef idx="minor">
-              <a:schemeClr val="tx1"/>
-            </a:fontRef>
-          </p:style>
-        </p:cxnSp>
         <p:sp>
           <p:nvSpPr>
             <p:cNvPr id="29" name="Ellipse 28"/>
@@ -27947,9 +29872,24 @@
             </a:p>
           </p:txBody>
         </p:sp>
+      </p:grpSp>
+      <p:grpSp>
+        <p:nvGrpSpPr>
+          <p:cNvPr id="31" name="Groupe 30"/>
+          <p:cNvGrpSpPr/>
+          <p:nvPr/>
+        </p:nvGrpSpPr>
+        <p:grpSpPr>
+          <a:xfrm>
+            <a:off x="9904058" y="1773572"/>
+            <a:ext cx="1500502" cy="1493519"/>
+            <a:chOff x="9096292" y="2059578"/>
+            <a:chExt cx="2532279" cy="2520329"/>
+          </a:xfrm>
+        </p:grpSpPr>
         <p:cxnSp>
           <p:nvCxnSpPr>
-            <p:cNvPr id="30" name="Connecteur droit avec flèche 29"/>
+            <p:cNvPr id="40" name="Connecteur droit avec flèche 39"/>
             <p:cNvCxnSpPr/>
             <p:nvPr/>
           </p:nvCxnSpPr>
@@ -27983,21 +29923,42 @@
             </a:fontRef>
           </p:style>
         </p:cxnSp>
-      </p:grpSp>
-      <p:grpSp>
-        <p:nvGrpSpPr>
-          <p:cNvPr id="31" name="Groupe 30"/>
-          <p:cNvGrpSpPr/>
-          <p:nvPr/>
-        </p:nvGrpSpPr>
-        <p:grpSpPr>
-          <a:xfrm>
-            <a:off x="9904058" y="1773572"/>
-            <a:ext cx="1500502" cy="1493519"/>
-            <a:chOff x="9096292" y="2059578"/>
-            <a:chExt cx="2532279" cy="2520329"/>
-          </a:xfrm>
-        </p:grpSpPr>
+        <p:cxnSp>
+          <p:nvCxnSpPr>
+            <p:cNvPr id="38" name="Connecteur droit avec flèche 37"/>
+            <p:cNvCxnSpPr/>
+            <p:nvPr/>
+          </p:nvCxnSpPr>
+          <p:spPr>
+            <a:xfrm flipH="1">
+              <a:off x="9595937" y="2627011"/>
+              <a:ext cx="262181" cy="427605"/>
+            </a:xfrm>
+            <a:prstGeom prst="straightConnector1">
+              <a:avLst/>
+            </a:prstGeom>
+            <a:ln w="38100">
+              <a:solidFill>
+                <a:srgbClr val="FF0000"/>
+              </a:solidFill>
+              <a:tailEnd type="triangle"/>
+            </a:ln>
+          </p:spPr>
+          <p:style>
+            <a:lnRef idx="1">
+              <a:schemeClr val="dk1"/>
+            </a:lnRef>
+            <a:fillRef idx="0">
+              <a:schemeClr val="dk1"/>
+            </a:fillRef>
+            <a:effectRef idx="0">
+              <a:schemeClr val="dk1"/>
+            </a:effectRef>
+            <a:fontRef idx="minor">
+              <a:schemeClr val="tx1"/>
+            </a:fontRef>
+          </p:style>
+        </p:cxnSp>
         <p:sp>
           <p:nvSpPr>
             <p:cNvPr id="32" name="Ellipse 31"/>
@@ -28230,42 +30191,6 @@
             </a:fontRef>
           </p:style>
         </p:cxnSp>
-        <p:cxnSp>
-          <p:nvCxnSpPr>
-            <p:cNvPr id="38" name="Connecteur droit avec flèche 37"/>
-            <p:cNvCxnSpPr/>
-            <p:nvPr/>
-          </p:nvCxnSpPr>
-          <p:spPr>
-            <a:xfrm flipH="1">
-              <a:off x="9595937" y="2627011"/>
-              <a:ext cx="262181" cy="427605"/>
-            </a:xfrm>
-            <a:prstGeom prst="straightConnector1">
-              <a:avLst/>
-            </a:prstGeom>
-            <a:ln w="38100">
-              <a:solidFill>
-                <a:srgbClr val="FF0000"/>
-              </a:solidFill>
-              <a:tailEnd type="triangle"/>
-            </a:ln>
-          </p:spPr>
-          <p:style>
-            <a:lnRef idx="1">
-              <a:schemeClr val="dk1"/>
-            </a:lnRef>
-            <a:fillRef idx="0">
-              <a:schemeClr val="dk1"/>
-            </a:fillRef>
-            <a:effectRef idx="0">
-              <a:schemeClr val="dk1"/>
-            </a:effectRef>
-            <a:fontRef idx="minor">
-              <a:schemeClr val="tx1"/>
-            </a:fontRef>
-          </p:style>
-        </p:cxnSp>
         <p:sp>
           <p:nvSpPr>
             <p:cNvPr id="39" name="Ellipse 38"/>
@@ -28305,42 +30230,6 @@
             </a:p>
           </p:txBody>
         </p:sp>
-        <p:cxnSp>
-          <p:nvCxnSpPr>
-            <p:cNvPr id="40" name="Connecteur droit avec flèche 39"/>
-            <p:cNvCxnSpPr/>
-            <p:nvPr/>
-          </p:nvCxnSpPr>
-          <p:spPr>
-            <a:xfrm flipH="1">
-              <a:off x="10263419" y="3573394"/>
-              <a:ext cx="262181" cy="427605"/>
-            </a:xfrm>
-            <a:prstGeom prst="straightConnector1">
-              <a:avLst/>
-            </a:prstGeom>
-            <a:ln w="38100">
-              <a:solidFill>
-                <a:srgbClr val="FF0000"/>
-              </a:solidFill>
-              <a:tailEnd type="triangle"/>
-            </a:ln>
-          </p:spPr>
-          <p:style>
-            <a:lnRef idx="1">
-              <a:schemeClr val="dk1"/>
-            </a:lnRef>
-            <a:fillRef idx="0">
-              <a:schemeClr val="dk1"/>
-            </a:fillRef>
-            <a:effectRef idx="0">
-              <a:schemeClr val="dk1"/>
-            </a:effectRef>
-            <a:fontRef idx="minor">
-              <a:schemeClr val="tx1"/>
-            </a:fontRef>
-          </p:style>
-        </p:cxnSp>
       </p:grpSp>
       <p:cxnSp>
         <p:nvCxnSpPr>
@@ -30082,8 +31971,8 @@
         </p:nvSpPr>
         <p:spPr>
           <a:xfrm>
-            <a:off x="7285076" y="1825625"/>
-            <a:ext cx="4198712" cy="4351338"/>
+            <a:off x="6749143" y="1825625"/>
+            <a:ext cx="4734645" cy="4351338"/>
           </a:xfrm>
           <a:prstGeom prst="rect">
             <a:avLst/>
@@ -30264,6 +32153,20 @@
             </a:r>
           </a:p>
           <a:p>
+            <a:pPr lvl="1"/>
+            <a:r>
+              <a:rPr lang="en-US" sz="2800" dirty="0"/>
+              <a:t>Parent – child links are consistent</a:t>
+            </a:r>
+          </a:p>
+          <a:p>
+            <a:pPr lvl="1"/>
+            <a:r>
+              <a:rPr lang="en-US" sz="2800" dirty="0"/>
+              <a:t>Roots have no parents</a:t>
+            </a:r>
+          </a:p>
+          <a:p>
             <a:r>
               <a:rPr lang="en-US" sz="3200" dirty="0"/>
               <a:t>Implemented as a type invariant</a:t>
@@ -30292,6 +32195,78 @@
             <a:chExt cx="2496647" cy="2566584"/>
           </a:xfrm>
         </p:grpSpPr>
+        <p:cxnSp>
+          <p:nvCxnSpPr>
+            <p:cNvPr id="18" name="Connecteur droit avec flèche 17"/>
+            <p:cNvCxnSpPr/>
+            <p:nvPr/>
+          </p:nvCxnSpPr>
+          <p:spPr>
+            <a:xfrm flipH="1">
+              <a:off x="4289103" y="5281222"/>
+              <a:ext cx="258492" cy="435453"/>
+            </a:xfrm>
+            <a:prstGeom prst="straightConnector1">
+              <a:avLst/>
+            </a:prstGeom>
+            <a:ln w="38100">
+              <a:solidFill>
+                <a:srgbClr val="FF0000"/>
+              </a:solidFill>
+              <a:tailEnd type="triangle"/>
+            </a:ln>
+          </p:spPr>
+          <p:style>
+            <a:lnRef idx="1">
+              <a:schemeClr val="dk1"/>
+            </a:lnRef>
+            <a:fillRef idx="0">
+              <a:schemeClr val="dk1"/>
+            </a:fillRef>
+            <a:effectRef idx="0">
+              <a:schemeClr val="dk1"/>
+            </a:effectRef>
+            <a:fontRef idx="minor">
+              <a:schemeClr val="tx1"/>
+            </a:fontRef>
+          </p:style>
+        </p:cxnSp>
+        <p:cxnSp>
+          <p:nvCxnSpPr>
+            <p:cNvPr id="16" name="Connecteur droit avec flèche 15"/>
+            <p:cNvCxnSpPr/>
+            <p:nvPr/>
+          </p:nvCxnSpPr>
+          <p:spPr>
+            <a:xfrm flipH="1">
+              <a:off x="3631013" y="4317470"/>
+              <a:ext cx="258492" cy="435453"/>
+            </a:xfrm>
+            <a:prstGeom prst="straightConnector1">
+              <a:avLst/>
+            </a:prstGeom>
+            <a:ln w="38100">
+              <a:solidFill>
+                <a:srgbClr val="FF0000"/>
+              </a:solidFill>
+              <a:tailEnd type="triangle"/>
+            </a:ln>
+          </p:spPr>
+          <p:style>
+            <a:lnRef idx="1">
+              <a:schemeClr val="dk1"/>
+            </a:lnRef>
+            <a:fillRef idx="0">
+              <a:schemeClr val="dk1"/>
+            </a:fillRef>
+            <a:effectRef idx="0">
+              <a:schemeClr val="dk1"/>
+            </a:effectRef>
+            <a:fontRef idx="minor">
+              <a:schemeClr val="tx1"/>
+            </a:fontRef>
+          </p:style>
+        </p:cxnSp>
         <p:sp>
           <p:nvSpPr>
             <p:cNvPr id="10" name="Ellipse 9"/>
@@ -30524,42 +32499,6 @@
             </a:fontRef>
           </p:style>
         </p:cxnSp>
-        <p:cxnSp>
-          <p:nvCxnSpPr>
-            <p:cNvPr id="16" name="Connecteur droit avec flèche 15"/>
-            <p:cNvCxnSpPr/>
-            <p:nvPr/>
-          </p:nvCxnSpPr>
-          <p:spPr>
-            <a:xfrm flipH="1">
-              <a:off x="3631013" y="4317470"/>
-              <a:ext cx="258492" cy="435453"/>
-            </a:xfrm>
-            <a:prstGeom prst="straightConnector1">
-              <a:avLst/>
-            </a:prstGeom>
-            <a:ln w="38100">
-              <a:solidFill>
-                <a:srgbClr val="FF0000"/>
-              </a:solidFill>
-              <a:tailEnd type="triangle"/>
-            </a:ln>
-          </p:spPr>
-          <p:style>
-            <a:lnRef idx="1">
-              <a:schemeClr val="dk1"/>
-            </a:lnRef>
-            <a:fillRef idx="0">
-              <a:schemeClr val="dk1"/>
-            </a:fillRef>
-            <a:effectRef idx="0">
-              <a:schemeClr val="dk1"/>
-            </a:effectRef>
-            <a:fontRef idx="minor">
-              <a:schemeClr val="tx1"/>
-            </a:fontRef>
-          </p:style>
-        </p:cxnSp>
         <p:sp>
           <p:nvSpPr>
             <p:cNvPr id="17" name="Ellipse 16"/>
@@ -30599,42 +32538,6 @@
             </a:p>
           </p:txBody>
         </p:sp>
-        <p:cxnSp>
-          <p:nvCxnSpPr>
-            <p:cNvPr id="18" name="Connecteur droit avec flèche 17"/>
-            <p:cNvCxnSpPr/>
-            <p:nvPr/>
-          </p:nvCxnSpPr>
-          <p:spPr>
-            <a:xfrm flipH="1">
-              <a:off x="4289103" y="5281222"/>
-              <a:ext cx="258492" cy="435453"/>
-            </a:xfrm>
-            <a:prstGeom prst="straightConnector1">
-              <a:avLst/>
-            </a:prstGeom>
-            <a:ln w="38100">
-              <a:solidFill>
-                <a:srgbClr val="FF0000"/>
-              </a:solidFill>
-              <a:tailEnd type="triangle"/>
-            </a:ln>
-          </p:spPr>
-          <p:style>
-            <a:lnRef idx="1">
-              <a:schemeClr val="dk1"/>
-            </a:lnRef>
-            <a:fillRef idx="0">
-              <a:schemeClr val="dk1"/>
-            </a:fillRef>
-            <a:effectRef idx="0">
-              <a:schemeClr val="dk1"/>
-            </a:effectRef>
-            <a:fontRef idx="minor">
-              <a:schemeClr val="tx1"/>
-            </a:fontRef>
-          </p:style>
-        </p:cxnSp>
         <p:cxnSp>
           <p:nvCxnSpPr>
             <p:cNvPr id="26" name="Connecteur droit avec flèche 25"/>
